--- a/Visualization.pptx
+++ b/Visualization.pptx
@@ -44,7 +44,7 @@
 </p:presentation>
 </file>
 
-<file path=ppt/charts/chart2.xml><?xml version="1.0" encoding="utf-8"?>
+<file path=ppt/charts/chart1.xml><?xml version="1.0" encoding="utf-8"?>
 <c:chartSpace xmlns:c="http://schemas.openxmlformats.org/drawingml/2006/chart" xmlns:a="http://schemas.openxmlformats.org/drawingml/2006/main" xmlns:r="http://schemas.openxmlformats.org/officeDocument/2006/relationships">
   <c:lang val="en-US"/>
   <c:roundedCorners val="0"/>
@@ -301,11 +301,11 @@
           </c:spPr>
         </c:hiLowLines>
         <c:marker val="0"/>
-        <c:axId val="97327720"/>
-        <c:axId val="81043302"/>
+        <c:axId val="75840533"/>
+        <c:axId val="55457097"/>
       </c:lineChart>
       <c:catAx>
-        <c:axId val="97327720"/>
+        <c:axId val="75840533"/>
         <c:scaling>
           <c:orientation val="minMax"/>
         </c:scaling>
@@ -337,14 +337,14 @@
             </a:pPr>
           </a:p>
         </c:txPr>
-        <c:crossAx val="81043302"/>
+        <c:crossAx val="55457097"/>
         <c:crosses val="autoZero"/>
         <c:auto val="1"/>
         <c:lblAlgn val="ctr"/>
         <c:lblOffset val="100"/>
       </c:catAx>
       <c:valAx>
-        <c:axId val="81043302"/>
+        <c:axId val="55457097"/>
         <c:scaling>
           <c:orientation val="minMax"/>
         </c:scaling>
@@ -373,7 +373,7 @@
             </a:pPr>
           </a:p>
         </c:txPr>
-        <c:crossAx val="97327720"/>
+        <c:crossAx val="75840533"/>
         <c:crosses val="autoZero"/>
         <c:crossBetween val="midCat"/>
       </c:valAx>
@@ -8678,8 +8678,8 @@
         </p:nvSpPr>
         <p:spPr>
           <a:xfrm rot="5400000">
-            <a:off x="8674920" y="124200"/>
-            <a:ext cx="257400" cy="254520"/>
+            <a:off x="8675280" y="123840"/>
+            <a:ext cx="257040" cy="254160"/>
           </a:xfrm>
           <a:prstGeom prst="roundRect">
             <a:avLst>
@@ -8717,7 +8717,7 @@
         <p:spPr>
           <a:xfrm>
             <a:off x="8531280" y="97560"/>
-            <a:ext cx="551160" cy="273960"/>
+            <a:ext cx="550800" cy="273600"/>
           </a:xfrm>
           <a:prstGeom prst="rect">
             <a:avLst/>
@@ -8741,7 +8741,7 @@
                 <a:spcPct val="100000"/>
               </a:lnSpc>
             </a:pPr>
-            <a:fld id="{EEFCEAD8-9397-4541-A28B-63F4514A92E0}" type="slidenum">
+            <a:fld id="{FE7961A8-7AF4-4E5A-B99F-420658ECBCAA}" type="slidenum">
               <a:rPr b="0" lang="en-US" sz="1100" spc="-1" strike="noStrike">
                 <a:solidFill>
                   <a:srgbClr val="ffffff"/>
@@ -9023,8 +9023,8 @@
         </p:nvSpPr>
         <p:spPr>
           <a:xfrm rot="5400000">
-            <a:off x="8674920" y="124200"/>
-            <a:ext cx="257400" cy="254520"/>
+            <a:off x="8675280" y="123840"/>
+            <a:ext cx="257040" cy="254160"/>
           </a:xfrm>
           <a:prstGeom prst="roundRect">
             <a:avLst>
@@ -9062,7 +9062,7 @@
         <p:spPr>
           <a:xfrm>
             <a:off x="8531280" y="97560"/>
-            <a:ext cx="551160" cy="273960"/>
+            <a:ext cx="550800" cy="273600"/>
           </a:xfrm>
           <a:prstGeom prst="rect">
             <a:avLst/>
@@ -9086,7 +9086,7 @@
                 <a:spcPct val="100000"/>
               </a:lnSpc>
             </a:pPr>
-            <a:fld id="{463D8348-8F50-4449-97F9-6BCD045F86A4}" type="slidenum">
+            <a:fld id="{9C7560F1-DD2F-4A96-8AA7-914B2C654F65}" type="slidenum">
               <a:rPr b="0" lang="en-US" sz="1100" spc="-1" strike="noStrike">
                 <a:solidFill>
                   <a:srgbClr val="ffffff"/>
@@ -9368,8 +9368,8 @@
         </p:nvSpPr>
         <p:spPr>
           <a:xfrm rot="5400000">
-            <a:off x="8674920" y="124200"/>
-            <a:ext cx="257400" cy="254520"/>
+            <a:off x="8675280" y="123840"/>
+            <a:ext cx="257040" cy="254160"/>
           </a:xfrm>
           <a:prstGeom prst="roundRect">
             <a:avLst>
@@ -9407,7 +9407,7 @@
         <p:spPr>
           <a:xfrm>
             <a:off x="8531280" y="97560"/>
-            <a:ext cx="551160" cy="273960"/>
+            <a:ext cx="550800" cy="273600"/>
           </a:xfrm>
           <a:prstGeom prst="rect">
             <a:avLst/>
@@ -9431,7 +9431,7 @@
                 <a:spcPct val="100000"/>
               </a:lnSpc>
             </a:pPr>
-            <a:fld id="{E11ACF5C-F383-4340-A672-A32DF992F7FE}" type="slidenum">
+            <a:fld id="{574F3E1A-869F-44CF-80EC-E36B996BD46D}" type="slidenum">
               <a:rPr b="0" lang="en-US" sz="1100" spc="-1" strike="noStrike">
                 <a:solidFill>
                   <a:srgbClr val="ffffff"/>
@@ -9713,8 +9713,8 @@
         </p:nvSpPr>
         <p:spPr>
           <a:xfrm rot="5400000">
-            <a:off x="8674920" y="124200"/>
-            <a:ext cx="257400" cy="254520"/>
+            <a:off x="8675280" y="123840"/>
+            <a:ext cx="257040" cy="254160"/>
           </a:xfrm>
           <a:prstGeom prst="roundRect">
             <a:avLst>
@@ -9752,7 +9752,7 @@
         <p:spPr>
           <a:xfrm>
             <a:off x="8531280" y="97560"/>
-            <a:ext cx="551160" cy="273960"/>
+            <a:ext cx="550800" cy="273600"/>
           </a:xfrm>
           <a:prstGeom prst="rect">
             <a:avLst/>
@@ -9776,7 +9776,7 @@
                 <a:spcPct val="100000"/>
               </a:lnSpc>
             </a:pPr>
-            <a:fld id="{68D4B6DF-CD30-4BFE-B6BB-A78E73486DA8}" type="slidenum">
+            <a:fld id="{EC65540C-2A9F-4F5D-B8F8-DD157954A57E}" type="slidenum">
               <a:rPr b="0" lang="en-US" sz="1100" spc="-1" strike="noStrike">
                 <a:solidFill>
                   <a:srgbClr val="ffffff"/>
@@ -10058,8 +10058,8 @@
         </p:nvSpPr>
         <p:spPr>
           <a:xfrm rot="5400000">
-            <a:off x="8674920" y="124200"/>
-            <a:ext cx="257400" cy="254520"/>
+            <a:off x="8675280" y="123840"/>
+            <a:ext cx="257040" cy="254160"/>
           </a:xfrm>
           <a:prstGeom prst="roundRect">
             <a:avLst>
@@ -10097,7 +10097,7 @@
         <p:spPr>
           <a:xfrm>
             <a:off x="8531280" y="97560"/>
-            <a:ext cx="551160" cy="273960"/>
+            <a:ext cx="550800" cy="273600"/>
           </a:xfrm>
           <a:prstGeom prst="rect">
             <a:avLst/>
@@ -10121,7 +10121,7 @@
                 <a:spcPct val="100000"/>
               </a:lnSpc>
             </a:pPr>
-            <a:fld id="{21D0EFB2-F096-40CD-965E-76C28749E7AA}" type="slidenum">
+            <a:fld id="{12415C2B-0342-47EE-A88C-6F30C0FB6405}" type="slidenum">
               <a:rPr b="0" lang="en-US" sz="1100" spc="-1" strike="noStrike">
                 <a:solidFill>
                   <a:srgbClr val="ffffff"/>
@@ -10404,7 +10404,7 @@
         <p:spPr>
           <a:xfrm>
             <a:off x="1470960" y="511560"/>
-            <a:ext cx="6201000" cy="617040"/>
+            <a:ext cx="6200640" cy="616680"/>
           </a:xfrm>
           <a:prstGeom prst="rect">
             <a:avLst/>
@@ -10456,7 +10456,7 @@
         <p:spPr>
           <a:xfrm>
             <a:off x="3252960" y="225720"/>
-            <a:ext cx="2733120" cy="303120"/>
+            <a:ext cx="2732760" cy="302760"/>
           </a:xfrm>
           <a:prstGeom prst="rect">
             <a:avLst/>
@@ -10508,7 +10508,7 @@
         <p:spPr>
           <a:xfrm>
             <a:off x="3898080" y="4135320"/>
-            <a:ext cx="1561320" cy="303120"/>
+            <a:ext cx="1560960" cy="302760"/>
           </a:xfrm>
           <a:prstGeom prst="rect">
             <a:avLst/>
@@ -10560,7 +10560,7 @@
         <p:spPr>
           <a:xfrm>
             <a:off x="3898080" y="4388040"/>
-            <a:ext cx="1561320" cy="353160"/>
+            <a:ext cx="1560960" cy="352800"/>
           </a:xfrm>
           <a:prstGeom prst="rect">
             <a:avLst/>
@@ -10581,7 +10581,7 @@
           <a:p>
             <a:pPr algn="ctr">
               <a:lnSpc>
-                <a:spcPts val="61"/>
+                <a:spcPts val="22"/>
               </a:lnSpc>
             </a:pPr>
             <a:r>
@@ -10601,7 +10601,7 @@
           <a:p>
             <a:pPr algn="ctr">
               <a:lnSpc>
-                <a:spcPts val="61"/>
+                <a:spcPts val="22"/>
               </a:lnSpc>
             </a:pPr>
             <a:r>
@@ -10621,7 +10621,7 @@
           <a:p>
             <a:pPr algn="ctr">
               <a:lnSpc>
-                <a:spcPts val="61"/>
+                <a:spcPts val="22"/>
               </a:lnSpc>
             </a:pPr>
             <a:r>
@@ -10648,7 +10648,7 @@
         </p:nvGraphicFramePr>
         <p:xfrm>
           <a:off x="703440" y="1302120"/>
-          <a:ext cx="7736040" cy="2612520"/>
+          <a:ext cx="7735680" cy="2612160"/>
         </p:xfrm>
         <a:graphic>
           <a:graphicData uri="http://schemas.openxmlformats.org/drawingml/2006/chart">
@@ -10714,7 +10714,7 @@
         <p:spPr>
           <a:xfrm>
             <a:off x="0" y="0"/>
-            <a:ext cx="4206960" cy="5146920"/>
+            <a:ext cx="4206600" cy="5146560"/>
           </a:xfrm>
           <a:custGeom>
             <a:avLst/>
@@ -10842,7 +10842,7 @@
         <p:spPr>
           <a:xfrm>
             <a:off x="4572000" y="742680"/>
-            <a:ext cx="4102560" cy="576360"/>
+            <a:ext cx="4102200" cy="576000"/>
           </a:xfrm>
           <a:prstGeom prst="rect">
             <a:avLst/>
@@ -10894,7 +10894,7 @@
         <p:spPr>
           <a:xfrm>
             <a:off x="4572000" y="1364760"/>
-            <a:ext cx="4102560" cy="221040"/>
+            <a:ext cx="4102200" cy="220680"/>
           </a:xfrm>
           <a:prstGeom prst="rect">
             <a:avLst/>
@@ -10937,277 +10937,73 @@
           </a:p>
         </p:txBody>
       </p:sp>
-      <p:sp>
-        <p:nvSpPr>
-          <p:cNvPr id="314" name="CustomShape 4"/>
-          <p:cNvSpPr/>
+      <p:pic>
+        <p:nvPicPr>
+          <p:cNvPr id="314" name="" descr=""/>
+          <p:cNvPicPr/>
           <p:nvPr/>
-        </p:nvSpPr>
-        <p:spPr>
-          <a:xfrm>
-            <a:off x="1177200" y="1475640"/>
-            <a:ext cx="1766880" cy="2214360"/>
-          </a:xfrm>
-          <a:custGeom>
-            <a:avLst/>
-            <a:gdLst/>
-            <a:ahLst/>
-            <a:rect l="l" t="t" r="r" b="b"/>
-            <a:pathLst>
-              <a:path w="2575494" h="3224927">
-                <a:moveTo>
-                  <a:pt x="1316660" y="0"/>
-                </a:moveTo>
-                <a:cubicBezTo>
-                  <a:pt x="1432313" y="0"/>
-                  <a:pt x="1545000" y="11120"/>
-                  <a:pt x="1654721" y="33361"/>
-                </a:cubicBezTo>
-                <a:cubicBezTo>
-                  <a:pt x="1764443" y="55602"/>
-                  <a:pt x="1870458" y="83774"/>
-                  <a:pt x="1972766" y="117876"/>
-                </a:cubicBezTo>
-                <a:cubicBezTo>
-                  <a:pt x="2075074" y="151979"/>
-                  <a:pt x="2170710" y="189047"/>
-                  <a:pt x="2259673" y="229081"/>
-                </a:cubicBezTo>
-                <a:cubicBezTo>
-                  <a:pt x="2304155" y="249097"/>
-                  <a:pt x="2346413" y="268558"/>
-                  <a:pt x="2386446" y="287463"/>
-                </a:cubicBezTo>
-                <a:lnTo>
-                  <a:pt x="2465656" y="325903"/>
-                </a:lnTo>
-                <a:lnTo>
-                  <a:pt x="2484041" y="372857"/>
-                </a:lnTo>
-                <a:lnTo>
-                  <a:pt x="2126228" y="1058665"/>
-                </a:lnTo>
-                <a:cubicBezTo>
-                  <a:pt x="2037264" y="1005287"/>
-                  <a:pt x="1945335" y="957840"/>
-                  <a:pt x="1850441" y="916324"/>
-                </a:cubicBezTo>
-                <a:cubicBezTo>
-                  <a:pt x="1770374" y="880738"/>
-                  <a:pt x="1680669" y="847377"/>
-                  <a:pt x="1581326" y="816240"/>
-                </a:cubicBezTo>
-                <a:cubicBezTo>
-                  <a:pt x="1481984" y="785103"/>
-                  <a:pt x="1384865" y="769534"/>
-                  <a:pt x="1289971" y="769534"/>
-                </a:cubicBezTo>
-                <a:cubicBezTo>
-                  <a:pt x="1212869" y="769534"/>
-                  <a:pt x="1151336" y="781396"/>
-                  <a:pt x="1105372" y="805119"/>
-                </a:cubicBezTo>
-                <a:cubicBezTo>
-                  <a:pt x="1059407" y="828843"/>
-                  <a:pt x="1036425" y="868877"/>
-                  <a:pt x="1036425" y="925220"/>
-                </a:cubicBezTo>
-                <a:cubicBezTo>
-                  <a:pt x="1036425" y="966736"/>
-                  <a:pt x="1049770" y="1000839"/>
-                  <a:pt x="1076459" y="1027528"/>
-                </a:cubicBezTo>
-                <a:cubicBezTo>
-                  <a:pt x="1103148" y="1054217"/>
-                  <a:pt x="1141698" y="1078682"/>
-                  <a:pt x="1192111" y="1100923"/>
-                </a:cubicBezTo>
-                <a:cubicBezTo>
-                  <a:pt x="1242524" y="1123164"/>
-                  <a:pt x="1304057" y="1144664"/>
-                  <a:pt x="1376710" y="1165422"/>
-                </a:cubicBezTo>
-                <a:cubicBezTo>
-                  <a:pt x="1449364" y="1186180"/>
-                  <a:pt x="1531655" y="1211386"/>
-                  <a:pt x="1623584" y="1241041"/>
-                </a:cubicBezTo>
-                <a:cubicBezTo>
-                  <a:pt x="1768891" y="1285522"/>
-                  <a:pt x="1900112" y="1334452"/>
-                  <a:pt x="2017248" y="1387830"/>
-                </a:cubicBezTo>
-                <a:cubicBezTo>
-                  <a:pt x="2134383" y="1441209"/>
-                  <a:pt x="2234467" y="1504224"/>
-                  <a:pt x="2317499" y="1576878"/>
-                </a:cubicBezTo>
-                <a:cubicBezTo>
-                  <a:pt x="2400532" y="1649531"/>
-                  <a:pt x="2464289" y="1737754"/>
-                  <a:pt x="2508771" y="1841544"/>
-                </a:cubicBezTo>
-                <a:cubicBezTo>
-                  <a:pt x="2553253" y="1945335"/>
-                  <a:pt x="2575494" y="2071367"/>
-                  <a:pt x="2575494" y="2219639"/>
-                </a:cubicBezTo>
-                <a:cubicBezTo>
-                  <a:pt x="2575494" y="2409428"/>
-                  <a:pt x="2540650" y="2568821"/>
-                  <a:pt x="2470961" y="2697818"/>
-                </a:cubicBezTo>
-                <a:cubicBezTo>
-                  <a:pt x="2401273" y="2826815"/>
-                  <a:pt x="2309344" y="2929864"/>
-                  <a:pt x="2195175" y="3006966"/>
-                </a:cubicBezTo>
-                <a:cubicBezTo>
-                  <a:pt x="2081005" y="3084068"/>
-                  <a:pt x="1952008" y="3139670"/>
-                  <a:pt x="1808183" y="3173773"/>
-                </a:cubicBezTo>
-                <a:cubicBezTo>
-                  <a:pt x="1664359" y="3207875"/>
-                  <a:pt x="1519793" y="3224927"/>
-                  <a:pt x="1374486" y="3224927"/>
-                </a:cubicBezTo>
-                <a:cubicBezTo>
-                  <a:pt x="1258834" y="3224927"/>
-                  <a:pt x="1140216" y="3216030"/>
-                  <a:pt x="1018632" y="3198238"/>
-                </a:cubicBezTo>
-                <a:cubicBezTo>
-                  <a:pt x="897049" y="3180445"/>
-                  <a:pt x="776207" y="3155239"/>
-                  <a:pt x="656106" y="3122619"/>
-                </a:cubicBezTo>
-                <a:cubicBezTo>
-                  <a:pt x="536005" y="3089999"/>
-                  <a:pt x="420353" y="3051448"/>
-                  <a:pt x="309148" y="3006966"/>
-                </a:cubicBezTo>
-                <a:cubicBezTo>
-                  <a:pt x="197944" y="2962484"/>
-                  <a:pt x="94895" y="2912072"/>
-                  <a:pt x="0" y="2855728"/>
-                </a:cubicBezTo>
-                <a:lnTo>
-                  <a:pt x="373647" y="2095090"/>
-                </a:lnTo>
-                <a:cubicBezTo>
-                  <a:pt x="477438" y="2160330"/>
-                  <a:pt x="585677" y="2218157"/>
-                  <a:pt x="698364" y="2268569"/>
-                </a:cubicBezTo>
-                <a:cubicBezTo>
-                  <a:pt x="793258" y="2313051"/>
-                  <a:pt x="900756" y="2353084"/>
-                  <a:pt x="1020856" y="2388670"/>
-                </a:cubicBezTo>
-                <a:cubicBezTo>
-                  <a:pt x="1140957" y="2424255"/>
-                  <a:pt x="1263282" y="2442048"/>
-                  <a:pt x="1387831" y="2442048"/>
-                </a:cubicBezTo>
-                <a:cubicBezTo>
-                  <a:pt x="1482725" y="2442048"/>
-                  <a:pt x="1548707" y="2429445"/>
-                  <a:pt x="1585775" y="2404238"/>
-                </a:cubicBezTo>
-                <a:cubicBezTo>
-                  <a:pt x="1622843" y="2379032"/>
-                  <a:pt x="1641377" y="2345671"/>
-                  <a:pt x="1641377" y="2304154"/>
-                </a:cubicBezTo>
-                <a:cubicBezTo>
-                  <a:pt x="1641377" y="2259673"/>
-                  <a:pt x="1622843" y="2221863"/>
-                  <a:pt x="1585775" y="2190726"/>
-                </a:cubicBezTo>
-                <a:cubicBezTo>
-                  <a:pt x="1548707" y="2159589"/>
-                  <a:pt x="1497553" y="2132158"/>
-                  <a:pt x="1432313" y="2108435"/>
-                </a:cubicBezTo>
-                <a:cubicBezTo>
-                  <a:pt x="1367073" y="2084711"/>
-                  <a:pt x="1292195" y="2060987"/>
-                  <a:pt x="1207680" y="2037264"/>
-                </a:cubicBezTo>
-                <a:cubicBezTo>
-                  <a:pt x="1123165" y="2013540"/>
-                  <a:pt x="1033460" y="1985369"/>
-                  <a:pt x="938565" y="1952749"/>
-                </a:cubicBezTo>
-                <a:cubicBezTo>
-                  <a:pt x="799189" y="1905301"/>
-                  <a:pt x="679088" y="1854147"/>
-                  <a:pt x="578263" y="1799287"/>
-                </a:cubicBezTo>
-                <a:cubicBezTo>
-                  <a:pt x="477438" y="1744426"/>
-                  <a:pt x="394405" y="1682151"/>
-                  <a:pt x="329165" y="1612463"/>
-                </a:cubicBezTo>
-                <a:cubicBezTo>
-                  <a:pt x="263925" y="1542775"/>
-                  <a:pt x="215737" y="1463449"/>
-                  <a:pt x="184600" y="1374486"/>
-                </a:cubicBezTo>
-                <a:cubicBezTo>
-                  <a:pt x="153462" y="1285522"/>
-                  <a:pt x="137894" y="1183214"/>
-                  <a:pt x="137894" y="1067562"/>
-                </a:cubicBezTo>
-                <a:cubicBezTo>
-                  <a:pt x="137894" y="892600"/>
-                  <a:pt x="169772" y="738397"/>
-                  <a:pt x="233529" y="604952"/>
-                </a:cubicBezTo>
-                <a:cubicBezTo>
-                  <a:pt x="297287" y="471506"/>
-                  <a:pt x="384026" y="360302"/>
-                  <a:pt x="493748" y="271338"/>
-                </a:cubicBezTo>
-                <a:cubicBezTo>
-                  <a:pt x="603469" y="182375"/>
-                  <a:pt x="728760" y="114911"/>
-                  <a:pt x="869618" y="68946"/>
-                </a:cubicBezTo>
-                <a:cubicBezTo>
-                  <a:pt x="1010477" y="22982"/>
-                  <a:pt x="1159491" y="0"/>
-                  <a:pt x="1316660" y="0"/>
-                </a:cubicBezTo>
-                <a:close/>
-              </a:path>
-            </a:pathLst>
-          </a:custGeom>
-          <a:solidFill>
-            <a:schemeClr val="bg1"/>
-          </a:solidFill>
+        </p:nvPicPr>
+        <p:blipFill>
+          <a:blip r:embed="rId1"/>
+          <a:stretch/>
+        </p:blipFill>
+        <p:spPr>
+          <a:xfrm>
+            <a:off x="4608000" y="1946520"/>
+            <a:ext cx="9142920" cy="2628360"/>
+          </a:xfrm>
+          <a:prstGeom prst="rect">
+            <a:avLst/>
+          </a:prstGeom>
           <a:ln>
             <a:noFill/>
           </a:ln>
         </p:spPr>
-        <p:style>
-          <a:lnRef idx="0"/>
-          <a:fillRef idx="0"/>
-          <a:effectRef idx="0"/>
-          <a:fontRef idx="minor"/>
-        </p:style>
-      </p:sp>
-      <p:sp>
-        <p:nvSpPr>
-          <p:cNvPr id="315" name="CustomShape 5"/>
+      </p:pic>
+      <p:sp>
+        <p:nvSpPr>
+          <p:cNvPr id="315" name="TextShape 4"/>
+          <p:cNvSpPr txBox="1"/>
+          <p:nvPr/>
+        </p:nvSpPr>
+        <p:spPr>
+          <a:xfrm>
+            <a:off x="884520" y="914400"/>
+            <a:ext cx="2315880" cy="2952360"/>
+          </a:xfrm>
+          <a:prstGeom prst="rect">
+            <a:avLst/>
+          </a:prstGeom>
+          <a:noFill/>
+          <a:ln>
+            <a:noFill/>
+          </a:ln>
+        </p:spPr>
+        <p:txBody>
+          <a:bodyPr lIns="90000" rIns="90000" tIns="45000" bIns="45000"/>
+          <a:p>
+            <a:r>
+              <a:rPr b="1" lang="en-US" sz="20190" spc="-1" strike="noStrike">
+                <a:latin typeface="Arial"/>
+              </a:rPr>
+              <a:t>M</a:t>
+            </a:r>
+            <a:endParaRPr b="0" lang="en-US" sz="20190" spc="-1" strike="noStrike">
+              <a:latin typeface="Arial"/>
+            </a:endParaRPr>
+          </a:p>
+        </p:txBody>
+      </p:sp>
+      <p:sp>
+        <p:nvSpPr>
+          <p:cNvPr id="316" name="CustomShape 5"/>
           <p:cNvSpPr/>
           <p:nvPr/>
         </p:nvSpPr>
         <p:spPr>
           <a:xfrm>
             <a:off x="2682720" y="-1215360"/>
-            <a:ext cx="772560" cy="3979800"/>
+            <a:ext cx="772200" cy="3979440"/>
           </a:xfrm>
           <a:custGeom>
             <a:avLst/>
@@ -11349,29 +11145,6 @@
           <a:fontRef idx="minor"/>
         </p:style>
       </p:sp>
-      <p:pic>
-        <p:nvPicPr>
-          <p:cNvPr id="316" name="" descr=""/>
-          <p:cNvPicPr/>
-          <p:nvPr/>
-        </p:nvPicPr>
-        <p:blipFill>
-          <a:blip r:embed="rId1"/>
-          <a:stretch/>
-        </p:blipFill>
-        <p:spPr>
-          <a:xfrm>
-            <a:off x="4608000" y="1946520"/>
-            <a:ext cx="9143280" cy="2628720"/>
-          </a:xfrm>
-          <a:prstGeom prst="rect">
-            <a:avLst/>
-          </a:prstGeom>
-          <a:ln>
-            <a:noFill/>
-          </a:ln>
-        </p:spPr>
-      </p:pic>
     </p:spTree>
   </p:cSld>
   <p:timing>
@@ -11430,7 +11203,7 @@
         <p:spPr>
           <a:xfrm>
             <a:off x="4572000" y="742680"/>
-            <a:ext cx="4102560" cy="576360"/>
+            <a:ext cx="4102200" cy="576000"/>
           </a:xfrm>
           <a:prstGeom prst="rect">
             <a:avLst/>
@@ -11482,7 +11255,7 @@
         <p:spPr>
           <a:xfrm>
             <a:off x="4572000" y="1364760"/>
-            <a:ext cx="4102560" cy="221040"/>
+            <a:ext cx="4102200" cy="220680"/>
           </a:xfrm>
           <a:prstGeom prst="rect">
             <a:avLst/>
@@ -11535,7 +11308,7 @@
         <p:spPr>
           <a:xfrm>
             <a:off x="320040" y="1464120"/>
-            <a:ext cx="7419240" cy="3573720"/>
+            <a:ext cx="7418880" cy="3573360"/>
           </a:xfrm>
           <a:prstGeom prst="rect">
             <a:avLst/>
@@ -11603,7 +11376,7 @@
         <p:spPr>
           <a:xfrm>
             <a:off x="4572000" y="130320"/>
-            <a:ext cx="4102560" cy="576360"/>
+            <a:ext cx="4102200" cy="576000"/>
           </a:xfrm>
           <a:prstGeom prst="rect">
             <a:avLst/>
@@ -11655,7 +11428,7 @@
         <p:spPr>
           <a:xfrm>
             <a:off x="4572000" y="752040"/>
-            <a:ext cx="4102560" cy="221040"/>
+            <a:ext cx="4102200" cy="220680"/>
           </a:xfrm>
           <a:prstGeom prst="rect">
             <a:avLst/>
@@ -11708,7 +11481,7 @@
         <p:spPr>
           <a:xfrm>
             <a:off x="365760" y="743040"/>
-            <a:ext cx="7497720" cy="4748760"/>
+            <a:ext cx="7497360" cy="4748400"/>
           </a:xfrm>
           <a:prstGeom prst="rect">
             <a:avLst/>
@@ -11731,7 +11504,7 @@
         <p:spPr>
           <a:xfrm>
             <a:off x="5862240" y="1166760"/>
-            <a:ext cx="7944840" cy="5147280"/>
+            <a:ext cx="7944480" cy="5146920"/>
           </a:xfrm>
           <a:prstGeom prst="rect">
             <a:avLst/>
@@ -11799,7 +11572,7 @@
         <p:spPr>
           <a:xfrm>
             <a:off x="4572000" y="130320"/>
-            <a:ext cx="4102560" cy="576360"/>
+            <a:ext cx="4102200" cy="576000"/>
           </a:xfrm>
           <a:prstGeom prst="rect">
             <a:avLst/>
@@ -11851,7 +11624,7 @@
         <p:spPr>
           <a:xfrm>
             <a:off x="4572000" y="752040"/>
-            <a:ext cx="4102560" cy="221040"/>
+            <a:ext cx="4102200" cy="220680"/>
           </a:xfrm>
           <a:prstGeom prst="rect">
             <a:avLst/>
@@ -11904,7 +11677,7 @@
         <p:spPr>
           <a:xfrm>
             <a:off x="414000" y="730440"/>
-            <a:ext cx="7410600" cy="4225320"/>
+            <a:ext cx="7410240" cy="4224960"/>
           </a:xfrm>
           <a:prstGeom prst="rect">
             <a:avLst/>
@@ -11972,7 +11745,7 @@
         <p:spPr>
           <a:xfrm>
             <a:off x="4572000" y="130320"/>
-            <a:ext cx="4102560" cy="576360"/>
+            <a:ext cx="4102200" cy="576000"/>
           </a:xfrm>
           <a:prstGeom prst="rect">
             <a:avLst/>
@@ -12024,7 +11797,7 @@
         <p:spPr>
           <a:xfrm>
             <a:off x="4572000" y="752040"/>
-            <a:ext cx="4102560" cy="221040"/>
+            <a:ext cx="4102200" cy="220680"/>
           </a:xfrm>
           <a:prstGeom prst="rect">
             <a:avLst/>
@@ -12077,7 +11850,7 @@
         <p:spPr>
           <a:xfrm>
             <a:off x="320040" y="725760"/>
-            <a:ext cx="7543440" cy="4075560"/>
+            <a:ext cx="7543080" cy="4075200"/>
           </a:xfrm>
           <a:prstGeom prst="rect">
             <a:avLst/>
@@ -12100,7 +11873,7 @@
         <p:spPr>
           <a:xfrm>
             <a:off x="4206240" y="1006560"/>
-            <a:ext cx="6643440" cy="4218480"/>
+            <a:ext cx="6643080" cy="4218120"/>
           </a:xfrm>
           <a:prstGeom prst="rect">
             <a:avLst/>
@@ -12168,7 +11941,7 @@
         <p:spPr>
           <a:xfrm>
             <a:off x="731520" y="130320"/>
-            <a:ext cx="7943040" cy="576360"/>
+            <a:ext cx="7942680" cy="576000"/>
           </a:xfrm>
           <a:prstGeom prst="rect">
             <a:avLst/>
@@ -12220,7 +11993,7 @@
         <p:spPr>
           <a:xfrm>
             <a:off x="4572000" y="752040"/>
-            <a:ext cx="4102560" cy="221040"/>
+            <a:ext cx="4102200" cy="220680"/>
           </a:xfrm>
           <a:prstGeom prst="rect">
             <a:avLst/>
@@ -12273,7 +12046,7 @@
         <p:spPr>
           <a:xfrm>
             <a:off x="320040" y="723960"/>
-            <a:ext cx="7478280" cy="3764520"/>
+            <a:ext cx="7477920" cy="3764160"/>
           </a:xfrm>
           <a:prstGeom prst="rect">
             <a:avLst/>
@@ -12296,7 +12069,7 @@
         <p:spPr>
           <a:xfrm>
             <a:off x="5036040" y="1389960"/>
-            <a:ext cx="7634880" cy="3604320"/>
+            <a:ext cx="7634520" cy="3603960"/>
           </a:xfrm>
           <a:prstGeom prst="rect">
             <a:avLst/>
@@ -12364,7 +12137,7 @@
         <p:spPr>
           <a:xfrm>
             <a:off x="731520" y="130320"/>
-            <a:ext cx="7943040" cy="576360"/>
+            <a:ext cx="7942680" cy="576000"/>
           </a:xfrm>
           <a:prstGeom prst="rect">
             <a:avLst/>
@@ -12416,7 +12189,7 @@
         <p:spPr>
           <a:xfrm>
             <a:off x="4572000" y="752040"/>
-            <a:ext cx="4102560" cy="221040"/>
+            <a:ext cx="4102200" cy="220680"/>
           </a:xfrm>
           <a:prstGeom prst="rect">
             <a:avLst/>
@@ -12469,7 +12242,7 @@
         <p:spPr>
           <a:xfrm>
             <a:off x="254880" y="695160"/>
-            <a:ext cx="7569720" cy="4062960"/>
+            <a:ext cx="7569360" cy="4062600"/>
           </a:xfrm>
           <a:prstGeom prst="rect">
             <a:avLst/>
@@ -12492,7 +12265,7 @@
         <p:spPr>
           <a:xfrm>
             <a:off x="5875920" y="1157760"/>
-            <a:ext cx="6788160" cy="3910320"/>
+            <a:ext cx="6787800" cy="3909960"/>
           </a:xfrm>
           <a:prstGeom prst="rect">
             <a:avLst/>
@@ -12560,7 +12333,7 @@
         <p:spPr>
           <a:xfrm>
             <a:off x="4572000" y="742680"/>
-            <a:ext cx="4102560" cy="576360"/>
+            <a:ext cx="4102200" cy="576000"/>
           </a:xfrm>
           <a:prstGeom prst="rect">
             <a:avLst/>
@@ -12612,7 +12385,7 @@
         <p:spPr>
           <a:xfrm>
             <a:off x="4572000" y="1364760"/>
-            <a:ext cx="4102560" cy="221040"/>
+            <a:ext cx="4102200" cy="220680"/>
           </a:xfrm>
           <a:prstGeom prst="rect">
             <a:avLst/>
@@ -12668,7 +12441,7 @@
         <p:spPr>
           <a:xfrm>
             <a:off x="4846320" y="2217600"/>
-            <a:ext cx="9143280" cy="1991880"/>
+            <a:ext cx="9142920" cy="1991520"/>
           </a:xfrm>
           <a:prstGeom prst="rect">
             <a:avLst/>
@@ -12687,7 +12460,7 @@
         <p:spPr>
           <a:xfrm>
             <a:off x="0" y="360"/>
-            <a:ext cx="4206960" cy="5146920"/>
+            <a:ext cx="4206600" cy="5146560"/>
           </a:xfrm>
           <a:custGeom>
             <a:avLst/>
@@ -12795,96 +12568,37 @@
       </p:sp>
       <p:sp>
         <p:nvSpPr>
-          <p:cNvPr id="343" name="CustomShape 4"/>
-          <p:cNvSpPr/>
+          <p:cNvPr id="343" name="TextShape 4"/>
+          <p:cNvSpPr txBox="1"/>
           <p:nvPr/>
         </p:nvSpPr>
         <p:spPr>
           <a:xfrm>
-            <a:off x="785880" y="1647000"/>
-            <a:ext cx="2485440" cy="1852560"/>
-          </a:xfrm>
-          <a:custGeom>
-            <a:avLst/>
-            <a:gdLst/>
-            <a:ahLst/>
-            <a:rect l="l" t="t" r="r" b="b"/>
-            <a:pathLst>
-              <a:path w="4808477" h="3158204">
-                <a:moveTo>
-                  <a:pt x="0" y="0"/>
-                </a:moveTo>
-                <a:lnTo>
-                  <a:pt x="938565" y="0"/>
-                </a:lnTo>
-                <a:lnTo>
-                  <a:pt x="1623584" y="2166261"/>
-                </a:lnTo>
-                <a:lnTo>
-                  <a:pt x="1841545" y="1507931"/>
-                </a:lnTo>
-                <a:lnTo>
-                  <a:pt x="1330004" y="0"/>
-                </a:lnTo>
-                <a:lnTo>
-                  <a:pt x="2126228" y="0"/>
-                </a:lnTo>
-                <a:lnTo>
-                  <a:pt x="2402015" y="974150"/>
-                </a:lnTo>
-                <a:lnTo>
-                  <a:pt x="2682250" y="0"/>
-                </a:lnTo>
-                <a:lnTo>
-                  <a:pt x="3478473" y="0"/>
-                </a:lnTo>
-                <a:lnTo>
-                  <a:pt x="2958036" y="1507931"/>
-                </a:lnTo>
-                <a:lnTo>
-                  <a:pt x="3184893" y="2166261"/>
-                </a:lnTo>
-                <a:lnTo>
-                  <a:pt x="3865464" y="0"/>
-                </a:lnTo>
-                <a:lnTo>
-                  <a:pt x="4808477" y="0"/>
-                </a:lnTo>
-                <a:lnTo>
-                  <a:pt x="3571884" y="3158204"/>
-                </a:lnTo>
-                <a:lnTo>
-                  <a:pt x="2704882" y="3158204"/>
-                </a:lnTo>
-                <a:lnTo>
-                  <a:pt x="2402015" y="2256644"/>
-                </a:lnTo>
-                <a:lnTo>
-                  <a:pt x="2045035" y="3158204"/>
-                </a:lnTo>
-                <a:lnTo>
-                  <a:pt x="1236593" y="3158204"/>
-                </a:lnTo>
-                <a:lnTo>
-                  <a:pt x="0" y="0"/>
-                </a:lnTo>
-                <a:close/>
-              </a:path>
-            </a:pathLst>
-          </a:custGeom>
-          <a:solidFill>
-            <a:srgbClr val="ffffff"/>
-          </a:solidFill>
+            <a:off x="1073520" y="600120"/>
+            <a:ext cx="2218320" cy="3240360"/>
+          </a:xfrm>
+          <a:prstGeom prst="rect">
+            <a:avLst/>
+          </a:prstGeom>
+          <a:noFill/>
           <a:ln>
             <a:noFill/>
           </a:ln>
         </p:spPr>
-        <p:style>
-          <a:lnRef idx="0"/>
-          <a:fillRef idx="0"/>
-          <a:effectRef idx="0"/>
-          <a:fontRef idx="minor"/>
-        </p:style>
+        <p:txBody>
+          <a:bodyPr lIns="90000" rIns="90000" tIns="45000" bIns="45000"/>
+          <a:p>
+            <a:r>
+              <a:rPr b="1" lang="en-US" sz="22210" spc="-1" strike="noStrike">
+                <a:latin typeface="Arial"/>
+              </a:rPr>
+              <a:t>D</a:t>
+            </a:r>
+            <a:endParaRPr b="0" lang="en-US" sz="22210" spc="-1" strike="noStrike">
+              <a:latin typeface="Arial"/>
+            </a:endParaRPr>
+          </a:p>
+        </p:txBody>
       </p:sp>
       <p:sp>
         <p:nvSpPr>
@@ -12894,8 +12608,8 @@
         </p:nvSpPr>
         <p:spPr>
           <a:xfrm>
-            <a:off x="2418120" y="-1440720"/>
-            <a:ext cx="1284120" cy="3516840"/>
+            <a:off x="2418480" y="-1440360"/>
+            <a:ext cx="1283760" cy="3516480"/>
           </a:xfrm>
           <a:custGeom>
             <a:avLst/>
@@ -13181,7 +12895,7 @@
         <p:spPr>
           <a:xfrm>
             <a:off x="731520" y="130320"/>
-            <a:ext cx="7943040" cy="576360"/>
+            <a:ext cx="7942680" cy="576000"/>
           </a:xfrm>
           <a:prstGeom prst="rect">
             <a:avLst/>
@@ -13233,7 +12947,7 @@
         <p:spPr>
           <a:xfrm>
             <a:off x="4572000" y="752040"/>
-            <a:ext cx="4102560" cy="221040"/>
+            <a:ext cx="4102200" cy="220680"/>
           </a:xfrm>
           <a:prstGeom prst="rect">
             <a:avLst/>
@@ -13286,7 +13000,7 @@
         <p:spPr>
           <a:xfrm>
             <a:off x="181440" y="182880"/>
-            <a:ext cx="3475800" cy="2982960"/>
+            <a:ext cx="3475440" cy="2982600"/>
           </a:xfrm>
           <a:prstGeom prst="rect">
             <a:avLst/>
@@ -13309,7 +13023,7 @@
         <p:spPr>
           <a:xfrm>
             <a:off x="3108960" y="752040"/>
-            <a:ext cx="3722400" cy="3345480"/>
+            <a:ext cx="3722040" cy="3345120"/>
           </a:xfrm>
           <a:prstGeom prst="rect">
             <a:avLst/>
@@ -13332,7 +13046,7 @@
         <p:spPr>
           <a:xfrm>
             <a:off x="6098400" y="1280880"/>
-            <a:ext cx="3045240" cy="3866040"/>
+            <a:ext cx="3044880" cy="3865680"/>
           </a:xfrm>
           <a:prstGeom prst="rect">
             <a:avLst/>
@@ -13400,7 +13114,7 @@
         <p:spPr>
           <a:xfrm>
             <a:off x="731520" y="130320"/>
-            <a:ext cx="7943040" cy="576360"/>
+            <a:ext cx="7942680" cy="576000"/>
           </a:xfrm>
           <a:prstGeom prst="rect">
             <a:avLst/>
@@ -13452,7 +13166,7 @@
         <p:spPr>
           <a:xfrm>
             <a:off x="4572000" y="752040"/>
-            <a:ext cx="4102560" cy="221040"/>
+            <a:ext cx="4102200" cy="220680"/>
           </a:xfrm>
           <a:prstGeom prst="rect">
             <a:avLst/>
@@ -13505,7 +13219,7 @@
         <p:spPr>
           <a:xfrm>
             <a:off x="539640" y="860400"/>
-            <a:ext cx="7049520" cy="4308840"/>
+            <a:ext cx="7049160" cy="4308480"/>
           </a:xfrm>
           <a:prstGeom prst="rect">
             <a:avLst/>
@@ -13573,7 +13287,7 @@
         <p:spPr>
           <a:xfrm>
             <a:off x="2638800" y="1764720"/>
-            <a:ext cx="610920" cy="610560"/>
+            <a:ext cx="610560" cy="610200"/>
           </a:xfrm>
           <a:prstGeom prst="roundRect">
             <a:avLst>
@@ -13611,7 +13325,7 @@
         <p:spPr>
           <a:xfrm>
             <a:off x="2650320" y="2579400"/>
-            <a:ext cx="610920" cy="610560"/>
+            <a:ext cx="610560" cy="610200"/>
           </a:xfrm>
           <a:prstGeom prst="roundRect">
             <a:avLst>
@@ -13651,7 +13365,7 @@
         <p:spPr>
           <a:xfrm>
             <a:off x="2638800" y="3397680"/>
-            <a:ext cx="610920" cy="610560"/>
+            <a:ext cx="610560" cy="610200"/>
           </a:xfrm>
           <a:prstGeom prst="roundRect">
             <a:avLst>
@@ -13689,7 +13403,7 @@
         <p:spPr>
           <a:xfrm>
             <a:off x="2496960" y="372960"/>
-            <a:ext cx="4162320" cy="576360"/>
+            <a:ext cx="4161960" cy="576000"/>
           </a:xfrm>
           <a:prstGeom prst="rect">
             <a:avLst/>
@@ -13741,7 +13455,7 @@
         <p:spPr>
           <a:xfrm>
             <a:off x="2496960" y="995040"/>
-            <a:ext cx="4162320" cy="221040"/>
+            <a:ext cx="4161960" cy="220680"/>
           </a:xfrm>
           <a:prstGeom prst="rect">
             <a:avLst/>
@@ -13793,7 +13507,7 @@
         <p:spPr>
           <a:xfrm>
             <a:off x="3384720" y="1712880"/>
-            <a:ext cx="2955240" cy="303120"/>
+            <a:ext cx="2954880" cy="302760"/>
           </a:xfrm>
           <a:prstGeom prst="rect">
             <a:avLst/>
@@ -13845,7 +13559,7 @@
         <p:spPr>
           <a:xfrm>
             <a:off x="3384720" y="1965600"/>
-            <a:ext cx="2955240" cy="353160"/>
+            <a:ext cx="2954880" cy="352800"/>
           </a:xfrm>
           <a:prstGeom prst="rect">
             <a:avLst/>
@@ -13866,7 +13580,7 @@
           <a:p>
             <a:pPr>
               <a:lnSpc>
-                <a:spcPts val="61"/>
+                <a:spcPts val="22"/>
               </a:lnSpc>
               <a:spcBef>
                 <a:spcPts val="751"/>
@@ -13897,7 +13611,7 @@
         <p:spPr>
           <a:xfrm>
             <a:off x="3384720" y="2583000"/>
-            <a:ext cx="2955240" cy="303120"/>
+            <a:ext cx="2954880" cy="302760"/>
           </a:xfrm>
           <a:prstGeom prst="rect">
             <a:avLst/>
@@ -13949,7 +13663,7 @@
         <p:spPr>
           <a:xfrm>
             <a:off x="3384720" y="2835360"/>
-            <a:ext cx="2955240" cy="353160"/>
+            <a:ext cx="2954880" cy="352800"/>
           </a:xfrm>
           <a:prstGeom prst="rect">
             <a:avLst/>
@@ -13970,7 +13684,7 @@
           <a:p>
             <a:pPr>
               <a:lnSpc>
-                <a:spcPts val="61"/>
+                <a:spcPts val="22"/>
               </a:lnSpc>
               <a:spcBef>
                 <a:spcPts val="751"/>
@@ -14001,7 +13715,7 @@
         <p:spPr>
           <a:xfrm>
             <a:off x="3384720" y="3387240"/>
-            <a:ext cx="2955240" cy="303120"/>
+            <a:ext cx="2954880" cy="302760"/>
           </a:xfrm>
           <a:prstGeom prst="rect">
             <a:avLst/>
@@ -14053,7 +13767,7 @@
         <p:spPr>
           <a:xfrm>
             <a:off x="3384720" y="3640320"/>
-            <a:ext cx="2955240" cy="353160"/>
+            <a:ext cx="2954880" cy="352800"/>
           </a:xfrm>
           <a:prstGeom prst="rect">
             <a:avLst/>
@@ -14074,7 +13788,7 @@
           <a:p>
             <a:pPr>
               <a:lnSpc>
-                <a:spcPts val="61"/>
+                <a:spcPts val="22"/>
               </a:lnSpc>
               <a:spcBef>
                 <a:spcPts val="751"/>
@@ -14154,7 +13868,7 @@
         <p:spPr>
           <a:xfrm>
             <a:off x="731520" y="130320"/>
-            <a:ext cx="7943040" cy="576360"/>
+            <a:ext cx="7942680" cy="576000"/>
           </a:xfrm>
           <a:prstGeom prst="rect">
             <a:avLst/>
@@ -14206,7 +13920,7 @@
         <p:spPr>
           <a:xfrm>
             <a:off x="4572000" y="752040"/>
-            <a:ext cx="4102560" cy="221040"/>
+            <a:ext cx="4102200" cy="220680"/>
           </a:xfrm>
           <a:prstGeom prst="rect">
             <a:avLst/>
@@ -14259,7 +13973,7 @@
         <p:spPr>
           <a:xfrm>
             <a:off x="453600" y="715320"/>
-            <a:ext cx="7354440" cy="4480200"/>
+            <a:ext cx="7354080" cy="4479840"/>
           </a:xfrm>
           <a:prstGeom prst="rect">
             <a:avLst/>
@@ -14327,7 +14041,7 @@
         <p:spPr>
           <a:xfrm>
             <a:off x="731520" y="130320"/>
-            <a:ext cx="7943040" cy="576360"/>
+            <a:ext cx="7942680" cy="576000"/>
           </a:xfrm>
           <a:prstGeom prst="rect">
             <a:avLst/>
@@ -14379,7 +14093,7 @@
         <p:spPr>
           <a:xfrm>
             <a:off x="4572000" y="752040"/>
-            <a:ext cx="4102560" cy="221040"/>
+            <a:ext cx="4102200" cy="220680"/>
           </a:xfrm>
           <a:prstGeom prst="rect">
             <a:avLst/>
@@ -14432,7 +14146,7 @@
         <p:spPr>
           <a:xfrm>
             <a:off x="365760" y="716400"/>
-            <a:ext cx="7426080" cy="4149000"/>
+            <a:ext cx="7425720" cy="4148640"/>
           </a:xfrm>
           <a:prstGeom prst="rect">
             <a:avLst/>
@@ -14500,7 +14214,7 @@
         <p:spPr>
           <a:xfrm>
             <a:off x="731520" y="130320"/>
-            <a:ext cx="7943040" cy="576360"/>
+            <a:ext cx="7942680" cy="576000"/>
           </a:xfrm>
           <a:prstGeom prst="rect">
             <a:avLst/>
@@ -14552,7 +14266,7 @@
         <p:spPr>
           <a:xfrm>
             <a:off x="4572000" y="752040"/>
-            <a:ext cx="4102560" cy="221040"/>
+            <a:ext cx="4102200" cy="220680"/>
           </a:xfrm>
           <a:prstGeom prst="rect">
             <a:avLst/>
@@ -14605,7 +14319,7 @@
         <p:spPr>
           <a:xfrm>
             <a:off x="385200" y="734760"/>
-            <a:ext cx="7497720" cy="4235040"/>
+            <a:ext cx="7497360" cy="4234680"/>
           </a:xfrm>
           <a:prstGeom prst="rect">
             <a:avLst/>
@@ -14673,7 +14387,7 @@
         <p:spPr>
           <a:xfrm>
             <a:off x="731520" y="130320"/>
-            <a:ext cx="7943040" cy="576360"/>
+            <a:ext cx="7942680" cy="576000"/>
           </a:xfrm>
           <a:prstGeom prst="rect">
             <a:avLst/>
@@ -14725,7 +14439,7 @@
         <p:spPr>
           <a:xfrm>
             <a:off x="4572000" y="752040"/>
-            <a:ext cx="4102560" cy="221040"/>
+            <a:ext cx="4102200" cy="220680"/>
           </a:xfrm>
           <a:prstGeom prst="rect">
             <a:avLst/>
@@ -14778,7 +14492,7 @@
         <p:spPr>
           <a:xfrm>
             <a:off x="311400" y="2562120"/>
-            <a:ext cx="5174640" cy="2653560"/>
+            <a:ext cx="5174280" cy="2653200"/>
           </a:xfrm>
           <a:prstGeom prst="rect">
             <a:avLst/>
@@ -14801,7 +14515,7 @@
         <p:spPr>
           <a:xfrm>
             <a:off x="3840480" y="1098000"/>
-            <a:ext cx="4937400" cy="2882160"/>
+            <a:ext cx="4937040" cy="2881800"/>
           </a:xfrm>
           <a:prstGeom prst="rect">
             <a:avLst/>
@@ -14869,7 +14583,7 @@
         <p:spPr>
           <a:xfrm>
             <a:off x="731520" y="130320"/>
-            <a:ext cx="7943040" cy="576360"/>
+            <a:ext cx="7942680" cy="576000"/>
           </a:xfrm>
           <a:prstGeom prst="rect">
             <a:avLst/>
@@ -14921,7 +14635,7 @@
         <p:spPr>
           <a:xfrm>
             <a:off x="4572000" y="752040"/>
-            <a:ext cx="4102560" cy="221040"/>
+            <a:ext cx="4102200" cy="220680"/>
           </a:xfrm>
           <a:prstGeom prst="rect">
             <a:avLst/>
@@ -14974,7 +14688,7 @@
         <p:spPr>
           <a:xfrm>
             <a:off x="379440" y="1103400"/>
-            <a:ext cx="7520400" cy="4051080"/>
+            <a:ext cx="7520040" cy="4050720"/>
           </a:xfrm>
           <a:prstGeom prst="rect">
             <a:avLst/>
@@ -15042,7 +14756,7 @@
         <p:spPr>
           <a:xfrm>
             <a:off x="4572000" y="742680"/>
-            <a:ext cx="4102560" cy="576360"/>
+            <a:ext cx="4102200" cy="576000"/>
           </a:xfrm>
           <a:prstGeom prst="rect">
             <a:avLst/>
@@ -15094,7 +14808,7 @@
         <p:spPr>
           <a:xfrm>
             <a:off x="4572000" y="1364760"/>
-            <a:ext cx="4102560" cy="221040"/>
+            <a:ext cx="4102200" cy="220680"/>
           </a:xfrm>
           <a:prstGeom prst="rect">
             <a:avLst/>
@@ -15146,7 +14860,7 @@
         <p:spPr>
           <a:xfrm>
             <a:off x="360" y="0"/>
-            <a:ext cx="4206960" cy="5146920"/>
+            <a:ext cx="4206600" cy="5146560"/>
           </a:xfrm>
           <a:custGeom>
             <a:avLst/>
@@ -15271,219 +14985,73 @@
           <a:fontRef idx="minor"/>
         </p:style>
       </p:sp>
-      <p:sp>
-        <p:nvSpPr>
-          <p:cNvPr id="372" name="CustomShape 4"/>
-          <p:cNvSpPr/>
+      <p:pic>
+        <p:nvPicPr>
+          <p:cNvPr id="372" name="" descr=""/>
+          <p:cNvPicPr/>
           <p:nvPr/>
-        </p:nvSpPr>
-        <p:spPr>
-          <a:xfrm>
-            <a:off x="942840" y="1412640"/>
-            <a:ext cx="2322360" cy="2320920"/>
-          </a:xfrm>
-          <a:custGeom>
-            <a:avLst/>
-            <a:gdLst/>
-            <a:ahLst/>
-            <a:rect l="l" t="t" r="r" b="b"/>
-            <a:pathLst>
-              <a:path w="3207133" h="3202686">
-                <a:moveTo>
-                  <a:pt x="1614687" y="0"/>
-                </a:moveTo>
-                <a:cubicBezTo>
-                  <a:pt x="1854888" y="0"/>
-                  <a:pt x="2072849" y="45965"/>
-                  <a:pt x="2268569" y="137894"/>
-                </a:cubicBezTo>
-                <a:cubicBezTo>
-                  <a:pt x="2464289" y="229823"/>
-                  <a:pt x="2631836" y="351406"/>
-                  <a:pt x="2771213" y="502644"/>
-                </a:cubicBezTo>
-                <a:cubicBezTo>
-                  <a:pt x="2910589" y="653882"/>
-                  <a:pt x="3018086" y="825878"/>
-                  <a:pt x="3093705" y="1018632"/>
-                </a:cubicBezTo>
-                <a:cubicBezTo>
-                  <a:pt x="3169324" y="1211387"/>
-                  <a:pt x="3207133" y="1408589"/>
-                  <a:pt x="3207133" y="1610240"/>
-                </a:cubicBezTo>
-                <a:cubicBezTo>
-                  <a:pt x="3207133" y="1817821"/>
-                  <a:pt x="3167100" y="2017248"/>
-                  <a:pt x="3087033" y="2208519"/>
-                </a:cubicBezTo>
-                <a:cubicBezTo>
-                  <a:pt x="3006966" y="2399791"/>
-                  <a:pt x="2895761" y="2568821"/>
-                  <a:pt x="2753419" y="2715611"/>
-                </a:cubicBezTo>
-                <a:cubicBezTo>
-                  <a:pt x="2611078" y="2862401"/>
-                  <a:pt x="2441306" y="2980278"/>
-                  <a:pt x="2244103" y="3069241"/>
-                </a:cubicBezTo>
-                <a:cubicBezTo>
-                  <a:pt x="2046901" y="3158204"/>
-                  <a:pt x="1831165" y="3202686"/>
-                  <a:pt x="1596894" y="3202686"/>
-                </a:cubicBezTo>
-                <a:cubicBezTo>
-                  <a:pt x="1356693" y="3202686"/>
-                  <a:pt x="1138732" y="3156722"/>
-                  <a:pt x="943013" y="3064793"/>
-                </a:cubicBezTo>
-                <a:cubicBezTo>
-                  <a:pt x="747293" y="2972864"/>
-                  <a:pt x="579745" y="2852022"/>
-                  <a:pt x="440369" y="2702267"/>
-                </a:cubicBezTo>
-                <a:cubicBezTo>
-                  <a:pt x="300993" y="2552511"/>
-                  <a:pt x="192754" y="2381257"/>
-                  <a:pt x="115652" y="2188502"/>
-                </a:cubicBezTo>
-                <a:cubicBezTo>
-                  <a:pt x="38550" y="1995748"/>
-                  <a:pt x="0" y="1797063"/>
-                  <a:pt x="0" y="1592447"/>
-                </a:cubicBezTo>
-                <a:cubicBezTo>
-                  <a:pt x="0" y="1384865"/>
-                  <a:pt x="40033" y="1184698"/>
-                  <a:pt x="120100" y="991943"/>
-                </a:cubicBezTo>
-                <a:cubicBezTo>
-                  <a:pt x="200168" y="799189"/>
-                  <a:pt x="312113" y="629417"/>
-                  <a:pt x="455938" y="482627"/>
-                </a:cubicBezTo>
-                <a:cubicBezTo>
-                  <a:pt x="599762" y="335837"/>
-                  <a:pt x="770275" y="218702"/>
-                  <a:pt x="967478" y="131221"/>
-                </a:cubicBezTo>
-                <a:cubicBezTo>
-                  <a:pt x="1164680" y="43740"/>
-                  <a:pt x="1380417" y="0"/>
-                  <a:pt x="1614687" y="0"/>
-                </a:cubicBezTo>
-                <a:close/>
-                <a:moveTo>
-                  <a:pt x="1601342" y="769535"/>
-                </a:moveTo>
-                <a:cubicBezTo>
-                  <a:pt x="1476794" y="769535"/>
-                  <a:pt x="1369296" y="793258"/>
-                  <a:pt x="1278850" y="840705"/>
-                </a:cubicBezTo>
-                <a:cubicBezTo>
-                  <a:pt x="1188404" y="888153"/>
-                  <a:pt x="1113526" y="951168"/>
-                  <a:pt x="1054217" y="1029753"/>
-                </a:cubicBezTo>
-                <a:cubicBezTo>
-                  <a:pt x="994908" y="1108337"/>
-                  <a:pt x="951168" y="1197301"/>
-                  <a:pt x="922996" y="1296643"/>
-                </a:cubicBezTo>
-                <a:cubicBezTo>
-                  <a:pt x="894824" y="1395986"/>
-                  <a:pt x="880738" y="1497552"/>
-                  <a:pt x="880738" y="1601343"/>
-                </a:cubicBezTo>
-                <a:cubicBezTo>
-                  <a:pt x="880738" y="1708099"/>
-                  <a:pt x="895565" y="1811149"/>
-                  <a:pt x="925220" y="1910491"/>
-                </a:cubicBezTo>
-                <a:cubicBezTo>
-                  <a:pt x="954875" y="2009834"/>
-                  <a:pt x="999356" y="2098056"/>
-                  <a:pt x="1058665" y="2175158"/>
-                </a:cubicBezTo>
-                <a:cubicBezTo>
-                  <a:pt x="1117974" y="2252259"/>
-                  <a:pt x="1192852" y="2314534"/>
-                  <a:pt x="1283298" y="2361981"/>
-                </a:cubicBezTo>
-                <a:cubicBezTo>
-                  <a:pt x="1373744" y="2409428"/>
-                  <a:pt x="1481242" y="2433152"/>
-                  <a:pt x="1605790" y="2433152"/>
-                </a:cubicBezTo>
-                <a:cubicBezTo>
-                  <a:pt x="1730339" y="2433152"/>
-                  <a:pt x="1838578" y="2408687"/>
-                  <a:pt x="1930507" y="2359757"/>
-                </a:cubicBezTo>
-                <a:cubicBezTo>
-                  <a:pt x="2022436" y="2310827"/>
-                  <a:pt x="2097314" y="2247070"/>
-                  <a:pt x="2155140" y="2168486"/>
-                </a:cubicBezTo>
-                <a:cubicBezTo>
-                  <a:pt x="2212967" y="2089901"/>
-                  <a:pt x="2255965" y="2000196"/>
-                  <a:pt x="2284137" y="1899371"/>
-                </a:cubicBezTo>
-                <a:cubicBezTo>
-                  <a:pt x="2312309" y="1798546"/>
-                  <a:pt x="2326395" y="1696238"/>
-                  <a:pt x="2326395" y="1592447"/>
-                </a:cubicBezTo>
-                <a:cubicBezTo>
-                  <a:pt x="2326395" y="1485691"/>
-                  <a:pt x="2311568" y="1382641"/>
-                  <a:pt x="2281913" y="1283299"/>
-                </a:cubicBezTo>
-                <a:cubicBezTo>
-                  <a:pt x="2252259" y="1183956"/>
-                  <a:pt x="2207035" y="1096475"/>
-                  <a:pt x="2146244" y="1020856"/>
-                </a:cubicBezTo>
-                <a:cubicBezTo>
-                  <a:pt x="2085452" y="945237"/>
-                  <a:pt x="2009833" y="884446"/>
-                  <a:pt x="1919387" y="838481"/>
-                </a:cubicBezTo>
-                <a:cubicBezTo>
-                  <a:pt x="1828941" y="792517"/>
-                  <a:pt x="1722926" y="769535"/>
-                  <a:pt x="1601342" y="769535"/>
-                </a:cubicBezTo>
-                <a:close/>
-              </a:path>
-            </a:pathLst>
-          </a:custGeom>
-          <a:solidFill>
-            <a:srgbClr val="ffffff"/>
-          </a:solidFill>
+        </p:nvPicPr>
+        <p:blipFill>
+          <a:blip r:embed="rId1"/>
+          <a:stretch/>
+        </p:blipFill>
+        <p:spPr>
+          <a:xfrm>
+            <a:off x="4938120" y="2563200"/>
+            <a:ext cx="9142920" cy="1370880"/>
+          </a:xfrm>
+          <a:prstGeom prst="rect">
+            <a:avLst/>
+          </a:prstGeom>
           <a:ln>
             <a:noFill/>
           </a:ln>
         </p:spPr>
-        <p:style>
-          <a:lnRef idx="0"/>
-          <a:fillRef idx="0"/>
-          <a:effectRef idx="0"/>
-          <a:fontRef idx="minor"/>
-        </p:style>
-      </p:sp>
-      <p:sp>
-        <p:nvSpPr>
-          <p:cNvPr id="373" name="CustomShape 5"/>
+      </p:pic>
+      <p:sp>
+        <p:nvSpPr>
+          <p:cNvPr id="373" name="TextShape 4"/>
+          <p:cNvSpPr txBox="1"/>
+          <p:nvPr/>
+        </p:nvSpPr>
+        <p:spPr>
+          <a:xfrm>
+            <a:off x="1097280" y="783000"/>
+            <a:ext cx="2062800" cy="3240360"/>
+          </a:xfrm>
+          <a:prstGeom prst="rect">
+            <a:avLst/>
+          </a:prstGeom>
+          <a:noFill/>
+          <a:ln>
+            <a:noFill/>
+          </a:ln>
+        </p:spPr>
+        <p:txBody>
+          <a:bodyPr lIns="90000" rIns="90000" tIns="45000" bIns="45000"/>
+          <a:p>
+            <a:r>
+              <a:rPr b="1" lang="en-US" sz="22210" spc="-1" strike="noStrike">
+                <a:latin typeface="Arial"/>
+              </a:rPr>
+              <a:t>V</a:t>
+            </a:r>
+            <a:endParaRPr b="0" lang="en-US" sz="22210" spc="-1" strike="noStrike">
+              <a:latin typeface="Arial"/>
+            </a:endParaRPr>
+          </a:p>
+        </p:txBody>
+      </p:sp>
+      <p:sp>
+        <p:nvSpPr>
+          <p:cNvPr id="374" name="CustomShape 5"/>
           <p:cNvSpPr/>
           <p:nvPr/>
         </p:nvSpPr>
         <p:spPr>
           <a:xfrm>
-            <a:off x="2183400" y="-1064880"/>
-            <a:ext cx="1282320" cy="2979720"/>
+            <a:off x="2183400" y="-1064520"/>
+            <a:ext cx="1281960" cy="2979360"/>
           </a:xfrm>
           <a:custGeom>
             <a:avLst/>
@@ -15710,29 +15278,6 @@
           <a:fontRef idx="minor"/>
         </p:style>
       </p:sp>
-      <p:pic>
-        <p:nvPicPr>
-          <p:cNvPr id="374" name="" descr=""/>
-          <p:cNvPicPr/>
-          <p:nvPr/>
-        </p:nvPicPr>
-        <p:blipFill>
-          <a:blip r:embed="rId1"/>
-          <a:stretch/>
-        </p:blipFill>
-        <p:spPr>
-          <a:xfrm>
-            <a:off x="4938120" y="2563200"/>
-            <a:ext cx="9143280" cy="1371240"/>
-          </a:xfrm>
-          <a:prstGeom prst="rect">
-            <a:avLst/>
-          </a:prstGeom>
-          <a:ln>
-            <a:noFill/>
-          </a:ln>
-        </p:spPr>
-      </p:pic>
     </p:spTree>
   </p:cSld>
   <p:timing>
@@ -15791,7 +15336,7 @@
         <p:spPr>
           <a:xfrm>
             <a:off x="731520" y="130320"/>
-            <a:ext cx="7943040" cy="576360"/>
+            <a:ext cx="7942680" cy="576000"/>
           </a:xfrm>
           <a:prstGeom prst="rect">
             <a:avLst/>
@@ -15843,7 +15388,7 @@
         <p:spPr>
           <a:xfrm>
             <a:off x="4572000" y="752040"/>
-            <a:ext cx="4102560" cy="221040"/>
+            <a:ext cx="4102200" cy="220680"/>
           </a:xfrm>
           <a:prstGeom prst="rect">
             <a:avLst/>
@@ -15896,7 +15441,7 @@
         <p:spPr>
           <a:xfrm>
             <a:off x="182880" y="854280"/>
-            <a:ext cx="3533400" cy="4293000"/>
+            <a:ext cx="3533040" cy="4292640"/>
           </a:xfrm>
           <a:prstGeom prst="rect">
             <a:avLst/>
@@ -15919,7 +15464,7 @@
         <p:spPr>
           <a:xfrm>
             <a:off x="4082400" y="1474920"/>
-            <a:ext cx="7327800" cy="2726640"/>
+            <a:ext cx="7327440" cy="2726280"/>
           </a:xfrm>
           <a:prstGeom prst="rect">
             <a:avLst/>
@@ -15987,7 +15532,7 @@
         <p:spPr>
           <a:xfrm>
             <a:off x="731520" y="130320"/>
-            <a:ext cx="7943040" cy="576360"/>
+            <a:ext cx="7942680" cy="576000"/>
           </a:xfrm>
           <a:prstGeom prst="rect">
             <a:avLst/>
@@ -16039,7 +15584,7 @@
         <p:spPr>
           <a:xfrm>
             <a:off x="4572000" y="752040"/>
-            <a:ext cx="4102560" cy="221040"/>
+            <a:ext cx="4102200" cy="220680"/>
           </a:xfrm>
           <a:prstGeom prst="rect">
             <a:avLst/>
@@ -16092,7 +15637,7 @@
         <p:spPr>
           <a:xfrm>
             <a:off x="443520" y="710280"/>
-            <a:ext cx="7212600" cy="4579920"/>
+            <a:ext cx="7212240" cy="4579560"/>
           </a:xfrm>
           <a:prstGeom prst="rect">
             <a:avLst/>
@@ -16166,8 +15711,8 @@
         </p:nvSpPr>
         <p:spPr>
           <a:xfrm rot="5400000">
-            <a:off x="572760" y="1550160"/>
-            <a:ext cx="758880" cy="837000"/>
+            <a:off x="573120" y="1550160"/>
+            <a:ext cx="758520" cy="836640"/>
           </a:xfrm>
           <a:custGeom>
             <a:avLst/>
@@ -16337,7 +15882,7 @@
         <p:spPr>
           <a:xfrm>
             <a:off x="476280" y="2425320"/>
-            <a:ext cx="4162320" cy="576360"/>
+            <a:ext cx="4161960" cy="576000"/>
           </a:xfrm>
           <a:prstGeom prst="rect">
             <a:avLst/>
@@ -16389,7 +15934,7 @@
         <p:spPr>
           <a:xfrm>
             <a:off x="476280" y="3047760"/>
-            <a:ext cx="4162320" cy="221040"/>
+            <a:ext cx="4161960" cy="220680"/>
           </a:xfrm>
           <a:prstGeom prst="rect">
             <a:avLst/>
@@ -16441,7 +15986,7 @@
         <p:spPr>
           <a:xfrm>
             <a:off x="532800" y="3314160"/>
-            <a:ext cx="3614040" cy="690120"/>
+            <a:ext cx="3613680" cy="689760"/>
           </a:xfrm>
           <a:prstGeom prst="rect">
             <a:avLst/>
@@ -16462,7 +16007,7 @@
           <a:p>
             <a:pPr>
               <a:lnSpc>
-                <a:spcPts val="61"/>
+                <a:spcPts val="22"/>
               </a:lnSpc>
               <a:spcBef>
                 <a:spcPts val="751"/>
@@ -16497,7 +16042,7 @@
         <p:spPr>
           <a:xfrm>
             <a:off x="7709760" y="36720"/>
-            <a:ext cx="1342440" cy="1151640"/>
+            <a:ext cx="1342080" cy="1151280"/>
           </a:xfrm>
           <a:prstGeom prst="rect">
             <a:avLst/>
@@ -16565,7 +16110,7 @@
         <p:spPr>
           <a:xfrm>
             <a:off x="3357720" y="1712880"/>
-            <a:ext cx="2955240" cy="303120"/>
+            <a:ext cx="2954880" cy="302760"/>
           </a:xfrm>
           <a:prstGeom prst="rect">
             <a:avLst/>
@@ -16617,7 +16162,7 @@
         <p:spPr>
           <a:xfrm>
             <a:off x="3357720" y="1965600"/>
-            <a:ext cx="2955240" cy="353160"/>
+            <a:ext cx="2954880" cy="352800"/>
           </a:xfrm>
           <a:prstGeom prst="rect">
             <a:avLst/>
@@ -16638,7 +16183,7 @@
           <a:p>
             <a:pPr>
               <a:lnSpc>
-                <a:spcPts val="61"/>
+                <a:spcPts val="22"/>
               </a:lnSpc>
               <a:spcBef>
                 <a:spcPts val="751"/>
@@ -16669,7 +16214,7 @@
         <p:spPr>
           <a:xfrm>
             <a:off x="2552760" y="1767960"/>
-            <a:ext cx="610920" cy="610560"/>
+            <a:ext cx="610560" cy="610200"/>
           </a:xfrm>
           <a:prstGeom prst="roundRect">
             <a:avLst>
@@ -16707,7 +16252,7 @@
         <p:spPr>
           <a:xfrm>
             <a:off x="3357720" y="2583000"/>
-            <a:ext cx="2955240" cy="303120"/>
+            <a:ext cx="2954880" cy="302760"/>
           </a:xfrm>
           <a:prstGeom prst="rect">
             <a:avLst/>
@@ -16759,7 +16304,7 @@
         <p:spPr>
           <a:xfrm>
             <a:off x="3357720" y="2835360"/>
-            <a:ext cx="2955240" cy="353160"/>
+            <a:ext cx="2954880" cy="352800"/>
           </a:xfrm>
           <a:prstGeom prst="rect">
             <a:avLst/>
@@ -16780,7 +16325,7 @@
           <a:p>
             <a:pPr>
               <a:lnSpc>
-                <a:spcPts val="61"/>
+                <a:spcPts val="22"/>
               </a:lnSpc>
               <a:spcBef>
                 <a:spcPts val="751"/>
@@ -16811,7 +16356,7 @@
         <p:spPr>
           <a:xfrm>
             <a:off x="2552760" y="2579400"/>
-            <a:ext cx="610920" cy="610560"/>
+            <a:ext cx="610560" cy="610200"/>
           </a:xfrm>
           <a:prstGeom prst="roundRect">
             <a:avLst>
@@ -16851,7 +16396,7 @@
         <p:spPr>
           <a:xfrm>
             <a:off x="3357720" y="3387240"/>
-            <a:ext cx="2955240" cy="303120"/>
+            <a:ext cx="2954880" cy="302760"/>
           </a:xfrm>
           <a:prstGeom prst="rect">
             <a:avLst/>
@@ -16903,7 +16448,7 @@
         <p:spPr>
           <a:xfrm>
             <a:off x="3357720" y="3640320"/>
-            <a:ext cx="2955240" cy="353160"/>
+            <a:ext cx="2954880" cy="352800"/>
           </a:xfrm>
           <a:prstGeom prst="rect">
             <a:avLst/>
@@ -16924,7 +16469,7 @@
           <a:p>
             <a:pPr>
               <a:lnSpc>
-                <a:spcPts val="61"/>
+                <a:spcPts val="22"/>
               </a:lnSpc>
               <a:spcBef>
                 <a:spcPts val="751"/>
@@ -16955,7 +16500,7 @@
         <p:spPr>
           <a:xfrm>
             <a:off x="2552760" y="3397680"/>
-            <a:ext cx="610920" cy="610560"/>
+            <a:ext cx="610560" cy="610200"/>
           </a:xfrm>
           <a:prstGeom prst="roundRect">
             <a:avLst>
@@ -16995,7 +16540,7 @@
         <p:spPr>
           <a:xfrm>
             <a:off x="2496960" y="372960"/>
-            <a:ext cx="4162320" cy="576360"/>
+            <a:ext cx="4161960" cy="576000"/>
           </a:xfrm>
           <a:prstGeom prst="rect">
             <a:avLst/>
@@ -17047,7 +16592,7 @@
         <p:spPr>
           <a:xfrm>
             <a:off x="2496960" y="995040"/>
-            <a:ext cx="4162320" cy="221040"/>
+            <a:ext cx="4161960" cy="220680"/>
           </a:xfrm>
           <a:prstGeom prst="rect">
             <a:avLst/>
@@ -17148,7 +16693,7 @@
         <p:spPr>
           <a:xfrm>
             <a:off x="2438280" y="259200"/>
-            <a:ext cx="4266000" cy="617040"/>
+            <a:ext cx="4265640" cy="616680"/>
           </a:xfrm>
           <a:prstGeom prst="rect">
             <a:avLst/>
@@ -17200,7 +16745,7 @@
         <p:spPr>
           <a:xfrm>
             <a:off x="3204720" y="877680"/>
-            <a:ext cx="2733120" cy="303120"/>
+            <a:ext cx="2732760" cy="302760"/>
           </a:xfrm>
           <a:prstGeom prst="rect">
             <a:avLst/>
@@ -17252,7 +16797,7 @@
         <p:spPr>
           <a:xfrm>
             <a:off x="2818080" y="4135320"/>
-            <a:ext cx="1561320" cy="303120"/>
+            <a:ext cx="1560960" cy="302760"/>
           </a:xfrm>
           <a:prstGeom prst="rect">
             <a:avLst/>
@@ -17304,7 +16849,7 @@
         <p:spPr>
           <a:xfrm>
             <a:off x="2818080" y="4388040"/>
-            <a:ext cx="1561320" cy="353160"/>
+            <a:ext cx="1560960" cy="352800"/>
           </a:xfrm>
           <a:prstGeom prst="rect">
             <a:avLst/>
@@ -17330,7 +16875,7 @@
         <p:spPr>
           <a:xfrm>
             <a:off x="4787640" y="4135320"/>
-            <a:ext cx="1561320" cy="303120"/>
+            <a:ext cx="1560960" cy="302760"/>
           </a:xfrm>
           <a:prstGeom prst="rect">
             <a:avLst/>
@@ -17382,7 +16927,7 @@
         <p:spPr>
           <a:xfrm>
             <a:off x="4787640" y="4388040"/>
-            <a:ext cx="1561320" cy="353160"/>
+            <a:ext cx="1560960" cy="352800"/>
           </a:xfrm>
           <a:prstGeom prst="rect">
             <a:avLst/>
@@ -17412,7 +16957,7 @@
         <p:spPr>
           <a:xfrm>
             <a:off x="2315520" y="1738800"/>
-            <a:ext cx="4428360" cy="1753200"/>
+            <a:ext cx="4428000" cy="1752840"/>
           </a:xfrm>
           <a:prstGeom prst="rect">
             <a:avLst/>
@@ -17480,7 +17025,7 @@
         <p:spPr>
           <a:xfrm flipV="1">
             <a:off x="3421800" y="-1017000"/>
-            <a:ext cx="5562720" cy="5553720"/>
+            <a:ext cx="5562360" cy="5553360"/>
           </a:xfrm>
           <a:custGeom>
             <a:avLst/>
@@ -18471,7 +18016,7 @@
         <p:spPr>
           <a:xfrm>
             <a:off x="5362200" y="4697280"/>
-            <a:ext cx="130320" cy="256320"/>
+            <a:ext cx="129960" cy="255960"/>
           </a:xfrm>
           <a:custGeom>
             <a:avLst/>
@@ -18548,8 +18093,8 @@
         </p:nvSpPr>
         <p:spPr>
           <a:xfrm flipH="1">
-            <a:off x="5493240" y="4697280"/>
-            <a:ext cx="130320" cy="256320"/>
+            <a:off x="5492520" y="4697280"/>
+            <a:ext cx="129960" cy="255960"/>
           </a:xfrm>
           <a:custGeom>
             <a:avLst/>
@@ -18627,7 +18172,7 @@
         <p:spPr>
           <a:xfrm>
             <a:off x="8979120" y="3483000"/>
-            <a:ext cx="257040" cy="254880"/>
+            <a:ext cx="256680" cy="254520"/>
           </a:xfrm>
           <a:prstGeom prst="roundRect">
             <a:avLst>
@@ -18668,7 +18213,7 @@
         <p:spPr>
           <a:xfrm>
             <a:off x="3673800" y="2642400"/>
-            <a:ext cx="257040" cy="254880"/>
+            <a:ext cx="256680" cy="254520"/>
           </a:xfrm>
           <a:custGeom>
             <a:avLst/>
@@ -18771,7 +18316,7 @@
         <p:spPr>
           <a:xfrm>
             <a:off x="506160" y="1860840"/>
-            <a:ext cx="2955240" cy="576360"/>
+            <a:ext cx="2954880" cy="576000"/>
           </a:xfrm>
           <a:prstGeom prst="rect">
             <a:avLst/>
@@ -18823,7 +18368,7 @@
         <p:spPr>
           <a:xfrm>
             <a:off x="506160" y="2482560"/>
-            <a:ext cx="2955240" cy="221040"/>
+            <a:ext cx="2954880" cy="220680"/>
           </a:xfrm>
           <a:prstGeom prst="rect">
             <a:avLst/>
@@ -18875,7 +18420,7 @@
         <p:spPr>
           <a:xfrm>
             <a:off x="506160" y="2812320"/>
-            <a:ext cx="2955240" cy="690120"/>
+            <a:ext cx="2954880" cy="689760"/>
           </a:xfrm>
           <a:prstGeom prst="rect">
             <a:avLst/>
@@ -19119,7 +18664,7 @@
         <p:spPr>
           <a:xfrm>
             <a:off x="3663360" y="1922760"/>
-            <a:ext cx="5902200" cy="1809360"/>
+            <a:ext cx="5901840" cy="1809000"/>
           </a:xfrm>
           <a:prstGeom prst="rect">
             <a:avLst/>
@@ -19187,7 +18732,7 @@
         <p:spPr>
           <a:xfrm flipV="1">
             <a:off x="3421800" y="-1017000"/>
-            <a:ext cx="5562720" cy="5553720"/>
+            <a:ext cx="5562360" cy="5553360"/>
           </a:xfrm>
           <a:custGeom>
             <a:avLst/>
@@ -20178,7 +19723,7 @@
         <p:spPr>
           <a:xfrm>
             <a:off x="5362200" y="4697280"/>
-            <a:ext cx="130320" cy="256320"/>
+            <a:ext cx="129960" cy="255960"/>
           </a:xfrm>
           <a:custGeom>
             <a:avLst/>
@@ -20255,8 +19800,8 @@
         </p:nvSpPr>
         <p:spPr>
           <a:xfrm flipH="1">
-            <a:off x="5493240" y="4697280"/>
-            <a:ext cx="130320" cy="256320"/>
+            <a:off x="5492520" y="4697280"/>
+            <a:ext cx="129960" cy="255960"/>
           </a:xfrm>
           <a:custGeom>
             <a:avLst/>
@@ -20334,7 +19879,7 @@
         <p:spPr>
           <a:xfrm>
             <a:off x="8979120" y="3483000"/>
-            <a:ext cx="257040" cy="254880"/>
+            <a:ext cx="256680" cy="254520"/>
           </a:xfrm>
           <a:prstGeom prst="roundRect">
             <a:avLst>
@@ -20375,7 +19920,7 @@
         <p:spPr>
           <a:xfrm>
             <a:off x="3673800" y="2642400"/>
-            <a:ext cx="257040" cy="254880"/>
+            <a:ext cx="256680" cy="254520"/>
           </a:xfrm>
           <a:custGeom>
             <a:avLst/>
@@ -20478,7 +20023,7 @@
         <p:spPr>
           <a:xfrm>
             <a:off x="506160" y="1860840"/>
-            <a:ext cx="2955240" cy="576360"/>
+            <a:ext cx="2954880" cy="576000"/>
           </a:xfrm>
           <a:prstGeom prst="rect">
             <a:avLst/>
@@ -20530,7 +20075,7 @@
         <p:spPr>
           <a:xfrm>
             <a:off x="506160" y="2482560"/>
-            <a:ext cx="2955240" cy="221040"/>
+            <a:ext cx="2954880" cy="220680"/>
           </a:xfrm>
           <a:prstGeom prst="rect">
             <a:avLst/>
@@ -20582,7 +20127,7 @@
         <p:spPr>
           <a:xfrm>
             <a:off x="506160" y="2812320"/>
-            <a:ext cx="2955240" cy="690120"/>
+            <a:ext cx="2954880" cy="689760"/>
           </a:xfrm>
           <a:prstGeom prst="rect">
             <a:avLst/>
@@ -20816,7 +20361,7 @@
         <p:spPr>
           <a:xfrm>
             <a:off x="3663360" y="1922760"/>
-            <a:ext cx="5902200" cy="1809360"/>
+            <a:ext cx="5901840" cy="1809000"/>
           </a:xfrm>
           <a:prstGeom prst="rect">
             <a:avLst/>
@@ -20884,7 +20429,7 @@
         <p:spPr>
           <a:xfrm>
             <a:off x="5409720" y="2397600"/>
-            <a:ext cx="2955240" cy="303120"/>
+            <a:ext cx="2954880" cy="302760"/>
           </a:xfrm>
           <a:prstGeom prst="rect">
             <a:avLst/>
@@ -20936,7 +20481,7 @@
         <p:spPr>
           <a:xfrm>
             <a:off x="5409720" y="2660760"/>
-            <a:ext cx="2955240" cy="353160"/>
+            <a:ext cx="2954880" cy="352800"/>
           </a:xfrm>
           <a:prstGeom prst="rect">
             <a:avLst/>
@@ -21025,7 +20570,7 @@
         <p:spPr>
           <a:xfrm>
             <a:off x="2496960" y="372960"/>
-            <a:ext cx="4162320" cy="576360"/>
+            <a:ext cx="4161960" cy="576000"/>
           </a:xfrm>
           <a:prstGeom prst="rect">
             <a:avLst/>
@@ -21077,7 +20622,7 @@
         <p:spPr>
           <a:xfrm>
             <a:off x="2496960" y="995040"/>
-            <a:ext cx="4162320" cy="221040"/>
+            <a:ext cx="4161960" cy="220680"/>
           </a:xfrm>
           <a:prstGeom prst="rect">
             <a:avLst/>
@@ -21133,7 +20678,7 @@
         <p:spPr>
           <a:xfrm>
             <a:off x="182880" y="1738800"/>
-            <a:ext cx="4927320" cy="2039400"/>
+            <a:ext cx="4926960" cy="2039040"/>
           </a:xfrm>
           <a:prstGeom prst="rect">
             <a:avLst/>
@@ -21151,8 +20696,8 @@
         </p:nvSpPr>
         <p:spPr>
           <a:xfrm rot="10800000">
-            <a:off x="5725800" y="2998080"/>
-            <a:ext cx="323280" cy="252720"/>
+            <a:off x="6049080" y="3250800"/>
+            <a:ext cx="322920" cy="252360"/>
           </a:xfrm>
           <a:custGeom>
             <a:avLst/>
@@ -21297,7 +20842,7 @@
         <p:spPr>
           <a:xfrm>
             <a:off x="2242080" y="963360"/>
-            <a:ext cx="4658760" cy="617040"/>
+            <a:ext cx="4658400" cy="616680"/>
           </a:xfrm>
           <a:prstGeom prst="rect">
             <a:avLst/>
@@ -21349,7 +20894,7 @@
         <p:spPr>
           <a:xfrm>
             <a:off x="2664720" y="1581480"/>
-            <a:ext cx="3927240" cy="303120"/>
+            <a:ext cx="3926880" cy="302760"/>
           </a:xfrm>
           <a:prstGeom prst="rect">
             <a:avLst/>
@@ -21401,7 +20946,7 @@
         <p:spPr>
           <a:xfrm>
             <a:off x="2466000" y="2058120"/>
-            <a:ext cx="4388760" cy="2276280"/>
+            <a:ext cx="4388400" cy="2275920"/>
           </a:xfrm>
           <a:prstGeom prst="rect">
             <a:avLst/>
@@ -21519,7 +21064,7 @@
         <p:spPr>
           <a:xfrm>
             <a:off x="4572000" y="526680"/>
-            <a:ext cx="4102560" cy="576360"/>
+            <a:ext cx="4102200" cy="576000"/>
           </a:xfrm>
           <a:prstGeom prst="rect">
             <a:avLst/>
@@ -21571,7 +21116,7 @@
         <p:spPr>
           <a:xfrm>
             <a:off x="4572000" y="1364760"/>
-            <a:ext cx="4102560" cy="221040"/>
+            <a:ext cx="4102200" cy="220680"/>
           </a:xfrm>
           <a:prstGeom prst="rect">
             <a:avLst/>
@@ -21640,7 +21185,7 @@
         <p:spPr>
           <a:xfrm>
             <a:off x="6429240" y="1915560"/>
-            <a:ext cx="2955240" cy="303120"/>
+            <a:ext cx="2954880" cy="302760"/>
           </a:xfrm>
           <a:prstGeom prst="rect">
             <a:avLst/>
@@ -21692,7 +21237,7 @@
         <p:spPr>
           <a:xfrm>
             <a:off x="6429240" y="2219760"/>
-            <a:ext cx="2955240" cy="353160"/>
+            <a:ext cx="2954880" cy="352800"/>
           </a:xfrm>
           <a:prstGeom prst="rect">
             <a:avLst/>
@@ -21713,7 +21258,7 @@
           <a:p>
             <a:pPr>
               <a:lnSpc>
-                <a:spcPts val="61"/>
+                <a:spcPts val="22"/>
               </a:lnSpc>
               <a:spcBef>
                 <a:spcPts val="751"/>
@@ -21744,7 +21289,7 @@
         <p:spPr>
           <a:xfrm>
             <a:off x="6192000" y="1961640"/>
-            <a:ext cx="99000" cy="610560"/>
+            <a:ext cx="98640" cy="610200"/>
           </a:xfrm>
           <a:prstGeom prst="roundRect">
             <a:avLst>
@@ -21785,7 +21330,7 @@
         <p:spPr>
           <a:xfrm>
             <a:off x="6429240" y="2674080"/>
-            <a:ext cx="2955240" cy="303120"/>
+            <a:ext cx="2954880" cy="302760"/>
           </a:xfrm>
           <a:prstGeom prst="rect">
             <a:avLst/>
@@ -21837,7 +21382,7 @@
         <p:spPr>
           <a:xfrm>
             <a:off x="6429240" y="2977920"/>
-            <a:ext cx="2955240" cy="353160"/>
+            <a:ext cx="2954880" cy="352800"/>
           </a:xfrm>
           <a:prstGeom prst="rect">
             <a:avLst/>
@@ -21858,7 +21403,7 @@
           <a:p>
             <a:pPr>
               <a:lnSpc>
-                <a:spcPts val="61"/>
+                <a:spcPts val="22"/>
               </a:lnSpc>
               <a:spcBef>
                 <a:spcPts val="751"/>
@@ -21889,7 +21434,7 @@
         <p:spPr>
           <a:xfrm>
             <a:off x="6192000" y="2720160"/>
-            <a:ext cx="99000" cy="610560"/>
+            <a:ext cx="98640" cy="610200"/>
           </a:xfrm>
           <a:prstGeom prst="roundRect">
             <a:avLst>
@@ -21930,7 +21475,7 @@
         <p:spPr>
           <a:xfrm>
             <a:off x="6429240" y="3478680"/>
-            <a:ext cx="2955240" cy="303120"/>
+            <a:ext cx="2954880" cy="302760"/>
           </a:xfrm>
           <a:prstGeom prst="rect">
             <a:avLst/>
@@ -21982,7 +21527,7 @@
         <p:spPr>
           <a:xfrm>
             <a:off x="6429240" y="3782520"/>
-            <a:ext cx="2373120" cy="353160"/>
+            <a:ext cx="2372760" cy="352800"/>
           </a:xfrm>
           <a:prstGeom prst="rect">
             <a:avLst/>
@@ -22003,7 +21548,7 @@
           <a:p>
             <a:pPr>
               <a:lnSpc>
-                <a:spcPts val="61"/>
+                <a:spcPts val="22"/>
               </a:lnSpc>
               <a:spcBef>
                 <a:spcPts val="751"/>
@@ -22034,7 +21579,7 @@
         <p:spPr>
           <a:xfrm>
             <a:off x="6192000" y="3525120"/>
-            <a:ext cx="99000" cy="610560"/>
+            <a:ext cx="98640" cy="610200"/>
           </a:xfrm>
           <a:prstGeom prst="roundRect">
             <a:avLst>
@@ -22076,7 +21621,7 @@
         <p:spPr>
           <a:xfrm>
             <a:off x="202320" y="1105920"/>
-            <a:ext cx="5777280" cy="3247920"/>
+            <a:ext cx="5776920" cy="3247560"/>
           </a:xfrm>
           <a:prstGeom prst="rect">
             <a:avLst/>

--- a/Visualization.pptx
+++ b/Visualization.pptx
@@ -301,11 +301,11 @@
           </c:spPr>
         </c:hiLowLines>
         <c:marker val="0"/>
-        <c:axId val="75840533"/>
-        <c:axId val="55457097"/>
+        <c:axId val="80730835"/>
+        <c:axId val="83411195"/>
       </c:lineChart>
       <c:catAx>
-        <c:axId val="75840533"/>
+        <c:axId val="80730835"/>
         <c:scaling>
           <c:orientation val="minMax"/>
         </c:scaling>
@@ -337,14 +337,14 @@
             </a:pPr>
           </a:p>
         </c:txPr>
-        <c:crossAx val="55457097"/>
+        <c:crossAx val="83411195"/>
         <c:crosses val="autoZero"/>
         <c:auto val="1"/>
         <c:lblAlgn val="ctr"/>
         <c:lblOffset val="100"/>
       </c:catAx>
       <c:valAx>
-        <c:axId val="55457097"/>
+        <c:axId val="83411195"/>
         <c:scaling>
           <c:orientation val="minMax"/>
         </c:scaling>
@@ -373,7 +373,7 @@
             </a:pPr>
           </a:p>
         </c:txPr>
-        <c:crossAx val="75840533"/>
+        <c:crossAx val="80730835"/>
         <c:crosses val="autoZero"/>
         <c:crossBetween val="midCat"/>
       </c:valAx>
@@ -8678,8 +8678,8 @@
         </p:nvSpPr>
         <p:spPr>
           <a:xfrm rot="5400000">
-            <a:off x="8675280" y="123840"/>
-            <a:ext cx="257040" cy="254160"/>
+            <a:off x="8675640" y="123480"/>
+            <a:ext cx="256680" cy="253800"/>
           </a:xfrm>
           <a:prstGeom prst="roundRect">
             <a:avLst>
@@ -8717,7 +8717,7 @@
         <p:spPr>
           <a:xfrm>
             <a:off x="8531280" y="97560"/>
-            <a:ext cx="550800" cy="273600"/>
+            <a:ext cx="550440" cy="273240"/>
           </a:xfrm>
           <a:prstGeom prst="rect">
             <a:avLst/>
@@ -8741,7 +8741,7 @@
                 <a:spcPct val="100000"/>
               </a:lnSpc>
             </a:pPr>
-            <a:fld id="{FE7961A8-7AF4-4E5A-B99F-420658ECBCAA}" type="slidenum">
+            <a:fld id="{4C887A64-1EDD-40FA-A893-1A6F6B0755CB}" type="slidenum">
               <a:rPr b="0" lang="en-US" sz="1100" spc="-1" strike="noStrike">
                 <a:solidFill>
                   <a:srgbClr val="ffffff"/>
@@ -9023,8 +9023,8 @@
         </p:nvSpPr>
         <p:spPr>
           <a:xfrm rot="5400000">
-            <a:off x="8675280" y="123840"/>
-            <a:ext cx="257040" cy="254160"/>
+            <a:off x="8675640" y="123480"/>
+            <a:ext cx="256680" cy="253800"/>
           </a:xfrm>
           <a:prstGeom prst="roundRect">
             <a:avLst>
@@ -9062,7 +9062,7 @@
         <p:spPr>
           <a:xfrm>
             <a:off x="8531280" y="97560"/>
-            <a:ext cx="550800" cy="273600"/>
+            <a:ext cx="550440" cy="273240"/>
           </a:xfrm>
           <a:prstGeom prst="rect">
             <a:avLst/>
@@ -9086,7 +9086,7 @@
                 <a:spcPct val="100000"/>
               </a:lnSpc>
             </a:pPr>
-            <a:fld id="{9C7560F1-DD2F-4A96-8AA7-914B2C654F65}" type="slidenum">
+            <a:fld id="{078C2276-3200-4769-ACBA-2E6F64465A28}" type="slidenum">
               <a:rPr b="0" lang="en-US" sz="1100" spc="-1" strike="noStrike">
                 <a:solidFill>
                   <a:srgbClr val="ffffff"/>
@@ -9368,8 +9368,8 @@
         </p:nvSpPr>
         <p:spPr>
           <a:xfrm rot="5400000">
-            <a:off x="8675280" y="123840"/>
-            <a:ext cx="257040" cy="254160"/>
+            <a:off x="8675640" y="123480"/>
+            <a:ext cx="256680" cy="253800"/>
           </a:xfrm>
           <a:prstGeom prst="roundRect">
             <a:avLst>
@@ -9407,7 +9407,7 @@
         <p:spPr>
           <a:xfrm>
             <a:off x="8531280" y="97560"/>
-            <a:ext cx="550800" cy="273600"/>
+            <a:ext cx="550440" cy="273240"/>
           </a:xfrm>
           <a:prstGeom prst="rect">
             <a:avLst/>
@@ -9431,7 +9431,7 @@
                 <a:spcPct val="100000"/>
               </a:lnSpc>
             </a:pPr>
-            <a:fld id="{574F3E1A-869F-44CF-80EC-E36B996BD46D}" type="slidenum">
+            <a:fld id="{F537ED28-357A-4CBA-B86C-ABD24E16CFCE}" type="slidenum">
               <a:rPr b="0" lang="en-US" sz="1100" spc="-1" strike="noStrike">
                 <a:solidFill>
                   <a:srgbClr val="ffffff"/>
@@ -9713,8 +9713,8 @@
         </p:nvSpPr>
         <p:spPr>
           <a:xfrm rot="5400000">
-            <a:off x="8675280" y="123840"/>
-            <a:ext cx="257040" cy="254160"/>
+            <a:off x="8675640" y="123480"/>
+            <a:ext cx="256680" cy="253800"/>
           </a:xfrm>
           <a:prstGeom prst="roundRect">
             <a:avLst>
@@ -9752,7 +9752,7 @@
         <p:spPr>
           <a:xfrm>
             <a:off x="8531280" y="97560"/>
-            <a:ext cx="550800" cy="273600"/>
+            <a:ext cx="550440" cy="273240"/>
           </a:xfrm>
           <a:prstGeom prst="rect">
             <a:avLst/>
@@ -9776,7 +9776,7 @@
                 <a:spcPct val="100000"/>
               </a:lnSpc>
             </a:pPr>
-            <a:fld id="{EC65540C-2A9F-4F5D-B8F8-DD157954A57E}" type="slidenum">
+            <a:fld id="{AAED1EBC-164A-427B-A07B-BC6BE354BDAC}" type="slidenum">
               <a:rPr b="0" lang="en-US" sz="1100" spc="-1" strike="noStrike">
                 <a:solidFill>
                   <a:srgbClr val="ffffff"/>
@@ -10058,8 +10058,8 @@
         </p:nvSpPr>
         <p:spPr>
           <a:xfrm rot="5400000">
-            <a:off x="8675280" y="123840"/>
-            <a:ext cx="257040" cy="254160"/>
+            <a:off x="8675640" y="123480"/>
+            <a:ext cx="256680" cy="253800"/>
           </a:xfrm>
           <a:prstGeom prst="roundRect">
             <a:avLst>
@@ -10097,7 +10097,7 @@
         <p:spPr>
           <a:xfrm>
             <a:off x="8531280" y="97560"/>
-            <a:ext cx="550800" cy="273600"/>
+            <a:ext cx="550440" cy="273240"/>
           </a:xfrm>
           <a:prstGeom prst="rect">
             <a:avLst/>
@@ -10121,7 +10121,7 @@
                 <a:spcPct val="100000"/>
               </a:lnSpc>
             </a:pPr>
-            <a:fld id="{12415C2B-0342-47EE-A88C-6F30C0FB6405}" type="slidenum">
+            <a:fld id="{9B6F66B8-F415-48FC-8FC8-E126DF05C105}" type="slidenum">
               <a:rPr b="0" lang="en-US" sz="1100" spc="-1" strike="noStrike">
                 <a:solidFill>
                   <a:srgbClr val="ffffff"/>
@@ -10404,7 +10404,7 @@
         <p:spPr>
           <a:xfrm>
             <a:off x="1470960" y="511560"/>
-            <a:ext cx="6200640" cy="616680"/>
+            <a:ext cx="6200280" cy="616320"/>
           </a:xfrm>
           <a:prstGeom prst="rect">
             <a:avLst/>
@@ -10456,7 +10456,7 @@
         <p:spPr>
           <a:xfrm>
             <a:off x="3252960" y="225720"/>
-            <a:ext cx="2732760" cy="302760"/>
+            <a:ext cx="2732400" cy="302400"/>
           </a:xfrm>
           <a:prstGeom prst="rect">
             <a:avLst/>
@@ -10508,7 +10508,7 @@
         <p:spPr>
           <a:xfrm>
             <a:off x="3898080" y="4135320"/>
-            <a:ext cx="1560960" cy="302760"/>
+            <a:ext cx="1560600" cy="302400"/>
           </a:xfrm>
           <a:prstGeom prst="rect">
             <a:avLst/>
@@ -10560,7 +10560,7 @@
         <p:spPr>
           <a:xfrm>
             <a:off x="3898080" y="4388040"/>
-            <a:ext cx="1560960" cy="352800"/>
+            <a:ext cx="1560600" cy="352440"/>
           </a:xfrm>
           <a:prstGeom prst="rect">
             <a:avLst/>
@@ -10581,7 +10581,7 @@
           <a:p>
             <a:pPr algn="ctr">
               <a:lnSpc>
-                <a:spcPts val="22"/>
+                <a:spcPts val="8"/>
               </a:lnSpc>
             </a:pPr>
             <a:r>
@@ -10601,7 +10601,7 @@
           <a:p>
             <a:pPr algn="ctr">
               <a:lnSpc>
-                <a:spcPts val="22"/>
+                <a:spcPts val="8"/>
               </a:lnSpc>
             </a:pPr>
             <a:r>
@@ -10621,7 +10621,7 @@
           <a:p>
             <a:pPr algn="ctr">
               <a:lnSpc>
-                <a:spcPts val="22"/>
+                <a:spcPts val="8"/>
               </a:lnSpc>
             </a:pPr>
             <a:r>
@@ -10648,7 +10648,7 @@
         </p:nvGraphicFramePr>
         <p:xfrm>
           <a:off x="703440" y="1302120"/>
-          <a:ext cx="7735680" cy="2612160"/>
+          <a:ext cx="7735320" cy="2611800"/>
         </p:xfrm>
         <a:graphic>
           <a:graphicData uri="http://schemas.openxmlformats.org/drawingml/2006/chart">
@@ -10714,7 +10714,7 @@
         <p:spPr>
           <a:xfrm>
             <a:off x="0" y="0"/>
-            <a:ext cx="4206600" cy="5146560"/>
+            <a:ext cx="4206240" cy="5146200"/>
           </a:xfrm>
           <a:custGeom>
             <a:avLst/>
@@ -10842,7 +10842,7 @@
         <p:spPr>
           <a:xfrm>
             <a:off x="4572000" y="742680"/>
-            <a:ext cx="4102200" cy="576000"/>
+            <a:ext cx="4101840" cy="575640"/>
           </a:xfrm>
           <a:prstGeom prst="rect">
             <a:avLst/>
@@ -10894,7 +10894,7 @@
         <p:spPr>
           <a:xfrm>
             <a:off x="4572000" y="1364760"/>
-            <a:ext cx="4102200" cy="220680"/>
+            <a:ext cx="4101840" cy="220320"/>
           </a:xfrm>
           <a:prstGeom prst="rect">
             <a:avLst/>
@@ -10937,39 +10937,16 @@
           </a:p>
         </p:txBody>
       </p:sp>
-      <p:pic>
-        <p:nvPicPr>
-          <p:cNvPr id="314" name="" descr=""/>
-          <p:cNvPicPr/>
+      <p:sp>
+        <p:nvSpPr>
+          <p:cNvPr id="314" name="CustomShape 4"/>
+          <p:cNvSpPr/>
           <p:nvPr/>
-        </p:nvPicPr>
-        <p:blipFill>
-          <a:blip r:embed="rId1"/>
-          <a:stretch/>
-        </p:blipFill>
-        <p:spPr>
-          <a:xfrm>
-            <a:off x="4608000" y="1946520"/>
-            <a:ext cx="9142920" cy="2628360"/>
-          </a:xfrm>
-          <a:prstGeom prst="rect">
-            <a:avLst/>
-          </a:prstGeom>
-          <a:ln>
-            <a:noFill/>
-          </a:ln>
-        </p:spPr>
-      </p:pic>
-      <p:sp>
-        <p:nvSpPr>
-          <p:cNvPr id="315" name="TextShape 4"/>
-          <p:cNvSpPr txBox="1"/>
-          <p:nvPr/>
         </p:nvSpPr>
         <p:spPr>
           <a:xfrm>
             <a:off x="884520" y="914400"/>
-            <a:ext cx="2315880" cy="2952360"/>
+            <a:ext cx="2315520" cy="2952000"/>
           </a:xfrm>
           <a:prstGeom prst="rect">
             <a:avLst/>
@@ -10979,6 +10956,12 @@
             <a:noFill/>
           </a:ln>
         </p:spPr>
+        <p:style>
+          <a:lnRef idx="0"/>
+          <a:fillRef idx="0"/>
+          <a:effectRef idx="0"/>
+          <a:fontRef idx="minor"/>
+        </p:style>
         <p:txBody>
           <a:bodyPr lIns="90000" rIns="90000" tIns="45000" bIns="45000"/>
           <a:p>
@@ -10996,14 +10979,14 @@
       </p:sp>
       <p:sp>
         <p:nvSpPr>
-          <p:cNvPr id="316" name="CustomShape 5"/>
+          <p:cNvPr id="315" name="CustomShape 5"/>
           <p:cNvSpPr/>
           <p:nvPr/>
         </p:nvSpPr>
         <p:spPr>
           <a:xfrm>
             <a:off x="2682720" y="-1215360"/>
-            <a:ext cx="772200" cy="3979440"/>
+            <a:ext cx="771840" cy="3979080"/>
           </a:xfrm>
           <a:custGeom>
             <a:avLst/>
@@ -11145,6 +11128,29 @@
           <a:fontRef idx="minor"/>
         </p:style>
       </p:sp>
+      <p:pic>
+        <p:nvPicPr>
+          <p:cNvPr id="316" name="" descr=""/>
+          <p:cNvPicPr/>
+          <p:nvPr/>
+        </p:nvPicPr>
+        <p:blipFill>
+          <a:blip r:embed="rId1"/>
+          <a:stretch/>
+        </p:blipFill>
+        <p:spPr>
+          <a:xfrm>
+            <a:off x="4846680" y="2062080"/>
+            <a:ext cx="9143640" cy="2601360"/>
+          </a:xfrm>
+          <a:prstGeom prst="rect">
+            <a:avLst/>
+          </a:prstGeom>
+          <a:ln>
+            <a:noFill/>
+          </a:ln>
+        </p:spPr>
+      </p:pic>
     </p:spTree>
   </p:cSld>
   <p:timing>
@@ -11203,7 +11209,7 @@
         <p:spPr>
           <a:xfrm>
             <a:off x="4572000" y="742680"/>
-            <a:ext cx="4102200" cy="576000"/>
+            <a:ext cx="4101840" cy="575640"/>
           </a:xfrm>
           <a:prstGeom prst="rect">
             <a:avLst/>
@@ -11255,7 +11261,7 @@
         <p:spPr>
           <a:xfrm>
             <a:off x="4572000" y="1364760"/>
-            <a:ext cx="4102200" cy="220680"/>
+            <a:ext cx="4101840" cy="220320"/>
           </a:xfrm>
           <a:prstGeom prst="rect">
             <a:avLst/>
@@ -11308,7 +11314,7 @@
         <p:spPr>
           <a:xfrm>
             <a:off x="320040" y="1464120"/>
-            <a:ext cx="7418880" cy="3573360"/>
+            <a:ext cx="7418520" cy="3573000"/>
           </a:xfrm>
           <a:prstGeom prst="rect">
             <a:avLst/>
@@ -11376,7 +11382,7 @@
         <p:spPr>
           <a:xfrm>
             <a:off x="4572000" y="130320"/>
-            <a:ext cx="4102200" cy="576000"/>
+            <a:ext cx="4101840" cy="575640"/>
           </a:xfrm>
           <a:prstGeom prst="rect">
             <a:avLst/>
@@ -11428,7 +11434,7 @@
         <p:spPr>
           <a:xfrm>
             <a:off x="4572000" y="752040"/>
-            <a:ext cx="4102200" cy="220680"/>
+            <a:ext cx="4101840" cy="220320"/>
           </a:xfrm>
           <a:prstGeom prst="rect">
             <a:avLst/>
@@ -11481,7 +11487,7 @@
         <p:spPr>
           <a:xfrm>
             <a:off x="365760" y="743040"/>
-            <a:ext cx="7497360" cy="4748400"/>
+            <a:ext cx="7497000" cy="4748040"/>
           </a:xfrm>
           <a:prstGeom prst="rect">
             <a:avLst/>
@@ -11504,7 +11510,7 @@
         <p:spPr>
           <a:xfrm>
             <a:off x="5862240" y="1166760"/>
-            <a:ext cx="7944480" cy="5146920"/>
+            <a:ext cx="7944120" cy="5146560"/>
           </a:xfrm>
           <a:prstGeom prst="rect">
             <a:avLst/>
@@ -11572,7 +11578,7 @@
         <p:spPr>
           <a:xfrm>
             <a:off x="4572000" y="130320"/>
-            <a:ext cx="4102200" cy="576000"/>
+            <a:ext cx="4101840" cy="575640"/>
           </a:xfrm>
           <a:prstGeom prst="rect">
             <a:avLst/>
@@ -11624,7 +11630,7 @@
         <p:spPr>
           <a:xfrm>
             <a:off x="4572000" y="752040"/>
-            <a:ext cx="4102200" cy="220680"/>
+            <a:ext cx="4101840" cy="220320"/>
           </a:xfrm>
           <a:prstGeom prst="rect">
             <a:avLst/>
@@ -11677,7 +11683,7 @@
         <p:spPr>
           <a:xfrm>
             <a:off x="414000" y="730440"/>
-            <a:ext cx="7410240" cy="4224960"/>
+            <a:ext cx="7409880" cy="4224600"/>
           </a:xfrm>
           <a:prstGeom prst="rect">
             <a:avLst/>
@@ -11745,7 +11751,7 @@
         <p:spPr>
           <a:xfrm>
             <a:off x="4572000" y="130320"/>
-            <a:ext cx="4102200" cy="576000"/>
+            <a:ext cx="4101840" cy="575640"/>
           </a:xfrm>
           <a:prstGeom prst="rect">
             <a:avLst/>
@@ -11797,7 +11803,7 @@
         <p:spPr>
           <a:xfrm>
             <a:off x="4572000" y="752040"/>
-            <a:ext cx="4102200" cy="220680"/>
+            <a:ext cx="4101840" cy="220320"/>
           </a:xfrm>
           <a:prstGeom prst="rect">
             <a:avLst/>
@@ -11850,7 +11856,7 @@
         <p:spPr>
           <a:xfrm>
             <a:off x="320040" y="725760"/>
-            <a:ext cx="7543080" cy="4075200"/>
+            <a:ext cx="7542720" cy="4074840"/>
           </a:xfrm>
           <a:prstGeom prst="rect">
             <a:avLst/>
@@ -11873,7 +11879,7 @@
         <p:spPr>
           <a:xfrm>
             <a:off x="4206240" y="1006560"/>
-            <a:ext cx="6643080" cy="4218120"/>
+            <a:ext cx="6642720" cy="4217760"/>
           </a:xfrm>
           <a:prstGeom prst="rect">
             <a:avLst/>
@@ -11941,7 +11947,7 @@
         <p:spPr>
           <a:xfrm>
             <a:off x="731520" y="130320"/>
-            <a:ext cx="7942680" cy="576000"/>
+            <a:ext cx="7942320" cy="575640"/>
           </a:xfrm>
           <a:prstGeom prst="rect">
             <a:avLst/>
@@ -11993,7 +11999,7 @@
         <p:spPr>
           <a:xfrm>
             <a:off x="4572000" y="752040"/>
-            <a:ext cx="4102200" cy="220680"/>
+            <a:ext cx="4101840" cy="220320"/>
           </a:xfrm>
           <a:prstGeom prst="rect">
             <a:avLst/>
@@ -12046,7 +12052,7 @@
         <p:spPr>
           <a:xfrm>
             <a:off x="320040" y="723960"/>
-            <a:ext cx="7477920" cy="3764160"/>
+            <a:ext cx="7477560" cy="3763800"/>
           </a:xfrm>
           <a:prstGeom prst="rect">
             <a:avLst/>
@@ -12069,7 +12075,7 @@
         <p:spPr>
           <a:xfrm>
             <a:off x="5036040" y="1389960"/>
-            <a:ext cx="7634520" cy="3603960"/>
+            <a:ext cx="7634160" cy="3603600"/>
           </a:xfrm>
           <a:prstGeom prst="rect">
             <a:avLst/>
@@ -12137,7 +12143,7 @@
         <p:spPr>
           <a:xfrm>
             <a:off x="731520" y="130320"/>
-            <a:ext cx="7942680" cy="576000"/>
+            <a:ext cx="7942320" cy="575640"/>
           </a:xfrm>
           <a:prstGeom prst="rect">
             <a:avLst/>
@@ -12189,7 +12195,7 @@
         <p:spPr>
           <a:xfrm>
             <a:off x="4572000" y="752040"/>
-            <a:ext cx="4102200" cy="220680"/>
+            <a:ext cx="4101840" cy="220320"/>
           </a:xfrm>
           <a:prstGeom prst="rect">
             <a:avLst/>
@@ -12242,7 +12248,7 @@
         <p:spPr>
           <a:xfrm>
             <a:off x="254880" y="695160"/>
-            <a:ext cx="7569360" cy="4062600"/>
+            <a:ext cx="7569000" cy="4062240"/>
           </a:xfrm>
           <a:prstGeom prst="rect">
             <a:avLst/>
@@ -12265,7 +12271,7 @@
         <p:spPr>
           <a:xfrm>
             <a:off x="5875920" y="1157760"/>
-            <a:ext cx="6787800" cy="3909960"/>
+            <a:ext cx="6787440" cy="3909600"/>
           </a:xfrm>
           <a:prstGeom prst="rect">
             <a:avLst/>
@@ -12333,7 +12339,7 @@
         <p:spPr>
           <a:xfrm>
             <a:off x="4572000" y="742680"/>
-            <a:ext cx="4102200" cy="576000"/>
+            <a:ext cx="4101840" cy="575640"/>
           </a:xfrm>
           <a:prstGeom prst="rect">
             <a:avLst/>
@@ -12385,7 +12391,7 @@
         <p:spPr>
           <a:xfrm>
             <a:off x="4572000" y="1364760"/>
-            <a:ext cx="4102200" cy="220680"/>
+            <a:ext cx="4101840" cy="220320"/>
           </a:xfrm>
           <a:prstGeom prst="rect">
             <a:avLst/>
@@ -12441,7 +12447,7 @@
         <p:spPr>
           <a:xfrm>
             <a:off x="4846320" y="2217600"/>
-            <a:ext cx="9142920" cy="1991520"/>
+            <a:ext cx="9142560" cy="1991160"/>
           </a:xfrm>
           <a:prstGeom prst="rect">
             <a:avLst/>
@@ -12460,7 +12466,7 @@
         <p:spPr>
           <a:xfrm>
             <a:off x="0" y="360"/>
-            <a:ext cx="4206600" cy="5146560"/>
+            <a:ext cx="4206240" cy="5146200"/>
           </a:xfrm>
           <a:custGeom>
             <a:avLst/>
@@ -12568,14 +12574,14 @@
       </p:sp>
       <p:sp>
         <p:nvSpPr>
-          <p:cNvPr id="343" name="TextShape 4"/>
-          <p:cNvSpPr txBox="1"/>
+          <p:cNvPr id="343" name="CustomShape 4"/>
+          <p:cNvSpPr/>
           <p:nvPr/>
         </p:nvSpPr>
         <p:spPr>
           <a:xfrm>
             <a:off x="1073520" y="600120"/>
-            <a:ext cx="2218320" cy="3240360"/>
+            <a:ext cx="2217960" cy="3240000"/>
           </a:xfrm>
           <a:prstGeom prst="rect">
             <a:avLst/>
@@ -12585,6 +12591,12 @@
             <a:noFill/>
           </a:ln>
         </p:spPr>
+        <p:style>
+          <a:lnRef idx="0"/>
+          <a:fillRef idx="0"/>
+          <a:effectRef idx="0"/>
+          <a:fontRef idx="minor"/>
+        </p:style>
         <p:txBody>
           <a:bodyPr lIns="90000" rIns="90000" tIns="45000" bIns="45000"/>
           <a:p>
@@ -12609,7 +12621,7 @@
         <p:spPr>
           <a:xfrm>
             <a:off x="2418480" y="-1440360"/>
-            <a:ext cx="1283760" cy="3516480"/>
+            <a:ext cx="1283400" cy="3516120"/>
           </a:xfrm>
           <a:custGeom>
             <a:avLst/>
@@ -12895,7 +12907,7 @@
         <p:spPr>
           <a:xfrm>
             <a:off x="731520" y="130320"/>
-            <a:ext cx="7942680" cy="576000"/>
+            <a:ext cx="7942320" cy="575640"/>
           </a:xfrm>
           <a:prstGeom prst="rect">
             <a:avLst/>
@@ -12947,7 +12959,7 @@
         <p:spPr>
           <a:xfrm>
             <a:off x="4572000" y="752040"/>
-            <a:ext cx="4102200" cy="220680"/>
+            <a:ext cx="4101840" cy="220320"/>
           </a:xfrm>
           <a:prstGeom prst="rect">
             <a:avLst/>
@@ -13000,7 +13012,7 @@
         <p:spPr>
           <a:xfrm>
             <a:off x="181440" y="182880"/>
-            <a:ext cx="3475440" cy="2982600"/>
+            <a:ext cx="3475080" cy="2982240"/>
           </a:xfrm>
           <a:prstGeom prst="rect">
             <a:avLst/>
@@ -13023,7 +13035,7 @@
         <p:spPr>
           <a:xfrm>
             <a:off x="3108960" y="752040"/>
-            <a:ext cx="3722040" cy="3345120"/>
+            <a:ext cx="3721680" cy="3344760"/>
           </a:xfrm>
           <a:prstGeom prst="rect">
             <a:avLst/>
@@ -13046,7 +13058,7 @@
         <p:spPr>
           <a:xfrm>
             <a:off x="6098400" y="1280880"/>
-            <a:ext cx="3044880" cy="3865680"/>
+            <a:ext cx="3044520" cy="3865320"/>
           </a:xfrm>
           <a:prstGeom prst="rect">
             <a:avLst/>
@@ -13114,7 +13126,7 @@
         <p:spPr>
           <a:xfrm>
             <a:off x="731520" y="130320"/>
-            <a:ext cx="7942680" cy="576000"/>
+            <a:ext cx="7942320" cy="575640"/>
           </a:xfrm>
           <a:prstGeom prst="rect">
             <a:avLst/>
@@ -13166,7 +13178,7 @@
         <p:spPr>
           <a:xfrm>
             <a:off x="4572000" y="752040"/>
-            <a:ext cx="4102200" cy="220680"/>
+            <a:ext cx="4101840" cy="220320"/>
           </a:xfrm>
           <a:prstGeom prst="rect">
             <a:avLst/>
@@ -13219,7 +13231,7 @@
         <p:spPr>
           <a:xfrm>
             <a:off x="539640" y="860400"/>
-            <a:ext cx="7049160" cy="4308480"/>
+            <a:ext cx="7048800" cy="4308120"/>
           </a:xfrm>
           <a:prstGeom prst="rect">
             <a:avLst/>
@@ -13287,7 +13299,7 @@
         <p:spPr>
           <a:xfrm>
             <a:off x="2638800" y="1764720"/>
-            <a:ext cx="610560" cy="610200"/>
+            <a:ext cx="610200" cy="609840"/>
           </a:xfrm>
           <a:prstGeom prst="roundRect">
             <a:avLst>
@@ -13325,7 +13337,7 @@
         <p:spPr>
           <a:xfrm>
             <a:off x="2650320" y="2579400"/>
-            <a:ext cx="610560" cy="610200"/>
+            <a:ext cx="610200" cy="609840"/>
           </a:xfrm>
           <a:prstGeom prst="roundRect">
             <a:avLst>
@@ -13365,7 +13377,7 @@
         <p:spPr>
           <a:xfrm>
             <a:off x="2638800" y="3397680"/>
-            <a:ext cx="610560" cy="610200"/>
+            <a:ext cx="610200" cy="609840"/>
           </a:xfrm>
           <a:prstGeom prst="roundRect">
             <a:avLst>
@@ -13403,7 +13415,7 @@
         <p:spPr>
           <a:xfrm>
             <a:off x="2496960" y="372960"/>
-            <a:ext cx="4161960" cy="576000"/>
+            <a:ext cx="4161600" cy="575640"/>
           </a:xfrm>
           <a:prstGeom prst="rect">
             <a:avLst/>
@@ -13455,7 +13467,7 @@
         <p:spPr>
           <a:xfrm>
             <a:off x="2496960" y="995040"/>
-            <a:ext cx="4161960" cy="220680"/>
+            <a:ext cx="4161600" cy="220320"/>
           </a:xfrm>
           <a:prstGeom prst="rect">
             <a:avLst/>
@@ -13507,7 +13519,7 @@
         <p:spPr>
           <a:xfrm>
             <a:off x="3384720" y="1712880"/>
-            <a:ext cx="2954880" cy="302760"/>
+            <a:ext cx="2954520" cy="302400"/>
           </a:xfrm>
           <a:prstGeom prst="rect">
             <a:avLst/>
@@ -13559,7 +13571,7 @@
         <p:spPr>
           <a:xfrm>
             <a:off x="3384720" y="1965600"/>
-            <a:ext cx="2954880" cy="352800"/>
+            <a:ext cx="2954520" cy="352440"/>
           </a:xfrm>
           <a:prstGeom prst="rect">
             <a:avLst/>
@@ -13580,7 +13592,7 @@
           <a:p>
             <a:pPr>
               <a:lnSpc>
-                <a:spcPts val="22"/>
+                <a:spcPts val="8"/>
               </a:lnSpc>
               <a:spcBef>
                 <a:spcPts val="751"/>
@@ -13611,7 +13623,7 @@
         <p:spPr>
           <a:xfrm>
             <a:off x="3384720" y="2583000"/>
-            <a:ext cx="2954880" cy="302760"/>
+            <a:ext cx="2954520" cy="302400"/>
           </a:xfrm>
           <a:prstGeom prst="rect">
             <a:avLst/>
@@ -13663,7 +13675,7 @@
         <p:spPr>
           <a:xfrm>
             <a:off x="3384720" y="2835360"/>
-            <a:ext cx="2954880" cy="352800"/>
+            <a:ext cx="2954520" cy="352440"/>
           </a:xfrm>
           <a:prstGeom prst="rect">
             <a:avLst/>
@@ -13684,7 +13696,7 @@
           <a:p>
             <a:pPr>
               <a:lnSpc>
-                <a:spcPts val="22"/>
+                <a:spcPts val="8"/>
               </a:lnSpc>
               <a:spcBef>
                 <a:spcPts val="751"/>
@@ -13715,7 +13727,7 @@
         <p:spPr>
           <a:xfrm>
             <a:off x="3384720" y="3387240"/>
-            <a:ext cx="2954880" cy="302760"/>
+            <a:ext cx="2954520" cy="302400"/>
           </a:xfrm>
           <a:prstGeom prst="rect">
             <a:avLst/>
@@ -13767,7 +13779,7 @@
         <p:spPr>
           <a:xfrm>
             <a:off x="3384720" y="3640320"/>
-            <a:ext cx="2954880" cy="352800"/>
+            <a:ext cx="2954520" cy="352440"/>
           </a:xfrm>
           <a:prstGeom prst="rect">
             <a:avLst/>
@@ -13788,7 +13800,7 @@
           <a:p>
             <a:pPr>
               <a:lnSpc>
-                <a:spcPts val="22"/>
+                <a:spcPts val="8"/>
               </a:lnSpc>
               <a:spcBef>
                 <a:spcPts val="751"/>
@@ -13868,7 +13880,7 @@
         <p:spPr>
           <a:xfrm>
             <a:off x="731520" y="130320"/>
-            <a:ext cx="7942680" cy="576000"/>
+            <a:ext cx="7942320" cy="575640"/>
           </a:xfrm>
           <a:prstGeom prst="rect">
             <a:avLst/>
@@ -13920,7 +13932,7 @@
         <p:spPr>
           <a:xfrm>
             <a:off x="4572000" y="752040"/>
-            <a:ext cx="4102200" cy="220680"/>
+            <a:ext cx="4101840" cy="220320"/>
           </a:xfrm>
           <a:prstGeom prst="rect">
             <a:avLst/>
@@ -13973,7 +13985,7 @@
         <p:spPr>
           <a:xfrm>
             <a:off x="453600" y="715320"/>
-            <a:ext cx="7354080" cy="4479840"/>
+            <a:ext cx="7353720" cy="4479480"/>
           </a:xfrm>
           <a:prstGeom prst="rect">
             <a:avLst/>
@@ -14041,7 +14053,7 @@
         <p:spPr>
           <a:xfrm>
             <a:off x="731520" y="130320"/>
-            <a:ext cx="7942680" cy="576000"/>
+            <a:ext cx="7942320" cy="575640"/>
           </a:xfrm>
           <a:prstGeom prst="rect">
             <a:avLst/>
@@ -14093,7 +14105,7 @@
         <p:spPr>
           <a:xfrm>
             <a:off x="4572000" y="752040"/>
-            <a:ext cx="4102200" cy="220680"/>
+            <a:ext cx="4101840" cy="220320"/>
           </a:xfrm>
           <a:prstGeom prst="rect">
             <a:avLst/>
@@ -14146,7 +14158,7 @@
         <p:spPr>
           <a:xfrm>
             <a:off x="365760" y="716400"/>
-            <a:ext cx="7425720" cy="4148640"/>
+            <a:ext cx="7425360" cy="4148280"/>
           </a:xfrm>
           <a:prstGeom prst="rect">
             <a:avLst/>
@@ -14214,7 +14226,7 @@
         <p:spPr>
           <a:xfrm>
             <a:off x="731520" y="130320"/>
-            <a:ext cx="7942680" cy="576000"/>
+            <a:ext cx="7942320" cy="575640"/>
           </a:xfrm>
           <a:prstGeom prst="rect">
             <a:avLst/>
@@ -14266,7 +14278,7 @@
         <p:spPr>
           <a:xfrm>
             <a:off x="4572000" y="752040"/>
-            <a:ext cx="4102200" cy="220680"/>
+            <a:ext cx="4101840" cy="220320"/>
           </a:xfrm>
           <a:prstGeom prst="rect">
             <a:avLst/>
@@ -14319,7 +14331,7 @@
         <p:spPr>
           <a:xfrm>
             <a:off x="385200" y="734760"/>
-            <a:ext cx="7497360" cy="4234680"/>
+            <a:ext cx="7497000" cy="4234320"/>
           </a:xfrm>
           <a:prstGeom prst="rect">
             <a:avLst/>
@@ -14387,7 +14399,7 @@
         <p:spPr>
           <a:xfrm>
             <a:off x="731520" y="130320"/>
-            <a:ext cx="7942680" cy="576000"/>
+            <a:ext cx="7942320" cy="575640"/>
           </a:xfrm>
           <a:prstGeom prst="rect">
             <a:avLst/>
@@ -14439,7 +14451,7 @@
         <p:spPr>
           <a:xfrm>
             <a:off x="4572000" y="752040"/>
-            <a:ext cx="4102200" cy="220680"/>
+            <a:ext cx="4101840" cy="220320"/>
           </a:xfrm>
           <a:prstGeom prst="rect">
             <a:avLst/>
@@ -14492,7 +14504,7 @@
         <p:spPr>
           <a:xfrm>
             <a:off x="311400" y="2562120"/>
-            <a:ext cx="5174280" cy="2653200"/>
+            <a:ext cx="5173920" cy="2652840"/>
           </a:xfrm>
           <a:prstGeom prst="rect">
             <a:avLst/>
@@ -14515,7 +14527,7 @@
         <p:spPr>
           <a:xfrm>
             <a:off x="3840480" y="1098000"/>
-            <a:ext cx="4937040" cy="2881800"/>
+            <a:ext cx="4936680" cy="2881440"/>
           </a:xfrm>
           <a:prstGeom prst="rect">
             <a:avLst/>
@@ -14583,7 +14595,7 @@
         <p:spPr>
           <a:xfrm>
             <a:off x="731520" y="130320"/>
-            <a:ext cx="7942680" cy="576000"/>
+            <a:ext cx="7942320" cy="575640"/>
           </a:xfrm>
           <a:prstGeom prst="rect">
             <a:avLst/>
@@ -14635,7 +14647,7 @@
         <p:spPr>
           <a:xfrm>
             <a:off x="4572000" y="752040"/>
-            <a:ext cx="4102200" cy="220680"/>
+            <a:ext cx="4101840" cy="220320"/>
           </a:xfrm>
           <a:prstGeom prst="rect">
             <a:avLst/>
@@ -14688,7 +14700,7 @@
         <p:spPr>
           <a:xfrm>
             <a:off x="379440" y="1103400"/>
-            <a:ext cx="7520040" cy="4050720"/>
+            <a:ext cx="7519680" cy="4050360"/>
           </a:xfrm>
           <a:prstGeom prst="rect">
             <a:avLst/>
@@ -14756,7 +14768,7 @@
         <p:spPr>
           <a:xfrm>
             <a:off x="4572000" y="742680"/>
-            <a:ext cx="4102200" cy="576000"/>
+            <a:ext cx="4101840" cy="575640"/>
           </a:xfrm>
           <a:prstGeom prst="rect">
             <a:avLst/>
@@ -14808,7 +14820,7 @@
         <p:spPr>
           <a:xfrm>
             <a:off x="4572000" y="1364760"/>
-            <a:ext cx="4102200" cy="220680"/>
+            <a:ext cx="4101840" cy="220320"/>
           </a:xfrm>
           <a:prstGeom prst="rect">
             <a:avLst/>
@@ -14860,7 +14872,7 @@
         <p:spPr>
           <a:xfrm>
             <a:off x="360" y="0"/>
-            <a:ext cx="4206600" cy="5146560"/>
+            <a:ext cx="4206240" cy="5146200"/>
           </a:xfrm>
           <a:custGeom>
             <a:avLst/>
@@ -14998,7 +15010,7 @@
         <p:spPr>
           <a:xfrm>
             <a:off x="4938120" y="2563200"/>
-            <a:ext cx="9142920" cy="1370880"/>
+            <a:ext cx="9142560" cy="1370520"/>
           </a:xfrm>
           <a:prstGeom prst="rect">
             <a:avLst/>
@@ -15010,14 +15022,14 @@
       </p:pic>
       <p:sp>
         <p:nvSpPr>
-          <p:cNvPr id="373" name="TextShape 4"/>
-          <p:cNvSpPr txBox="1"/>
+          <p:cNvPr id="373" name="CustomShape 4"/>
+          <p:cNvSpPr/>
           <p:nvPr/>
         </p:nvSpPr>
         <p:spPr>
           <a:xfrm>
             <a:off x="1097280" y="783000"/>
-            <a:ext cx="2062800" cy="3240360"/>
+            <a:ext cx="2062440" cy="3240000"/>
           </a:xfrm>
           <a:prstGeom prst="rect">
             <a:avLst/>
@@ -15027,6 +15039,12 @@
             <a:noFill/>
           </a:ln>
         </p:spPr>
+        <p:style>
+          <a:lnRef idx="0"/>
+          <a:fillRef idx="0"/>
+          <a:effectRef idx="0"/>
+          <a:fontRef idx="minor"/>
+        </p:style>
         <p:txBody>
           <a:bodyPr lIns="90000" rIns="90000" tIns="45000" bIns="45000"/>
           <a:p>
@@ -15051,7 +15069,7 @@
         <p:spPr>
           <a:xfrm>
             <a:off x="2183400" y="-1064520"/>
-            <a:ext cx="1281960" cy="2979360"/>
+            <a:ext cx="1281600" cy="2979000"/>
           </a:xfrm>
           <a:custGeom>
             <a:avLst/>
@@ -15336,7 +15354,7 @@
         <p:spPr>
           <a:xfrm>
             <a:off x="731520" y="130320"/>
-            <a:ext cx="7942680" cy="576000"/>
+            <a:ext cx="7942320" cy="575640"/>
           </a:xfrm>
           <a:prstGeom prst="rect">
             <a:avLst/>
@@ -15388,7 +15406,7 @@
         <p:spPr>
           <a:xfrm>
             <a:off x="4572000" y="752040"/>
-            <a:ext cx="4102200" cy="220680"/>
+            <a:ext cx="4101840" cy="220320"/>
           </a:xfrm>
           <a:prstGeom prst="rect">
             <a:avLst/>
@@ -15441,7 +15459,7 @@
         <p:spPr>
           <a:xfrm>
             <a:off x="182880" y="854280"/>
-            <a:ext cx="3533040" cy="4292640"/>
+            <a:ext cx="3532680" cy="4292280"/>
           </a:xfrm>
           <a:prstGeom prst="rect">
             <a:avLst/>
@@ -15464,7 +15482,7 @@
         <p:spPr>
           <a:xfrm>
             <a:off x="4082400" y="1474920"/>
-            <a:ext cx="7327440" cy="2726280"/>
+            <a:ext cx="7327080" cy="2725920"/>
           </a:xfrm>
           <a:prstGeom prst="rect">
             <a:avLst/>
@@ -15532,7 +15550,7 @@
         <p:spPr>
           <a:xfrm>
             <a:off x="731520" y="130320"/>
-            <a:ext cx="7942680" cy="576000"/>
+            <a:ext cx="7942320" cy="575640"/>
           </a:xfrm>
           <a:prstGeom prst="rect">
             <a:avLst/>
@@ -15584,7 +15602,7 @@
         <p:spPr>
           <a:xfrm>
             <a:off x="4572000" y="752040"/>
-            <a:ext cx="4102200" cy="220680"/>
+            <a:ext cx="4101840" cy="220320"/>
           </a:xfrm>
           <a:prstGeom prst="rect">
             <a:avLst/>
@@ -15637,7 +15655,7 @@
         <p:spPr>
           <a:xfrm>
             <a:off x="443520" y="710280"/>
-            <a:ext cx="7212240" cy="4579560"/>
+            <a:ext cx="7211880" cy="4579200"/>
           </a:xfrm>
           <a:prstGeom prst="rect">
             <a:avLst/>
@@ -15711,8 +15729,8 @@
         </p:nvSpPr>
         <p:spPr>
           <a:xfrm rot="5400000">
-            <a:off x="573120" y="1550160"/>
-            <a:ext cx="758520" cy="836640"/>
+            <a:off x="573480" y="1550160"/>
+            <a:ext cx="758160" cy="836280"/>
           </a:xfrm>
           <a:custGeom>
             <a:avLst/>
@@ -15882,7 +15900,7 @@
         <p:spPr>
           <a:xfrm>
             <a:off x="476280" y="2425320"/>
-            <a:ext cx="4161960" cy="576000"/>
+            <a:ext cx="4161600" cy="575640"/>
           </a:xfrm>
           <a:prstGeom prst="rect">
             <a:avLst/>
@@ -15934,7 +15952,7 @@
         <p:spPr>
           <a:xfrm>
             <a:off x="476280" y="3047760"/>
-            <a:ext cx="4161960" cy="220680"/>
+            <a:ext cx="4161600" cy="220320"/>
           </a:xfrm>
           <a:prstGeom prst="rect">
             <a:avLst/>
@@ -15986,7 +16004,7 @@
         <p:spPr>
           <a:xfrm>
             <a:off x="532800" y="3314160"/>
-            <a:ext cx="3613680" cy="689760"/>
+            <a:ext cx="3613320" cy="689400"/>
           </a:xfrm>
           <a:prstGeom prst="rect">
             <a:avLst/>
@@ -16007,7 +16025,7 @@
           <a:p>
             <a:pPr>
               <a:lnSpc>
-                <a:spcPts val="22"/>
+                <a:spcPts val="8"/>
               </a:lnSpc>
               <a:spcBef>
                 <a:spcPts val="751"/>
@@ -16042,7 +16060,7 @@
         <p:spPr>
           <a:xfrm>
             <a:off x="7709760" y="36720"/>
-            <a:ext cx="1342080" cy="1151280"/>
+            <a:ext cx="1341720" cy="1150920"/>
           </a:xfrm>
           <a:prstGeom prst="rect">
             <a:avLst/>
@@ -16110,7 +16128,7 @@
         <p:spPr>
           <a:xfrm>
             <a:off x="3357720" y="1712880"/>
-            <a:ext cx="2954880" cy="302760"/>
+            <a:ext cx="2954520" cy="302400"/>
           </a:xfrm>
           <a:prstGeom prst="rect">
             <a:avLst/>
@@ -16162,7 +16180,7 @@
         <p:spPr>
           <a:xfrm>
             <a:off x="3357720" y="1965600"/>
-            <a:ext cx="2954880" cy="352800"/>
+            <a:ext cx="2954520" cy="352440"/>
           </a:xfrm>
           <a:prstGeom prst="rect">
             <a:avLst/>
@@ -16183,7 +16201,7 @@
           <a:p>
             <a:pPr>
               <a:lnSpc>
-                <a:spcPts val="22"/>
+                <a:spcPts val="8"/>
               </a:lnSpc>
               <a:spcBef>
                 <a:spcPts val="751"/>
@@ -16214,7 +16232,7 @@
         <p:spPr>
           <a:xfrm>
             <a:off x="2552760" y="1767960"/>
-            <a:ext cx="610560" cy="610200"/>
+            <a:ext cx="610200" cy="609840"/>
           </a:xfrm>
           <a:prstGeom prst="roundRect">
             <a:avLst>
@@ -16252,7 +16270,7 @@
         <p:spPr>
           <a:xfrm>
             <a:off x="3357720" y="2583000"/>
-            <a:ext cx="2954880" cy="302760"/>
+            <a:ext cx="2954520" cy="302400"/>
           </a:xfrm>
           <a:prstGeom prst="rect">
             <a:avLst/>
@@ -16304,7 +16322,7 @@
         <p:spPr>
           <a:xfrm>
             <a:off x="3357720" y="2835360"/>
-            <a:ext cx="2954880" cy="352800"/>
+            <a:ext cx="2954520" cy="352440"/>
           </a:xfrm>
           <a:prstGeom prst="rect">
             <a:avLst/>
@@ -16325,7 +16343,7 @@
           <a:p>
             <a:pPr>
               <a:lnSpc>
-                <a:spcPts val="22"/>
+                <a:spcPts val="8"/>
               </a:lnSpc>
               <a:spcBef>
                 <a:spcPts val="751"/>
@@ -16356,7 +16374,7 @@
         <p:spPr>
           <a:xfrm>
             <a:off x="2552760" y="2579400"/>
-            <a:ext cx="610560" cy="610200"/>
+            <a:ext cx="610200" cy="609840"/>
           </a:xfrm>
           <a:prstGeom prst="roundRect">
             <a:avLst>
@@ -16396,7 +16414,7 @@
         <p:spPr>
           <a:xfrm>
             <a:off x="3357720" y="3387240"/>
-            <a:ext cx="2954880" cy="302760"/>
+            <a:ext cx="2954520" cy="302400"/>
           </a:xfrm>
           <a:prstGeom prst="rect">
             <a:avLst/>
@@ -16448,7 +16466,7 @@
         <p:spPr>
           <a:xfrm>
             <a:off x="3357720" y="3640320"/>
-            <a:ext cx="2954880" cy="352800"/>
+            <a:ext cx="2954520" cy="352440"/>
           </a:xfrm>
           <a:prstGeom prst="rect">
             <a:avLst/>
@@ -16469,7 +16487,7 @@
           <a:p>
             <a:pPr>
               <a:lnSpc>
-                <a:spcPts val="22"/>
+                <a:spcPts val="8"/>
               </a:lnSpc>
               <a:spcBef>
                 <a:spcPts val="751"/>
@@ -16500,7 +16518,7 @@
         <p:spPr>
           <a:xfrm>
             <a:off x="2552760" y="3397680"/>
-            <a:ext cx="610560" cy="610200"/>
+            <a:ext cx="610200" cy="609840"/>
           </a:xfrm>
           <a:prstGeom prst="roundRect">
             <a:avLst>
@@ -16540,7 +16558,7 @@
         <p:spPr>
           <a:xfrm>
             <a:off x="2496960" y="372960"/>
-            <a:ext cx="4161960" cy="576000"/>
+            <a:ext cx="4161600" cy="575640"/>
           </a:xfrm>
           <a:prstGeom prst="rect">
             <a:avLst/>
@@ -16592,7 +16610,7 @@
         <p:spPr>
           <a:xfrm>
             <a:off x="2496960" y="995040"/>
-            <a:ext cx="4161960" cy="220680"/>
+            <a:ext cx="4161600" cy="220320"/>
           </a:xfrm>
           <a:prstGeom prst="rect">
             <a:avLst/>
@@ -16693,7 +16711,7 @@
         <p:spPr>
           <a:xfrm>
             <a:off x="2438280" y="259200"/>
-            <a:ext cx="4265640" cy="616680"/>
+            <a:ext cx="4265280" cy="616320"/>
           </a:xfrm>
           <a:prstGeom prst="rect">
             <a:avLst/>
@@ -16745,7 +16763,7 @@
         <p:spPr>
           <a:xfrm>
             <a:off x="3204720" y="877680"/>
-            <a:ext cx="2732760" cy="302760"/>
+            <a:ext cx="2732400" cy="302400"/>
           </a:xfrm>
           <a:prstGeom prst="rect">
             <a:avLst/>
@@ -16797,7 +16815,7 @@
         <p:spPr>
           <a:xfrm>
             <a:off x="2818080" y="4135320"/>
-            <a:ext cx="1560960" cy="302760"/>
+            <a:ext cx="1560600" cy="302400"/>
           </a:xfrm>
           <a:prstGeom prst="rect">
             <a:avLst/>
@@ -16849,7 +16867,7 @@
         <p:spPr>
           <a:xfrm>
             <a:off x="2818080" y="4388040"/>
-            <a:ext cx="1560960" cy="352800"/>
+            <a:ext cx="1560600" cy="352440"/>
           </a:xfrm>
           <a:prstGeom prst="rect">
             <a:avLst/>
@@ -16875,7 +16893,7 @@
         <p:spPr>
           <a:xfrm>
             <a:off x="4787640" y="4135320"/>
-            <a:ext cx="1560960" cy="302760"/>
+            <a:ext cx="1560600" cy="302400"/>
           </a:xfrm>
           <a:prstGeom prst="rect">
             <a:avLst/>
@@ -16927,7 +16945,7 @@
         <p:spPr>
           <a:xfrm>
             <a:off x="4787640" y="4388040"/>
-            <a:ext cx="1560960" cy="352800"/>
+            <a:ext cx="1560600" cy="352440"/>
           </a:xfrm>
           <a:prstGeom prst="rect">
             <a:avLst/>
@@ -16957,7 +16975,7 @@
         <p:spPr>
           <a:xfrm>
             <a:off x="2315520" y="1738800"/>
-            <a:ext cx="4428000" cy="1752840"/>
+            <a:ext cx="4427640" cy="1752480"/>
           </a:xfrm>
           <a:prstGeom prst="rect">
             <a:avLst/>
@@ -17024,8 +17042,8 @@
         </p:nvSpPr>
         <p:spPr>
           <a:xfrm flipV="1">
-            <a:off x="3421800" y="-1017000"/>
-            <a:ext cx="5562360" cy="5553360"/>
+            <a:off x="3421800" y="-1017720"/>
+            <a:ext cx="5562000" cy="5553000"/>
           </a:xfrm>
           <a:custGeom>
             <a:avLst/>
@@ -18016,7 +18034,7 @@
         <p:spPr>
           <a:xfrm>
             <a:off x="5362200" y="4697280"/>
-            <a:ext cx="129960" cy="255960"/>
+            <a:ext cx="129600" cy="255600"/>
           </a:xfrm>
           <a:custGeom>
             <a:avLst/>
@@ -18094,7 +18112,7 @@
         <p:spPr>
           <a:xfrm flipH="1">
             <a:off x="5492520" y="4697280"/>
-            <a:ext cx="129960" cy="255960"/>
+            <a:ext cx="129600" cy="255600"/>
           </a:xfrm>
           <a:custGeom>
             <a:avLst/>
@@ -18172,7 +18190,7 @@
         <p:spPr>
           <a:xfrm>
             <a:off x="8979120" y="3483000"/>
-            <a:ext cx="256680" cy="254520"/>
+            <a:ext cx="256320" cy="254160"/>
           </a:xfrm>
           <a:prstGeom prst="roundRect">
             <a:avLst>
@@ -18213,7 +18231,7 @@
         <p:spPr>
           <a:xfrm>
             <a:off x="3673800" y="2642400"/>
-            <a:ext cx="256680" cy="254520"/>
+            <a:ext cx="256320" cy="254160"/>
           </a:xfrm>
           <a:custGeom>
             <a:avLst/>
@@ -18316,7 +18334,7 @@
         <p:spPr>
           <a:xfrm>
             <a:off x="506160" y="1860840"/>
-            <a:ext cx="2954880" cy="576000"/>
+            <a:ext cx="2954520" cy="575640"/>
           </a:xfrm>
           <a:prstGeom prst="rect">
             <a:avLst/>
@@ -18368,7 +18386,7 @@
         <p:spPr>
           <a:xfrm>
             <a:off x="506160" y="2482560"/>
-            <a:ext cx="2954880" cy="220680"/>
+            <a:ext cx="2954520" cy="220320"/>
           </a:xfrm>
           <a:prstGeom prst="rect">
             <a:avLst/>
@@ -18420,7 +18438,7 @@
         <p:spPr>
           <a:xfrm>
             <a:off x="506160" y="2812320"/>
-            <a:ext cx="2954880" cy="689760"/>
+            <a:ext cx="2954520" cy="689400"/>
           </a:xfrm>
           <a:prstGeom prst="rect">
             <a:avLst/>
@@ -18664,7 +18682,7 @@
         <p:spPr>
           <a:xfrm>
             <a:off x="3663360" y="1922760"/>
-            <a:ext cx="5901840" cy="1809000"/>
+            <a:ext cx="5901480" cy="1808640"/>
           </a:xfrm>
           <a:prstGeom prst="rect">
             <a:avLst/>
@@ -18731,8 +18749,8 @@
         </p:nvSpPr>
         <p:spPr>
           <a:xfrm flipV="1">
-            <a:off x="3421800" y="-1017000"/>
-            <a:ext cx="5562360" cy="5553360"/>
+            <a:off x="3421800" y="-1017720"/>
+            <a:ext cx="5562000" cy="5553000"/>
           </a:xfrm>
           <a:custGeom>
             <a:avLst/>
@@ -19723,7 +19741,7 @@
         <p:spPr>
           <a:xfrm>
             <a:off x="5362200" y="4697280"/>
-            <a:ext cx="129960" cy="255960"/>
+            <a:ext cx="129600" cy="255600"/>
           </a:xfrm>
           <a:custGeom>
             <a:avLst/>
@@ -19801,7 +19819,7 @@
         <p:spPr>
           <a:xfrm flipH="1">
             <a:off x="5492520" y="4697280"/>
-            <a:ext cx="129960" cy="255960"/>
+            <a:ext cx="129600" cy="255600"/>
           </a:xfrm>
           <a:custGeom>
             <a:avLst/>
@@ -19879,7 +19897,7 @@
         <p:spPr>
           <a:xfrm>
             <a:off x="8979120" y="3483000"/>
-            <a:ext cx="256680" cy="254520"/>
+            <a:ext cx="256320" cy="254160"/>
           </a:xfrm>
           <a:prstGeom prst="roundRect">
             <a:avLst>
@@ -19920,7 +19938,7 @@
         <p:spPr>
           <a:xfrm>
             <a:off x="3673800" y="2642400"/>
-            <a:ext cx="256680" cy="254520"/>
+            <a:ext cx="256320" cy="254160"/>
           </a:xfrm>
           <a:custGeom>
             <a:avLst/>
@@ -20023,7 +20041,7 @@
         <p:spPr>
           <a:xfrm>
             <a:off x="506160" y="1860840"/>
-            <a:ext cx="2954880" cy="576000"/>
+            <a:ext cx="2954520" cy="575640"/>
           </a:xfrm>
           <a:prstGeom prst="rect">
             <a:avLst/>
@@ -20075,7 +20093,7 @@
         <p:spPr>
           <a:xfrm>
             <a:off x="506160" y="2482560"/>
-            <a:ext cx="2954880" cy="220680"/>
+            <a:ext cx="2954520" cy="220320"/>
           </a:xfrm>
           <a:prstGeom prst="rect">
             <a:avLst/>
@@ -20127,7 +20145,7 @@
         <p:spPr>
           <a:xfrm>
             <a:off x="506160" y="2812320"/>
-            <a:ext cx="2954880" cy="689760"/>
+            <a:ext cx="2954520" cy="689400"/>
           </a:xfrm>
           <a:prstGeom prst="rect">
             <a:avLst/>
@@ -20361,7 +20379,7 @@
         <p:spPr>
           <a:xfrm>
             <a:off x="3663360" y="1922760"/>
-            <a:ext cx="5901840" cy="1809000"/>
+            <a:ext cx="5901480" cy="1808640"/>
           </a:xfrm>
           <a:prstGeom prst="rect">
             <a:avLst/>
@@ -20429,7 +20447,7 @@
         <p:spPr>
           <a:xfrm>
             <a:off x="5409720" y="2397600"/>
-            <a:ext cx="2954880" cy="302760"/>
+            <a:ext cx="2954520" cy="302400"/>
           </a:xfrm>
           <a:prstGeom prst="rect">
             <a:avLst/>
@@ -20481,7 +20499,7 @@
         <p:spPr>
           <a:xfrm>
             <a:off x="5409720" y="2660760"/>
-            <a:ext cx="2954880" cy="352800"/>
+            <a:ext cx="2954520" cy="352440"/>
           </a:xfrm>
           <a:prstGeom prst="rect">
             <a:avLst/>
@@ -20570,7 +20588,7 @@
         <p:spPr>
           <a:xfrm>
             <a:off x="2496960" y="372960"/>
-            <a:ext cx="4161960" cy="576000"/>
+            <a:ext cx="4161600" cy="575640"/>
           </a:xfrm>
           <a:prstGeom prst="rect">
             <a:avLst/>
@@ -20622,7 +20640,7 @@
         <p:spPr>
           <a:xfrm>
             <a:off x="2496960" y="995040"/>
-            <a:ext cx="4161960" cy="220680"/>
+            <a:ext cx="4161600" cy="220320"/>
           </a:xfrm>
           <a:prstGeom prst="rect">
             <a:avLst/>
@@ -20678,7 +20696,7 @@
         <p:spPr>
           <a:xfrm>
             <a:off x="182880" y="1738800"/>
-            <a:ext cx="4926960" cy="2039040"/>
+            <a:ext cx="4926600" cy="2038680"/>
           </a:xfrm>
           <a:prstGeom prst="rect">
             <a:avLst/>
@@ -20696,8 +20714,8 @@
         </p:nvSpPr>
         <p:spPr>
           <a:xfrm rot="10800000">
-            <a:off x="6049080" y="3250800"/>
-            <a:ext cx="322920" cy="252360"/>
+            <a:off x="6372000" y="3503160"/>
+            <a:ext cx="322560" cy="252000"/>
           </a:xfrm>
           <a:custGeom>
             <a:avLst/>
@@ -20842,7 +20860,7 @@
         <p:spPr>
           <a:xfrm>
             <a:off x="2242080" y="963360"/>
-            <a:ext cx="4658400" cy="616680"/>
+            <a:ext cx="4658040" cy="616320"/>
           </a:xfrm>
           <a:prstGeom prst="rect">
             <a:avLst/>
@@ -20894,7 +20912,7 @@
         <p:spPr>
           <a:xfrm>
             <a:off x="2664720" y="1581480"/>
-            <a:ext cx="3926880" cy="302760"/>
+            <a:ext cx="3926520" cy="302400"/>
           </a:xfrm>
           <a:prstGeom prst="rect">
             <a:avLst/>
@@ -20946,7 +20964,7 @@
         <p:spPr>
           <a:xfrm>
             <a:off x="2466000" y="2058120"/>
-            <a:ext cx="4388400" cy="2275920"/>
+            <a:ext cx="4388040" cy="2275560"/>
           </a:xfrm>
           <a:prstGeom prst="rect">
             <a:avLst/>
@@ -21064,7 +21082,7 @@
         <p:spPr>
           <a:xfrm>
             <a:off x="4572000" y="526680"/>
-            <a:ext cx="4102200" cy="576000"/>
+            <a:ext cx="4101840" cy="575640"/>
           </a:xfrm>
           <a:prstGeom prst="rect">
             <a:avLst/>
@@ -21116,7 +21134,7 @@
         <p:spPr>
           <a:xfrm>
             <a:off x="4572000" y="1364760"/>
-            <a:ext cx="4102200" cy="220680"/>
+            <a:ext cx="4101840" cy="220320"/>
           </a:xfrm>
           <a:prstGeom prst="rect">
             <a:avLst/>
@@ -21185,7 +21203,7 @@
         <p:spPr>
           <a:xfrm>
             <a:off x="6429240" y="1915560"/>
-            <a:ext cx="2954880" cy="302760"/>
+            <a:ext cx="2954520" cy="302400"/>
           </a:xfrm>
           <a:prstGeom prst="rect">
             <a:avLst/>
@@ -21237,7 +21255,7 @@
         <p:spPr>
           <a:xfrm>
             <a:off x="6429240" y="2219760"/>
-            <a:ext cx="2954880" cy="352800"/>
+            <a:ext cx="2954520" cy="352440"/>
           </a:xfrm>
           <a:prstGeom prst="rect">
             <a:avLst/>
@@ -21258,7 +21276,7 @@
           <a:p>
             <a:pPr>
               <a:lnSpc>
-                <a:spcPts val="22"/>
+                <a:spcPts val="8"/>
               </a:lnSpc>
               <a:spcBef>
                 <a:spcPts val="751"/>
@@ -21289,7 +21307,7 @@
         <p:spPr>
           <a:xfrm>
             <a:off x="6192000" y="1961640"/>
-            <a:ext cx="98640" cy="610200"/>
+            <a:ext cx="98280" cy="609840"/>
           </a:xfrm>
           <a:prstGeom prst="roundRect">
             <a:avLst>
@@ -21330,7 +21348,7 @@
         <p:spPr>
           <a:xfrm>
             <a:off x="6429240" y="2674080"/>
-            <a:ext cx="2954880" cy="302760"/>
+            <a:ext cx="2954520" cy="302400"/>
           </a:xfrm>
           <a:prstGeom prst="rect">
             <a:avLst/>
@@ -21382,7 +21400,7 @@
         <p:spPr>
           <a:xfrm>
             <a:off x="6429240" y="2977920"/>
-            <a:ext cx="2954880" cy="352800"/>
+            <a:ext cx="2954520" cy="352440"/>
           </a:xfrm>
           <a:prstGeom prst="rect">
             <a:avLst/>
@@ -21403,7 +21421,7 @@
           <a:p>
             <a:pPr>
               <a:lnSpc>
-                <a:spcPts val="22"/>
+                <a:spcPts val="8"/>
               </a:lnSpc>
               <a:spcBef>
                 <a:spcPts val="751"/>
@@ -21434,7 +21452,7 @@
         <p:spPr>
           <a:xfrm>
             <a:off x="6192000" y="2720160"/>
-            <a:ext cx="98640" cy="610200"/>
+            <a:ext cx="98280" cy="609840"/>
           </a:xfrm>
           <a:prstGeom prst="roundRect">
             <a:avLst>
@@ -21475,7 +21493,7 @@
         <p:spPr>
           <a:xfrm>
             <a:off x="6429240" y="3478680"/>
-            <a:ext cx="2954880" cy="302760"/>
+            <a:ext cx="2954520" cy="302400"/>
           </a:xfrm>
           <a:prstGeom prst="rect">
             <a:avLst/>
@@ -21527,7 +21545,7 @@
         <p:spPr>
           <a:xfrm>
             <a:off x="6429240" y="3782520"/>
-            <a:ext cx="2372760" cy="352800"/>
+            <a:ext cx="2372400" cy="352440"/>
           </a:xfrm>
           <a:prstGeom prst="rect">
             <a:avLst/>
@@ -21548,7 +21566,7 @@
           <a:p>
             <a:pPr>
               <a:lnSpc>
-                <a:spcPts val="22"/>
+                <a:spcPts val="8"/>
               </a:lnSpc>
               <a:spcBef>
                 <a:spcPts val="751"/>
@@ -21579,7 +21597,7 @@
         <p:spPr>
           <a:xfrm>
             <a:off x="6192000" y="3525120"/>
-            <a:ext cx="98640" cy="610200"/>
+            <a:ext cx="98280" cy="609840"/>
           </a:xfrm>
           <a:prstGeom prst="roundRect">
             <a:avLst>
@@ -21621,7 +21639,7 @@
         <p:spPr>
           <a:xfrm>
             <a:off x="202320" y="1105920"/>
-            <a:ext cx="5776920" cy="3247560"/>
+            <a:ext cx="5776560" cy="3247200"/>
           </a:xfrm>
           <a:prstGeom prst="rect">
             <a:avLst/>

--- a/Visualization.pptx
+++ b/Visualization.pptx
@@ -51,8 +51,8 @@
   <c:chart>
     <c:plotArea>
       <c:lineChart>
+        <c:grouping val="standard"/>
         <c:varyColors val="0"/>
-        <c:grouping val="standard"/>
         <c:ser>
           <c:idx val="0"/>
           <c:order val="0"/>
@@ -301,11 +301,11 @@
           </c:spPr>
         </c:hiLowLines>
         <c:marker val="0"/>
-        <c:axId val="80730835"/>
-        <c:axId val="83411195"/>
+        <c:axId val="62331092"/>
+        <c:axId val="55362580"/>
       </c:lineChart>
       <c:catAx>
-        <c:axId val="80730835"/>
+        <c:axId val="62331092"/>
         <c:scaling>
           <c:orientation val="minMax"/>
         </c:scaling>
@@ -331,20 +331,25 @@
                 <a:solidFill>
                   <a:srgbClr val="808080"/>
                 </a:solidFill>
+                <a:uFill>
+                  <a:solidFill>
+                    <a:srgbClr val="ffffff"/>
+                  </a:solidFill>
+                </a:uFill>
                 <a:latin typeface="Calibri"/>
                 <a:ea typeface="DejaVu Sans"/>
               </a:defRPr>
             </a:pPr>
           </a:p>
         </c:txPr>
-        <c:crossAx val="83411195"/>
+        <c:crossAx val="55362580"/>
         <c:crosses val="autoZero"/>
         <c:auto val="1"/>
         <c:lblAlgn val="ctr"/>
         <c:lblOffset val="100"/>
       </c:catAx>
       <c:valAx>
-        <c:axId val="83411195"/>
+        <c:axId val="55362580"/>
         <c:scaling>
           <c:orientation val="minMax"/>
         </c:scaling>
@@ -367,13 +372,18 @@
                 <a:solidFill>
                   <a:srgbClr val="808080"/>
                 </a:solidFill>
+                <a:uFill>
+                  <a:solidFill>
+                    <a:srgbClr val="ffffff"/>
+                  </a:solidFill>
+                </a:uFill>
                 <a:latin typeface="Calibri"/>
                 <a:ea typeface="DejaVu Sans"/>
               </a:defRPr>
             </a:pPr>
           </a:p>
         </c:txPr>
-        <c:crossAx val="80730835"/>
+        <c:crossAx val="62331092"/>
         <c:crosses val="autoZero"/>
         <c:crossBetween val="midCat"/>
       </c:valAx>
@@ -459,6 +469,14 @@
           <a:p>
             <a:pPr algn="ctr"/>
             <a:endParaRPr b="0" lang="en-US" sz="4400" spc="-1" strike="noStrike">
+              <a:solidFill>
+                <a:srgbClr val="ffffff"/>
+              </a:solidFill>
+              <a:uFill>
+                <a:solidFill>
+                  <a:srgbClr val="ffffff"/>
+                </a:solidFill>
+              </a:uFill>
               <a:latin typeface="Arial"/>
             </a:endParaRPr>
           </a:p>
@@ -489,6 +507,14 @@
           </a:bodyPr>
           <a:p>
             <a:endParaRPr b="0" lang="en-US" sz="3200" spc="-1" strike="noStrike">
+              <a:solidFill>
+                <a:srgbClr val="ffffff"/>
+              </a:solidFill>
+              <a:uFill>
+                <a:solidFill>
+                  <a:srgbClr val="ffffff"/>
+                </a:solidFill>
+              </a:uFill>
               <a:latin typeface="Arial"/>
             </a:endParaRPr>
           </a:p>
@@ -519,6 +545,14 @@
           </a:bodyPr>
           <a:p>
             <a:endParaRPr b="0" lang="en-US" sz="3200" spc="-1" strike="noStrike">
+              <a:solidFill>
+                <a:srgbClr val="ffffff"/>
+              </a:solidFill>
+              <a:uFill>
+                <a:solidFill>
+                  <a:srgbClr val="ffffff"/>
+                </a:solidFill>
+              </a:uFill>
               <a:latin typeface="Arial"/>
             </a:endParaRPr>
           </a:p>
@@ -570,6 +604,14 @@
           <a:p>
             <a:pPr algn="ctr"/>
             <a:endParaRPr b="0" lang="en-US" sz="4400" spc="-1" strike="noStrike">
+              <a:solidFill>
+                <a:srgbClr val="ffffff"/>
+              </a:solidFill>
+              <a:uFill>
+                <a:solidFill>
+                  <a:srgbClr val="ffffff"/>
+                </a:solidFill>
+              </a:uFill>
               <a:latin typeface="Arial"/>
             </a:endParaRPr>
           </a:p>
@@ -600,6 +642,14 @@
           </a:bodyPr>
           <a:p>
             <a:endParaRPr b="0" lang="en-US" sz="3200" spc="-1" strike="noStrike">
+              <a:solidFill>
+                <a:srgbClr val="ffffff"/>
+              </a:solidFill>
+              <a:uFill>
+                <a:solidFill>
+                  <a:srgbClr val="ffffff"/>
+                </a:solidFill>
+              </a:uFill>
               <a:latin typeface="Arial"/>
             </a:endParaRPr>
           </a:p>
@@ -630,6 +680,14 @@
           </a:bodyPr>
           <a:p>
             <a:endParaRPr b="0" lang="en-US" sz="3200" spc="-1" strike="noStrike">
+              <a:solidFill>
+                <a:srgbClr val="ffffff"/>
+              </a:solidFill>
+              <a:uFill>
+                <a:solidFill>
+                  <a:srgbClr val="ffffff"/>
+                </a:solidFill>
+              </a:uFill>
               <a:latin typeface="Arial"/>
             </a:endParaRPr>
           </a:p>
@@ -660,6 +718,14 @@
           </a:bodyPr>
           <a:p>
             <a:endParaRPr b="0" lang="en-US" sz="3200" spc="-1" strike="noStrike">
+              <a:solidFill>
+                <a:srgbClr val="ffffff"/>
+              </a:solidFill>
+              <a:uFill>
+                <a:solidFill>
+                  <a:srgbClr val="ffffff"/>
+                </a:solidFill>
+              </a:uFill>
               <a:latin typeface="Arial"/>
             </a:endParaRPr>
           </a:p>
@@ -690,6 +756,14 @@
           </a:bodyPr>
           <a:p>
             <a:endParaRPr b="0" lang="en-US" sz="3200" spc="-1" strike="noStrike">
+              <a:solidFill>
+                <a:srgbClr val="ffffff"/>
+              </a:solidFill>
+              <a:uFill>
+                <a:solidFill>
+                  <a:srgbClr val="ffffff"/>
+                </a:solidFill>
+              </a:uFill>
               <a:latin typeface="Arial"/>
             </a:endParaRPr>
           </a:p>
@@ -741,6 +815,14 @@
           <a:p>
             <a:pPr algn="ctr"/>
             <a:endParaRPr b="0" lang="en-US" sz="4400" spc="-1" strike="noStrike">
+              <a:solidFill>
+                <a:srgbClr val="ffffff"/>
+              </a:solidFill>
+              <a:uFill>
+                <a:solidFill>
+                  <a:srgbClr val="ffffff"/>
+                </a:solidFill>
+              </a:uFill>
               <a:latin typeface="Arial"/>
             </a:endParaRPr>
           </a:p>
@@ -771,6 +853,14 @@
           </a:bodyPr>
           <a:p>
             <a:endParaRPr b="0" lang="en-US" sz="3200" spc="-1" strike="noStrike">
+              <a:solidFill>
+                <a:srgbClr val="ffffff"/>
+              </a:solidFill>
+              <a:uFill>
+                <a:solidFill>
+                  <a:srgbClr val="ffffff"/>
+                </a:solidFill>
+              </a:uFill>
               <a:latin typeface="Arial"/>
             </a:endParaRPr>
           </a:p>
@@ -801,6 +891,14 @@
           </a:bodyPr>
           <a:p>
             <a:endParaRPr b="0" lang="en-US" sz="3200" spc="-1" strike="noStrike">
+              <a:solidFill>
+                <a:srgbClr val="ffffff"/>
+              </a:solidFill>
+              <a:uFill>
+                <a:solidFill>
+                  <a:srgbClr val="ffffff"/>
+                </a:solidFill>
+              </a:uFill>
               <a:latin typeface="Arial"/>
             </a:endParaRPr>
           </a:p>
@@ -831,6 +929,14 @@
           </a:bodyPr>
           <a:p>
             <a:endParaRPr b="0" lang="en-US" sz="3200" spc="-1" strike="noStrike">
+              <a:solidFill>
+                <a:srgbClr val="ffffff"/>
+              </a:solidFill>
+              <a:uFill>
+                <a:solidFill>
+                  <a:srgbClr val="ffffff"/>
+                </a:solidFill>
+              </a:uFill>
               <a:latin typeface="Arial"/>
             </a:endParaRPr>
           </a:p>
@@ -861,6 +967,14 @@
           </a:bodyPr>
           <a:p>
             <a:endParaRPr b="0" lang="en-US" sz="3200" spc="-1" strike="noStrike">
+              <a:solidFill>
+                <a:srgbClr val="ffffff"/>
+              </a:solidFill>
+              <a:uFill>
+                <a:solidFill>
+                  <a:srgbClr val="ffffff"/>
+                </a:solidFill>
+              </a:uFill>
               <a:latin typeface="Arial"/>
             </a:endParaRPr>
           </a:p>
@@ -891,6 +1005,14 @@
           </a:bodyPr>
           <a:p>
             <a:endParaRPr b="0" lang="en-US" sz="3200" spc="-1" strike="noStrike">
+              <a:solidFill>
+                <a:srgbClr val="ffffff"/>
+              </a:solidFill>
+              <a:uFill>
+                <a:solidFill>
+                  <a:srgbClr val="ffffff"/>
+                </a:solidFill>
+              </a:uFill>
               <a:latin typeface="Arial"/>
             </a:endParaRPr>
           </a:p>
@@ -921,6 +1043,14 @@
           </a:bodyPr>
           <a:p>
             <a:endParaRPr b="0" lang="en-US" sz="3200" spc="-1" strike="noStrike">
+              <a:solidFill>
+                <a:srgbClr val="ffffff"/>
+              </a:solidFill>
+              <a:uFill>
+                <a:solidFill>
+                  <a:srgbClr val="ffffff"/>
+                </a:solidFill>
+              </a:uFill>
               <a:latin typeface="Arial"/>
             </a:endParaRPr>
           </a:p>
@@ -994,6 +1124,14 @@
           <a:p>
             <a:pPr algn="ctr"/>
             <a:endParaRPr b="0" lang="en-US" sz="4400" spc="-1" strike="noStrike">
+              <a:solidFill>
+                <a:srgbClr val="ffffff"/>
+              </a:solidFill>
+              <a:uFill>
+                <a:solidFill>
+                  <a:srgbClr val="ffffff"/>
+                </a:solidFill>
+              </a:uFill>
               <a:latin typeface="Arial"/>
             </a:endParaRPr>
           </a:p>
@@ -1023,6 +1161,14 @@
           <a:p>
             <a:pPr algn="ctr"/>
             <a:endParaRPr b="0" lang="en-US" sz="3200" spc="-1" strike="noStrike">
+              <a:solidFill>
+                <a:srgbClr val="ffffff"/>
+              </a:solidFill>
+              <a:uFill>
+                <a:solidFill>
+                  <a:srgbClr val="ffffff"/>
+                </a:solidFill>
+              </a:uFill>
               <a:latin typeface="Arial"/>
             </a:endParaRPr>
           </a:p>
@@ -1074,6 +1220,14 @@
           <a:p>
             <a:pPr algn="ctr"/>
             <a:endParaRPr b="0" lang="en-US" sz="4400" spc="-1" strike="noStrike">
+              <a:solidFill>
+                <a:srgbClr val="ffffff"/>
+              </a:solidFill>
+              <a:uFill>
+                <a:solidFill>
+                  <a:srgbClr val="ffffff"/>
+                </a:solidFill>
+              </a:uFill>
               <a:latin typeface="Arial"/>
             </a:endParaRPr>
           </a:p>
@@ -1104,6 +1258,14 @@
           </a:bodyPr>
           <a:p>
             <a:endParaRPr b="0" lang="en-US" sz="3200" spc="-1" strike="noStrike">
+              <a:solidFill>
+                <a:srgbClr val="ffffff"/>
+              </a:solidFill>
+              <a:uFill>
+                <a:solidFill>
+                  <a:srgbClr val="ffffff"/>
+                </a:solidFill>
+              </a:uFill>
               <a:latin typeface="Arial"/>
             </a:endParaRPr>
           </a:p>
@@ -1155,6 +1317,14 @@
           <a:p>
             <a:pPr algn="ctr"/>
             <a:endParaRPr b="0" lang="en-US" sz="4400" spc="-1" strike="noStrike">
+              <a:solidFill>
+                <a:srgbClr val="ffffff"/>
+              </a:solidFill>
+              <a:uFill>
+                <a:solidFill>
+                  <a:srgbClr val="ffffff"/>
+                </a:solidFill>
+              </a:uFill>
               <a:latin typeface="Arial"/>
             </a:endParaRPr>
           </a:p>
@@ -1185,6 +1355,14 @@
           </a:bodyPr>
           <a:p>
             <a:endParaRPr b="0" lang="en-US" sz="3200" spc="-1" strike="noStrike">
+              <a:solidFill>
+                <a:srgbClr val="ffffff"/>
+              </a:solidFill>
+              <a:uFill>
+                <a:solidFill>
+                  <a:srgbClr val="ffffff"/>
+                </a:solidFill>
+              </a:uFill>
               <a:latin typeface="Arial"/>
             </a:endParaRPr>
           </a:p>
@@ -1215,6 +1393,14 @@
           </a:bodyPr>
           <a:p>
             <a:endParaRPr b="0" lang="en-US" sz="3200" spc="-1" strike="noStrike">
+              <a:solidFill>
+                <a:srgbClr val="ffffff"/>
+              </a:solidFill>
+              <a:uFill>
+                <a:solidFill>
+                  <a:srgbClr val="ffffff"/>
+                </a:solidFill>
+              </a:uFill>
               <a:latin typeface="Arial"/>
             </a:endParaRPr>
           </a:p>
@@ -1266,6 +1452,14 @@
           <a:p>
             <a:pPr algn="ctr"/>
             <a:endParaRPr b="0" lang="en-US" sz="4400" spc="-1" strike="noStrike">
+              <a:solidFill>
+                <a:srgbClr val="ffffff"/>
+              </a:solidFill>
+              <a:uFill>
+                <a:solidFill>
+                  <a:srgbClr val="ffffff"/>
+                </a:solidFill>
+              </a:uFill>
               <a:latin typeface="Arial"/>
             </a:endParaRPr>
           </a:p>
@@ -1317,6 +1511,14 @@
           <a:p>
             <a:pPr algn="ctr"/>
             <a:endParaRPr b="0" lang="en-US" sz="3200" spc="-1" strike="noStrike">
+              <a:solidFill>
+                <a:srgbClr val="ffffff"/>
+              </a:solidFill>
+              <a:uFill>
+                <a:solidFill>
+                  <a:srgbClr val="ffffff"/>
+                </a:solidFill>
+              </a:uFill>
               <a:latin typeface="Arial"/>
             </a:endParaRPr>
           </a:p>
@@ -1368,6 +1570,14 @@
           <a:p>
             <a:pPr algn="ctr"/>
             <a:endParaRPr b="0" lang="en-US" sz="4400" spc="-1" strike="noStrike">
+              <a:solidFill>
+                <a:srgbClr val="ffffff"/>
+              </a:solidFill>
+              <a:uFill>
+                <a:solidFill>
+                  <a:srgbClr val="ffffff"/>
+                </a:solidFill>
+              </a:uFill>
               <a:latin typeface="Arial"/>
             </a:endParaRPr>
           </a:p>
@@ -1398,6 +1608,14 @@
           </a:bodyPr>
           <a:p>
             <a:endParaRPr b="0" lang="en-US" sz="3200" spc="-1" strike="noStrike">
+              <a:solidFill>
+                <a:srgbClr val="ffffff"/>
+              </a:solidFill>
+              <a:uFill>
+                <a:solidFill>
+                  <a:srgbClr val="ffffff"/>
+                </a:solidFill>
+              </a:uFill>
               <a:latin typeface="Arial"/>
             </a:endParaRPr>
           </a:p>
@@ -1428,6 +1646,14 @@
           </a:bodyPr>
           <a:p>
             <a:endParaRPr b="0" lang="en-US" sz="3200" spc="-1" strike="noStrike">
+              <a:solidFill>
+                <a:srgbClr val="ffffff"/>
+              </a:solidFill>
+              <a:uFill>
+                <a:solidFill>
+                  <a:srgbClr val="ffffff"/>
+                </a:solidFill>
+              </a:uFill>
               <a:latin typeface="Arial"/>
             </a:endParaRPr>
           </a:p>
@@ -1458,6 +1684,14 @@
           </a:bodyPr>
           <a:p>
             <a:endParaRPr b="0" lang="en-US" sz="3200" spc="-1" strike="noStrike">
+              <a:solidFill>
+                <a:srgbClr val="ffffff"/>
+              </a:solidFill>
+              <a:uFill>
+                <a:solidFill>
+                  <a:srgbClr val="ffffff"/>
+                </a:solidFill>
+              </a:uFill>
               <a:latin typeface="Arial"/>
             </a:endParaRPr>
           </a:p>
@@ -1509,6 +1743,14 @@
           <a:p>
             <a:pPr algn="ctr"/>
             <a:endParaRPr b="0" lang="en-US" sz="4400" spc="-1" strike="noStrike">
+              <a:solidFill>
+                <a:srgbClr val="ffffff"/>
+              </a:solidFill>
+              <a:uFill>
+                <a:solidFill>
+                  <a:srgbClr val="ffffff"/>
+                </a:solidFill>
+              </a:uFill>
               <a:latin typeface="Arial"/>
             </a:endParaRPr>
           </a:p>
@@ -1538,6 +1780,14 @@
           <a:p>
             <a:pPr algn="ctr"/>
             <a:endParaRPr b="0" lang="en-US" sz="3200" spc="-1" strike="noStrike">
+              <a:solidFill>
+                <a:srgbClr val="ffffff"/>
+              </a:solidFill>
+              <a:uFill>
+                <a:solidFill>
+                  <a:srgbClr val="ffffff"/>
+                </a:solidFill>
+              </a:uFill>
               <a:latin typeface="Arial"/>
             </a:endParaRPr>
           </a:p>
@@ -1589,6 +1839,14 @@
           <a:p>
             <a:pPr algn="ctr"/>
             <a:endParaRPr b="0" lang="en-US" sz="4400" spc="-1" strike="noStrike">
+              <a:solidFill>
+                <a:srgbClr val="ffffff"/>
+              </a:solidFill>
+              <a:uFill>
+                <a:solidFill>
+                  <a:srgbClr val="ffffff"/>
+                </a:solidFill>
+              </a:uFill>
               <a:latin typeface="Arial"/>
             </a:endParaRPr>
           </a:p>
@@ -1619,6 +1877,14 @@
           </a:bodyPr>
           <a:p>
             <a:endParaRPr b="0" lang="en-US" sz="3200" spc="-1" strike="noStrike">
+              <a:solidFill>
+                <a:srgbClr val="ffffff"/>
+              </a:solidFill>
+              <a:uFill>
+                <a:solidFill>
+                  <a:srgbClr val="ffffff"/>
+                </a:solidFill>
+              </a:uFill>
               <a:latin typeface="Arial"/>
             </a:endParaRPr>
           </a:p>
@@ -1649,6 +1915,14 @@
           </a:bodyPr>
           <a:p>
             <a:endParaRPr b="0" lang="en-US" sz="3200" spc="-1" strike="noStrike">
+              <a:solidFill>
+                <a:srgbClr val="ffffff"/>
+              </a:solidFill>
+              <a:uFill>
+                <a:solidFill>
+                  <a:srgbClr val="ffffff"/>
+                </a:solidFill>
+              </a:uFill>
               <a:latin typeface="Arial"/>
             </a:endParaRPr>
           </a:p>
@@ -1679,6 +1953,14 @@
           </a:bodyPr>
           <a:p>
             <a:endParaRPr b="0" lang="en-US" sz="3200" spc="-1" strike="noStrike">
+              <a:solidFill>
+                <a:srgbClr val="ffffff"/>
+              </a:solidFill>
+              <a:uFill>
+                <a:solidFill>
+                  <a:srgbClr val="ffffff"/>
+                </a:solidFill>
+              </a:uFill>
               <a:latin typeface="Arial"/>
             </a:endParaRPr>
           </a:p>
@@ -1730,6 +2012,14 @@
           <a:p>
             <a:pPr algn="ctr"/>
             <a:endParaRPr b="0" lang="en-US" sz="4400" spc="-1" strike="noStrike">
+              <a:solidFill>
+                <a:srgbClr val="ffffff"/>
+              </a:solidFill>
+              <a:uFill>
+                <a:solidFill>
+                  <a:srgbClr val="ffffff"/>
+                </a:solidFill>
+              </a:uFill>
               <a:latin typeface="Arial"/>
             </a:endParaRPr>
           </a:p>
@@ -1760,6 +2050,14 @@
           </a:bodyPr>
           <a:p>
             <a:endParaRPr b="0" lang="en-US" sz="3200" spc="-1" strike="noStrike">
+              <a:solidFill>
+                <a:srgbClr val="ffffff"/>
+              </a:solidFill>
+              <a:uFill>
+                <a:solidFill>
+                  <a:srgbClr val="ffffff"/>
+                </a:solidFill>
+              </a:uFill>
               <a:latin typeface="Arial"/>
             </a:endParaRPr>
           </a:p>
@@ -1790,6 +2088,14 @@
           </a:bodyPr>
           <a:p>
             <a:endParaRPr b="0" lang="en-US" sz="3200" spc="-1" strike="noStrike">
+              <a:solidFill>
+                <a:srgbClr val="ffffff"/>
+              </a:solidFill>
+              <a:uFill>
+                <a:solidFill>
+                  <a:srgbClr val="ffffff"/>
+                </a:solidFill>
+              </a:uFill>
               <a:latin typeface="Arial"/>
             </a:endParaRPr>
           </a:p>
@@ -1820,6 +2126,14 @@
           </a:bodyPr>
           <a:p>
             <a:endParaRPr b="0" lang="en-US" sz="3200" spc="-1" strike="noStrike">
+              <a:solidFill>
+                <a:srgbClr val="ffffff"/>
+              </a:solidFill>
+              <a:uFill>
+                <a:solidFill>
+                  <a:srgbClr val="ffffff"/>
+                </a:solidFill>
+              </a:uFill>
               <a:latin typeface="Arial"/>
             </a:endParaRPr>
           </a:p>
@@ -1871,6 +2185,14 @@
           <a:p>
             <a:pPr algn="ctr"/>
             <a:endParaRPr b="0" lang="en-US" sz="4400" spc="-1" strike="noStrike">
+              <a:solidFill>
+                <a:srgbClr val="ffffff"/>
+              </a:solidFill>
+              <a:uFill>
+                <a:solidFill>
+                  <a:srgbClr val="ffffff"/>
+                </a:solidFill>
+              </a:uFill>
               <a:latin typeface="Arial"/>
             </a:endParaRPr>
           </a:p>
@@ -1901,6 +2223,14 @@
           </a:bodyPr>
           <a:p>
             <a:endParaRPr b="0" lang="en-US" sz="3200" spc="-1" strike="noStrike">
+              <a:solidFill>
+                <a:srgbClr val="ffffff"/>
+              </a:solidFill>
+              <a:uFill>
+                <a:solidFill>
+                  <a:srgbClr val="ffffff"/>
+                </a:solidFill>
+              </a:uFill>
               <a:latin typeface="Arial"/>
             </a:endParaRPr>
           </a:p>
@@ -1931,6 +2261,14 @@
           </a:bodyPr>
           <a:p>
             <a:endParaRPr b="0" lang="en-US" sz="3200" spc="-1" strike="noStrike">
+              <a:solidFill>
+                <a:srgbClr val="ffffff"/>
+              </a:solidFill>
+              <a:uFill>
+                <a:solidFill>
+                  <a:srgbClr val="ffffff"/>
+                </a:solidFill>
+              </a:uFill>
               <a:latin typeface="Arial"/>
             </a:endParaRPr>
           </a:p>
@@ -1982,6 +2320,14 @@
           <a:p>
             <a:pPr algn="ctr"/>
             <a:endParaRPr b="0" lang="en-US" sz="4400" spc="-1" strike="noStrike">
+              <a:solidFill>
+                <a:srgbClr val="ffffff"/>
+              </a:solidFill>
+              <a:uFill>
+                <a:solidFill>
+                  <a:srgbClr val="ffffff"/>
+                </a:solidFill>
+              </a:uFill>
               <a:latin typeface="Arial"/>
             </a:endParaRPr>
           </a:p>
@@ -2012,6 +2358,14 @@
           </a:bodyPr>
           <a:p>
             <a:endParaRPr b="0" lang="en-US" sz="3200" spc="-1" strike="noStrike">
+              <a:solidFill>
+                <a:srgbClr val="ffffff"/>
+              </a:solidFill>
+              <a:uFill>
+                <a:solidFill>
+                  <a:srgbClr val="ffffff"/>
+                </a:solidFill>
+              </a:uFill>
               <a:latin typeface="Arial"/>
             </a:endParaRPr>
           </a:p>
@@ -2042,6 +2396,14 @@
           </a:bodyPr>
           <a:p>
             <a:endParaRPr b="0" lang="en-US" sz="3200" spc="-1" strike="noStrike">
+              <a:solidFill>
+                <a:srgbClr val="ffffff"/>
+              </a:solidFill>
+              <a:uFill>
+                <a:solidFill>
+                  <a:srgbClr val="ffffff"/>
+                </a:solidFill>
+              </a:uFill>
               <a:latin typeface="Arial"/>
             </a:endParaRPr>
           </a:p>
@@ -2072,6 +2434,14 @@
           </a:bodyPr>
           <a:p>
             <a:endParaRPr b="0" lang="en-US" sz="3200" spc="-1" strike="noStrike">
+              <a:solidFill>
+                <a:srgbClr val="ffffff"/>
+              </a:solidFill>
+              <a:uFill>
+                <a:solidFill>
+                  <a:srgbClr val="ffffff"/>
+                </a:solidFill>
+              </a:uFill>
               <a:latin typeface="Arial"/>
             </a:endParaRPr>
           </a:p>
@@ -2102,6 +2472,14 @@
           </a:bodyPr>
           <a:p>
             <a:endParaRPr b="0" lang="en-US" sz="3200" spc="-1" strike="noStrike">
+              <a:solidFill>
+                <a:srgbClr val="ffffff"/>
+              </a:solidFill>
+              <a:uFill>
+                <a:solidFill>
+                  <a:srgbClr val="ffffff"/>
+                </a:solidFill>
+              </a:uFill>
               <a:latin typeface="Arial"/>
             </a:endParaRPr>
           </a:p>
@@ -2153,6 +2531,14 @@
           <a:p>
             <a:pPr algn="ctr"/>
             <a:endParaRPr b="0" lang="en-US" sz="4400" spc="-1" strike="noStrike">
+              <a:solidFill>
+                <a:srgbClr val="ffffff"/>
+              </a:solidFill>
+              <a:uFill>
+                <a:solidFill>
+                  <a:srgbClr val="ffffff"/>
+                </a:solidFill>
+              </a:uFill>
               <a:latin typeface="Arial"/>
             </a:endParaRPr>
           </a:p>
@@ -2183,6 +2569,14 @@
           </a:bodyPr>
           <a:p>
             <a:endParaRPr b="0" lang="en-US" sz="3200" spc="-1" strike="noStrike">
+              <a:solidFill>
+                <a:srgbClr val="ffffff"/>
+              </a:solidFill>
+              <a:uFill>
+                <a:solidFill>
+                  <a:srgbClr val="ffffff"/>
+                </a:solidFill>
+              </a:uFill>
               <a:latin typeface="Arial"/>
             </a:endParaRPr>
           </a:p>
@@ -2213,6 +2607,14 @@
           </a:bodyPr>
           <a:p>
             <a:endParaRPr b="0" lang="en-US" sz="3200" spc="-1" strike="noStrike">
+              <a:solidFill>
+                <a:srgbClr val="ffffff"/>
+              </a:solidFill>
+              <a:uFill>
+                <a:solidFill>
+                  <a:srgbClr val="ffffff"/>
+                </a:solidFill>
+              </a:uFill>
               <a:latin typeface="Arial"/>
             </a:endParaRPr>
           </a:p>
@@ -2243,6 +2645,14 @@
           </a:bodyPr>
           <a:p>
             <a:endParaRPr b="0" lang="en-US" sz="3200" spc="-1" strike="noStrike">
+              <a:solidFill>
+                <a:srgbClr val="ffffff"/>
+              </a:solidFill>
+              <a:uFill>
+                <a:solidFill>
+                  <a:srgbClr val="ffffff"/>
+                </a:solidFill>
+              </a:uFill>
               <a:latin typeface="Arial"/>
             </a:endParaRPr>
           </a:p>
@@ -2273,6 +2683,14 @@
           </a:bodyPr>
           <a:p>
             <a:endParaRPr b="0" lang="en-US" sz="3200" spc="-1" strike="noStrike">
+              <a:solidFill>
+                <a:srgbClr val="ffffff"/>
+              </a:solidFill>
+              <a:uFill>
+                <a:solidFill>
+                  <a:srgbClr val="ffffff"/>
+                </a:solidFill>
+              </a:uFill>
               <a:latin typeface="Arial"/>
             </a:endParaRPr>
           </a:p>
@@ -2303,6 +2721,14 @@
           </a:bodyPr>
           <a:p>
             <a:endParaRPr b="0" lang="en-US" sz="3200" spc="-1" strike="noStrike">
+              <a:solidFill>
+                <a:srgbClr val="ffffff"/>
+              </a:solidFill>
+              <a:uFill>
+                <a:solidFill>
+                  <a:srgbClr val="ffffff"/>
+                </a:solidFill>
+              </a:uFill>
               <a:latin typeface="Arial"/>
             </a:endParaRPr>
           </a:p>
@@ -2333,6 +2759,14 @@
           </a:bodyPr>
           <a:p>
             <a:endParaRPr b="0" lang="en-US" sz="3200" spc="-1" strike="noStrike">
+              <a:solidFill>
+                <a:srgbClr val="ffffff"/>
+              </a:solidFill>
+              <a:uFill>
+                <a:solidFill>
+                  <a:srgbClr val="ffffff"/>
+                </a:solidFill>
+              </a:uFill>
               <a:latin typeface="Arial"/>
             </a:endParaRPr>
           </a:p>
@@ -2406,6 +2840,14 @@
           <a:p>
             <a:pPr algn="ctr"/>
             <a:endParaRPr b="0" lang="en-US" sz="4400" spc="-1" strike="noStrike">
+              <a:solidFill>
+                <a:srgbClr val="ffffff"/>
+              </a:solidFill>
+              <a:uFill>
+                <a:solidFill>
+                  <a:srgbClr val="ffffff"/>
+                </a:solidFill>
+              </a:uFill>
               <a:latin typeface="Arial"/>
             </a:endParaRPr>
           </a:p>
@@ -2435,6 +2877,14 @@
           <a:p>
             <a:pPr algn="ctr"/>
             <a:endParaRPr b="0" lang="en-US" sz="3200" spc="-1" strike="noStrike">
+              <a:solidFill>
+                <a:srgbClr val="ffffff"/>
+              </a:solidFill>
+              <a:uFill>
+                <a:solidFill>
+                  <a:srgbClr val="ffffff"/>
+                </a:solidFill>
+              </a:uFill>
               <a:latin typeface="Arial"/>
             </a:endParaRPr>
           </a:p>
@@ -2486,6 +2936,14 @@
           <a:p>
             <a:pPr algn="ctr"/>
             <a:endParaRPr b="0" lang="en-US" sz="4400" spc="-1" strike="noStrike">
+              <a:solidFill>
+                <a:srgbClr val="ffffff"/>
+              </a:solidFill>
+              <a:uFill>
+                <a:solidFill>
+                  <a:srgbClr val="ffffff"/>
+                </a:solidFill>
+              </a:uFill>
               <a:latin typeface="Arial"/>
             </a:endParaRPr>
           </a:p>
@@ -2516,6 +2974,14 @@
           </a:bodyPr>
           <a:p>
             <a:endParaRPr b="0" lang="en-US" sz="3200" spc="-1" strike="noStrike">
+              <a:solidFill>
+                <a:srgbClr val="ffffff"/>
+              </a:solidFill>
+              <a:uFill>
+                <a:solidFill>
+                  <a:srgbClr val="ffffff"/>
+                </a:solidFill>
+              </a:uFill>
               <a:latin typeface="Arial"/>
             </a:endParaRPr>
           </a:p>
@@ -2567,6 +3033,14 @@
           <a:p>
             <a:pPr algn="ctr"/>
             <a:endParaRPr b="0" lang="en-US" sz="4400" spc="-1" strike="noStrike">
+              <a:solidFill>
+                <a:srgbClr val="ffffff"/>
+              </a:solidFill>
+              <a:uFill>
+                <a:solidFill>
+                  <a:srgbClr val="ffffff"/>
+                </a:solidFill>
+              </a:uFill>
               <a:latin typeface="Arial"/>
             </a:endParaRPr>
           </a:p>
@@ -2597,6 +3071,14 @@
           </a:bodyPr>
           <a:p>
             <a:endParaRPr b="0" lang="en-US" sz="3200" spc="-1" strike="noStrike">
+              <a:solidFill>
+                <a:srgbClr val="ffffff"/>
+              </a:solidFill>
+              <a:uFill>
+                <a:solidFill>
+                  <a:srgbClr val="ffffff"/>
+                </a:solidFill>
+              </a:uFill>
               <a:latin typeface="Arial"/>
             </a:endParaRPr>
           </a:p>
@@ -2627,6 +3109,14 @@
           </a:bodyPr>
           <a:p>
             <a:endParaRPr b="0" lang="en-US" sz="3200" spc="-1" strike="noStrike">
+              <a:solidFill>
+                <a:srgbClr val="ffffff"/>
+              </a:solidFill>
+              <a:uFill>
+                <a:solidFill>
+                  <a:srgbClr val="ffffff"/>
+                </a:solidFill>
+              </a:uFill>
               <a:latin typeface="Arial"/>
             </a:endParaRPr>
           </a:p>
@@ -2678,6 +3168,14 @@
           <a:p>
             <a:pPr algn="ctr"/>
             <a:endParaRPr b="0" lang="en-US" sz="4400" spc="-1" strike="noStrike">
+              <a:solidFill>
+                <a:srgbClr val="ffffff"/>
+              </a:solidFill>
+              <a:uFill>
+                <a:solidFill>
+                  <a:srgbClr val="ffffff"/>
+                </a:solidFill>
+              </a:uFill>
               <a:latin typeface="Arial"/>
             </a:endParaRPr>
           </a:p>
@@ -2729,6 +3227,14 @@
           <a:p>
             <a:pPr algn="ctr"/>
             <a:endParaRPr b="0" lang="en-US" sz="4400" spc="-1" strike="noStrike">
+              <a:solidFill>
+                <a:srgbClr val="ffffff"/>
+              </a:solidFill>
+              <a:uFill>
+                <a:solidFill>
+                  <a:srgbClr val="ffffff"/>
+                </a:solidFill>
+              </a:uFill>
               <a:latin typeface="Arial"/>
             </a:endParaRPr>
           </a:p>
@@ -2759,6 +3265,14 @@
           </a:bodyPr>
           <a:p>
             <a:endParaRPr b="0" lang="en-US" sz="3200" spc="-1" strike="noStrike">
+              <a:solidFill>
+                <a:srgbClr val="ffffff"/>
+              </a:solidFill>
+              <a:uFill>
+                <a:solidFill>
+                  <a:srgbClr val="ffffff"/>
+                </a:solidFill>
+              </a:uFill>
               <a:latin typeface="Arial"/>
             </a:endParaRPr>
           </a:p>
@@ -2810,6 +3324,14 @@
           <a:p>
             <a:pPr algn="ctr"/>
             <a:endParaRPr b="0" lang="en-US" sz="3200" spc="-1" strike="noStrike">
+              <a:solidFill>
+                <a:srgbClr val="ffffff"/>
+              </a:solidFill>
+              <a:uFill>
+                <a:solidFill>
+                  <a:srgbClr val="ffffff"/>
+                </a:solidFill>
+              </a:uFill>
               <a:latin typeface="Arial"/>
             </a:endParaRPr>
           </a:p>
@@ -2861,6 +3383,14 @@
           <a:p>
             <a:pPr algn="ctr"/>
             <a:endParaRPr b="0" lang="en-US" sz="4400" spc="-1" strike="noStrike">
+              <a:solidFill>
+                <a:srgbClr val="ffffff"/>
+              </a:solidFill>
+              <a:uFill>
+                <a:solidFill>
+                  <a:srgbClr val="ffffff"/>
+                </a:solidFill>
+              </a:uFill>
               <a:latin typeface="Arial"/>
             </a:endParaRPr>
           </a:p>
@@ -2891,6 +3421,14 @@
           </a:bodyPr>
           <a:p>
             <a:endParaRPr b="0" lang="en-US" sz="3200" spc="-1" strike="noStrike">
+              <a:solidFill>
+                <a:srgbClr val="ffffff"/>
+              </a:solidFill>
+              <a:uFill>
+                <a:solidFill>
+                  <a:srgbClr val="ffffff"/>
+                </a:solidFill>
+              </a:uFill>
               <a:latin typeface="Arial"/>
             </a:endParaRPr>
           </a:p>
@@ -2921,6 +3459,14 @@
           </a:bodyPr>
           <a:p>
             <a:endParaRPr b="0" lang="en-US" sz="3200" spc="-1" strike="noStrike">
+              <a:solidFill>
+                <a:srgbClr val="ffffff"/>
+              </a:solidFill>
+              <a:uFill>
+                <a:solidFill>
+                  <a:srgbClr val="ffffff"/>
+                </a:solidFill>
+              </a:uFill>
               <a:latin typeface="Arial"/>
             </a:endParaRPr>
           </a:p>
@@ -2951,6 +3497,14 @@
           </a:bodyPr>
           <a:p>
             <a:endParaRPr b="0" lang="en-US" sz="3200" spc="-1" strike="noStrike">
+              <a:solidFill>
+                <a:srgbClr val="ffffff"/>
+              </a:solidFill>
+              <a:uFill>
+                <a:solidFill>
+                  <a:srgbClr val="ffffff"/>
+                </a:solidFill>
+              </a:uFill>
               <a:latin typeface="Arial"/>
             </a:endParaRPr>
           </a:p>
@@ -3002,6 +3556,14 @@
           <a:p>
             <a:pPr algn="ctr"/>
             <a:endParaRPr b="0" lang="en-US" sz="4400" spc="-1" strike="noStrike">
+              <a:solidFill>
+                <a:srgbClr val="ffffff"/>
+              </a:solidFill>
+              <a:uFill>
+                <a:solidFill>
+                  <a:srgbClr val="ffffff"/>
+                </a:solidFill>
+              </a:uFill>
               <a:latin typeface="Arial"/>
             </a:endParaRPr>
           </a:p>
@@ -3032,6 +3594,14 @@
           </a:bodyPr>
           <a:p>
             <a:endParaRPr b="0" lang="en-US" sz="3200" spc="-1" strike="noStrike">
+              <a:solidFill>
+                <a:srgbClr val="ffffff"/>
+              </a:solidFill>
+              <a:uFill>
+                <a:solidFill>
+                  <a:srgbClr val="ffffff"/>
+                </a:solidFill>
+              </a:uFill>
               <a:latin typeface="Arial"/>
             </a:endParaRPr>
           </a:p>
@@ -3062,6 +3632,14 @@
           </a:bodyPr>
           <a:p>
             <a:endParaRPr b="0" lang="en-US" sz="3200" spc="-1" strike="noStrike">
+              <a:solidFill>
+                <a:srgbClr val="ffffff"/>
+              </a:solidFill>
+              <a:uFill>
+                <a:solidFill>
+                  <a:srgbClr val="ffffff"/>
+                </a:solidFill>
+              </a:uFill>
               <a:latin typeface="Arial"/>
             </a:endParaRPr>
           </a:p>
@@ -3092,6 +3670,14 @@
           </a:bodyPr>
           <a:p>
             <a:endParaRPr b="0" lang="en-US" sz="3200" spc="-1" strike="noStrike">
+              <a:solidFill>
+                <a:srgbClr val="ffffff"/>
+              </a:solidFill>
+              <a:uFill>
+                <a:solidFill>
+                  <a:srgbClr val="ffffff"/>
+                </a:solidFill>
+              </a:uFill>
               <a:latin typeface="Arial"/>
             </a:endParaRPr>
           </a:p>
@@ -3143,6 +3729,14 @@
           <a:p>
             <a:pPr algn="ctr"/>
             <a:endParaRPr b="0" lang="en-US" sz="4400" spc="-1" strike="noStrike">
+              <a:solidFill>
+                <a:srgbClr val="ffffff"/>
+              </a:solidFill>
+              <a:uFill>
+                <a:solidFill>
+                  <a:srgbClr val="ffffff"/>
+                </a:solidFill>
+              </a:uFill>
               <a:latin typeface="Arial"/>
             </a:endParaRPr>
           </a:p>
@@ -3173,6 +3767,14 @@
           </a:bodyPr>
           <a:p>
             <a:endParaRPr b="0" lang="en-US" sz="3200" spc="-1" strike="noStrike">
+              <a:solidFill>
+                <a:srgbClr val="ffffff"/>
+              </a:solidFill>
+              <a:uFill>
+                <a:solidFill>
+                  <a:srgbClr val="ffffff"/>
+                </a:solidFill>
+              </a:uFill>
               <a:latin typeface="Arial"/>
             </a:endParaRPr>
           </a:p>
@@ -3203,6 +3805,14 @@
           </a:bodyPr>
           <a:p>
             <a:endParaRPr b="0" lang="en-US" sz="3200" spc="-1" strike="noStrike">
+              <a:solidFill>
+                <a:srgbClr val="ffffff"/>
+              </a:solidFill>
+              <a:uFill>
+                <a:solidFill>
+                  <a:srgbClr val="ffffff"/>
+                </a:solidFill>
+              </a:uFill>
               <a:latin typeface="Arial"/>
             </a:endParaRPr>
           </a:p>
@@ -3233,6 +3843,14 @@
           </a:bodyPr>
           <a:p>
             <a:endParaRPr b="0" lang="en-US" sz="3200" spc="-1" strike="noStrike">
+              <a:solidFill>
+                <a:srgbClr val="ffffff"/>
+              </a:solidFill>
+              <a:uFill>
+                <a:solidFill>
+                  <a:srgbClr val="ffffff"/>
+                </a:solidFill>
+              </a:uFill>
               <a:latin typeface="Arial"/>
             </a:endParaRPr>
           </a:p>
@@ -3284,6 +3902,14 @@
           <a:p>
             <a:pPr algn="ctr"/>
             <a:endParaRPr b="0" lang="en-US" sz="4400" spc="-1" strike="noStrike">
+              <a:solidFill>
+                <a:srgbClr val="ffffff"/>
+              </a:solidFill>
+              <a:uFill>
+                <a:solidFill>
+                  <a:srgbClr val="ffffff"/>
+                </a:solidFill>
+              </a:uFill>
               <a:latin typeface="Arial"/>
             </a:endParaRPr>
           </a:p>
@@ -3314,6 +3940,14 @@
           </a:bodyPr>
           <a:p>
             <a:endParaRPr b="0" lang="en-US" sz="3200" spc="-1" strike="noStrike">
+              <a:solidFill>
+                <a:srgbClr val="ffffff"/>
+              </a:solidFill>
+              <a:uFill>
+                <a:solidFill>
+                  <a:srgbClr val="ffffff"/>
+                </a:solidFill>
+              </a:uFill>
               <a:latin typeface="Arial"/>
             </a:endParaRPr>
           </a:p>
@@ -3344,6 +3978,14 @@
           </a:bodyPr>
           <a:p>
             <a:endParaRPr b="0" lang="en-US" sz="3200" spc="-1" strike="noStrike">
+              <a:solidFill>
+                <a:srgbClr val="ffffff"/>
+              </a:solidFill>
+              <a:uFill>
+                <a:solidFill>
+                  <a:srgbClr val="ffffff"/>
+                </a:solidFill>
+              </a:uFill>
               <a:latin typeface="Arial"/>
             </a:endParaRPr>
           </a:p>
@@ -3395,6 +4037,14 @@
           <a:p>
             <a:pPr algn="ctr"/>
             <a:endParaRPr b="0" lang="en-US" sz="4400" spc="-1" strike="noStrike">
+              <a:solidFill>
+                <a:srgbClr val="ffffff"/>
+              </a:solidFill>
+              <a:uFill>
+                <a:solidFill>
+                  <a:srgbClr val="ffffff"/>
+                </a:solidFill>
+              </a:uFill>
               <a:latin typeface="Arial"/>
             </a:endParaRPr>
           </a:p>
@@ -3425,6 +4075,14 @@
           </a:bodyPr>
           <a:p>
             <a:endParaRPr b="0" lang="en-US" sz="3200" spc="-1" strike="noStrike">
+              <a:solidFill>
+                <a:srgbClr val="ffffff"/>
+              </a:solidFill>
+              <a:uFill>
+                <a:solidFill>
+                  <a:srgbClr val="ffffff"/>
+                </a:solidFill>
+              </a:uFill>
               <a:latin typeface="Arial"/>
             </a:endParaRPr>
           </a:p>
@@ -3455,6 +4113,14 @@
           </a:bodyPr>
           <a:p>
             <a:endParaRPr b="0" lang="en-US" sz="3200" spc="-1" strike="noStrike">
+              <a:solidFill>
+                <a:srgbClr val="ffffff"/>
+              </a:solidFill>
+              <a:uFill>
+                <a:solidFill>
+                  <a:srgbClr val="ffffff"/>
+                </a:solidFill>
+              </a:uFill>
               <a:latin typeface="Arial"/>
             </a:endParaRPr>
           </a:p>
@@ -3485,6 +4151,14 @@
           </a:bodyPr>
           <a:p>
             <a:endParaRPr b="0" lang="en-US" sz="3200" spc="-1" strike="noStrike">
+              <a:solidFill>
+                <a:srgbClr val="ffffff"/>
+              </a:solidFill>
+              <a:uFill>
+                <a:solidFill>
+                  <a:srgbClr val="ffffff"/>
+                </a:solidFill>
+              </a:uFill>
               <a:latin typeface="Arial"/>
             </a:endParaRPr>
           </a:p>
@@ -3515,6 +4189,14 @@
           </a:bodyPr>
           <a:p>
             <a:endParaRPr b="0" lang="en-US" sz="3200" spc="-1" strike="noStrike">
+              <a:solidFill>
+                <a:srgbClr val="ffffff"/>
+              </a:solidFill>
+              <a:uFill>
+                <a:solidFill>
+                  <a:srgbClr val="ffffff"/>
+                </a:solidFill>
+              </a:uFill>
               <a:latin typeface="Arial"/>
             </a:endParaRPr>
           </a:p>
@@ -3566,6 +4248,14 @@
           <a:p>
             <a:pPr algn="ctr"/>
             <a:endParaRPr b="0" lang="en-US" sz="4400" spc="-1" strike="noStrike">
+              <a:solidFill>
+                <a:srgbClr val="ffffff"/>
+              </a:solidFill>
+              <a:uFill>
+                <a:solidFill>
+                  <a:srgbClr val="ffffff"/>
+                </a:solidFill>
+              </a:uFill>
               <a:latin typeface="Arial"/>
             </a:endParaRPr>
           </a:p>
@@ -3596,6 +4286,14 @@
           </a:bodyPr>
           <a:p>
             <a:endParaRPr b="0" lang="en-US" sz="3200" spc="-1" strike="noStrike">
+              <a:solidFill>
+                <a:srgbClr val="ffffff"/>
+              </a:solidFill>
+              <a:uFill>
+                <a:solidFill>
+                  <a:srgbClr val="ffffff"/>
+                </a:solidFill>
+              </a:uFill>
               <a:latin typeface="Arial"/>
             </a:endParaRPr>
           </a:p>
@@ -3626,6 +4324,14 @@
           </a:bodyPr>
           <a:p>
             <a:endParaRPr b="0" lang="en-US" sz="3200" spc="-1" strike="noStrike">
+              <a:solidFill>
+                <a:srgbClr val="ffffff"/>
+              </a:solidFill>
+              <a:uFill>
+                <a:solidFill>
+                  <a:srgbClr val="ffffff"/>
+                </a:solidFill>
+              </a:uFill>
               <a:latin typeface="Arial"/>
             </a:endParaRPr>
           </a:p>
@@ -3656,6 +4362,14 @@
           </a:bodyPr>
           <a:p>
             <a:endParaRPr b="0" lang="en-US" sz="3200" spc="-1" strike="noStrike">
+              <a:solidFill>
+                <a:srgbClr val="ffffff"/>
+              </a:solidFill>
+              <a:uFill>
+                <a:solidFill>
+                  <a:srgbClr val="ffffff"/>
+                </a:solidFill>
+              </a:uFill>
               <a:latin typeface="Arial"/>
             </a:endParaRPr>
           </a:p>
@@ -3686,6 +4400,14 @@
           </a:bodyPr>
           <a:p>
             <a:endParaRPr b="0" lang="en-US" sz="3200" spc="-1" strike="noStrike">
+              <a:solidFill>
+                <a:srgbClr val="ffffff"/>
+              </a:solidFill>
+              <a:uFill>
+                <a:solidFill>
+                  <a:srgbClr val="ffffff"/>
+                </a:solidFill>
+              </a:uFill>
               <a:latin typeface="Arial"/>
             </a:endParaRPr>
           </a:p>
@@ -3716,6 +4438,14 @@
           </a:bodyPr>
           <a:p>
             <a:endParaRPr b="0" lang="en-US" sz="3200" spc="-1" strike="noStrike">
+              <a:solidFill>
+                <a:srgbClr val="ffffff"/>
+              </a:solidFill>
+              <a:uFill>
+                <a:solidFill>
+                  <a:srgbClr val="ffffff"/>
+                </a:solidFill>
+              </a:uFill>
               <a:latin typeface="Arial"/>
             </a:endParaRPr>
           </a:p>
@@ -3746,6 +4476,14 @@
           </a:bodyPr>
           <a:p>
             <a:endParaRPr b="0" lang="en-US" sz="3200" spc="-1" strike="noStrike">
+              <a:solidFill>
+                <a:srgbClr val="ffffff"/>
+              </a:solidFill>
+              <a:uFill>
+                <a:solidFill>
+                  <a:srgbClr val="ffffff"/>
+                </a:solidFill>
+              </a:uFill>
               <a:latin typeface="Arial"/>
             </a:endParaRPr>
           </a:p>
@@ -3819,6 +4557,14 @@
           <a:p>
             <a:pPr algn="ctr"/>
             <a:endParaRPr b="0" lang="en-US" sz="4400" spc="-1" strike="noStrike">
+              <a:solidFill>
+                <a:srgbClr val="ffffff"/>
+              </a:solidFill>
+              <a:uFill>
+                <a:solidFill>
+                  <a:srgbClr val="ffffff"/>
+                </a:solidFill>
+              </a:uFill>
               <a:latin typeface="Arial"/>
             </a:endParaRPr>
           </a:p>
@@ -3848,6 +4594,14 @@
           <a:p>
             <a:pPr algn="ctr"/>
             <a:endParaRPr b="0" lang="en-US" sz="3200" spc="-1" strike="noStrike">
+              <a:solidFill>
+                <a:srgbClr val="ffffff"/>
+              </a:solidFill>
+              <a:uFill>
+                <a:solidFill>
+                  <a:srgbClr val="ffffff"/>
+                </a:solidFill>
+              </a:uFill>
               <a:latin typeface="Arial"/>
             </a:endParaRPr>
           </a:p>
@@ -3899,6 +4653,14 @@
           <a:p>
             <a:pPr algn="ctr"/>
             <a:endParaRPr b="0" lang="en-US" sz="4400" spc="-1" strike="noStrike">
+              <a:solidFill>
+                <a:srgbClr val="ffffff"/>
+              </a:solidFill>
+              <a:uFill>
+                <a:solidFill>
+                  <a:srgbClr val="ffffff"/>
+                </a:solidFill>
+              </a:uFill>
               <a:latin typeface="Arial"/>
             </a:endParaRPr>
           </a:p>
@@ -3929,6 +4691,14 @@
           </a:bodyPr>
           <a:p>
             <a:endParaRPr b="0" lang="en-US" sz="3200" spc="-1" strike="noStrike">
+              <a:solidFill>
+                <a:srgbClr val="ffffff"/>
+              </a:solidFill>
+              <a:uFill>
+                <a:solidFill>
+                  <a:srgbClr val="ffffff"/>
+                </a:solidFill>
+              </a:uFill>
               <a:latin typeface="Arial"/>
             </a:endParaRPr>
           </a:p>
@@ -3980,6 +4750,14 @@
           <a:p>
             <a:pPr algn="ctr"/>
             <a:endParaRPr b="0" lang="en-US" sz="4400" spc="-1" strike="noStrike">
+              <a:solidFill>
+                <a:srgbClr val="ffffff"/>
+              </a:solidFill>
+              <a:uFill>
+                <a:solidFill>
+                  <a:srgbClr val="ffffff"/>
+                </a:solidFill>
+              </a:uFill>
               <a:latin typeface="Arial"/>
             </a:endParaRPr>
           </a:p>
@@ -4010,6 +4788,14 @@
           </a:bodyPr>
           <a:p>
             <a:endParaRPr b="0" lang="en-US" sz="3200" spc="-1" strike="noStrike">
+              <a:solidFill>
+                <a:srgbClr val="ffffff"/>
+              </a:solidFill>
+              <a:uFill>
+                <a:solidFill>
+                  <a:srgbClr val="ffffff"/>
+                </a:solidFill>
+              </a:uFill>
               <a:latin typeface="Arial"/>
             </a:endParaRPr>
           </a:p>
@@ -4040,6 +4826,14 @@
           </a:bodyPr>
           <a:p>
             <a:endParaRPr b="0" lang="en-US" sz="3200" spc="-1" strike="noStrike">
+              <a:solidFill>
+                <a:srgbClr val="ffffff"/>
+              </a:solidFill>
+              <a:uFill>
+                <a:solidFill>
+                  <a:srgbClr val="ffffff"/>
+                </a:solidFill>
+              </a:uFill>
               <a:latin typeface="Arial"/>
             </a:endParaRPr>
           </a:p>
@@ -4091,6 +4885,14 @@
           <a:p>
             <a:pPr algn="ctr"/>
             <a:endParaRPr b="0" lang="en-US" sz="4400" spc="-1" strike="noStrike">
+              <a:solidFill>
+                <a:srgbClr val="ffffff"/>
+              </a:solidFill>
+              <a:uFill>
+                <a:solidFill>
+                  <a:srgbClr val="ffffff"/>
+                </a:solidFill>
+              </a:uFill>
               <a:latin typeface="Arial"/>
             </a:endParaRPr>
           </a:p>
@@ -4121,6 +4923,14 @@
           </a:bodyPr>
           <a:p>
             <a:endParaRPr b="0" lang="en-US" sz="3200" spc="-1" strike="noStrike">
+              <a:solidFill>
+                <a:srgbClr val="ffffff"/>
+              </a:solidFill>
+              <a:uFill>
+                <a:solidFill>
+                  <a:srgbClr val="ffffff"/>
+                </a:solidFill>
+              </a:uFill>
               <a:latin typeface="Arial"/>
             </a:endParaRPr>
           </a:p>
@@ -4151,6 +4961,14 @@
           </a:bodyPr>
           <a:p>
             <a:endParaRPr b="0" lang="en-US" sz="3200" spc="-1" strike="noStrike">
+              <a:solidFill>
+                <a:srgbClr val="ffffff"/>
+              </a:solidFill>
+              <a:uFill>
+                <a:solidFill>
+                  <a:srgbClr val="ffffff"/>
+                </a:solidFill>
+              </a:uFill>
               <a:latin typeface="Arial"/>
             </a:endParaRPr>
           </a:p>
@@ -4202,6 +5020,14 @@
           <a:p>
             <a:pPr algn="ctr"/>
             <a:endParaRPr b="0" lang="en-US" sz="4400" spc="-1" strike="noStrike">
+              <a:solidFill>
+                <a:srgbClr val="ffffff"/>
+              </a:solidFill>
+              <a:uFill>
+                <a:solidFill>
+                  <a:srgbClr val="ffffff"/>
+                </a:solidFill>
+              </a:uFill>
               <a:latin typeface="Arial"/>
             </a:endParaRPr>
           </a:p>
@@ -4253,6 +5079,14 @@
           <a:p>
             <a:pPr algn="ctr"/>
             <a:endParaRPr b="0" lang="en-US" sz="3200" spc="-1" strike="noStrike">
+              <a:solidFill>
+                <a:srgbClr val="ffffff"/>
+              </a:solidFill>
+              <a:uFill>
+                <a:solidFill>
+                  <a:srgbClr val="ffffff"/>
+                </a:solidFill>
+              </a:uFill>
               <a:latin typeface="Arial"/>
             </a:endParaRPr>
           </a:p>
@@ -4304,6 +5138,14 @@
           <a:p>
             <a:pPr algn="ctr"/>
             <a:endParaRPr b="0" lang="en-US" sz="4400" spc="-1" strike="noStrike">
+              <a:solidFill>
+                <a:srgbClr val="ffffff"/>
+              </a:solidFill>
+              <a:uFill>
+                <a:solidFill>
+                  <a:srgbClr val="ffffff"/>
+                </a:solidFill>
+              </a:uFill>
               <a:latin typeface="Arial"/>
             </a:endParaRPr>
           </a:p>
@@ -4334,6 +5176,14 @@
           </a:bodyPr>
           <a:p>
             <a:endParaRPr b="0" lang="en-US" sz="3200" spc="-1" strike="noStrike">
+              <a:solidFill>
+                <a:srgbClr val="ffffff"/>
+              </a:solidFill>
+              <a:uFill>
+                <a:solidFill>
+                  <a:srgbClr val="ffffff"/>
+                </a:solidFill>
+              </a:uFill>
               <a:latin typeface="Arial"/>
             </a:endParaRPr>
           </a:p>
@@ -4364,6 +5214,14 @@
           </a:bodyPr>
           <a:p>
             <a:endParaRPr b="0" lang="en-US" sz="3200" spc="-1" strike="noStrike">
+              <a:solidFill>
+                <a:srgbClr val="ffffff"/>
+              </a:solidFill>
+              <a:uFill>
+                <a:solidFill>
+                  <a:srgbClr val="ffffff"/>
+                </a:solidFill>
+              </a:uFill>
               <a:latin typeface="Arial"/>
             </a:endParaRPr>
           </a:p>
@@ -4394,6 +5252,14 @@
           </a:bodyPr>
           <a:p>
             <a:endParaRPr b="0" lang="en-US" sz="3200" spc="-1" strike="noStrike">
+              <a:solidFill>
+                <a:srgbClr val="ffffff"/>
+              </a:solidFill>
+              <a:uFill>
+                <a:solidFill>
+                  <a:srgbClr val="ffffff"/>
+                </a:solidFill>
+              </a:uFill>
               <a:latin typeface="Arial"/>
             </a:endParaRPr>
           </a:p>
@@ -4445,6 +5311,14 @@
           <a:p>
             <a:pPr algn="ctr"/>
             <a:endParaRPr b="0" lang="en-US" sz="4400" spc="-1" strike="noStrike">
+              <a:solidFill>
+                <a:srgbClr val="ffffff"/>
+              </a:solidFill>
+              <a:uFill>
+                <a:solidFill>
+                  <a:srgbClr val="ffffff"/>
+                </a:solidFill>
+              </a:uFill>
               <a:latin typeface="Arial"/>
             </a:endParaRPr>
           </a:p>
@@ -4475,6 +5349,14 @@
           </a:bodyPr>
           <a:p>
             <a:endParaRPr b="0" lang="en-US" sz="3200" spc="-1" strike="noStrike">
+              <a:solidFill>
+                <a:srgbClr val="ffffff"/>
+              </a:solidFill>
+              <a:uFill>
+                <a:solidFill>
+                  <a:srgbClr val="ffffff"/>
+                </a:solidFill>
+              </a:uFill>
               <a:latin typeface="Arial"/>
             </a:endParaRPr>
           </a:p>
@@ -4505,6 +5387,14 @@
           </a:bodyPr>
           <a:p>
             <a:endParaRPr b="0" lang="en-US" sz="3200" spc="-1" strike="noStrike">
+              <a:solidFill>
+                <a:srgbClr val="ffffff"/>
+              </a:solidFill>
+              <a:uFill>
+                <a:solidFill>
+                  <a:srgbClr val="ffffff"/>
+                </a:solidFill>
+              </a:uFill>
               <a:latin typeface="Arial"/>
             </a:endParaRPr>
           </a:p>
@@ -4535,6 +5425,14 @@
           </a:bodyPr>
           <a:p>
             <a:endParaRPr b="0" lang="en-US" sz="3200" spc="-1" strike="noStrike">
+              <a:solidFill>
+                <a:srgbClr val="ffffff"/>
+              </a:solidFill>
+              <a:uFill>
+                <a:solidFill>
+                  <a:srgbClr val="ffffff"/>
+                </a:solidFill>
+              </a:uFill>
               <a:latin typeface="Arial"/>
             </a:endParaRPr>
           </a:p>
@@ -4586,6 +5484,14 @@
           <a:p>
             <a:pPr algn="ctr"/>
             <a:endParaRPr b="0" lang="en-US" sz="4400" spc="-1" strike="noStrike">
+              <a:solidFill>
+                <a:srgbClr val="ffffff"/>
+              </a:solidFill>
+              <a:uFill>
+                <a:solidFill>
+                  <a:srgbClr val="ffffff"/>
+                </a:solidFill>
+              </a:uFill>
               <a:latin typeface="Arial"/>
             </a:endParaRPr>
           </a:p>
@@ -4616,6 +5522,14 @@
           </a:bodyPr>
           <a:p>
             <a:endParaRPr b="0" lang="en-US" sz="3200" spc="-1" strike="noStrike">
+              <a:solidFill>
+                <a:srgbClr val="ffffff"/>
+              </a:solidFill>
+              <a:uFill>
+                <a:solidFill>
+                  <a:srgbClr val="ffffff"/>
+                </a:solidFill>
+              </a:uFill>
               <a:latin typeface="Arial"/>
             </a:endParaRPr>
           </a:p>
@@ -4646,6 +5560,14 @@
           </a:bodyPr>
           <a:p>
             <a:endParaRPr b="0" lang="en-US" sz="3200" spc="-1" strike="noStrike">
+              <a:solidFill>
+                <a:srgbClr val="ffffff"/>
+              </a:solidFill>
+              <a:uFill>
+                <a:solidFill>
+                  <a:srgbClr val="ffffff"/>
+                </a:solidFill>
+              </a:uFill>
               <a:latin typeface="Arial"/>
             </a:endParaRPr>
           </a:p>
@@ -4676,6 +5598,14 @@
           </a:bodyPr>
           <a:p>
             <a:endParaRPr b="0" lang="en-US" sz="3200" spc="-1" strike="noStrike">
+              <a:solidFill>
+                <a:srgbClr val="ffffff"/>
+              </a:solidFill>
+              <a:uFill>
+                <a:solidFill>
+                  <a:srgbClr val="ffffff"/>
+                </a:solidFill>
+              </a:uFill>
               <a:latin typeface="Arial"/>
             </a:endParaRPr>
           </a:p>
@@ -4727,6 +5657,14 @@
           <a:p>
             <a:pPr algn="ctr"/>
             <a:endParaRPr b="0" lang="en-US" sz="4400" spc="-1" strike="noStrike">
+              <a:solidFill>
+                <a:srgbClr val="ffffff"/>
+              </a:solidFill>
+              <a:uFill>
+                <a:solidFill>
+                  <a:srgbClr val="ffffff"/>
+                </a:solidFill>
+              </a:uFill>
               <a:latin typeface="Arial"/>
             </a:endParaRPr>
           </a:p>
@@ -4757,6 +5695,14 @@
           </a:bodyPr>
           <a:p>
             <a:endParaRPr b="0" lang="en-US" sz="3200" spc="-1" strike="noStrike">
+              <a:solidFill>
+                <a:srgbClr val="ffffff"/>
+              </a:solidFill>
+              <a:uFill>
+                <a:solidFill>
+                  <a:srgbClr val="ffffff"/>
+                </a:solidFill>
+              </a:uFill>
               <a:latin typeface="Arial"/>
             </a:endParaRPr>
           </a:p>
@@ -4787,6 +5733,14 @@
           </a:bodyPr>
           <a:p>
             <a:endParaRPr b="0" lang="en-US" sz="3200" spc="-1" strike="noStrike">
+              <a:solidFill>
+                <a:srgbClr val="ffffff"/>
+              </a:solidFill>
+              <a:uFill>
+                <a:solidFill>
+                  <a:srgbClr val="ffffff"/>
+                </a:solidFill>
+              </a:uFill>
               <a:latin typeface="Arial"/>
             </a:endParaRPr>
           </a:p>
@@ -4838,6 +5792,14 @@
           <a:p>
             <a:pPr algn="ctr"/>
             <a:endParaRPr b="0" lang="en-US" sz="4400" spc="-1" strike="noStrike">
+              <a:solidFill>
+                <a:srgbClr val="ffffff"/>
+              </a:solidFill>
+              <a:uFill>
+                <a:solidFill>
+                  <a:srgbClr val="ffffff"/>
+                </a:solidFill>
+              </a:uFill>
               <a:latin typeface="Arial"/>
             </a:endParaRPr>
           </a:p>
@@ -4868,6 +5830,14 @@
           </a:bodyPr>
           <a:p>
             <a:endParaRPr b="0" lang="en-US" sz="3200" spc="-1" strike="noStrike">
+              <a:solidFill>
+                <a:srgbClr val="ffffff"/>
+              </a:solidFill>
+              <a:uFill>
+                <a:solidFill>
+                  <a:srgbClr val="ffffff"/>
+                </a:solidFill>
+              </a:uFill>
               <a:latin typeface="Arial"/>
             </a:endParaRPr>
           </a:p>
@@ -4898,6 +5868,14 @@
           </a:bodyPr>
           <a:p>
             <a:endParaRPr b="0" lang="en-US" sz="3200" spc="-1" strike="noStrike">
+              <a:solidFill>
+                <a:srgbClr val="ffffff"/>
+              </a:solidFill>
+              <a:uFill>
+                <a:solidFill>
+                  <a:srgbClr val="ffffff"/>
+                </a:solidFill>
+              </a:uFill>
               <a:latin typeface="Arial"/>
             </a:endParaRPr>
           </a:p>
@@ -4928,6 +5906,14 @@
           </a:bodyPr>
           <a:p>
             <a:endParaRPr b="0" lang="en-US" sz="3200" spc="-1" strike="noStrike">
+              <a:solidFill>
+                <a:srgbClr val="ffffff"/>
+              </a:solidFill>
+              <a:uFill>
+                <a:solidFill>
+                  <a:srgbClr val="ffffff"/>
+                </a:solidFill>
+              </a:uFill>
               <a:latin typeface="Arial"/>
             </a:endParaRPr>
           </a:p>
@@ -4958,6 +5944,14 @@
           </a:bodyPr>
           <a:p>
             <a:endParaRPr b="0" lang="en-US" sz="3200" spc="-1" strike="noStrike">
+              <a:solidFill>
+                <a:srgbClr val="ffffff"/>
+              </a:solidFill>
+              <a:uFill>
+                <a:solidFill>
+                  <a:srgbClr val="ffffff"/>
+                </a:solidFill>
+              </a:uFill>
               <a:latin typeface="Arial"/>
             </a:endParaRPr>
           </a:p>
@@ -5009,6 +6003,14 @@
           <a:p>
             <a:pPr algn="ctr"/>
             <a:endParaRPr b="0" lang="en-US" sz="4400" spc="-1" strike="noStrike">
+              <a:solidFill>
+                <a:srgbClr val="ffffff"/>
+              </a:solidFill>
+              <a:uFill>
+                <a:solidFill>
+                  <a:srgbClr val="ffffff"/>
+                </a:solidFill>
+              </a:uFill>
               <a:latin typeface="Arial"/>
             </a:endParaRPr>
           </a:p>
@@ -5039,6 +6041,14 @@
           </a:bodyPr>
           <a:p>
             <a:endParaRPr b="0" lang="en-US" sz="3200" spc="-1" strike="noStrike">
+              <a:solidFill>
+                <a:srgbClr val="ffffff"/>
+              </a:solidFill>
+              <a:uFill>
+                <a:solidFill>
+                  <a:srgbClr val="ffffff"/>
+                </a:solidFill>
+              </a:uFill>
               <a:latin typeface="Arial"/>
             </a:endParaRPr>
           </a:p>
@@ -5069,6 +6079,14 @@
           </a:bodyPr>
           <a:p>
             <a:endParaRPr b="0" lang="en-US" sz="3200" spc="-1" strike="noStrike">
+              <a:solidFill>
+                <a:srgbClr val="ffffff"/>
+              </a:solidFill>
+              <a:uFill>
+                <a:solidFill>
+                  <a:srgbClr val="ffffff"/>
+                </a:solidFill>
+              </a:uFill>
               <a:latin typeface="Arial"/>
             </a:endParaRPr>
           </a:p>
@@ -5099,6 +6117,14 @@
           </a:bodyPr>
           <a:p>
             <a:endParaRPr b="0" lang="en-US" sz="3200" spc="-1" strike="noStrike">
+              <a:solidFill>
+                <a:srgbClr val="ffffff"/>
+              </a:solidFill>
+              <a:uFill>
+                <a:solidFill>
+                  <a:srgbClr val="ffffff"/>
+                </a:solidFill>
+              </a:uFill>
               <a:latin typeface="Arial"/>
             </a:endParaRPr>
           </a:p>
@@ -5129,6 +6155,14 @@
           </a:bodyPr>
           <a:p>
             <a:endParaRPr b="0" lang="en-US" sz="3200" spc="-1" strike="noStrike">
+              <a:solidFill>
+                <a:srgbClr val="ffffff"/>
+              </a:solidFill>
+              <a:uFill>
+                <a:solidFill>
+                  <a:srgbClr val="ffffff"/>
+                </a:solidFill>
+              </a:uFill>
               <a:latin typeface="Arial"/>
             </a:endParaRPr>
           </a:p>
@@ -5159,6 +6193,14 @@
           </a:bodyPr>
           <a:p>
             <a:endParaRPr b="0" lang="en-US" sz="3200" spc="-1" strike="noStrike">
+              <a:solidFill>
+                <a:srgbClr val="ffffff"/>
+              </a:solidFill>
+              <a:uFill>
+                <a:solidFill>
+                  <a:srgbClr val="ffffff"/>
+                </a:solidFill>
+              </a:uFill>
               <a:latin typeface="Arial"/>
             </a:endParaRPr>
           </a:p>
@@ -5189,6 +6231,14 @@
           </a:bodyPr>
           <a:p>
             <a:endParaRPr b="0" lang="en-US" sz="3200" spc="-1" strike="noStrike">
+              <a:solidFill>
+                <a:srgbClr val="ffffff"/>
+              </a:solidFill>
+              <a:uFill>
+                <a:solidFill>
+                  <a:srgbClr val="ffffff"/>
+                </a:solidFill>
+              </a:uFill>
               <a:latin typeface="Arial"/>
             </a:endParaRPr>
           </a:p>
@@ -5262,6 +6312,14 @@
           <a:p>
             <a:pPr algn="ctr"/>
             <a:endParaRPr b="0" lang="en-US" sz="4400" spc="-1" strike="noStrike">
+              <a:solidFill>
+                <a:srgbClr val="ffffff"/>
+              </a:solidFill>
+              <a:uFill>
+                <a:solidFill>
+                  <a:srgbClr val="ffffff"/>
+                </a:solidFill>
+              </a:uFill>
               <a:latin typeface="Arial"/>
             </a:endParaRPr>
           </a:p>
@@ -5313,6 +6371,14 @@
           <a:p>
             <a:pPr algn="ctr"/>
             <a:endParaRPr b="0" lang="en-US" sz="4400" spc="-1" strike="noStrike">
+              <a:solidFill>
+                <a:srgbClr val="ffffff"/>
+              </a:solidFill>
+              <a:uFill>
+                <a:solidFill>
+                  <a:srgbClr val="ffffff"/>
+                </a:solidFill>
+              </a:uFill>
               <a:latin typeface="Arial"/>
             </a:endParaRPr>
           </a:p>
@@ -5342,6 +6408,14 @@
           <a:p>
             <a:pPr algn="ctr"/>
             <a:endParaRPr b="0" lang="en-US" sz="3200" spc="-1" strike="noStrike">
+              <a:solidFill>
+                <a:srgbClr val="ffffff"/>
+              </a:solidFill>
+              <a:uFill>
+                <a:solidFill>
+                  <a:srgbClr val="ffffff"/>
+                </a:solidFill>
+              </a:uFill>
               <a:latin typeface="Arial"/>
             </a:endParaRPr>
           </a:p>
@@ -5393,6 +6467,14 @@
           <a:p>
             <a:pPr algn="ctr"/>
             <a:endParaRPr b="0" lang="en-US" sz="4400" spc="-1" strike="noStrike">
+              <a:solidFill>
+                <a:srgbClr val="ffffff"/>
+              </a:solidFill>
+              <a:uFill>
+                <a:solidFill>
+                  <a:srgbClr val="ffffff"/>
+                </a:solidFill>
+              </a:uFill>
               <a:latin typeface="Arial"/>
             </a:endParaRPr>
           </a:p>
@@ -5423,6 +6505,14 @@
           </a:bodyPr>
           <a:p>
             <a:endParaRPr b="0" lang="en-US" sz="3200" spc="-1" strike="noStrike">
+              <a:solidFill>
+                <a:srgbClr val="ffffff"/>
+              </a:solidFill>
+              <a:uFill>
+                <a:solidFill>
+                  <a:srgbClr val="ffffff"/>
+                </a:solidFill>
+              </a:uFill>
               <a:latin typeface="Arial"/>
             </a:endParaRPr>
           </a:p>
@@ -5474,6 +6564,14 @@
           <a:p>
             <a:pPr algn="ctr"/>
             <a:endParaRPr b="0" lang="en-US" sz="4400" spc="-1" strike="noStrike">
+              <a:solidFill>
+                <a:srgbClr val="ffffff"/>
+              </a:solidFill>
+              <a:uFill>
+                <a:solidFill>
+                  <a:srgbClr val="ffffff"/>
+                </a:solidFill>
+              </a:uFill>
               <a:latin typeface="Arial"/>
             </a:endParaRPr>
           </a:p>
@@ -5504,6 +6602,14 @@
           </a:bodyPr>
           <a:p>
             <a:endParaRPr b="0" lang="en-US" sz="3200" spc="-1" strike="noStrike">
+              <a:solidFill>
+                <a:srgbClr val="ffffff"/>
+              </a:solidFill>
+              <a:uFill>
+                <a:solidFill>
+                  <a:srgbClr val="ffffff"/>
+                </a:solidFill>
+              </a:uFill>
               <a:latin typeface="Arial"/>
             </a:endParaRPr>
           </a:p>
@@ -5534,6 +6640,14 @@
           </a:bodyPr>
           <a:p>
             <a:endParaRPr b="0" lang="en-US" sz="3200" spc="-1" strike="noStrike">
+              <a:solidFill>
+                <a:srgbClr val="ffffff"/>
+              </a:solidFill>
+              <a:uFill>
+                <a:solidFill>
+                  <a:srgbClr val="ffffff"/>
+                </a:solidFill>
+              </a:uFill>
               <a:latin typeface="Arial"/>
             </a:endParaRPr>
           </a:p>
@@ -5585,6 +6699,14 @@
           <a:p>
             <a:pPr algn="ctr"/>
             <a:endParaRPr b="0" lang="en-US" sz="4400" spc="-1" strike="noStrike">
+              <a:solidFill>
+                <a:srgbClr val="ffffff"/>
+              </a:solidFill>
+              <a:uFill>
+                <a:solidFill>
+                  <a:srgbClr val="ffffff"/>
+                </a:solidFill>
+              </a:uFill>
               <a:latin typeface="Arial"/>
             </a:endParaRPr>
           </a:p>
@@ -5636,6 +6758,14 @@
           <a:p>
             <a:pPr algn="ctr"/>
             <a:endParaRPr b="0" lang="en-US" sz="3200" spc="-1" strike="noStrike">
+              <a:solidFill>
+                <a:srgbClr val="ffffff"/>
+              </a:solidFill>
+              <a:uFill>
+                <a:solidFill>
+                  <a:srgbClr val="ffffff"/>
+                </a:solidFill>
+              </a:uFill>
               <a:latin typeface="Arial"/>
             </a:endParaRPr>
           </a:p>
@@ -5687,6 +6817,14 @@
           <a:p>
             <a:pPr algn="ctr"/>
             <a:endParaRPr b="0" lang="en-US" sz="4400" spc="-1" strike="noStrike">
+              <a:solidFill>
+                <a:srgbClr val="ffffff"/>
+              </a:solidFill>
+              <a:uFill>
+                <a:solidFill>
+                  <a:srgbClr val="ffffff"/>
+                </a:solidFill>
+              </a:uFill>
               <a:latin typeface="Arial"/>
             </a:endParaRPr>
           </a:p>
@@ -5717,6 +6855,14 @@
           </a:bodyPr>
           <a:p>
             <a:endParaRPr b="0" lang="en-US" sz="3200" spc="-1" strike="noStrike">
+              <a:solidFill>
+                <a:srgbClr val="ffffff"/>
+              </a:solidFill>
+              <a:uFill>
+                <a:solidFill>
+                  <a:srgbClr val="ffffff"/>
+                </a:solidFill>
+              </a:uFill>
               <a:latin typeface="Arial"/>
             </a:endParaRPr>
           </a:p>
@@ -5747,6 +6893,14 @@
           </a:bodyPr>
           <a:p>
             <a:endParaRPr b="0" lang="en-US" sz="3200" spc="-1" strike="noStrike">
+              <a:solidFill>
+                <a:srgbClr val="ffffff"/>
+              </a:solidFill>
+              <a:uFill>
+                <a:solidFill>
+                  <a:srgbClr val="ffffff"/>
+                </a:solidFill>
+              </a:uFill>
               <a:latin typeface="Arial"/>
             </a:endParaRPr>
           </a:p>
@@ -5777,6 +6931,14 @@
           </a:bodyPr>
           <a:p>
             <a:endParaRPr b="0" lang="en-US" sz="3200" spc="-1" strike="noStrike">
+              <a:solidFill>
+                <a:srgbClr val="ffffff"/>
+              </a:solidFill>
+              <a:uFill>
+                <a:solidFill>
+                  <a:srgbClr val="ffffff"/>
+                </a:solidFill>
+              </a:uFill>
               <a:latin typeface="Arial"/>
             </a:endParaRPr>
           </a:p>
@@ -5828,6 +6990,14 @@
           <a:p>
             <a:pPr algn="ctr"/>
             <a:endParaRPr b="0" lang="en-US" sz="4400" spc="-1" strike="noStrike">
+              <a:solidFill>
+                <a:srgbClr val="ffffff"/>
+              </a:solidFill>
+              <a:uFill>
+                <a:solidFill>
+                  <a:srgbClr val="ffffff"/>
+                </a:solidFill>
+              </a:uFill>
               <a:latin typeface="Arial"/>
             </a:endParaRPr>
           </a:p>
@@ -5858,6 +7028,14 @@
           </a:bodyPr>
           <a:p>
             <a:endParaRPr b="0" lang="en-US" sz="3200" spc="-1" strike="noStrike">
+              <a:solidFill>
+                <a:srgbClr val="ffffff"/>
+              </a:solidFill>
+              <a:uFill>
+                <a:solidFill>
+                  <a:srgbClr val="ffffff"/>
+                </a:solidFill>
+              </a:uFill>
               <a:latin typeface="Arial"/>
             </a:endParaRPr>
           </a:p>
@@ -5888,6 +7066,14 @@
           </a:bodyPr>
           <a:p>
             <a:endParaRPr b="0" lang="en-US" sz="3200" spc="-1" strike="noStrike">
+              <a:solidFill>
+                <a:srgbClr val="ffffff"/>
+              </a:solidFill>
+              <a:uFill>
+                <a:solidFill>
+                  <a:srgbClr val="ffffff"/>
+                </a:solidFill>
+              </a:uFill>
               <a:latin typeface="Arial"/>
             </a:endParaRPr>
           </a:p>
@@ -5918,6 +7104,14 @@
           </a:bodyPr>
           <a:p>
             <a:endParaRPr b="0" lang="en-US" sz="3200" spc="-1" strike="noStrike">
+              <a:solidFill>
+                <a:srgbClr val="ffffff"/>
+              </a:solidFill>
+              <a:uFill>
+                <a:solidFill>
+                  <a:srgbClr val="ffffff"/>
+                </a:solidFill>
+              </a:uFill>
               <a:latin typeface="Arial"/>
             </a:endParaRPr>
           </a:p>
@@ -5969,6 +7163,14 @@
           <a:p>
             <a:pPr algn="ctr"/>
             <a:endParaRPr b="0" lang="en-US" sz="4400" spc="-1" strike="noStrike">
+              <a:solidFill>
+                <a:srgbClr val="ffffff"/>
+              </a:solidFill>
+              <a:uFill>
+                <a:solidFill>
+                  <a:srgbClr val="ffffff"/>
+                </a:solidFill>
+              </a:uFill>
               <a:latin typeface="Arial"/>
             </a:endParaRPr>
           </a:p>
@@ -5999,6 +7201,14 @@
           </a:bodyPr>
           <a:p>
             <a:endParaRPr b="0" lang="en-US" sz="3200" spc="-1" strike="noStrike">
+              <a:solidFill>
+                <a:srgbClr val="ffffff"/>
+              </a:solidFill>
+              <a:uFill>
+                <a:solidFill>
+                  <a:srgbClr val="ffffff"/>
+                </a:solidFill>
+              </a:uFill>
               <a:latin typeface="Arial"/>
             </a:endParaRPr>
           </a:p>
@@ -6029,6 +7239,14 @@
           </a:bodyPr>
           <a:p>
             <a:endParaRPr b="0" lang="en-US" sz="3200" spc="-1" strike="noStrike">
+              <a:solidFill>
+                <a:srgbClr val="ffffff"/>
+              </a:solidFill>
+              <a:uFill>
+                <a:solidFill>
+                  <a:srgbClr val="ffffff"/>
+                </a:solidFill>
+              </a:uFill>
               <a:latin typeface="Arial"/>
             </a:endParaRPr>
           </a:p>
@@ -6059,6 +7277,14 @@
           </a:bodyPr>
           <a:p>
             <a:endParaRPr b="0" lang="en-US" sz="3200" spc="-1" strike="noStrike">
+              <a:solidFill>
+                <a:srgbClr val="ffffff"/>
+              </a:solidFill>
+              <a:uFill>
+                <a:solidFill>
+                  <a:srgbClr val="ffffff"/>
+                </a:solidFill>
+              </a:uFill>
               <a:latin typeface="Arial"/>
             </a:endParaRPr>
           </a:p>
@@ -6110,6 +7336,14 @@
           <a:p>
             <a:pPr algn="ctr"/>
             <a:endParaRPr b="0" lang="en-US" sz="4400" spc="-1" strike="noStrike">
+              <a:solidFill>
+                <a:srgbClr val="ffffff"/>
+              </a:solidFill>
+              <a:uFill>
+                <a:solidFill>
+                  <a:srgbClr val="ffffff"/>
+                </a:solidFill>
+              </a:uFill>
               <a:latin typeface="Arial"/>
             </a:endParaRPr>
           </a:p>
@@ -6140,6 +7374,14 @@
           </a:bodyPr>
           <a:p>
             <a:endParaRPr b="0" lang="en-US" sz="3200" spc="-1" strike="noStrike">
+              <a:solidFill>
+                <a:srgbClr val="ffffff"/>
+              </a:solidFill>
+              <a:uFill>
+                <a:solidFill>
+                  <a:srgbClr val="ffffff"/>
+                </a:solidFill>
+              </a:uFill>
               <a:latin typeface="Arial"/>
             </a:endParaRPr>
           </a:p>
@@ -6170,6 +7412,14 @@
           </a:bodyPr>
           <a:p>
             <a:endParaRPr b="0" lang="en-US" sz="3200" spc="-1" strike="noStrike">
+              <a:solidFill>
+                <a:srgbClr val="ffffff"/>
+              </a:solidFill>
+              <a:uFill>
+                <a:solidFill>
+                  <a:srgbClr val="ffffff"/>
+                </a:solidFill>
+              </a:uFill>
               <a:latin typeface="Arial"/>
             </a:endParaRPr>
           </a:p>
@@ -6221,6 +7471,14 @@
           <a:p>
             <a:pPr algn="ctr"/>
             <a:endParaRPr b="0" lang="en-US" sz="4400" spc="-1" strike="noStrike">
+              <a:solidFill>
+                <a:srgbClr val="ffffff"/>
+              </a:solidFill>
+              <a:uFill>
+                <a:solidFill>
+                  <a:srgbClr val="ffffff"/>
+                </a:solidFill>
+              </a:uFill>
               <a:latin typeface="Arial"/>
             </a:endParaRPr>
           </a:p>
@@ -6251,6 +7509,14 @@
           </a:bodyPr>
           <a:p>
             <a:endParaRPr b="0" lang="en-US" sz="3200" spc="-1" strike="noStrike">
+              <a:solidFill>
+                <a:srgbClr val="ffffff"/>
+              </a:solidFill>
+              <a:uFill>
+                <a:solidFill>
+                  <a:srgbClr val="ffffff"/>
+                </a:solidFill>
+              </a:uFill>
               <a:latin typeface="Arial"/>
             </a:endParaRPr>
           </a:p>
@@ -6281,6 +7547,14 @@
           </a:bodyPr>
           <a:p>
             <a:endParaRPr b="0" lang="en-US" sz="3200" spc="-1" strike="noStrike">
+              <a:solidFill>
+                <a:srgbClr val="ffffff"/>
+              </a:solidFill>
+              <a:uFill>
+                <a:solidFill>
+                  <a:srgbClr val="ffffff"/>
+                </a:solidFill>
+              </a:uFill>
               <a:latin typeface="Arial"/>
             </a:endParaRPr>
           </a:p>
@@ -6311,6 +7585,14 @@
           </a:bodyPr>
           <a:p>
             <a:endParaRPr b="0" lang="en-US" sz="3200" spc="-1" strike="noStrike">
+              <a:solidFill>
+                <a:srgbClr val="ffffff"/>
+              </a:solidFill>
+              <a:uFill>
+                <a:solidFill>
+                  <a:srgbClr val="ffffff"/>
+                </a:solidFill>
+              </a:uFill>
               <a:latin typeface="Arial"/>
             </a:endParaRPr>
           </a:p>
@@ -6341,6 +7623,14 @@
           </a:bodyPr>
           <a:p>
             <a:endParaRPr b="0" lang="en-US" sz="3200" spc="-1" strike="noStrike">
+              <a:solidFill>
+                <a:srgbClr val="ffffff"/>
+              </a:solidFill>
+              <a:uFill>
+                <a:solidFill>
+                  <a:srgbClr val="ffffff"/>
+                </a:solidFill>
+              </a:uFill>
               <a:latin typeface="Arial"/>
             </a:endParaRPr>
           </a:p>
@@ -6392,6 +7682,14 @@
           <a:p>
             <a:pPr algn="ctr"/>
             <a:endParaRPr b="0" lang="en-US" sz="3200" spc="-1" strike="noStrike">
+              <a:solidFill>
+                <a:srgbClr val="ffffff"/>
+              </a:solidFill>
+              <a:uFill>
+                <a:solidFill>
+                  <a:srgbClr val="ffffff"/>
+                </a:solidFill>
+              </a:uFill>
               <a:latin typeface="Arial"/>
             </a:endParaRPr>
           </a:p>
@@ -6443,6 +7741,14 @@
           <a:p>
             <a:pPr algn="ctr"/>
             <a:endParaRPr b="0" lang="en-US" sz="4400" spc="-1" strike="noStrike">
+              <a:solidFill>
+                <a:srgbClr val="ffffff"/>
+              </a:solidFill>
+              <a:uFill>
+                <a:solidFill>
+                  <a:srgbClr val="ffffff"/>
+                </a:solidFill>
+              </a:uFill>
               <a:latin typeface="Arial"/>
             </a:endParaRPr>
           </a:p>
@@ -6473,6 +7779,14 @@
           </a:bodyPr>
           <a:p>
             <a:endParaRPr b="0" lang="en-US" sz="3200" spc="-1" strike="noStrike">
+              <a:solidFill>
+                <a:srgbClr val="ffffff"/>
+              </a:solidFill>
+              <a:uFill>
+                <a:solidFill>
+                  <a:srgbClr val="ffffff"/>
+                </a:solidFill>
+              </a:uFill>
               <a:latin typeface="Arial"/>
             </a:endParaRPr>
           </a:p>
@@ -6503,6 +7817,14 @@
           </a:bodyPr>
           <a:p>
             <a:endParaRPr b="0" lang="en-US" sz="3200" spc="-1" strike="noStrike">
+              <a:solidFill>
+                <a:srgbClr val="ffffff"/>
+              </a:solidFill>
+              <a:uFill>
+                <a:solidFill>
+                  <a:srgbClr val="ffffff"/>
+                </a:solidFill>
+              </a:uFill>
               <a:latin typeface="Arial"/>
             </a:endParaRPr>
           </a:p>
@@ -6533,6 +7855,14 @@
           </a:bodyPr>
           <a:p>
             <a:endParaRPr b="0" lang="en-US" sz="3200" spc="-1" strike="noStrike">
+              <a:solidFill>
+                <a:srgbClr val="ffffff"/>
+              </a:solidFill>
+              <a:uFill>
+                <a:solidFill>
+                  <a:srgbClr val="ffffff"/>
+                </a:solidFill>
+              </a:uFill>
               <a:latin typeface="Arial"/>
             </a:endParaRPr>
           </a:p>
@@ -6563,6 +7893,14 @@
           </a:bodyPr>
           <a:p>
             <a:endParaRPr b="0" lang="en-US" sz="3200" spc="-1" strike="noStrike">
+              <a:solidFill>
+                <a:srgbClr val="ffffff"/>
+              </a:solidFill>
+              <a:uFill>
+                <a:solidFill>
+                  <a:srgbClr val="ffffff"/>
+                </a:solidFill>
+              </a:uFill>
               <a:latin typeface="Arial"/>
             </a:endParaRPr>
           </a:p>
@@ -6593,6 +7931,14 @@
           </a:bodyPr>
           <a:p>
             <a:endParaRPr b="0" lang="en-US" sz="3200" spc="-1" strike="noStrike">
+              <a:solidFill>
+                <a:srgbClr val="ffffff"/>
+              </a:solidFill>
+              <a:uFill>
+                <a:solidFill>
+                  <a:srgbClr val="ffffff"/>
+                </a:solidFill>
+              </a:uFill>
               <a:latin typeface="Arial"/>
             </a:endParaRPr>
           </a:p>
@@ -6623,6 +7969,14 @@
           </a:bodyPr>
           <a:p>
             <a:endParaRPr b="0" lang="en-US" sz="3200" spc="-1" strike="noStrike">
+              <a:solidFill>
+                <a:srgbClr val="ffffff"/>
+              </a:solidFill>
+              <a:uFill>
+                <a:solidFill>
+                  <a:srgbClr val="ffffff"/>
+                </a:solidFill>
+              </a:uFill>
               <a:latin typeface="Arial"/>
             </a:endParaRPr>
           </a:p>
@@ -6696,6 +8050,14 @@
           <a:p>
             <a:pPr algn="ctr"/>
             <a:endParaRPr b="0" lang="en-US" sz="4400" spc="-1" strike="noStrike">
+              <a:solidFill>
+                <a:srgbClr val="ffffff"/>
+              </a:solidFill>
+              <a:uFill>
+                <a:solidFill>
+                  <a:srgbClr val="ffffff"/>
+                </a:solidFill>
+              </a:uFill>
               <a:latin typeface="Arial"/>
             </a:endParaRPr>
           </a:p>
@@ -6725,6 +8087,14 @@
           <a:p>
             <a:pPr algn="ctr"/>
             <a:endParaRPr b="0" lang="en-US" sz="3200" spc="-1" strike="noStrike">
+              <a:solidFill>
+                <a:srgbClr val="ffffff"/>
+              </a:solidFill>
+              <a:uFill>
+                <a:solidFill>
+                  <a:srgbClr val="ffffff"/>
+                </a:solidFill>
+              </a:uFill>
               <a:latin typeface="Arial"/>
             </a:endParaRPr>
           </a:p>
@@ -6776,6 +8146,14 @@
           <a:p>
             <a:pPr algn="ctr"/>
             <a:endParaRPr b="0" lang="en-US" sz="4400" spc="-1" strike="noStrike">
+              <a:solidFill>
+                <a:srgbClr val="ffffff"/>
+              </a:solidFill>
+              <a:uFill>
+                <a:solidFill>
+                  <a:srgbClr val="ffffff"/>
+                </a:solidFill>
+              </a:uFill>
               <a:latin typeface="Arial"/>
             </a:endParaRPr>
           </a:p>
@@ -6806,6 +8184,14 @@
           </a:bodyPr>
           <a:p>
             <a:endParaRPr b="0" lang="en-US" sz="3200" spc="-1" strike="noStrike">
+              <a:solidFill>
+                <a:srgbClr val="ffffff"/>
+              </a:solidFill>
+              <a:uFill>
+                <a:solidFill>
+                  <a:srgbClr val="ffffff"/>
+                </a:solidFill>
+              </a:uFill>
               <a:latin typeface="Arial"/>
             </a:endParaRPr>
           </a:p>
@@ -6857,6 +8243,14 @@
           <a:p>
             <a:pPr algn="ctr"/>
             <a:endParaRPr b="0" lang="en-US" sz="4400" spc="-1" strike="noStrike">
+              <a:solidFill>
+                <a:srgbClr val="ffffff"/>
+              </a:solidFill>
+              <a:uFill>
+                <a:solidFill>
+                  <a:srgbClr val="ffffff"/>
+                </a:solidFill>
+              </a:uFill>
               <a:latin typeface="Arial"/>
             </a:endParaRPr>
           </a:p>
@@ -6887,6 +8281,14 @@
           </a:bodyPr>
           <a:p>
             <a:endParaRPr b="0" lang="en-US" sz="3200" spc="-1" strike="noStrike">
+              <a:solidFill>
+                <a:srgbClr val="ffffff"/>
+              </a:solidFill>
+              <a:uFill>
+                <a:solidFill>
+                  <a:srgbClr val="ffffff"/>
+                </a:solidFill>
+              </a:uFill>
               <a:latin typeface="Arial"/>
             </a:endParaRPr>
           </a:p>
@@ -6917,6 +8319,14 @@
           </a:bodyPr>
           <a:p>
             <a:endParaRPr b="0" lang="en-US" sz="3200" spc="-1" strike="noStrike">
+              <a:solidFill>
+                <a:srgbClr val="ffffff"/>
+              </a:solidFill>
+              <a:uFill>
+                <a:solidFill>
+                  <a:srgbClr val="ffffff"/>
+                </a:solidFill>
+              </a:uFill>
               <a:latin typeface="Arial"/>
             </a:endParaRPr>
           </a:p>
@@ -6968,6 +8378,14 @@
           <a:p>
             <a:pPr algn="ctr"/>
             <a:endParaRPr b="0" lang="en-US" sz="4400" spc="-1" strike="noStrike">
+              <a:solidFill>
+                <a:srgbClr val="ffffff"/>
+              </a:solidFill>
+              <a:uFill>
+                <a:solidFill>
+                  <a:srgbClr val="ffffff"/>
+                </a:solidFill>
+              </a:uFill>
               <a:latin typeface="Arial"/>
             </a:endParaRPr>
           </a:p>
@@ -7019,6 +8437,14 @@
           <a:p>
             <a:pPr algn="ctr"/>
             <a:endParaRPr b="0" lang="en-US" sz="3200" spc="-1" strike="noStrike">
+              <a:solidFill>
+                <a:srgbClr val="ffffff"/>
+              </a:solidFill>
+              <a:uFill>
+                <a:solidFill>
+                  <a:srgbClr val="ffffff"/>
+                </a:solidFill>
+              </a:uFill>
               <a:latin typeface="Arial"/>
             </a:endParaRPr>
           </a:p>
@@ -7070,6 +8496,14 @@
           <a:p>
             <a:pPr algn="ctr"/>
             <a:endParaRPr b="0" lang="en-US" sz="4400" spc="-1" strike="noStrike">
+              <a:solidFill>
+                <a:srgbClr val="ffffff"/>
+              </a:solidFill>
+              <a:uFill>
+                <a:solidFill>
+                  <a:srgbClr val="ffffff"/>
+                </a:solidFill>
+              </a:uFill>
               <a:latin typeface="Arial"/>
             </a:endParaRPr>
           </a:p>
@@ -7100,6 +8534,14 @@
           </a:bodyPr>
           <a:p>
             <a:endParaRPr b="0" lang="en-US" sz="3200" spc="-1" strike="noStrike">
+              <a:solidFill>
+                <a:srgbClr val="ffffff"/>
+              </a:solidFill>
+              <a:uFill>
+                <a:solidFill>
+                  <a:srgbClr val="ffffff"/>
+                </a:solidFill>
+              </a:uFill>
               <a:latin typeface="Arial"/>
             </a:endParaRPr>
           </a:p>
@@ -7130,6 +8572,14 @@
           </a:bodyPr>
           <a:p>
             <a:endParaRPr b="0" lang="en-US" sz="3200" spc="-1" strike="noStrike">
+              <a:solidFill>
+                <a:srgbClr val="ffffff"/>
+              </a:solidFill>
+              <a:uFill>
+                <a:solidFill>
+                  <a:srgbClr val="ffffff"/>
+                </a:solidFill>
+              </a:uFill>
               <a:latin typeface="Arial"/>
             </a:endParaRPr>
           </a:p>
@@ -7160,6 +8610,14 @@
           </a:bodyPr>
           <a:p>
             <a:endParaRPr b="0" lang="en-US" sz="3200" spc="-1" strike="noStrike">
+              <a:solidFill>
+                <a:srgbClr val="ffffff"/>
+              </a:solidFill>
+              <a:uFill>
+                <a:solidFill>
+                  <a:srgbClr val="ffffff"/>
+                </a:solidFill>
+              </a:uFill>
               <a:latin typeface="Arial"/>
             </a:endParaRPr>
           </a:p>
@@ -7211,6 +8669,14 @@
           <a:p>
             <a:pPr algn="ctr"/>
             <a:endParaRPr b="0" lang="en-US" sz="4400" spc="-1" strike="noStrike">
+              <a:solidFill>
+                <a:srgbClr val="ffffff"/>
+              </a:solidFill>
+              <a:uFill>
+                <a:solidFill>
+                  <a:srgbClr val="ffffff"/>
+                </a:solidFill>
+              </a:uFill>
               <a:latin typeface="Arial"/>
             </a:endParaRPr>
           </a:p>
@@ -7241,6 +8707,14 @@
           </a:bodyPr>
           <a:p>
             <a:endParaRPr b="0" lang="en-US" sz="3200" spc="-1" strike="noStrike">
+              <a:solidFill>
+                <a:srgbClr val="ffffff"/>
+              </a:solidFill>
+              <a:uFill>
+                <a:solidFill>
+                  <a:srgbClr val="ffffff"/>
+                </a:solidFill>
+              </a:uFill>
               <a:latin typeface="Arial"/>
             </a:endParaRPr>
           </a:p>
@@ -7271,6 +8745,14 @@
           </a:bodyPr>
           <a:p>
             <a:endParaRPr b="0" lang="en-US" sz="3200" spc="-1" strike="noStrike">
+              <a:solidFill>
+                <a:srgbClr val="ffffff"/>
+              </a:solidFill>
+              <a:uFill>
+                <a:solidFill>
+                  <a:srgbClr val="ffffff"/>
+                </a:solidFill>
+              </a:uFill>
               <a:latin typeface="Arial"/>
             </a:endParaRPr>
           </a:p>
@@ -7301,6 +8783,14 @@
           </a:bodyPr>
           <a:p>
             <a:endParaRPr b="0" lang="en-US" sz="3200" spc="-1" strike="noStrike">
+              <a:solidFill>
+                <a:srgbClr val="ffffff"/>
+              </a:solidFill>
+              <a:uFill>
+                <a:solidFill>
+                  <a:srgbClr val="ffffff"/>
+                </a:solidFill>
+              </a:uFill>
               <a:latin typeface="Arial"/>
             </a:endParaRPr>
           </a:p>
@@ -7352,6 +8842,14 @@
           <a:p>
             <a:pPr algn="ctr"/>
             <a:endParaRPr b="0" lang="en-US" sz="4400" spc="-1" strike="noStrike">
+              <a:solidFill>
+                <a:srgbClr val="ffffff"/>
+              </a:solidFill>
+              <a:uFill>
+                <a:solidFill>
+                  <a:srgbClr val="ffffff"/>
+                </a:solidFill>
+              </a:uFill>
               <a:latin typeface="Arial"/>
             </a:endParaRPr>
           </a:p>
@@ -7382,6 +8880,14 @@
           </a:bodyPr>
           <a:p>
             <a:endParaRPr b="0" lang="en-US" sz="3200" spc="-1" strike="noStrike">
+              <a:solidFill>
+                <a:srgbClr val="ffffff"/>
+              </a:solidFill>
+              <a:uFill>
+                <a:solidFill>
+                  <a:srgbClr val="ffffff"/>
+                </a:solidFill>
+              </a:uFill>
               <a:latin typeface="Arial"/>
             </a:endParaRPr>
           </a:p>
@@ -7412,6 +8918,14 @@
           </a:bodyPr>
           <a:p>
             <a:endParaRPr b="0" lang="en-US" sz="3200" spc="-1" strike="noStrike">
+              <a:solidFill>
+                <a:srgbClr val="ffffff"/>
+              </a:solidFill>
+              <a:uFill>
+                <a:solidFill>
+                  <a:srgbClr val="ffffff"/>
+                </a:solidFill>
+              </a:uFill>
               <a:latin typeface="Arial"/>
             </a:endParaRPr>
           </a:p>
@@ -7442,6 +8956,14 @@
           </a:bodyPr>
           <a:p>
             <a:endParaRPr b="0" lang="en-US" sz="3200" spc="-1" strike="noStrike">
+              <a:solidFill>
+                <a:srgbClr val="ffffff"/>
+              </a:solidFill>
+              <a:uFill>
+                <a:solidFill>
+                  <a:srgbClr val="ffffff"/>
+                </a:solidFill>
+              </a:uFill>
               <a:latin typeface="Arial"/>
             </a:endParaRPr>
           </a:p>
@@ -7493,6 +9015,14 @@
           <a:p>
             <a:pPr algn="ctr"/>
             <a:endParaRPr b="0" lang="en-US" sz="4400" spc="-1" strike="noStrike">
+              <a:solidFill>
+                <a:srgbClr val="ffffff"/>
+              </a:solidFill>
+              <a:uFill>
+                <a:solidFill>
+                  <a:srgbClr val="ffffff"/>
+                </a:solidFill>
+              </a:uFill>
               <a:latin typeface="Arial"/>
             </a:endParaRPr>
           </a:p>
@@ -7523,6 +9053,14 @@
           </a:bodyPr>
           <a:p>
             <a:endParaRPr b="0" lang="en-US" sz="3200" spc="-1" strike="noStrike">
+              <a:solidFill>
+                <a:srgbClr val="ffffff"/>
+              </a:solidFill>
+              <a:uFill>
+                <a:solidFill>
+                  <a:srgbClr val="ffffff"/>
+                </a:solidFill>
+              </a:uFill>
               <a:latin typeface="Arial"/>
             </a:endParaRPr>
           </a:p>
@@ -7553,6 +9091,14 @@
           </a:bodyPr>
           <a:p>
             <a:endParaRPr b="0" lang="en-US" sz="3200" spc="-1" strike="noStrike">
+              <a:solidFill>
+                <a:srgbClr val="ffffff"/>
+              </a:solidFill>
+              <a:uFill>
+                <a:solidFill>
+                  <a:srgbClr val="ffffff"/>
+                </a:solidFill>
+              </a:uFill>
               <a:latin typeface="Arial"/>
             </a:endParaRPr>
           </a:p>
@@ -7583,6 +9129,14 @@
           </a:bodyPr>
           <a:p>
             <a:endParaRPr b="0" lang="en-US" sz="3200" spc="-1" strike="noStrike">
+              <a:solidFill>
+                <a:srgbClr val="ffffff"/>
+              </a:solidFill>
+              <a:uFill>
+                <a:solidFill>
+                  <a:srgbClr val="ffffff"/>
+                </a:solidFill>
+              </a:uFill>
               <a:latin typeface="Arial"/>
             </a:endParaRPr>
           </a:p>
@@ -7634,6 +9188,14 @@
           <a:p>
             <a:pPr algn="ctr"/>
             <a:endParaRPr b="0" lang="en-US" sz="4400" spc="-1" strike="noStrike">
+              <a:solidFill>
+                <a:srgbClr val="ffffff"/>
+              </a:solidFill>
+              <a:uFill>
+                <a:solidFill>
+                  <a:srgbClr val="ffffff"/>
+                </a:solidFill>
+              </a:uFill>
               <a:latin typeface="Arial"/>
             </a:endParaRPr>
           </a:p>
@@ -7664,6 +9226,14 @@
           </a:bodyPr>
           <a:p>
             <a:endParaRPr b="0" lang="en-US" sz="3200" spc="-1" strike="noStrike">
+              <a:solidFill>
+                <a:srgbClr val="ffffff"/>
+              </a:solidFill>
+              <a:uFill>
+                <a:solidFill>
+                  <a:srgbClr val="ffffff"/>
+                </a:solidFill>
+              </a:uFill>
               <a:latin typeface="Arial"/>
             </a:endParaRPr>
           </a:p>
@@ -7694,6 +9264,14 @@
           </a:bodyPr>
           <a:p>
             <a:endParaRPr b="0" lang="en-US" sz="3200" spc="-1" strike="noStrike">
+              <a:solidFill>
+                <a:srgbClr val="ffffff"/>
+              </a:solidFill>
+              <a:uFill>
+                <a:solidFill>
+                  <a:srgbClr val="ffffff"/>
+                </a:solidFill>
+              </a:uFill>
               <a:latin typeface="Arial"/>
             </a:endParaRPr>
           </a:p>
@@ -7745,6 +9323,14 @@
           <a:p>
             <a:pPr algn="ctr"/>
             <a:endParaRPr b="0" lang="en-US" sz="4400" spc="-1" strike="noStrike">
+              <a:solidFill>
+                <a:srgbClr val="ffffff"/>
+              </a:solidFill>
+              <a:uFill>
+                <a:solidFill>
+                  <a:srgbClr val="ffffff"/>
+                </a:solidFill>
+              </a:uFill>
               <a:latin typeface="Arial"/>
             </a:endParaRPr>
           </a:p>
@@ -7775,6 +9361,14 @@
           </a:bodyPr>
           <a:p>
             <a:endParaRPr b="0" lang="en-US" sz="3200" spc="-1" strike="noStrike">
+              <a:solidFill>
+                <a:srgbClr val="ffffff"/>
+              </a:solidFill>
+              <a:uFill>
+                <a:solidFill>
+                  <a:srgbClr val="ffffff"/>
+                </a:solidFill>
+              </a:uFill>
               <a:latin typeface="Arial"/>
             </a:endParaRPr>
           </a:p>
@@ -7805,6 +9399,14 @@
           </a:bodyPr>
           <a:p>
             <a:endParaRPr b="0" lang="en-US" sz="3200" spc="-1" strike="noStrike">
+              <a:solidFill>
+                <a:srgbClr val="ffffff"/>
+              </a:solidFill>
+              <a:uFill>
+                <a:solidFill>
+                  <a:srgbClr val="ffffff"/>
+                </a:solidFill>
+              </a:uFill>
               <a:latin typeface="Arial"/>
             </a:endParaRPr>
           </a:p>
@@ -7835,6 +9437,14 @@
           </a:bodyPr>
           <a:p>
             <a:endParaRPr b="0" lang="en-US" sz="3200" spc="-1" strike="noStrike">
+              <a:solidFill>
+                <a:srgbClr val="ffffff"/>
+              </a:solidFill>
+              <a:uFill>
+                <a:solidFill>
+                  <a:srgbClr val="ffffff"/>
+                </a:solidFill>
+              </a:uFill>
               <a:latin typeface="Arial"/>
             </a:endParaRPr>
           </a:p>
@@ -7865,6 +9475,14 @@
           </a:bodyPr>
           <a:p>
             <a:endParaRPr b="0" lang="en-US" sz="3200" spc="-1" strike="noStrike">
+              <a:solidFill>
+                <a:srgbClr val="ffffff"/>
+              </a:solidFill>
+              <a:uFill>
+                <a:solidFill>
+                  <a:srgbClr val="ffffff"/>
+                </a:solidFill>
+              </a:uFill>
               <a:latin typeface="Arial"/>
             </a:endParaRPr>
           </a:p>
@@ -7916,6 +9534,14 @@
           <a:p>
             <a:pPr algn="ctr"/>
             <a:endParaRPr b="0" lang="en-US" sz="4400" spc="-1" strike="noStrike">
+              <a:solidFill>
+                <a:srgbClr val="ffffff"/>
+              </a:solidFill>
+              <a:uFill>
+                <a:solidFill>
+                  <a:srgbClr val="ffffff"/>
+                </a:solidFill>
+              </a:uFill>
               <a:latin typeface="Arial"/>
             </a:endParaRPr>
           </a:p>
@@ -7946,6 +9572,14 @@
           </a:bodyPr>
           <a:p>
             <a:endParaRPr b="0" lang="en-US" sz="3200" spc="-1" strike="noStrike">
+              <a:solidFill>
+                <a:srgbClr val="ffffff"/>
+              </a:solidFill>
+              <a:uFill>
+                <a:solidFill>
+                  <a:srgbClr val="ffffff"/>
+                </a:solidFill>
+              </a:uFill>
               <a:latin typeface="Arial"/>
             </a:endParaRPr>
           </a:p>
@@ -7976,6 +9610,14 @@
           </a:bodyPr>
           <a:p>
             <a:endParaRPr b="0" lang="en-US" sz="3200" spc="-1" strike="noStrike">
+              <a:solidFill>
+                <a:srgbClr val="ffffff"/>
+              </a:solidFill>
+              <a:uFill>
+                <a:solidFill>
+                  <a:srgbClr val="ffffff"/>
+                </a:solidFill>
+              </a:uFill>
               <a:latin typeface="Arial"/>
             </a:endParaRPr>
           </a:p>
@@ -8006,6 +9648,14 @@
           </a:bodyPr>
           <a:p>
             <a:endParaRPr b="0" lang="en-US" sz="3200" spc="-1" strike="noStrike">
+              <a:solidFill>
+                <a:srgbClr val="ffffff"/>
+              </a:solidFill>
+              <a:uFill>
+                <a:solidFill>
+                  <a:srgbClr val="ffffff"/>
+                </a:solidFill>
+              </a:uFill>
               <a:latin typeface="Arial"/>
             </a:endParaRPr>
           </a:p>
@@ -8036,6 +9686,14 @@
           </a:bodyPr>
           <a:p>
             <a:endParaRPr b="0" lang="en-US" sz="3200" spc="-1" strike="noStrike">
+              <a:solidFill>
+                <a:srgbClr val="ffffff"/>
+              </a:solidFill>
+              <a:uFill>
+                <a:solidFill>
+                  <a:srgbClr val="ffffff"/>
+                </a:solidFill>
+              </a:uFill>
               <a:latin typeface="Arial"/>
             </a:endParaRPr>
           </a:p>
@@ -8066,6 +9724,14 @@
           </a:bodyPr>
           <a:p>
             <a:endParaRPr b="0" lang="en-US" sz="3200" spc="-1" strike="noStrike">
+              <a:solidFill>
+                <a:srgbClr val="ffffff"/>
+              </a:solidFill>
+              <a:uFill>
+                <a:solidFill>
+                  <a:srgbClr val="ffffff"/>
+                </a:solidFill>
+              </a:uFill>
               <a:latin typeface="Arial"/>
             </a:endParaRPr>
           </a:p>
@@ -8096,6 +9762,14 @@
           </a:bodyPr>
           <a:p>
             <a:endParaRPr b="0" lang="en-US" sz="3200" spc="-1" strike="noStrike">
+              <a:solidFill>
+                <a:srgbClr val="ffffff"/>
+              </a:solidFill>
+              <a:uFill>
+                <a:solidFill>
+                  <a:srgbClr val="ffffff"/>
+                </a:solidFill>
+              </a:uFill>
               <a:latin typeface="Arial"/>
             </a:endParaRPr>
           </a:p>
@@ -8147,6 +9821,14 @@
           <a:p>
             <a:pPr algn="ctr"/>
             <a:endParaRPr b="0" lang="en-US" sz="4400" spc="-1" strike="noStrike">
+              <a:solidFill>
+                <a:srgbClr val="ffffff"/>
+              </a:solidFill>
+              <a:uFill>
+                <a:solidFill>
+                  <a:srgbClr val="ffffff"/>
+                </a:solidFill>
+              </a:uFill>
               <a:latin typeface="Arial"/>
             </a:endParaRPr>
           </a:p>
@@ -8177,6 +9859,14 @@
           </a:bodyPr>
           <a:p>
             <a:endParaRPr b="0" lang="en-US" sz="3200" spc="-1" strike="noStrike">
+              <a:solidFill>
+                <a:srgbClr val="ffffff"/>
+              </a:solidFill>
+              <a:uFill>
+                <a:solidFill>
+                  <a:srgbClr val="ffffff"/>
+                </a:solidFill>
+              </a:uFill>
               <a:latin typeface="Arial"/>
             </a:endParaRPr>
           </a:p>
@@ -8207,6 +9897,14 @@
           </a:bodyPr>
           <a:p>
             <a:endParaRPr b="0" lang="en-US" sz="3200" spc="-1" strike="noStrike">
+              <a:solidFill>
+                <a:srgbClr val="ffffff"/>
+              </a:solidFill>
+              <a:uFill>
+                <a:solidFill>
+                  <a:srgbClr val="ffffff"/>
+                </a:solidFill>
+              </a:uFill>
               <a:latin typeface="Arial"/>
             </a:endParaRPr>
           </a:p>
@@ -8237,6 +9935,14 @@
           </a:bodyPr>
           <a:p>
             <a:endParaRPr b="0" lang="en-US" sz="3200" spc="-1" strike="noStrike">
+              <a:solidFill>
+                <a:srgbClr val="ffffff"/>
+              </a:solidFill>
+              <a:uFill>
+                <a:solidFill>
+                  <a:srgbClr val="ffffff"/>
+                </a:solidFill>
+              </a:uFill>
               <a:latin typeface="Arial"/>
             </a:endParaRPr>
           </a:p>
@@ -8288,6 +9994,14 @@
           <a:p>
             <a:pPr algn="ctr"/>
             <a:endParaRPr b="0" lang="en-US" sz="4400" spc="-1" strike="noStrike">
+              <a:solidFill>
+                <a:srgbClr val="ffffff"/>
+              </a:solidFill>
+              <a:uFill>
+                <a:solidFill>
+                  <a:srgbClr val="ffffff"/>
+                </a:solidFill>
+              </a:uFill>
               <a:latin typeface="Arial"/>
             </a:endParaRPr>
           </a:p>
@@ -8318,6 +10032,14 @@
           </a:bodyPr>
           <a:p>
             <a:endParaRPr b="0" lang="en-US" sz="3200" spc="-1" strike="noStrike">
+              <a:solidFill>
+                <a:srgbClr val="ffffff"/>
+              </a:solidFill>
+              <a:uFill>
+                <a:solidFill>
+                  <a:srgbClr val="ffffff"/>
+                </a:solidFill>
+              </a:uFill>
               <a:latin typeface="Arial"/>
             </a:endParaRPr>
           </a:p>
@@ -8348,6 +10070,14 @@
           </a:bodyPr>
           <a:p>
             <a:endParaRPr b="0" lang="en-US" sz="3200" spc="-1" strike="noStrike">
+              <a:solidFill>
+                <a:srgbClr val="ffffff"/>
+              </a:solidFill>
+              <a:uFill>
+                <a:solidFill>
+                  <a:srgbClr val="ffffff"/>
+                </a:solidFill>
+              </a:uFill>
               <a:latin typeface="Arial"/>
             </a:endParaRPr>
           </a:p>
@@ -8378,6 +10108,14 @@
           </a:bodyPr>
           <a:p>
             <a:endParaRPr b="0" lang="en-US" sz="3200" spc="-1" strike="noStrike">
+              <a:solidFill>
+                <a:srgbClr val="ffffff"/>
+              </a:solidFill>
+              <a:uFill>
+                <a:solidFill>
+                  <a:srgbClr val="ffffff"/>
+                </a:solidFill>
+              </a:uFill>
               <a:latin typeface="Arial"/>
             </a:endParaRPr>
           </a:p>
@@ -8437,11 +10175,41 @@
             <a:pPr algn="ctr"/>
             <a:r>
               <a:rPr b="0" lang="en-US" sz="4400" spc="-1" strike="noStrike">
+                <a:solidFill>
+                  <a:srgbClr val="ffffff"/>
+                </a:solidFill>
+                <a:uFill>
+                  <a:solidFill>
+                    <a:srgbClr val="ffffff"/>
+                  </a:solidFill>
+                </a:uFill>
                 <a:latin typeface="Arial"/>
               </a:rPr>
-              <a:t>Click to edit the title text format</a:t>
+              <a:t>Click to edit the </a:t>
+            </a:r>
+            <a:r>
+              <a:rPr b="0" lang="en-US" sz="4400" spc="-1" strike="noStrike">
+                <a:solidFill>
+                  <a:srgbClr val="ffffff"/>
+                </a:solidFill>
+                <a:uFill>
+                  <a:solidFill>
+                    <a:srgbClr val="ffffff"/>
+                  </a:solidFill>
+                </a:uFill>
+                <a:latin typeface="Arial"/>
+              </a:rPr>
+              <a:t>title text format</a:t>
             </a:r>
             <a:endParaRPr b="0" lang="en-US" sz="4400" spc="-1" strike="noStrike">
+              <a:solidFill>
+                <a:srgbClr val="ffffff"/>
+              </a:solidFill>
+              <a:uFill>
+                <a:solidFill>
+                  <a:srgbClr val="ffffff"/>
+                </a:solidFill>
+              </a:uFill>
               <a:latin typeface="Arial"/>
             </a:endParaRPr>
           </a:p>
@@ -8484,11 +10252,27 @@
             </a:pPr>
             <a:r>
               <a:rPr b="0" lang="en-US" sz="3200" spc="-1" strike="noStrike">
+                <a:solidFill>
+                  <a:srgbClr val="ffffff"/>
+                </a:solidFill>
+                <a:uFill>
+                  <a:solidFill>
+                    <a:srgbClr val="ffffff"/>
+                  </a:solidFill>
+                </a:uFill>
                 <a:latin typeface="Arial"/>
               </a:rPr>
               <a:t>Click to edit the outline text format</a:t>
             </a:r>
             <a:endParaRPr b="0" lang="en-US" sz="3200" spc="-1" strike="noStrike">
+              <a:solidFill>
+                <a:srgbClr val="ffffff"/>
+              </a:solidFill>
+              <a:uFill>
+                <a:solidFill>
+                  <a:srgbClr val="ffffff"/>
+                </a:solidFill>
+              </a:uFill>
               <a:latin typeface="Arial"/>
             </a:endParaRPr>
           </a:p>
@@ -8506,11 +10290,27 @@
             </a:pPr>
             <a:r>
               <a:rPr b="0" lang="en-US" sz="2800" spc="-1" strike="noStrike">
+                <a:solidFill>
+                  <a:srgbClr val="ffffff"/>
+                </a:solidFill>
+                <a:uFill>
+                  <a:solidFill>
+                    <a:srgbClr val="ffffff"/>
+                  </a:solidFill>
+                </a:uFill>
                 <a:latin typeface="Arial"/>
               </a:rPr>
               <a:t>Second Outline Level</a:t>
             </a:r>
             <a:endParaRPr b="0" lang="en-US" sz="2800" spc="-1" strike="noStrike">
+              <a:solidFill>
+                <a:srgbClr val="ffffff"/>
+              </a:solidFill>
+              <a:uFill>
+                <a:solidFill>
+                  <a:srgbClr val="ffffff"/>
+                </a:solidFill>
+              </a:uFill>
               <a:latin typeface="Arial"/>
             </a:endParaRPr>
           </a:p>
@@ -8528,11 +10328,27 @@
             </a:pPr>
             <a:r>
               <a:rPr b="0" lang="en-US" sz="2400" spc="-1" strike="noStrike">
+                <a:solidFill>
+                  <a:srgbClr val="ffffff"/>
+                </a:solidFill>
+                <a:uFill>
+                  <a:solidFill>
+                    <a:srgbClr val="ffffff"/>
+                  </a:solidFill>
+                </a:uFill>
                 <a:latin typeface="Arial"/>
               </a:rPr>
               <a:t>Third Outline Level</a:t>
             </a:r>
             <a:endParaRPr b="0" lang="en-US" sz="2400" spc="-1" strike="noStrike">
+              <a:solidFill>
+                <a:srgbClr val="ffffff"/>
+              </a:solidFill>
+              <a:uFill>
+                <a:solidFill>
+                  <a:srgbClr val="ffffff"/>
+                </a:solidFill>
+              </a:uFill>
               <a:latin typeface="Arial"/>
             </a:endParaRPr>
           </a:p>
@@ -8550,11 +10366,27 @@
             </a:pPr>
             <a:r>
               <a:rPr b="0" lang="en-US" sz="2000" spc="-1" strike="noStrike">
+                <a:solidFill>
+                  <a:srgbClr val="ffffff"/>
+                </a:solidFill>
+                <a:uFill>
+                  <a:solidFill>
+                    <a:srgbClr val="ffffff"/>
+                  </a:solidFill>
+                </a:uFill>
                 <a:latin typeface="Arial"/>
               </a:rPr>
               <a:t>Fourth Outline Level</a:t>
             </a:r>
             <a:endParaRPr b="0" lang="en-US" sz="2000" spc="-1" strike="noStrike">
+              <a:solidFill>
+                <a:srgbClr val="ffffff"/>
+              </a:solidFill>
+              <a:uFill>
+                <a:solidFill>
+                  <a:srgbClr val="ffffff"/>
+                </a:solidFill>
+              </a:uFill>
               <a:latin typeface="Arial"/>
             </a:endParaRPr>
           </a:p>
@@ -8572,11 +10404,27 @@
             </a:pPr>
             <a:r>
               <a:rPr b="0" lang="en-US" sz="2000" spc="-1" strike="noStrike">
+                <a:solidFill>
+                  <a:srgbClr val="ffffff"/>
+                </a:solidFill>
+                <a:uFill>
+                  <a:solidFill>
+                    <a:srgbClr val="ffffff"/>
+                  </a:solidFill>
+                </a:uFill>
                 <a:latin typeface="Arial"/>
               </a:rPr>
               <a:t>Fifth Outline Level</a:t>
             </a:r>
             <a:endParaRPr b="0" lang="en-US" sz="2000" spc="-1" strike="noStrike">
+              <a:solidFill>
+                <a:srgbClr val="ffffff"/>
+              </a:solidFill>
+              <a:uFill>
+                <a:solidFill>
+                  <a:srgbClr val="ffffff"/>
+                </a:solidFill>
+              </a:uFill>
               <a:latin typeface="Arial"/>
             </a:endParaRPr>
           </a:p>
@@ -8594,11 +10442,27 @@
             </a:pPr>
             <a:r>
               <a:rPr b="0" lang="en-US" sz="2000" spc="-1" strike="noStrike">
+                <a:solidFill>
+                  <a:srgbClr val="ffffff"/>
+                </a:solidFill>
+                <a:uFill>
+                  <a:solidFill>
+                    <a:srgbClr val="ffffff"/>
+                  </a:solidFill>
+                </a:uFill>
                 <a:latin typeface="Arial"/>
               </a:rPr>
               <a:t>Sixth Outline Level</a:t>
             </a:r>
             <a:endParaRPr b="0" lang="en-US" sz="2000" spc="-1" strike="noStrike">
+              <a:solidFill>
+                <a:srgbClr val="ffffff"/>
+              </a:solidFill>
+              <a:uFill>
+                <a:solidFill>
+                  <a:srgbClr val="ffffff"/>
+                </a:solidFill>
+              </a:uFill>
               <a:latin typeface="Arial"/>
             </a:endParaRPr>
           </a:p>
@@ -8616,11 +10480,27 @@
             </a:pPr>
             <a:r>
               <a:rPr b="0" lang="en-US" sz="2000" spc="-1" strike="noStrike">
+                <a:solidFill>
+                  <a:srgbClr val="ffffff"/>
+                </a:solidFill>
+                <a:uFill>
+                  <a:solidFill>
+                    <a:srgbClr val="ffffff"/>
+                  </a:solidFill>
+                </a:uFill>
                 <a:latin typeface="Arial"/>
               </a:rPr>
               <a:t>Seventh Outline Level</a:t>
             </a:r>
             <a:endParaRPr b="0" lang="en-US" sz="2000" spc="-1" strike="noStrike">
+              <a:solidFill>
+                <a:srgbClr val="ffffff"/>
+              </a:solidFill>
+              <a:uFill>
+                <a:solidFill>
+                  <a:srgbClr val="ffffff"/>
+                </a:solidFill>
+              </a:uFill>
               <a:latin typeface="Arial"/>
             </a:endParaRPr>
           </a:p>
@@ -8678,8 +10558,8 @@
         </p:nvSpPr>
         <p:spPr>
           <a:xfrm rot="5400000">
-            <a:off x="8675640" y="123480"/>
-            <a:ext cx="256680" cy="253800"/>
+            <a:off x="8676000" y="123120"/>
+            <a:ext cx="256320" cy="253440"/>
           </a:xfrm>
           <a:prstGeom prst="roundRect">
             <a:avLst>
@@ -8717,7 +10597,7 @@
         <p:spPr>
           <a:xfrm>
             <a:off x="8531280" y="97560"/>
-            <a:ext cx="550440" cy="273240"/>
+            <a:ext cx="550080" cy="272880"/>
           </a:xfrm>
           <a:prstGeom prst="rect">
             <a:avLst/>
@@ -8741,17 +10621,30 @@
                 <a:spcPct val="100000"/>
               </a:lnSpc>
             </a:pPr>
-            <a:fld id="{4C887A64-1EDD-40FA-A893-1A6F6B0755CB}" type="slidenum">
+            <a:fld id="{4A37919C-1BD7-47EB-B200-47A4F3EC3ACC}" type="slidenum">
               <a:rPr b="0" lang="en-US" sz="1100" spc="-1" strike="noStrike">
                 <a:solidFill>
                   <a:srgbClr val="ffffff"/>
                 </a:solidFill>
+                <a:uFill>
+                  <a:solidFill>
+                    <a:srgbClr val="ffffff"/>
+                  </a:solidFill>
+                </a:uFill>
                 <a:latin typeface="Calibri"/>
                 <a:ea typeface="DejaVu Sans"/>
               </a:rPr>
               <a:t>&lt;number&gt;</a:t>
             </a:fld>
             <a:endParaRPr b="0" lang="en-US" sz="1100" spc="-1" strike="noStrike">
+              <a:solidFill>
+                <a:srgbClr val="ffffff"/>
+              </a:solidFill>
+              <a:uFill>
+                <a:solidFill>
+                  <a:srgbClr val="ffffff"/>
+                </a:solidFill>
+              </a:uFill>
               <a:latin typeface="Arial"/>
             </a:endParaRPr>
           </a:p>
@@ -8782,11 +10675,27 @@
             <a:pPr algn="ctr"/>
             <a:r>
               <a:rPr b="0" lang="en-US" sz="4400" spc="-1" strike="noStrike">
+                <a:solidFill>
+                  <a:srgbClr val="ffffff"/>
+                </a:solidFill>
+                <a:uFill>
+                  <a:solidFill>
+                    <a:srgbClr val="ffffff"/>
+                  </a:solidFill>
+                </a:uFill>
                 <a:latin typeface="Arial"/>
               </a:rPr>
               <a:t>Click to edit the title text format</a:t>
             </a:r>
             <a:endParaRPr b="0" lang="en-US" sz="4400" spc="-1" strike="noStrike">
+              <a:solidFill>
+                <a:srgbClr val="ffffff"/>
+              </a:solidFill>
+              <a:uFill>
+                <a:solidFill>
+                  <a:srgbClr val="ffffff"/>
+                </a:solidFill>
+              </a:uFill>
               <a:latin typeface="Arial"/>
             </a:endParaRPr>
           </a:p>
@@ -8829,11 +10738,27 @@
             </a:pPr>
             <a:r>
               <a:rPr b="0" lang="en-US" sz="3200" spc="-1" strike="noStrike">
+                <a:solidFill>
+                  <a:srgbClr val="ffffff"/>
+                </a:solidFill>
+                <a:uFill>
+                  <a:solidFill>
+                    <a:srgbClr val="ffffff"/>
+                  </a:solidFill>
+                </a:uFill>
                 <a:latin typeface="Arial"/>
               </a:rPr>
               <a:t>Click to edit the outline text format</a:t>
             </a:r>
             <a:endParaRPr b="0" lang="en-US" sz="3200" spc="-1" strike="noStrike">
+              <a:solidFill>
+                <a:srgbClr val="ffffff"/>
+              </a:solidFill>
+              <a:uFill>
+                <a:solidFill>
+                  <a:srgbClr val="ffffff"/>
+                </a:solidFill>
+              </a:uFill>
               <a:latin typeface="Arial"/>
             </a:endParaRPr>
           </a:p>
@@ -8851,11 +10776,27 @@
             </a:pPr>
             <a:r>
               <a:rPr b="0" lang="en-US" sz="2800" spc="-1" strike="noStrike">
+                <a:solidFill>
+                  <a:srgbClr val="ffffff"/>
+                </a:solidFill>
+                <a:uFill>
+                  <a:solidFill>
+                    <a:srgbClr val="ffffff"/>
+                  </a:solidFill>
+                </a:uFill>
                 <a:latin typeface="Arial"/>
               </a:rPr>
               <a:t>Second Outline Level</a:t>
             </a:r>
             <a:endParaRPr b="0" lang="en-US" sz="2800" spc="-1" strike="noStrike">
+              <a:solidFill>
+                <a:srgbClr val="ffffff"/>
+              </a:solidFill>
+              <a:uFill>
+                <a:solidFill>
+                  <a:srgbClr val="ffffff"/>
+                </a:solidFill>
+              </a:uFill>
               <a:latin typeface="Arial"/>
             </a:endParaRPr>
           </a:p>
@@ -8873,11 +10814,27 @@
             </a:pPr>
             <a:r>
               <a:rPr b="0" lang="en-US" sz="2400" spc="-1" strike="noStrike">
+                <a:solidFill>
+                  <a:srgbClr val="ffffff"/>
+                </a:solidFill>
+                <a:uFill>
+                  <a:solidFill>
+                    <a:srgbClr val="ffffff"/>
+                  </a:solidFill>
+                </a:uFill>
                 <a:latin typeface="Arial"/>
               </a:rPr>
               <a:t>Third Outline Level</a:t>
             </a:r>
             <a:endParaRPr b="0" lang="en-US" sz="2400" spc="-1" strike="noStrike">
+              <a:solidFill>
+                <a:srgbClr val="ffffff"/>
+              </a:solidFill>
+              <a:uFill>
+                <a:solidFill>
+                  <a:srgbClr val="ffffff"/>
+                </a:solidFill>
+              </a:uFill>
               <a:latin typeface="Arial"/>
             </a:endParaRPr>
           </a:p>
@@ -8895,11 +10852,27 @@
             </a:pPr>
             <a:r>
               <a:rPr b="0" lang="en-US" sz="2000" spc="-1" strike="noStrike">
+                <a:solidFill>
+                  <a:srgbClr val="ffffff"/>
+                </a:solidFill>
+                <a:uFill>
+                  <a:solidFill>
+                    <a:srgbClr val="ffffff"/>
+                  </a:solidFill>
+                </a:uFill>
                 <a:latin typeface="Arial"/>
               </a:rPr>
               <a:t>Fourth Outline Level</a:t>
             </a:r>
             <a:endParaRPr b="0" lang="en-US" sz="2000" spc="-1" strike="noStrike">
+              <a:solidFill>
+                <a:srgbClr val="ffffff"/>
+              </a:solidFill>
+              <a:uFill>
+                <a:solidFill>
+                  <a:srgbClr val="ffffff"/>
+                </a:solidFill>
+              </a:uFill>
               <a:latin typeface="Arial"/>
             </a:endParaRPr>
           </a:p>
@@ -8917,11 +10890,27 @@
             </a:pPr>
             <a:r>
               <a:rPr b="0" lang="en-US" sz="2000" spc="-1" strike="noStrike">
+                <a:solidFill>
+                  <a:srgbClr val="ffffff"/>
+                </a:solidFill>
+                <a:uFill>
+                  <a:solidFill>
+                    <a:srgbClr val="ffffff"/>
+                  </a:solidFill>
+                </a:uFill>
                 <a:latin typeface="Arial"/>
               </a:rPr>
               <a:t>Fifth Outline Level</a:t>
             </a:r>
             <a:endParaRPr b="0" lang="en-US" sz="2000" spc="-1" strike="noStrike">
+              <a:solidFill>
+                <a:srgbClr val="ffffff"/>
+              </a:solidFill>
+              <a:uFill>
+                <a:solidFill>
+                  <a:srgbClr val="ffffff"/>
+                </a:solidFill>
+              </a:uFill>
               <a:latin typeface="Arial"/>
             </a:endParaRPr>
           </a:p>
@@ -8939,11 +10928,27 @@
             </a:pPr>
             <a:r>
               <a:rPr b="0" lang="en-US" sz="2000" spc="-1" strike="noStrike">
+                <a:solidFill>
+                  <a:srgbClr val="ffffff"/>
+                </a:solidFill>
+                <a:uFill>
+                  <a:solidFill>
+                    <a:srgbClr val="ffffff"/>
+                  </a:solidFill>
+                </a:uFill>
                 <a:latin typeface="Arial"/>
               </a:rPr>
               <a:t>Sixth Outline Level</a:t>
             </a:r>
             <a:endParaRPr b="0" lang="en-US" sz="2000" spc="-1" strike="noStrike">
+              <a:solidFill>
+                <a:srgbClr val="ffffff"/>
+              </a:solidFill>
+              <a:uFill>
+                <a:solidFill>
+                  <a:srgbClr val="ffffff"/>
+                </a:solidFill>
+              </a:uFill>
               <a:latin typeface="Arial"/>
             </a:endParaRPr>
           </a:p>
@@ -8961,11 +10966,27 @@
             </a:pPr>
             <a:r>
               <a:rPr b="0" lang="en-US" sz="2000" spc="-1" strike="noStrike">
+                <a:solidFill>
+                  <a:srgbClr val="ffffff"/>
+                </a:solidFill>
+                <a:uFill>
+                  <a:solidFill>
+                    <a:srgbClr val="ffffff"/>
+                  </a:solidFill>
+                </a:uFill>
                 <a:latin typeface="Arial"/>
               </a:rPr>
               <a:t>Seventh Outline Level</a:t>
             </a:r>
             <a:endParaRPr b="0" lang="en-US" sz="2000" spc="-1" strike="noStrike">
+              <a:solidFill>
+                <a:srgbClr val="ffffff"/>
+              </a:solidFill>
+              <a:uFill>
+                <a:solidFill>
+                  <a:srgbClr val="ffffff"/>
+                </a:solidFill>
+              </a:uFill>
               <a:latin typeface="Arial"/>
             </a:endParaRPr>
           </a:p>
@@ -9023,8 +11044,8 @@
         </p:nvSpPr>
         <p:spPr>
           <a:xfrm rot="5400000">
-            <a:off x="8675640" y="123480"/>
-            <a:ext cx="256680" cy="253800"/>
+            <a:off x="8676000" y="123120"/>
+            <a:ext cx="256320" cy="253440"/>
           </a:xfrm>
           <a:prstGeom prst="roundRect">
             <a:avLst>
@@ -9062,7 +11083,7 @@
         <p:spPr>
           <a:xfrm>
             <a:off x="8531280" y="97560"/>
-            <a:ext cx="550440" cy="273240"/>
+            <a:ext cx="550080" cy="272880"/>
           </a:xfrm>
           <a:prstGeom prst="rect">
             <a:avLst/>
@@ -9086,17 +11107,30 @@
                 <a:spcPct val="100000"/>
               </a:lnSpc>
             </a:pPr>
-            <a:fld id="{078C2276-3200-4769-ACBA-2E6F64465A28}" type="slidenum">
+            <a:fld id="{4FFFD552-BA7F-4081-9EDB-8FE405A3883D}" type="slidenum">
               <a:rPr b="0" lang="en-US" sz="1100" spc="-1" strike="noStrike">
                 <a:solidFill>
                   <a:srgbClr val="ffffff"/>
                 </a:solidFill>
+                <a:uFill>
+                  <a:solidFill>
+                    <a:srgbClr val="ffffff"/>
+                  </a:solidFill>
+                </a:uFill>
                 <a:latin typeface="Calibri"/>
                 <a:ea typeface="DejaVu Sans"/>
               </a:rPr>
               <a:t>&lt;number&gt;</a:t>
             </a:fld>
             <a:endParaRPr b="0" lang="en-US" sz="1100" spc="-1" strike="noStrike">
+              <a:solidFill>
+                <a:srgbClr val="ffffff"/>
+              </a:solidFill>
+              <a:uFill>
+                <a:solidFill>
+                  <a:srgbClr val="ffffff"/>
+                </a:solidFill>
+              </a:uFill>
               <a:latin typeface="Arial"/>
             </a:endParaRPr>
           </a:p>
@@ -9127,11 +11161,27 @@
             <a:pPr algn="ctr"/>
             <a:r>
               <a:rPr b="0" lang="en-US" sz="4400" spc="-1" strike="noStrike">
+                <a:solidFill>
+                  <a:srgbClr val="ffffff"/>
+                </a:solidFill>
+                <a:uFill>
+                  <a:solidFill>
+                    <a:srgbClr val="ffffff"/>
+                  </a:solidFill>
+                </a:uFill>
                 <a:latin typeface="Arial"/>
               </a:rPr>
               <a:t>Click to edit the title text format</a:t>
             </a:r>
             <a:endParaRPr b="0" lang="en-US" sz="4400" spc="-1" strike="noStrike">
+              <a:solidFill>
+                <a:srgbClr val="ffffff"/>
+              </a:solidFill>
+              <a:uFill>
+                <a:solidFill>
+                  <a:srgbClr val="ffffff"/>
+                </a:solidFill>
+              </a:uFill>
               <a:latin typeface="Arial"/>
             </a:endParaRPr>
           </a:p>
@@ -9174,11 +11224,27 @@
             </a:pPr>
             <a:r>
               <a:rPr b="0" lang="en-US" sz="3200" spc="-1" strike="noStrike">
+                <a:solidFill>
+                  <a:srgbClr val="ffffff"/>
+                </a:solidFill>
+                <a:uFill>
+                  <a:solidFill>
+                    <a:srgbClr val="ffffff"/>
+                  </a:solidFill>
+                </a:uFill>
                 <a:latin typeface="Arial"/>
               </a:rPr>
               <a:t>Click to edit the outline text format</a:t>
             </a:r>
             <a:endParaRPr b="0" lang="en-US" sz="3200" spc="-1" strike="noStrike">
+              <a:solidFill>
+                <a:srgbClr val="ffffff"/>
+              </a:solidFill>
+              <a:uFill>
+                <a:solidFill>
+                  <a:srgbClr val="ffffff"/>
+                </a:solidFill>
+              </a:uFill>
               <a:latin typeface="Arial"/>
             </a:endParaRPr>
           </a:p>
@@ -9196,11 +11262,27 @@
             </a:pPr>
             <a:r>
               <a:rPr b="0" lang="en-US" sz="2800" spc="-1" strike="noStrike">
+                <a:solidFill>
+                  <a:srgbClr val="ffffff"/>
+                </a:solidFill>
+                <a:uFill>
+                  <a:solidFill>
+                    <a:srgbClr val="ffffff"/>
+                  </a:solidFill>
+                </a:uFill>
                 <a:latin typeface="Arial"/>
               </a:rPr>
               <a:t>Second Outline Level</a:t>
             </a:r>
             <a:endParaRPr b="0" lang="en-US" sz="2800" spc="-1" strike="noStrike">
+              <a:solidFill>
+                <a:srgbClr val="ffffff"/>
+              </a:solidFill>
+              <a:uFill>
+                <a:solidFill>
+                  <a:srgbClr val="ffffff"/>
+                </a:solidFill>
+              </a:uFill>
               <a:latin typeface="Arial"/>
             </a:endParaRPr>
           </a:p>
@@ -9218,11 +11300,27 @@
             </a:pPr>
             <a:r>
               <a:rPr b="0" lang="en-US" sz="2400" spc="-1" strike="noStrike">
+                <a:solidFill>
+                  <a:srgbClr val="ffffff"/>
+                </a:solidFill>
+                <a:uFill>
+                  <a:solidFill>
+                    <a:srgbClr val="ffffff"/>
+                  </a:solidFill>
+                </a:uFill>
                 <a:latin typeface="Arial"/>
               </a:rPr>
               <a:t>Third Outline Level</a:t>
             </a:r>
             <a:endParaRPr b="0" lang="en-US" sz="2400" spc="-1" strike="noStrike">
+              <a:solidFill>
+                <a:srgbClr val="ffffff"/>
+              </a:solidFill>
+              <a:uFill>
+                <a:solidFill>
+                  <a:srgbClr val="ffffff"/>
+                </a:solidFill>
+              </a:uFill>
               <a:latin typeface="Arial"/>
             </a:endParaRPr>
           </a:p>
@@ -9240,11 +11338,27 @@
             </a:pPr>
             <a:r>
               <a:rPr b="0" lang="en-US" sz="2000" spc="-1" strike="noStrike">
+                <a:solidFill>
+                  <a:srgbClr val="ffffff"/>
+                </a:solidFill>
+                <a:uFill>
+                  <a:solidFill>
+                    <a:srgbClr val="ffffff"/>
+                  </a:solidFill>
+                </a:uFill>
                 <a:latin typeface="Arial"/>
               </a:rPr>
               <a:t>Fourth Outline Level</a:t>
             </a:r>
             <a:endParaRPr b="0" lang="en-US" sz="2000" spc="-1" strike="noStrike">
+              <a:solidFill>
+                <a:srgbClr val="ffffff"/>
+              </a:solidFill>
+              <a:uFill>
+                <a:solidFill>
+                  <a:srgbClr val="ffffff"/>
+                </a:solidFill>
+              </a:uFill>
               <a:latin typeface="Arial"/>
             </a:endParaRPr>
           </a:p>
@@ -9262,11 +11376,27 @@
             </a:pPr>
             <a:r>
               <a:rPr b="0" lang="en-US" sz="2000" spc="-1" strike="noStrike">
+                <a:solidFill>
+                  <a:srgbClr val="ffffff"/>
+                </a:solidFill>
+                <a:uFill>
+                  <a:solidFill>
+                    <a:srgbClr val="ffffff"/>
+                  </a:solidFill>
+                </a:uFill>
                 <a:latin typeface="Arial"/>
               </a:rPr>
               <a:t>Fifth Outline Level</a:t>
             </a:r>
             <a:endParaRPr b="0" lang="en-US" sz="2000" spc="-1" strike="noStrike">
+              <a:solidFill>
+                <a:srgbClr val="ffffff"/>
+              </a:solidFill>
+              <a:uFill>
+                <a:solidFill>
+                  <a:srgbClr val="ffffff"/>
+                </a:solidFill>
+              </a:uFill>
               <a:latin typeface="Arial"/>
             </a:endParaRPr>
           </a:p>
@@ -9284,11 +11414,27 @@
             </a:pPr>
             <a:r>
               <a:rPr b="0" lang="en-US" sz="2000" spc="-1" strike="noStrike">
+                <a:solidFill>
+                  <a:srgbClr val="ffffff"/>
+                </a:solidFill>
+                <a:uFill>
+                  <a:solidFill>
+                    <a:srgbClr val="ffffff"/>
+                  </a:solidFill>
+                </a:uFill>
                 <a:latin typeface="Arial"/>
               </a:rPr>
               <a:t>Sixth Outline Level</a:t>
             </a:r>
             <a:endParaRPr b="0" lang="en-US" sz="2000" spc="-1" strike="noStrike">
+              <a:solidFill>
+                <a:srgbClr val="ffffff"/>
+              </a:solidFill>
+              <a:uFill>
+                <a:solidFill>
+                  <a:srgbClr val="ffffff"/>
+                </a:solidFill>
+              </a:uFill>
               <a:latin typeface="Arial"/>
             </a:endParaRPr>
           </a:p>
@@ -9306,11 +11452,27 @@
             </a:pPr>
             <a:r>
               <a:rPr b="0" lang="en-US" sz="2000" spc="-1" strike="noStrike">
+                <a:solidFill>
+                  <a:srgbClr val="ffffff"/>
+                </a:solidFill>
+                <a:uFill>
+                  <a:solidFill>
+                    <a:srgbClr val="ffffff"/>
+                  </a:solidFill>
+                </a:uFill>
                 <a:latin typeface="Arial"/>
               </a:rPr>
               <a:t>Seventh Outline Level</a:t>
             </a:r>
             <a:endParaRPr b="0" lang="en-US" sz="2000" spc="-1" strike="noStrike">
+              <a:solidFill>
+                <a:srgbClr val="ffffff"/>
+              </a:solidFill>
+              <a:uFill>
+                <a:solidFill>
+                  <a:srgbClr val="ffffff"/>
+                </a:solidFill>
+              </a:uFill>
               <a:latin typeface="Arial"/>
             </a:endParaRPr>
           </a:p>
@@ -9368,8 +11530,8 @@
         </p:nvSpPr>
         <p:spPr>
           <a:xfrm rot="5400000">
-            <a:off x="8675640" y="123480"/>
-            <a:ext cx="256680" cy="253800"/>
+            <a:off x="8676000" y="123120"/>
+            <a:ext cx="256320" cy="253440"/>
           </a:xfrm>
           <a:prstGeom prst="roundRect">
             <a:avLst>
@@ -9407,7 +11569,7 @@
         <p:spPr>
           <a:xfrm>
             <a:off x="8531280" y="97560"/>
-            <a:ext cx="550440" cy="273240"/>
+            <a:ext cx="550080" cy="272880"/>
           </a:xfrm>
           <a:prstGeom prst="rect">
             <a:avLst/>
@@ -9431,17 +11593,30 @@
                 <a:spcPct val="100000"/>
               </a:lnSpc>
             </a:pPr>
-            <a:fld id="{F537ED28-357A-4CBA-B86C-ABD24E16CFCE}" type="slidenum">
+            <a:fld id="{A5213DA8-54A2-49FB-B3B2-67003627B20C}" type="slidenum">
               <a:rPr b="0" lang="en-US" sz="1100" spc="-1" strike="noStrike">
                 <a:solidFill>
                   <a:srgbClr val="ffffff"/>
                 </a:solidFill>
+                <a:uFill>
+                  <a:solidFill>
+                    <a:srgbClr val="ffffff"/>
+                  </a:solidFill>
+                </a:uFill>
                 <a:latin typeface="Calibri"/>
                 <a:ea typeface="DejaVu Sans"/>
               </a:rPr>
               <a:t>&lt;number&gt;</a:t>
             </a:fld>
             <a:endParaRPr b="0" lang="en-US" sz="1100" spc="-1" strike="noStrike">
+              <a:solidFill>
+                <a:srgbClr val="ffffff"/>
+              </a:solidFill>
+              <a:uFill>
+                <a:solidFill>
+                  <a:srgbClr val="ffffff"/>
+                </a:solidFill>
+              </a:uFill>
               <a:latin typeface="Arial"/>
             </a:endParaRPr>
           </a:p>
@@ -9472,11 +11647,27 @@
             <a:pPr algn="ctr"/>
             <a:r>
               <a:rPr b="0" lang="en-US" sz="4400" spc="-1" strike="noStrike">
+                <a:solidFill>
+                  <a:srgbClr val="ffffff"/>
+                </a:solidFill>
+                <a:uFill>
+                  <a:solidFill>
+                    <a:srgbClr val="ffffff"/>
+                  </a:solidFill>
+                </a:uFill>
                 <a:latin typeface="Arial"/>
               </a:rPr>
               <a:t>Click to edit the title text format</a:t>
             </a:r>
             <a:endParaRPr b="0" lang="en-US" sz="4400" spc="-1" strike="noStrike">
+              <a:solidFill>
+                <a:srgbClr val="ffffff"/>
+              </a:solidFill>
+              <a:uFill>
+                <a:solidFill>
+                  <a:srgbClr val="ffffff"/>
+                </a:solidFill>
+              </a:uFill>
               <a:latin typeface="Arial"/>
             </a:endParaRPr>
           </a:p>
@@ -9519,11 +11710,27 @@
             </a:pPr>
             <a:r>
               <a:rPr b="0" lang="en-US" sz="3200" spc="-1" strike="noStrike">
+                <a:solidFill>
+                  <a:srgbClr val="ffffff"/>
+                </a:solidFill>
+                <a:uFill>
+                  <a:solidFill>
+                    <a:srgbClr val="ffffff"/>
+                  </a:solidFill>
+                </a:uFill>
                 <a:latin typeface="Arial"/>
               </a:rPr>
               <a:t>Click to edit the outline text format</a:t>
             </a:r>
             <a:endParaRPr b="0" lang="en-US" sz="3200" spc="-1" strike="noStrike">
+              <a:solidFill>
+                <a:srgbClr val="ffffff"/>
+              </a:solidFill>
+              <a:uFill>
+                <a:solidFill>
+                  <a:srgbClr val="ffffff"/>
+                </a:solidFill>
+              </a:uFill>
               <a:latin typeface="Arial"/>
             </a:endParaRPr>
           </a:p>
@@ -9541,11 +11748,27 @@
             </a:pPr>
             <a:r>
               <a:rPr b="0" lang="en-US" sz="2800" spc="-1" strike="noStrike">
+                <a:solidFill>
+                  <a:srgbClr val="ffffff"/>
+                </a:solidFill>
+                <a:uFill>
+                  <a:solidFill>
+                    <a:srgbClr val="ffffff"/>
+                  </a:solidFill>
+                </a:uFill>
                 <a:latin typeface="Arial"/>
               </a:rPr>
               <a:t>Second Outline Level</a:t>
             </a:r>
             <a:endParaRPr b="0" lang="en-US" sz="2800" spc="-1" strike="noStrike">
+              <a:solidFill>
+                <a:srgbClr val="ffffff"/>
+              </a:solidFill>
+              <a:uFill>
+                <a:solidFill>
+                  <a:srgbClr val="ffffff"/>
+                </a:solidFill>
+              </a:uFill>
               <a:latin typeface="Arial"/>
             </a:endParaRPr>
           </a:p>
@@ -9563,11 +11786,27 @@
             </a:pPr>
             <a:r>
               <a:rPr b="0" lang="en-US" sz="2400" spc="-1" strike="noStrike">
+                <a:solidFill>
+                  <a:srgbClr val="ffffff"/>
+                </a:solidFill>
+                <a:uFill>
+                  <a:solidFill>
+                    <a:srgbClr val="ffffff"/>
+                  </a:solidFill>
+                </a:uFill>
                 <a:latin typeface="Arial"/>
               </a:rPr>
               <a:t>Third Outline Level</a:t>
             </a:r>
             <a:endParaRPr b="0" lang="en-US" sz="2400" spc="-1" strike="noStrike">
+              <a:solidFill>
+                <a:srgbClr val="ffffff"/>
+              </a:solidFill>
+              <a:uFill>
+                <a:solidFill>
+                  <a:srgbClr val="ffffff"/>
+                </a:solidFill>
+              </a:uFill>
               <a:latin typeface="Arial"/>
             </a:endParaRPr>
           </a:p>
@@ -9585,11 +11824,27 @@
             </a:pPr>
             <a:r>
               <a:rPr b="0" lang="en-US" sz="2000" spc="-1" strike="noStrike">
+                <a:solidFill>
+                  <a:srgbClr val="ffffff"/>
+                </a:solidFill>
+                <a:uFill>
+                  <a:solidFill>
+                    <a:srgbClr val="ffffff"/>
+                  </a:solidFill>
+                </a:uFill>
                 <a:latin typeface="Arial"/>
               </a:rPr>
               <a:t>Fourth Outline Level</a:t>
             </a:r>
             <a:endParaRPr b="0" lang="en-US" sz="2000" spc="-1" strike="noStrike">
+              <a:solidFill>
+                <a:srgbClr val="ffffff"/>
+              </a:solidFill>
+              <a:uFill>
+                <a:solidFill>
+                  <a:srgbClr val="ffffff"/>
+                </a:solidFill>
+              </a:uFill>
               <a:latin typeface="Arial"/>
             </a:endParaRPr>
           </a:p>
@@ -9607,11 +11862,27 @@
             </a:pPr>
             <a:r>
               <a:rPr b="0" lang="en-US" sz="2000" spc="-1" strike="noStrike">
+                <a:solidFill>
+                  <a:srgbClr val="ffffff"/>
+                </a:solidFill>
+                <a:uFill>
+                  <a:solidFill>
+                    <a:srgbClr val="ffffff"/>
+                  </a:solidFill>
+                </a:uFill>
                 <a:latin typeface="Arial"/>
               </a:rPr>
               <a:t>Fifth Outline Level</a:t>
             </a:r>
             <a:endParaRPr b="0" lang="en-US" sz="2000" spc="-1" strike="noStrike">
+              <a:solidFill>
+                <a:srgbClr val="ffffff"/>
+              </a:solidFill>
+              <a:uFill>
+                <a:solidFill>
+                  <a:srgbClr val="ffffff"/>
+                </a:solidFill>
+              </a:uFill>
               <a:latin typeface="Arial"/>
             </a:endParaRPr>
           </a:p>
@@ -9629,11 +11900,27 @@
             </a:pPr>
             <a:r>
               <a:rPr b="0" lang="en-US" sz="2000" spc="-1" strike="noStrike">
+                <a:solidFill>
+                  <a:srgbClr val="ffffff"/>
+                </a:solidFill>
+                <a:uFill>
+                  <a:solidFill>
+                    <a:srgbClr val="ffffff"/>
+                  </a:solidFill>
+                </a:uFill>
                 <a:latin typeface="Arial"/>
               </a:rPr>
               <a:t>Sixth Outline Level</a:t>
             </a:r>
             <a:endParaRPr b="0" lang="en-US" sz="2000" spc="-1" strike="noStrike">
+              <a:solidFill>
+                <a:srgbClr val="ffffff"/>
+              </a:solidFill>
+              <a:uFill>
+                <a:solidFill>
+                  <a:srgbClr val="ffffff"/>
+                </a:solidFill>
+              </a:uFill>
               <a:latin typeface="Arial"/>
             </a:endParaRPr>
           </a:p>
@@ -9651,11 +11938,27 @@
             </a:pPr>
             <a:r>
               <a:rPr b="0" lang="en-US" sz="2000" spc="-1" strike="noStrike">
+                <a:solidFill>
+                  <a:srgbClr val="ffffff"/>
+                </a:solidFill>
+                <a:uFill>
+                  <a:solidFill>
+                    <a:srgbClr val="ffffff"/>
+                  </a:solidFill>
+                </a:uFill>
                 <a:latin typeface="Arial"/>
               </a:rPr>
               <a:t>Seventh Outline Level</a:t>
             </a:r>
             <a:endParaRPr b="0" lang="en-US" sz="2000" spc="-1" strike="noStrike">
+              <a:solidFill>
+                <a:srgbClr val="ffffff"/>
+              </a:solidFill>
+              <a:uFill>
+                <a:solidFill>
+                  <a:srgbClr val="ffffff"/>
+                </a:solidFill>
+              </a:uFill>
               <a:latin typeface="Arial"/>
             </a:endParaRPr>
           </a:p>
@@ -9713,8 +12016,8 @@
         </p:nvSpPr>
         <p:spPr>
           <a:xfrm rot="5400000">
-            <a:off x="8675640" y="123480"/>
-            <a:ext cx="256680" cy="253800"/>
+            <a:off x="8676000" y="123120"/>
+            <a:ext cx="256320" cy="253440"/>
           </a:xfrm>
           <a:prstGeom prst="roundRect">
             <a:avLst>
@@ -9752,7 +12055,7 @@
         <p:spPr>
           <a:xfrm>
             <a:off x="8531280" y="97560"/>
-            <a:ext cx="550440" cy="273240"/>
+            <a:ext cx="550080" cy="272880"/>
           </a:xfrm>
           <a:prstGeom prst="rect">
             <a:avLst/>
@@ -9776,17 +12079,30 @@
                 <a:spcPct val="100000"/>
               </a:lnSpc>
             </a:pPr>
-            <a:fld id="{AAED1EBC-164A-427B-A07B-BC6BE354BDAC}" type="slidenum">
+            <a:fld id="{45F5304B-5E20-4936-82E0-A17596E384CE}" type="slidenum">
               <a:rPr b="0" lang="en-US" sz="1100" spc="-1" strike="noStrike">
                 <a:solidFill>
                   <a:srgbClr val="ffffff"/>
                 </a:solidFill>
+                <a:uFill>
+                  <a:solidFill>
+                    <a:srgbClr val="ffffff"/>
+                  </a:solidFill>
+                </a:uFill>
                 <a:latin typeface="Calibri"/>
                 <a:ea typeface="DejaVu Sans"/>
               </a:rPr>
               <a:t>&lt;number&gt;</a:t>
             </a:fld>
             <a:endParaRPr b="0" lang="en-US" sz="1100" spc="-1" strike="noStrike">
+              <a:solidFill>
+                <a:srgbClr val="ffffff"/>
+              </a:solidFill>
+              <a:uFill>
+                <a:solidFill>
+                  <a:srgbClr val="ffffff"/>
+                </a:solidFill>
+              </a:uFill>
               <a:latin typeface="Arial"/>
             </a:endParaRPr>
           </a:p>
@@ -9817,11 +12133,27 @@
             <a:pPr algn="ctr"/>
             <a:r>
               <a:rPr b="0" lang="en-US" sz="4400" spc="-1" strike="noStrike">
+                <a:solidFill>
+                  <a:srgbClr val="ffffff"/>
+                </a:solidFill>
+                <a:uFill>
+                  <a:solidFill>
+                    <a:srgbClr val="ffffff"/>
+                  </a:solidFill>
+                </a:uFill>
                 <a:latin typeface="Arial"/>
               </a:rPr>
               <a:t>Click to edit the title text format</a:t>
             </a:r>
             <a:endParaRPr b="0" lang="en-US" sz="4400" spc="-1" strike="noStrike">
+              <a:solidFill>
+                <a:srgbClr val="ffffff"/>
+              </a:solidFill>
+              <a:uFill>
+                <a:solidFill>
+                  <a:srgbClr val="ffffff"/>
+                </a:solidFill>
+              </a:uFill>
               <a:latin typeface="Arial"/>
             </a:endParaRPr>
           </a:p>
@@ -9864,11 +12196,27 @@
             </a:pPr>
             <a:r>
               <a:rPr b="0" lang="en-US" sz="3200" spc="-1" strike="noStrike">
+                <a:solidFill>
+                  <a:srgbClr val="ffffff"/>
+                </a:solidFill>
+                <a:uFill>
+                  <a:solidFill>
+                    <a:srgbClr val="ffffff"/>
+                  </a:solidFill>
+                </a:uFill>
                 <a:latin typeface="Arial"/>
               </a:rPr>
               <a:t>Click to edit the outline text format</a:t>
             </a:r>
             <a:endParaRPr b="0" lang="en-US" sz="3200" spc="-1" strike="noStrike">
+              <a:solidFill>
+                <a:srgbClr val="ffffff"/>
+              </a:solidFill>
+              <a:uFill>
+                <a:solidFill>
+                  <a:srgbClr val="ffffff"/>
+                </a:solidFill>
+              </a:uFill>
               <a:latin typeface="Arial"/>
             </a:endParaRPr>
           </a:p>
@@ -9886,11 +12234,27 @@
             </a:pPr>
             <a:r>
               <a:rPr b="0" lang="en-US" sz="2800" spc="-1" strike="noStrike">
+                <a:solidFill>
+                  <a:srgbClr val="ffffff"/>
+                </a:solidFill>
+                <a:uFill>
+                  <a:solidFill>
+                    <a:srgbClr val="ffffff"/>
+                  </a:solidFill>
+                </a:uFill>
                 <a:latin typeface="Arial"/>
               </a:rPr>
               <a:t>Second Outline Level</a:t>
             </a:r>
             <a:endParaRPr b="0" lang="en-US" sz="2800" spc="-1" strike="noStrike">
+              <a:solidFill>
+                <a:srgbClr val="ffffff"/>
+              </a:solidFill>
+              <a:uFill>
+                <a:solidFill>
+                  <a:srgbClr val="ffffff"/>
+                </a:solidFill>
+              </a:uFill>
               <a:latin typeface="Arial"/>
             </a:endParaRPr>
           </a:p>
@@ -9908,11 +12272,27 @@
             </a:pPr>
             <a:r>
               <a:rPr b="0" lang="en-US" sz="2400" spc="-1" strike="noStrike">
+                <a:solidFill>
+                  <a:srgbClr val="ffffff"/>
+                </a:solidFill>
+                <a:uFill>
+                  <a:solidFill>
+                    <a:srgbClr val="ffffff"/>
+                  </a:solidFill>
+                </a:uFill>
                 <a:latin typeface="Arial"/>
               </a:rPr>
               <a:t>Third Outline Level</a:t>
             </a:r>
             <a:endParaRPr b="0" lang="en-US" sz="2400" spc="-1" strike="noStrike">
+              <a:solidFill>
+                <a:srgbClr val="ffffff"/>
+              </a:solidFill>
+              <a:uFill>
+                <a:solidFill>
+                  <a:srgbClr val="ffffff"/>
+                </a:solidFill>
+              </a:uFill>
               <a:latin typeface="Arial"/>
             </a:endParaRPr>
           </a:p>
@@ -9930,11 +12310,27 @@
             </a:pPr>
             <a:r>
               <a:rPr b="0" lang="en-US" sz="2000" spc="-1" strike="noStrike">
+                <a:solidFill>
+                  <a:srgbClr val="ffffff"/>
+                </a:solidFill>
+                <a:uFill>
+                  <a:solidFill>
+                    <a:srgbClr val="ffffff"/>
+                  </a:solidFill>
+                </a:uFill>
                 <a:latin typeface="Arial"/>
               </a:rPr>
               <a:t>Fourth Outline Level</a:t>
             </a:r>
             <a:endParaRPr b="0" lang="en-US" sz="2000" spc="-1" strike="noStrike">
+              <a:solidFill>
+                <a:srgbClr val="ffffff"/>
+              </a:solidFill>
+              <a:uFill>
+                <a:solidFill>
+                  <a:srgbClr val="ffffff"/>
+                </a:solidFill>
+              </a:uFill>
               <a:latin typeface="Arial"/>
             </a:endParaRPr>
           </a:p>
@@ -9952,11 +12348,27 @@
             </a:pPr>
             <a:r>
               <a:rPr b="0" lang="en-US" sz="2000" spc="-1" strike="noStrike">
+                <a:solidFill>
+                  <a:srgbClr val="ffffff"/>
+                </a:solidFill>
+                <a:uFill>
+                  <a:solidFill>
+                    <a:srgbClr val="ffffff"/>
+                  </a:solidFill>
+                </a:uFill>
                 <a:latin typeface="Arial"/>
               </a:rPr>
               <a:t>Fifth Outline Level</a:t>
             </a:r>
             <a:endParaRPr b="0" lang="en-US" sz="2000" spc="-1" strike="noStrike">
+              <a:solidFill>
+                <a:srgbClr val="ffffff"/>
+              </a:solidFill>
+              <a:uFill>
+                <a:solidFill>
+                  <a:srgbClr val="ffffff"/>
+                </a:solidFill>
+              </a:uFill>
               <a:latin typeface="Arial"/>
             </a:endParaRPr>
           </a:p>
@@ -9974,11 +12386,27 @@
             </a:pPr>
             <a:r>
               <a:rPr b="0" lang="en-US" sz="2000" spc="-1" strike="noStrike">
+                <a:solidFill>
+                  <a:srgbClr val="ffffff"/>
+                </a:solidFill>
+                <a:uFill>
+                  <a:solidFill>
+                    <a:srgbClr val="ffffff"/>
+                  </a:solidFill>
+                </a:uFill>
                 <a:latin typeface="Arial"/>
               </a:rPr>
               <a:t>Sixth Outline Level</a:t>
             </a:r>
             <a:endParaRPr b="0" lang="en-US" sz="2000" spc="-1" strike="noStrike">
+              <a:solidFill>
+                <a:srgbClr val="ffffff"/>
+              </a:solidFill>
+              <a:uFill>
+                <a:solidFill>
+                  <a:srgbClr val="ffffff"/>
+                </a:solidFill>
+              </a:uFill>
               <a:latin typeface="Arial"/>
             </a:endParaRPr>
           </a:p>
@@ -9996,11 +12424,27 @@
             </a:pPr>
             <a:r>
               <a:rPr b="0" lang="en-US" sz="2000" spc="-1" strike="noStrike">
+                <a:solidFill>
+                  <a:srgbClr val="ffffff"/>
+                </a:solidFill>
+                <a:uFill>
+                  <a:solidFill>
+                    <a:srgbClr val="ffffff"/>
+                  </a:solidFill>
+                </a:uFill>
                 <a:latin typeface="Arial"/>
               </a:rPr>
               <a:t>Seventh Outline Level</a:t>
             </a:r>
             <a:endParaRPr b="0" lang="en-US" sz="2000" spc="-1" strike="noStrike">
+              <a:solidFill>
+                <a:srgbClr val="ffffff"/>
+              </a:solidFill>
+              <a:uFill>
+                <a:solidFill>
+                  <a:srgbClr val="ffffff"/>
+                </a:solidFill>
+              </a:uFill>
               <a:latin typeface="Arial"/>
             </a:endParaRPr>
           </a:p>
@@ -10058,8 +12502,8 @@
         </p:nvSpPr>
         <p:spPr>
           <a:xfrm rot="5400000">
-            <a:off x="8675640" y="123480"/>
-            <a:ext cx="256680" cy="253800"/>
+            <a:off x="8676000" y="123120"/>
+            <a:ext cx="256320" cy="253440"/>
           </a:xfrm>
           <a:prstGeom prst="roundRect">
             <a:avLst>
@@ -10097,7 +12541,7 @@
         <p:spPr>
           <a:xfrm>
             <a:off x="8531280" y="97560"/>
-            <a:ext cx="550440" cy="273240"/>
+            <a:ext cx="550080" cy="272880"/>
           </a:xfrm>
           <a:prstGeom prst="rect">
             <a:avLst/>
@@ -10121,17 +12565,30 @@
                 <a:spcPct val="100000"/>
               </a:lnSpc>
             </a:pPr>
-            <a:fld id="{9B6F66B8-F415-48FC-8FC8-E126DF05C105}" type="slidenum">
+            <a:fld id="{E27DE6D5-DD20-42EC-8CD3-37DF3DA60B59}" type="slidenum">
               <a:rPr b="0" lang="en-US" sz="1100" spc="-1" strike="noStrike">
                 <a:solidFill>
                   <a:srgbClr val="ffffff"/>
                 </a:solidFill>
+                <a:uFill>
+                  <a:solidFill>
+                    <a:srgbClr val="ffffff"/>
+                  </a:solidFill>
+                </a:uFill>
                 <a:latin typeface="Calibri"/>
                 <a:ea typeface="DejaVu Sans"/>
               </a:rPr>
               <a:t>&lt;number&gt;</a:t>
             </a:fld>
             <a:endParaRPr b="0" lang="en-US" sz="1100" spc="-1" strike="noStrike">
+              <a:solidFill>
+                <a:srgbClr val="ffffff"/>
+              </a:solidFill>
+              <a:uFill>
+                <a:solidFill>
+                  <a:srgbClr val="ffffff"/>
+                </a:solidFill>
+              </a:uFill>
               <a:latin typeface="Arial"/>
             </a:endParaRPr>
           </a:p>
@@ -10162,11 +12619,27 @@
             <a:pPr algn="ctr"/>
             <a:r>
               <a:rPr b="0" lang="en-US" sz="4400" spc="-1" strike="noStrike">
+                <a:solidFill>
+                  <a:srgbClr val="ffffff"/>
+                </a:solidFill>
+                <a:uFill>
+                  <a:solidFill>
+                    <a:srgbClr val="ffffff"/>
+                  </a:solidFill>
+                </a:uFill>
                 <a:latin typeface="Arial"/>
               </a:rPr>
               <a:t>Click to edit the title text format</a:t>
             </a:r>
             <a:endParaRPr b="0" lang="en-US" sz="4400" spc="-1" strike="noStrike">
+              <a:solidFill>
+                <a:srgbClr val="ffffff"/>
+              </a:solidFill>
+              <a:uFill>
+                <a:solidFill>
+                  <a:srgbClr val="ffffff"/>
+                </a:solidFill>
+              </a:uFill>
               <a:latin typeface="Arial"/>
             </a:endParaRPr>
           </a:p>
@@ -10209,11 +12682,27 @@
             </a:pPr>
             <a:r>
               <a:rPr b="0" lang="en-US" sz="3200" spc="-1" strike="noStrike">
+                <a:solidFill>
+                  <a:srgbClr val="ffffff"/>
+                </a:solidFill>
+                <a:uFill>
+                  <a:solidFill>
+                    <a:srgbClr val="ffffff"/>
+                  </a:solidFill>
+                </a:uFill>
                 <a:latin typeface="Arial"/>
               </a:rPr>
               <a:t>Click to edit the outline text format</a:t>
             </a:r>
             <a:endParaRPr b="0" lang="en-US" sz="3200" spc="-1" strike="noStrike">
+              <a:solidFill>
+                <a:srgbClr val="ffffff"/>
+              </a:solidFill>
+              <a:uFill>
+                <a:solidFill>
+                  <a:srgbClr val="ffffff"/>
+                </a:solidFill>
+              </a:uFill>
               <a:latin typeface="Arial"/>
             </a:endParaRPr>
           </a:p>
@@ -10231,11 +12720,27 @@
             </a:pPr>
             <a:r>
               <a:rPr b="0" lang="en-US" sz="2800" spc="-1" strike="noStrike">
+                <a:solidFill>
+                  <a:srgbClr val="ffffff"/>
+                </a:solidFill>
+                <a:uFill>
+                  <a:solidFill>
+                    <a:srgbClr val="ffffff"/>
+                  </a:solidFill>
+                </a:uFill>
                 <a:latin typeface="Arial"/>
               </a:rPr>
               <a:t>Second Outline Level</a:t>
             </a:r>
             <a:endParaRPr b="0" lang="en-US" sz="2800" spc="-1" strike="noStrike">
+              <a:solidFill>
+                <a:srgbClr val="ffffff"/>
+              </a:solidFill>
+              <a:uFill>
+                <a:solidFill>
+                  <a:srgbClr val="ffffff"/>
+                </a:solidFill>
+              </a:uFill>
               <a:latin typeface="Arial"/>
             </a:endParaRPr>
           </a:p>
@@ -10253,11 +12758,27 @@
             </a:pPr>
             <a:r>
               <a:rPr b="0" lang="en-US" sz="2400" spc="-1" strike="noStrike">
+                <a:solidFill>
+                  <a:srgbClr val="ffffff"/>
+                </a:solidFill>
+                <a:uFill>
+                  <a:solidFill>
+                    <a:srgbClr val="ffffff"/>
+                  </a:solidFill>
+                </a:uFill>
                 <a:latin typeface="Arial"/>
               </a:rPr>
               <a:t>Third Outline Level</a:t>
             </a:r>
             <a:endParaRPr b="0" lang="en-US" sz="2400" spc="-1" strike="noStrike">
+              <a:solidFill>
+                <a:srgbClr val="ffffff"/>
+              </a:solidFill>
+              <a:uFill>
+                <a:solidFill>
+                  <a:srgbClr val="ffffff"/>
+                </a:solidFill>
+              </a:uFill>
               <a:latin typeface="Arial"/>
             </a:endParaRPr>
           </a:p>
@@ -10275,11 +12796,27 @@
             </a:pPr>
             <a:r>
               <a:rPr b="0" lang="en-US" sz="2000" spc="-1" strike="noStrike">
+                <a:solidFill>
+                  <a:srgbClr val="ffffff"/>
+                </a:solidFill>
+                <a:uFill>
+                  <a:solidFill>
+                    <a:srgbClr val="ffffff"/>
+                  </a:solidFill>
+                </a:uFill>
                 <a:latin typeface="Arial"/>
               </a:rPr>
               <a:t>Fourth Outline Level</a:t>
             </a:r>
             <a:endParaRPr b="0" lang="en-US" sz="2000" spc="-1" strike="noStrike">
+              <a:solidFill>
+                <a:srgbClr val="ffffff"/>
+              </a:solidFill>
+              <a:uFill>
+                <a:solidFill>
+                  <a:srgbClr val="ffffff"/>
+                </a:solidFill>
+              </a:uFill>
               <a:latin typeface="Arial"/>
             </a:endParaRPr>
           </a:p>
@@ -10297,11 +12834,27 @@
             </a:pPr>
             <a:r>
               <a:rPr b="0" lang="en-US" sz="2000" spc="-1" strike="noStrike">
+                <a:solidFill>
+                  <a:srgbClr val="ffffff"/>
+                </a:solidFill>
+                <a:uFill>
+                  <a:solidFill>
+                    <a:srgbClr val="ffffff"/>
+                  </a:solidFill>
+                </a:uFill>
                 <a:latin typeface="Arial"/>
               </a:rPr>
               <a:t>Fifth Outline Level</a:t>
             </a:r>
             <a:endParaRPr b="0" lang="en-US" sz="2000" spc="-1" strike="noStrike">
+              <a:solidFill>
+                <a:srgbClr val="ffffff"/>
+              </a:solidFill>
+              <a:uFill>
+                <a:solidFill>
+                  <a:srgbClr val="ffffff"/>
+                </a:solidFill>
+              </a:uFill>
               <a:latin typeface="Arial"/>
             </a:endParaRPr>
           </a:p>
@@ -10319,11 +12872,27 @@
             </a:pPr>
             <a:r>
               <a:rPr b="0" lang="en-US" sz="2000" spc="-1" strike="noStrike">
+                <a:solidFill>
+                  <a:srgbClr val="ffffff"/>
+                </a:solidFill>
+                <a:uFill>
+                  <a:solidFill>
+                    <a:srgbClr val="ffffff"/>
+                  </a:solidFill>
+                </a:uFill>
                 <a:latin typeface="Arial"/>
               </a:rPr>
               <a:t>Sixth Outline Level</a:t>
             </a:r>
             <a:endParaRPr b="0" lang="en-US" sz="2000" spc="-1" strike="noStrike">
+              <a:solidFill>
+                <a:srgbClr val="ffffff"/>
+              </a:solidFill>
+              <a:uFill>
+                <a:solidFill>
+                  <a:srgbClr val="ffffff"/>
+                </a:solidFill>
+              </a:uFill>
               <a:latin typeface="Arial"/>
             </a:endParaRPr>
           </a:p>
@@ -10341,11 +12910,27 @@
             </a:pPr>
             <a:r>
               <a:rPr b="0" lang="en-US" sz="2000" spc="-1" strike="noStrike">
+                <a:solidFill>
+                  <a:srgbClr val="ffffff"/>
+                </a:solidFill>
+                <a:uFill>
+                  <a:solidFill>
+                    <a:srgbClr val="ffffff"/>
+                  </a:solidFill>
+                </a:uFill>
                 <a:latin typeface="Arial"/>
               </a:rPr>
               <a:t>Seventh Outline Level</a:t>
             </a:r>
             <a:endParaRPr b="0" lang="en-US" sz="2000" spc="-1" strike="noStrike">
+              <a:solidFill>
+                <a:srgbClr val="ffffff"/>
+              </a:solidFill>
+              <a:uFill>
+                <a:solidFill>
+                  <a:srgbClr val="ffffff"/>
+                </a:solidFill>
+              </a:uFill>
               <a:latin typeface="Arial"/>
             </a:endParaRPr>
           </a:p>
@@ -10404,7 +12989,7 @@
         <p:spPr>
           <a:xfrm>
             <a:off x="1470960" y="511560"/>
-            <a:ext cx="6200280" cy="616320"/>
+            <a:ext cx="6199920" cy="615960"/>
           </a:xfrm>
           <a:prstGeom prst="rect">
             <a:avLst/>
@@ -10436,12 +13021,25 @@
                 <a:solidFill>
                   <a:srgbClr val="ffffff"/>
                 </a:solidFill>
+                <a:uFill>
+                  <a:solidFill>
+                    <a:srgbClr val="ffffff"/>
+                  </a:solidFill>
+                </a:uFill>
                 <a:latin typeface="Raleway Light"/>
                 <a:ea typeface="Raleway Light"/>
               </a:rPr>
               <a:t>VISUALIZING REAL DATA</a:t>
             </a:r>
             <a:endParaRPr b="0" lang="en-US" sz="3600" spc="-1" strike="noStrike">
+              <a:solidFill>
+                <a:srgbClr val="ffffff"/>
+              </a:solidFill>
+              <a:uFill>
+                <a:solidFill>
+                  <a:srgbClr val="ffffff"/>
+                </a:solidFill>
+              </a:uFill>
               <a:latin typeface="Arial"/>
             </a:endParaRPr>
           </a:p>
@@ -10456,7 +13054,7 @@
         <p:spPr>
           <a:xfrm>
             <a:off x="3252960" y="225720"/>
-            <a:ext cx="2732400" cy="302400"/>
+            <a:ext cx="2732040" cy="302040"/>
           </a:xfrm>
           <a:prstGeom prst="rect">
             <a:avLst/>
@@ -10488,12 +13086,25 @@
                 <a:solidFill>
                   <a:srgbClr val="22957b"/>
                 </a:solidFill>
+                <a:uFill>
+                  <a:solidFill>
+                    <a:srgbClr val="ffffff"/>
+                  </a:solidFill>
+                </a:uFill>
                 <a:latin typeface="Raleway Black"/>
                 <a:ea typeface="Raleway Black"/>
               </a:rPr>
               <a:t>Chapter 4</a:t>
             </a:r>
             <a:endParaRPr b="0" lang="en-US" sz="1000" spc="-1" strike="noStrike">
+              <a:solidFill>
+                <a:srgbClr val="ffffff"/>
+              </a:solidFill>
+              <a:uFill>
+                <a:solidFill>
+                  <a:srgbClr val="ffffff"/>
+                </a:solidFill>
+              </a:uFill>
               <a:latin typeface="Arial"/>
             </a:endParaRPr>
           </a:p>
@@ -10508,7 +13119,7 @@
         <p:spPr>
           <a:xfrm>
             <a:off x="3898080" y="4135320"/>
-            <a:ext cx="1560600" cy="302400"/>
+            <a:ext cx="1560240" cy="302040"/>
           </a:xfrm>
           <a:prstGeom prst="rect">
             <a:avLst/>
@@ -10540,12 +13151,25 @@
                 <a:solidFill>
                   <a:srgbClr val="808080"/>
                 </a:solidFill>
+                <a:uFill>
+                  <a:solidFill>
+                    <a:srgbClr val="ffffff"/>
+                  </a:solidFill>
+                </a:uFill>
                 <a:latin typeface="Raleway Black"/>
                 <a:ea typeface="Raleway Black"/>
               </a:rPr>
               <a:t>Members</a:t>
             </a:r>
             <a:endParaRPr b="0" lang="en-US" sz="1000" spc="-1" strike="noStrike">
+              <a:solidFill>
+                <a:srgbClr val="ffffff"/>
+              </a:solidFill>
+              <a:uFill>
+                <a:solidFill>
+                  <a:srgbClr val="ffffff"/>
+                </a:solidFill>
+              </a:uFill>
               <a:latin typeface="Arial"/>
             </a:endParaRPr>
           </a:p>
@@ -10560,7 +13184,7 @@
         <p:spPr>
           <a:xfrm>
             <a:off x="3898080" y="4388040"/>
-            <a:ext cx="1560600" cy="352440"/>
+            <a:ext cx="1560240" cy="352080"/>
           </a:xfrm>
           <a:prstGeom prst="rect">
             <a:avLst/>
@@ -10581,7 +13205,7 @@
           <a:p>
             <a:pPr algn="ctr">
               <a:lnSpc>
-                <a:spcPts val="8"/>
+                <a:spcPts val="3"/>
               </a:lnSpc>
             </a:pPr>
             <a:r>
@@ -10589,19 +13213,32 @@
                 <a:solidFill>
                   <a:srgbClr val="808080"/>
                 </a:solidFill>
+                <a:uFill>
+                  <a:solidFill>
+                    <a:srgbClr val="ffffff"/>
+                  </a:solidFill>
+                </a:uFill>
                 <a:latin typeface="Lato"/>
                 <a:ea typeface="Lato"/>
               </a:rPr>
               <a:t>DuongPTH</a:t>
             </a:r>
             <a:endParaRPr b="0" lang="en-US" sz="900" spc="-1" strike="noStrike">
+              <a:solidFill>
+                <a:srgbClr val="ffffff"/>
+              </a:solidFill>
+              <a:uFill>
+                <a:solidFill>
+                  <a:srgbClr val="ffffff"/>
+                </a:solidFill>
+              </a:uFill>
               <a:latin typeface="Arial"/>
             </a:endParaRPr>
           </a:p>
           <a:p>
             <a:pPr algn="ctr">
               <a:lnSpc>
-                <a:spcPts val="8"/>
+                <a:spcPts val="3"/>
               </a:lnSpc>
             </a:pPr>
             <a:r>
@@ -10609,19 +13246,32 @@
                 <a:solidFill>
                   <a:srgbClr val="808080"/>
                 </a:solidFill>
+                <a:uFill>
+                  <a:solidFill>
+                    <a:srgbClr val="ffffff"/>
+                  </a:solidFill>
+                </a:uFill>
                 <a:latin typeface="Lato"/>
                 <a:ea typeface="Lato"/>
               </a:rPr>
               <a:t>BaoPQ</a:t>
             </a:r>
             <a:endParaRPr b="0" lang="en-US" sz="900" spc="-1" strike="noStrike">
+              <a:solidFill>
+                <a:srgbClr val="ffffff"/>
+              </a:solidFill>
+              <a:uFill>
+                <a:solidFill>
+                  <a:srgbClr val="ffffff"/>
+                </a:solidFill>
+              </a:uFill>
               <a:latin typeface="Arial"/>
             </a:endParaRPr>
           </a:p>
           <a:p>
             <a:pPr algn="ctr">
               <a:lnSpc>
-                <a:spcPts val="8"/>
+                <a:spcPts val="3"/>
               </a:lnSpc>
             </a:pPr>
             <a:r>
@@ -10629,12 +13279,25 @@
                 <a:solidFill>
                   <a:srgbClr val="808080"/>
                 </a:solidFill>
+                <a:uFill>
+                  <a:solidFill>
+                    <a:srgbClr val="ffffff"/>
+                  </a:solidFill>
+                </a:uFill>
                 <a:latin typeface="Lato"/>
                 <a:ea typeface="Lato"/>
               </a:rPr>
               <a:t>PhatNH</a:t>
             </a:r>
             <a:endParaRPr b="0" lang="en-US" sz="900" spc="-1" strike="noStrike">
+              <a:solidFill>
+                <a:srgbClr val="ffffff"/>
+              </a:solidFill>
+              <a:uFill>
+                <a:solidFill>
+                  <a:srgbClr val="ffffff"/>
+                </a:solidFill>
+              </a:uFill>
               <a:latin typeface="Arial"/>
             </a:endParaRPr>
           </a:p>
@@ -10648,7 +13311,7 @@
         </p:nvGraphicFramePr>
         <p:xfrm>
           <a:off x="703440" y="1302120"/>
-          <a:ext cx="7735320" cy="2611800"/>
+          <a:ext cx="7734960" cy="2611440"/>
         </p:xfrm>
         <a:graphic>
           <a:graphicData uri="http://schemas.openxmlformats.org/drawingml/2006/chart">
@@ -10714,7 +13377,7 @@
         <p:spPr>
           <a:xfrm>
             <a:off x="0" y="0"/>
-            <a:ext cx="4206240" cy="5146200"/>
+            <a:ext cx="4205880" cy="5145840"/>
           </a:xfrm>
           <a:custGeom>
             <a:avLst/>
@@ -10842,7 +13505,7 @@
         <p:spPr>
           <a:xfrm>
             <a:off x="4572000" y="742680"/>
-            <a:ext cx="4101840" cy="575640"/>
+            <a:ext cx="4101480" cy="575280"/>
           </a:xfrm>
           <a:prstGeom prst="rect">
             <a:avLst/>
@@ -10874,12 +13537,25 @@
                 <a:solidFill>
                   <a:srgbClr val="c5c5c5"/>
                 </a:solidFill>
+                <a:uFill>
+                  <a:solidFill>
+                    <a:srgbClr val="ffffff"/>
+                  </a:solidFill>
+                </a:uFill>
                 <a:latin typeface="Raleway Light"/>
                 <a:ea typeface="Raleway Light"/>
               </a:rPr>
               <a:t>Map</a:t>
             </a:r>
             <a:endParaRPr b="0" lang="en-US" sz="4000" spc="-1" strike="noStrike">
+              <a:solidFill>
+                <a:srgbClr val="ffffff"/>
+              </a:solidFill>
+              <a:uFill>
+                <a:solidFill>
+                  <a:srgbClr val="ffffff"/>
+                </a:solidFill>
+              </a:uFill>
               <a:latin typeface="Arial"/>
             </a:endParaRPr>
           </a:p>
@@ -10894,7 +13570,7 @@
         <p:spPr>
           <a:xfrm>
             <a:off x="4572000" y="1364760"/>
-            <a:ext cx="4101840" cy="220320"/>
+            <a:ext cx="4101480" cy="219960"/>
           </a:xfrm>
           <a:prstGeom prst="rect">
             <a:avLst/>
@@ -10926,12 +13602,25 @@
                 <a:solidFill>
                   <a:srgbClr val="8db7a9"/>
                 </a:solidFill>
+                <a:uFill>
+                  <a:solidFill>
+                    <a:srgbClr val="ffffff"/>
+                  </a:solidFill>
+                </a:uFill>
                 <a:latin typeface="Raleway Black"/>
                 <a:ea typeface="Raleway Black"/>
               </a:rPr>
               <a:t>- BY DUONG</a:t>
             </a:r>
             <a:endParaRPr b="0" lang="en-US" sz="1000" spc="-1" strike="noStrike">
+              <a:solidFill>
+                <a:srgbClr val="ffffff"/>
+              </a:solidFill>
+              <a:uFill>
+                <a:solidFill>
+                  <a:srgbClr val="ffffff"/>
+                </a:solidFill>
+              </a:uFill>
               <a:latin typeface="Arial"/>
             </a:endParaRPr>
           </a:p>
@@ -10946,7 +13635,7 @@
         <p:spPr>
           <a:xfrm>
             <a:off x="884520" y="914400"/>
-            <a:ext cx="2315520" cy="2952000"/>
+            <a:ext cx="2315160" cy="2951640"/>
           </a:xfrm>
           <a:prstGeom prst="rect">
             <a:avLst/>
@@ -10967,11 +13656,28 @@
           <a:p>
             <a:r>
               <a:rPr b="1" lang="en-US" sz="20190" spc="-1" strike="noStrike">
+                <a:solidFill>
+                  <a:srgbClr val="ffffff"/>
+                </a:solidFill>
+                <a:uFill>
+                  <a:solidFill>
+                    <a:srgbClr val="ffffff"/>
+                  </a:solidFill>
+                </a:uFill>
                 <a:latin typeface="Arial"/>
+                <a:ea typeface="DejaVu Sans"/>
               </a:rPr>
               <a:t>M</a:t>
             </a:r>
             <a:endParaRPr b="0" lang="en-US" sz="20190" spc="-1" strike="noStrike">
+              <a:solidFill>
+                <a:srgbClr val="ffffff"/>
+              </a:solidFill>
+              <a:uFill>
+                <a:solidFill>
+                  <a:srgbClr val="ffffff"/>
+                </a:solidFill>
+              </a:uFill>
               <a:latin typeface="Arial"/>
             </a:endParaRPr>
           </a:p>
@@ -10986,7 +13692,7 @@
         <p:spPr>
           <a:xfrm>
             <a:off x="2682720" y="-1215360"/>
-            <a:ext cx="771840" cy="3979080"/>
+            <a:ext cx="771480" cy="3978720"/>
           </a:xfrm>
           <a:custGeom>
             <a:avLst/>
@@ -11141,7 +13847,7 @@
         <p:spPr>
           <a:xfrm>
             <a:off x="4846680" y="2062080"/>
-            <a:ext cx="9143640" cy="2601360"/>
+            <a:ext cx="9143280" cy="2601000"/>
           </a:xfrm>
           <a:prstGeom prst="rect">
             <a:avLst/>
@@ -11209,7 +13915,7 @@
         <p:spPr>
           <a:xfrm>
             <a:off x="4572000" y="742680"/>
-            <a:ext cx="4101840" cy="575640"/>
+            <a:ext cx="4101480" cy="575280"/>
           </a:xfrm>
           <a:prstGeom prst="rect">
             <a:avLst/>
@@ -11241,12 +13947,25 @@
                 <a:solidFill>
                   <a:srgbClr val="c5c5c5"/>
                 </a:solidFill>
+                <a:uFill>
+                  <a:solidFill>
+                    <a:srgbClr val="ffffff"/>
+                  </a:solidFill>
+                </a:uFill>
                 <a:latin typeface="Raleway Light"/>
                 <a:ea typeface="Raleway Light"/>
               </a:rPr>
               <a:t>DeviceWindow.java</a:t>
             </a:r>
             <a:endParaRPr b="0" lang="en-US" sz="2800" spc="-1" strike="noStrike">
+              <a:solidFill>
+                <a:srgbClr val="ffffff"/>
+              </a:solidFill>
+              <a:uFill>
+                <a:solidFill>
+                  <a:srgbClr val="ffffff"/>
+                </a:solidFill>
+              </a:uFill>
               <a:latin typeface="Arial"/>
             </a:endParaRPr>
           </a:p>
@@ -11261,7 +13980,7 @@
         <p:spPr>
           <a:xfrm>
             <a:off x="4572000" y="1364760"/>
-            <a:ext cx="4101840" cy="220320"/>
+            <a:ext cx="4101480" cy="219960"/>
           </a:xfrm>
           <a:prstGeom prst="rect">
             <a:avLst/>
@@ -11290,12 +14009,25 @@
                 <a:solidFill>
                   <a:srgbClr val="8db7a9"/>
                 </a:solidFill>
+                <a:uFill>
+                  <a:solidFill>
+                    <a:srgbClr val="ffffff"/>
+                  </a:solidFill>
+                </a:uFill>
                 <a:latin typeface="Raleway Black"/>
                 <a:ea typeface="Raleway Black"/>
               </a:rPr>
               <a:t>- mapping</a:t>
             </a:r>
             <a:endParaRPr b="0" lang="en-US" sz="900" spc="-1" strike="noStrike">
+              <a:solidFill>
+                <a:srgbClr val="ffffff"/>
+              </a:solidFill>
+              <a:uFill>
+                <a:solidFill>
+                  <a:srgbClr val="ffffff"/>
+                </a:solidFill>
+              </a:uFill>
               <a:latin typeface="Arial"/>
             </a:endParaRPr>
           </a:p>
@@ -11314,7 +14046,7 @@
         <p:spPr>
           <a:xfrm>
             <a:off x="320040" y="1464120"/>
-            <a:ext cx="7418520" cy="3573000"/>
+            <a:ext cx="7418160" cy="3572640"/>
           </a:xfrm>
           <a:prstGeom prst="rect">
             <a:avLst/>
@@ -11382,7 +14114,7 @@
         <p:spPr>
           <a:xfrm>
             <a:off x="4572000" y="130320"/>
-            <a:ext cx="4101840" cy="575640"/>
+            <a:ext cx="4101480" cy="575280"/>
           </a:xfrm>
           <a:prstGeom prst="rect">
             <a:avLst/>
@@ -11414,12 +14146,25 @@
                 <a:solidFill>
                   <a:srgbClr val="c5c5c5"/>
                 </a:solidFill>
+                <a:uFill>
+                  <a:solidFill>
+                    <a:srgbClr val="ffffff"/>
+                  </a:solidFill>
+                </a:uFill>
                 <a:latin typeface="Raleway Light"/>
                 <a:ea typeface="Raleway Light"/>
               </a:rPr>
               <a:t>DevicePointList.java</a:t>
             </a:r>
             <a:endParaRPr b="0" lang="en-US" sz="2800" spc="-1" strike="noStrike">
+              <a:solidFill>
+                <a:srgbClr val="ffffff"/>
+              </a:solidFill>
+              <a:uFill>
+                <a:solidFill>
+                  <a:srgbClr val="ffffff"/>
+                </a:solidFill>
+              </a:uFill>
               <a:latin typeface="Arial"/>
             </a:endParaRPr>
           </a:p>
@@ -11434,7 +14179,7 @@
         <p:spPr>
           <a:xfrm>
             <a:off x="4572000" y="752040"/>
-            <a:ext cx="4101840" cy="220320"/>
+            <a:ext cx="4101480" cy="219960"/>
           </a:xfrm>
           <a:prstGeom prst="rect">
             <a:avLst/>
@@ -11463,12 +14208,25 @@
                 <a:solidFill>
                   <a:srgbClr val="8db7a9"/>
                 </a:solidFill>
+                <a:uFill>
+                  <a:solidFill>
+                    <a:srgbClr val="ffffff"/>
+                  </a:solidFill>
+                </a:uFill>
                 <a:latin typeface="Raleway Black"/>
                 <a:ea typeface="Raleway Black"/>
               </a:rPr>
               <a:t>- mapping</a:t>
             </a:r>
             <a:endParaRPr b="0" lang="en-US" sz="900" spc="-1" strike="noStrike">
+              <a:solidFill>
+                <a:srgbClr val="ffffff"/>
+              </a:solidFill>
+              <a:uFill>
+                <a:solidFill>
+                  <a:srgbClr val="ffffff"/>
+                </a:solidFill>
+              </a:uFill>
               <a:latin typeface="Arial"/>
             </a:endParaRPr>
           </a:p>
@@ -11487,7 +14245,7 @@
         <p:spPr>
           <a:xfrm>
             <a:off x="365760" y="743040"/>
-            <a:ext cx="7497000" cy="4748040"/>
+            <a:ext cx="7496640" cy="4747680"/>
           </a:xfrm>
           <a:prstGeom prst="rect">
             <a:avLst/>
@@ -11510,7 +14268,7 @@
         <p:spPr>
           <a:xfrm>
             <a:off x="5862240" y="1166760"/>
-            <a:ext cx="7944120" cy="5146560"/>
+            <a:ext cx="7943760" cy="5146200"/>
           </a:xfrm>
           <a:prstGeom prst="rect">
             <a:avLst/>
@@ -11578,7 +14336,7 @@
         <p:spPr>
           <a:xfrm>
             <a:off x="4572000" y="130320"/>
-            <a:ext cx="4101840" cy="575640"/>
+            <a:ext cx="4101480" cy="575280"/>
           </a:xfrm>
           <a:prstGeom prst="rect">
             <a:avLst/>
@@ -11610,12 +14368,25 @@
                 <a:solidFill>
                   <a:srgbClr val="c5c5c5"/>
                 </a:solidFill>
+                <a:uFill>
+                  <a:solidFill>
+                    <a:srgbClr val="ffffff"/>
+                  </a:solidFill>
+                </a:uFill>
                 <a:latin typeface="Raleway Light"/>
                 <a:ea typeface="Raleway Light"/>
               </a:rPr>
               <a:t>RealPoint.java</a:t>
             </a:r>
             <a:endParaRPr b="0" lang="en-US" sz="2800" spc="-1" strike="noStrike">
+              <a:solidFill>
+                <a:srgbClr val="ffffff"/>
+              </a:solidFill>
+              <a:uFill>
+                <a:solidFill>
+                  <a:srgbClr val="ffffff"/>
+                </a:solidFill>
+              </a:uFill>
               <a:latin typeface="Arial"/>
             </a:endParaRPr>
           </a:p>
@@ -11630,7 +14401,7 @@
         <p:spPr>
           <a:xfrm>
             <a:off x="4572000" y="752040"/>
-            <a:ext cx="4101840" cy="220320"/>
+            <a:ext cx="4101480" cy="219960"/>
           </a:xfrm>
           <a:prstGeom prst="rect">
             <a:avLst/>
@@ -11659,12 +14430,25 @@
                 <a:solidFill>
                   <a:srgbClr val="8db7a9"/>
                 </a:solidFill>
+                <a:uFill>
+                  <a:solidFill>
+                    <a:srgbClr val="ffffff"/>
+                  </a:solidFill>
+                </a:uFill>
                 <a:latin typeface="Raleway Black"/>
                 <a:ea typeface="Raleway Black"/>
               </a:rPr>
               <a:t>- mapping</a:t>
             </a:r>
             <a:endParaRPr b="0" lang="en-US" sz="900" spc="-1" strike="noStrike">
+              <a:solidFill>
+                <a:srgbClr val="ffffff"/>
+              </a:solidFill>
+              <a:uFill>
+                <a:solidFill>
+                  <a:srgbClr val="ffffff"/>
+                </a:solidFill>
+              </a:uFill>
               <a:latin typeface="Arial"/>
             </a:endParaRPr>
           </a:p>
@@ -11683,7 +14467,7 @@
         <p:spPr>
           <a:xfrm>
             <a:off x="414000" y="730440"/>
-            <a:ext cx="7409880" cy="4224600"/>
+            <a:ext cx="7409520" cy="4224240"/>
           </a:xfrm>
           <a:prstGeom prst="rect">
             <a:avLst/>
@@ -11751,7 +14535,7 @@
         <p:spPr>
           <a:xfrm>
             <a:off x="4572000" y="130320"/>
-            <a:ext cx="4101840" cy="575640"/>
+            <a:ext cx="4101480" cy="575280"/>
           </a:xfrm>
           <a:prstGeom prst="rect">
             <a:avLst/>
@@ -11783,12 +14567,25 @@
                 <a:solidFill>
                   <a:srgbClr val="c5c5c5"/>
                 </a:solidFill>
+                <a:uFill>
+                  <a:solidFill>
+                    <a:srgbClr val="ffffff"/>
+                  </a:solidFill>
+                </a:uFill>
                 <a:latin typeface="Raleway Light"/>
                 <a:ea typeface="Raleway Light"/>
               </a:rPr>
               <a:t>RealPointList.java</a:t>
             </a:r>
             <a:endParaRPr b="0" lang="en-US" sz="2800" spc="-1" strike="noStrike">
+              <a:solidFill>
+                <a:srgbClr val="ffffff"/>
+              </a:solidFill>
+              <a:uFill>
+                <a:solidFill>
+                  <a:srgbClr val="ffffff"/>
+                </a:solidFill>
+              </a:uFill>
               <a:latin typeface="Arial"/>
             </a:endParaRPr>
           </a:p>
@@ -11803,7 +14600,7 @@
         <p:spPr>
           <a:xfrm>
             <a:off x="4572000" y="752040"/>
-            <a:ext cx="4101840" cy="220320"/>
+            <a:ext cx="4101480" cy="219960"/>
           </a:xfrm>
           <a:prstGeom prst="rect">
             <a:avLst/>
@@ -11832,12 +14629,25 @@
                 <a:solidFill>
                   <a:srgbClr val="8db7a9"/>
                 </a:solidFill>
+                <a:uFill>
+                  <a:solidFill>
+                    <a:srgbClr val="ffffff"/>
+                  </a:solidFill>
+                </a:uFill>
                 <a:latin typeface="Raleway Black"/>
                 <a:ea typeface="Raleway Black"/>
               </a:rPr>
               <a:t>- mapping</a:t>
             </a:r>
             <a:endParaRPr b="0" lang="en-US" sz="900" spc="-1" strike="noStrike">
+              <a:solidFill>
+                <a:srgbClr val="ffffff"/>
+              </a:solidFill>
+              <a:uFill>
+                <a:solidFill>
+                  <a:srgbClr val="ffffff"/>
+                </a:solidFill>
+              </a:uFill>
               <a:latin typeface="Arial"/>
             </a:endParaRPr>
           </a:p>
@@ -11856,7 +14666,7 @@
         <p:spPr>
           <a:xfrm>
             <a:off x="320040" y="725760"/>
-            <a:ext cx="7542720" cy="4074840"/>
+            <a:ext cx="7542360" cy="4074480"/>
           </a:xfrm>
           <a:prstGeom prst="rect">
             <a:avLst/>
@@ -11879,7 +14689,7 @@
         <p:spPr>
           <a:xfrm>
             <a:off x="4206240" y="1006560"/>
-            <a:ext cx="6642720" cy="4217760"/>
+            <a:ext cx="6642360" cy="4217400"/>
           </a:xfrm>
           <a:prstGeom prst="rect">
             <a:avLst/>
@@ -11947,7 +14757,7 @@
         <p:spPr>
           <a:xfrm>
             <a:off x="731520" y="130320"/>
-            <a:ext cx="7942320" cy="575640"/>
+            <a:ext cx="7941960" cy="575280"/>
           </a:xfrm>
           <a:prstGeom prst="rect">
             <a:avLst/>
@@ -11979,12 +14789,25 @@
                 <a:solidFill>
                   <a:srgbClr val="c5c5c5"/>
                 </a:solidFill>
+                <a:uFill>
+                  <a:solidFill>
+                    <a:srgbClr val="ffffff"/>
+                  </a:solidFill>
+                </a:uFill>
                 <a:latin typeface="Raleway Light"/>
                 <a:ea typeface="Raleway Light"/>
               </a:rPr>
               <a:t>RealToDeviceWindowMapping.java</a:t>
             </a:r>
             <a:endParaRPr b="0" lang="en-US" sz="2800" spc="-1" strike="noStrike">
+              <a:solidFill>
+                <a:srgbClr val="ffffff"/>
+              </a:solidFill>
+              <a:uFill>
+                <a:solidFill>
+                  <a:srgbClr val="ffffff"/>
+                </a:solidFill>
+              </a:uFill>
               <a:latin typeface="Arial"/>
             </a:endParaRPr>
           </a:p>
@@ -11999,7 +14822,7 @@
         <p:spPr>
           <a:xfrm>
             <a:off x="4572000" y="752040"/>
-            <a:ext cx="4101840" cy="220320"/>
+            <a:ext cx="4101480" cy="219960"/>
           </a:xfrm>
           <a:prstGeom prst="rect">
             <a:avLst/>
@@ -12028,12 +14851,25 @@
                 <a:solidFill>
                   <a:srgbClr val="8db7a9"/>
                 </a:solidFill>
+                <a:uFill>
+                  <a:solidFill>
+                    <a:srgbClr val="ffffff"/>
+                  </a:solidFill>
+                </a:uFill>
                 <a:latin typeface="Raleway Black"/>
                 <a:ea typeface="Raleway Black"/>
               </a:rPr>
               <a:t>- mapping</a:t>
             </a:r>
             <a:endParaRPr b="0" lang="en-US" sz="900" spc="-1" strike="noStrike">
+              <a:solidFill>
+                <a:srgbClr val="ffffff"/>
+              </a:solidFill>
+              <a:uFill>
+                <a:solidFill>
+                  <a:srgbClr val="ffffff"/>
+                </a:solidFill>
+              </a:uFill>
               <a:latin typeface="Arial"/>
             </a:endParaRPr>
           </a:p>
@@ -12052,7 +14888,7 @@
         <p:spPr>
           <a:xfrm>
             <a:off x="320040" y="723960"/>
-            <a:ext cx="7477560" cy="3763800"/>
+            <a:ext cx="7477200" cy="3763440"/>
           </a:xfrm>
           <a:prstGeom prst="rect">
             <a:avLst/>
@@ -12075,7 +14911,7 @@
         <p:spPr>
           <a:xfrm>
             <a:off x="5036040" y="1389960"/>
-            <a:ext cx="7634160" cy="3603600"/>
+            <a:ext cx="7633800" cy="3603240"/>
           </a:xfrm>
           <a:prstGeom prst="rect">
             <a:avLst/>
@@ -12143,7 +14979,7 @@
         <p:spPr>
           <a:xfrm>
             <a:off x="731520" y="130320"/>
-            <a:ext cx="7942320" cy="575640"/>
+            <a:ext cx="7941960" cy="575280"/>
           </a:xfrm>
           <a:prstGeom prst="rect">
             <a:avLst/>
@@ -12175,12 +15011,25 @@
                 <a:solidFill>
                   <a:srgbClr val="c5c5c5"/>
                 </a:solidFill>
+                <a:uFill>
+                  <a:solidFill>
+                    <a:srgbClr val="ffffff"/>
+                  </a:solidFill>
+                </a:uFill>
                 <a:latin typeface="Raleway Light"/>
                 <a:ea typeface="Raleway Light"/>
               </a:rPr>
               <a:t>RealWindow.java</a:t>
             </a:r>
             <a:endParaRPr b="0" lang="en-US" sz="2800" spc="-1" strike="noStrike">
+              <a:solidFill>
+                <a:srgbClr val="ffffff"/>
+              </a:solidFill>
+              <a:uFill>
+                <a:solidFill>
+                  <a:srgbClr val="ffffff"/>
+                </a:solidFill>
+              </a:uFill>
               <a:latin typeface="Arial"/>
             </a:endParaRPr>
           </a:p>
@@ -12195,7 +15044,7 @@
         <p:spPr>
           <a:xfrm>
             <a:off x="4572000" y="752040"/>
-            <a:ext cx="4101840" cy="220320"/>
+            <a:ext cx="4101480" cy="219960"/>
           </a:xfrm>
           <a:prstGeom prst="rect">
             <a:avLst/>
@@ -12224,12 +15073,25 @@
                 <a:solidFill>
                   <a:srgbClr val="8db7a9"/>
                 </a:solidFill>
+                <a:uFill>
+                  <a:solidFill>
+                    <a:srgbClr val="ffffff"/>
+                  </a:solidFill>
+                </a:uFill>
                 <a:latin typeface="Raleway Black"/>
                 <a:ea typeface="Raleway Black"/>
               </a:rPr>
               <a:t>- mapping</a:t>
             </a:r>
             <a:endParaRPr b="0" lang="en-US" sz="900" spc="-1" strike="noStrike">
+              <a:solidFill>
+                <a:srgbClr val="ffffff"/>
+              </a:solidFill>
+              <a:uFill>
+                <a:solidFill>
+                  <a:srgbClr val="ffffff"/>
+                </a:solidFill>
+              </a:uFill>
               <a:latin typeface="Arial"/>
             </a:endParaRPr>
           </a:p>
@@ -12248,7 +15110,7 @@
         <p:spPr>
           <a:xfrm>
             <a:off x="254880" y="695160"/>
-            <a:ext cx="7569000" cy="4062240"/>
+            <a:ext cx="7568640" cy="4061880"/>
           </a:xfrm>
           <a:prstGeom prst="rect">
             <a:avLst/>
@@ -12271,7 +15133,7 @@
         <p:spPr>
           <a:xfrm>
             <a:off x="5875920" y="1157760"/>
-            <a:ext cx="6787440" cy="3909600"/>
+            <a:ext cx="6787080" cy="3909240"/>
           </a:xfrm>
           <a:prstGeom prst="rect">
             <a:avLst/>
@@ -12339,7 +15201,7 @@
         <p:spPr>
           <a:xfrm>
             <a:off x="4572000" y="742680"/>
-            <a:ext cx="4101840" cy="575640"/>
+            <a:ext cx="4101480" cy="575280"/>
           </a:xfrm>
           <a:prstGeom prst="rect">
             <a:avLst/>
@@ -12371,12 +15233,25 @@
                 <a:solidFill>
                   <a:srgbClr val="c5c5c5"/>
                 </a:solidFill>
+                <a:uFill>
+                  <a:solidFill>
+                    <a:srgbClr val="ffffff"/>
+                  </a:solidFill>
+                </a:uFill>
                 <a:latin typeface="Raleway Light"/>
                 <a:ea typeface="Raleway Light"/>
               </a:rPr>
               <a:t>Draw</a:t>
             </a:r>
             <a:endParaRPr b="0" lang="en-US" sz="4000" spc="-1" strike="noStrike">
+              <a:solidFill>
+                <a:srgbClr val="ffffff"/>
+              </a:solidFill>
+              <a:uFill>
+                <a:solidFill>
+                  <a:srgbClr val="ffffff"/>
+                </a:solidFill>
+              </a:uFill>
               <a:latin typeface="Arial"/>
             </a:endParaRPr>
           </a:p>
@@ -12391,7 +15266,7 @@
         <p:spPr>
           <a:xfrm>
             <a:off x="4572000" y="1364760"/>
-            <a:ext cx="4101840" cy="220320"/>
+            <a:ext cx="4101480" cy="219960"/>
           </a:xfrm>
           <a:prstGeom prst="rect">
             <a:avLst/>
@@ -12423,12 +15298,25 @@
                 <a:solidFill>
                   <a:srgbClr val="8db7a9"/>
                 </a:solidFill>
+                <a:uFill>
+                  <a:solidFill>
+                    <a:srgbClr val="ffffff"/>
+                  </a:solidFill>
+                </a:uFill>
                 <a:latin typeface="Raleway Black"/>
                 <a:ea typeface="Raleway Black"/>
               </a:rPr>
               <a:t>- BY BAO</a:t>
             </a:r>
             <a:endParaRPr b="0" lang="en-US" sz="1000" spc="-1" strike="noStrike">
+              <a:solidFill>
+                <a:srgbClr val="ffffff"/>
+              </a:solidFill>
+              <a:uFill>
+                <a:solidFill>
+                  <a:srgbClr val="ffffff"/>
+                </a:solidFill>
+              </a:uFill>
               <a:latin typeface="Arial"/>
             </a:endParaRPr>
           </a:p>
@@ -12447,7 +15335,7 @@
         <p:spPr>
           <a:xfrm>
             <a:off x="4846320" y="2217600"/>
-            <a:ext cx="9142560" cy="1991160"/>
+            <a:ext cx="9142200" cy="1990800"/>
           </a:xfrm>
           <a:prstGeom prst="rect">
             <a:avLst/>
@@ -12466,7 +15354,7 @@
         <p:spPr>
           <a:xfrm>
             <a:off x="0" y="360"/>
-            <a:ext cx="4206240" cy="5146200"/>
+            <a:ext cx="4205880" cy="5145840"/>
           </a:xfrm>
           <a:custGeom>
             <a:avLst/>
@@ -12581,7 +15469,7 @@
         <p:spPr>
           <a:xfrm>
             <a:off x="1073520" y="600120"/>
-            <a:ext cx="2217960" cy="3240000"/>
+            <a:ext cx="2217600" cy="3239640"/>
           </a:xfrm>
           <a:prstGeom prst="rect">
             <a:avLst/>
@@ -12602,11 +15490,28 @@
           <a:p>
             <a:r>
               <a:rPr b="1" lang="en-US" sz="22210" spc="-1" strike="noStrike">
+                <a:solidFill>
+                  <a:srgbClr val="ffffff"/>
+                </a:solidFill>
+                <a:uFill>
+                  <a:solidFill>
+                    <a:srgbClr val="ffffff"/>
+                  </a:solidFill>
+                </a:uFill>
                 <a:latin typeface="Arial"/>
+                <a:ea typeface="DejaVu Sans"/>
               </a:rPr>
               <a:t>D</a:t>
             </a:r>
             <a:endParaRPr b="0" lang="en-US" sz="22210" spc="-1" strike="noStrike">
+              <a:solidFill>
+                <a:srgbClr val="ffffff"/>
+              </a:solidFill>
+              <a:uFill>
+                <a:solidFill>
+                  <a:srgbClr val="ffffff"/>
+                </a:solidFill>
+              </a:uFill>
               <a:latin typeface="Arial"/>
             </a:endParaRPr>
           </a:p>
@@ -12621,7 +15526,7 @@
         <p:spPr>
           <a:xfrm>
             <a:off x="2418480" y="-1440360"/>
-            <a:ext cx="1283400" cy="3516120"/>
+            <a:ext cx="1283040" cy="3515760"/>
           </a:xfrm>
           <a:custGeom>
             <a:avLst/>
@@ -12907,7 +15812,7 @@
         <p:spPr>
           <a:xfrm>
             <a:off x="731520" y="130320"/>
-            <a:ext cx="7942320" cy="575640"/>
+            <a:ext cx="7941960" cy="575280"/>
           </a:xfrm>
           <a:prstGeom prst="rect">
             <a:avLst/>
@@ -12939,12 +15844,25 @@
                 <a:solidFill>
                   <a:srgbClr val="c5c5c5"/>
                 </a:solidFill>
+                <a:uFill>
+                  <a:solidFill>
+                    <a:srgbClr val="ffffff"/>
+                  </a:solidFill>
+                </a:uFill>
                 <a:latin typeface="Raleway Light"/>
                 <a:ea typeface="Raleway Light"/>
               </a:rPr>
               <a:t>LineChartPanel.java</a:t>
             </a:r>
             <a:endParaRPr b="0" lang="en-US" sz="2800" spc="-1" strike="noStrike">
+              <a:solidFill>
+                <a:srgbClr val="ffffff"/>
+              </a:solidFill>
+              <a:uFill>
+                <a:solidFill>
+                  <a:srgbClr val="ffffff"/>
+                </a:solidFill>
+              </a:uFill>
               <a:latin typeface="Arial"/>
             </a:endParaRPr>
           </a:p>
@@ -12959,7 +15877,7 @@
         <p:spPr>
           <a:xfrm>
             <a:off x="4572000" y="752040"/>
-            <a:ext cx="4101840" cy="220320"/>
+            <a:ext cx="4101480" cy="219960"/>
           </a:xfrm>
           <a:prstGeom prst="rect">
             <a:avLst/>
@@ -12988,12 +15906,25 @@
                 <a:solidFill>
                   <a:srgbClr val="8db7a9"/>
                 </a:solidFill>
+                <a:uFill>
+                  <a:solidFill>
+                    <a:srgbClr val="ffffff"/>
+                  </a:solidFill>
+                </a:uFill>
                 <a:latin typeface="Raleway Black"/>
                 <a:ea typeface="Raleway Black"/>
               </a:rPr>
               <a:t>- drawing</a:t>
             </a:r>
             <a:endParaRPr b="0" lang="en-US" sz="900" spc="-1" strike="noStrike">
+              <a:solidFill>
+                <a:srgbClr val="ffffff"/>
+              </a:solidFill>
+              <a:uFill>
+                <a:solidFill>
+                  <a:srgbClr val="ffffff"/>
+                </a:solidFill>
+              </a:uFill>
               <a:latin typeface="Arial"/>
             </a:endParaRPr>
           </a:p>
@@ -13012,7 +15943,7 @@
         <p:spPr>
           <a:xfrm>
             <a:off x="181440" y="182880"/>
-            <a:ext cx="3475080" cy="2982240"/>
+            <a:ext cx="3474720" cy="2981880"/>
           </a:xfrm>
           <a:prstGeom prst="rect">
             <a:avLst/>
@@ -13035,7 +15966,7 @@
         <p:spPr>
           <a:xfrm>
             <a:off x="3108960" y="752040"/>
-            <a:ext cx="3721680" cy="3344760"/>
+            <a:ext cx="3721320" cy="3344400"/>
           </a:xfrm>
           <a:prstGeom prst="rect">
             <a:avLst/>
@@ -13058,7 +15989,7 @@
         <p:spPr>
           <a:xfrm>
             <a:off x="6098400" y="1280880"/>
-            <a:ext cx="3044520" cy="3865320"/>
+            <a:ext cx="3044160" cy="3864960"/>
           </a:xfrm>
           <a:prstGeom prst="rect">
             <a:avLst/>
@@ -13126,7 +16057,7 @@
         <p:spPr>
           <a:xfrm>
             <a:off x="731520" y="130320"/>
-            <a:ext cx="7942320" cy="575640"/>
+            <a:ext cx="7941960" cy="575280"/>
           </a:xfrm>
           <a:prstGeom prst="rect">
             <a:avLst/>
@@ -13158,12 +16089,25 @@
                 <a:solidFill>
                   <a:srgbClr val="c5c5c5"/>
                 </a:solidFill>
+                <a:uFill>
+                  <a:solidFill>
+                    <a:srgbClr val="ffffff"/>
+                  </a:solidFill>
+                </a:uFill>
                 <a:latin typeface="Raleway Light"/>
                 <a:ea typeface="Raleway Light"/>
               </a:rPr>
               <a:t>LineChartPanel.java</a:t>
             </a:r>
             <a:endParaRPr b="0" lang="en-US" sz="2800" spc="-1" strike="noStrike">
+              <a:solidFill>
+                <a:srgbClr val="ffffff"/>
+              </a:solidFill>
+              <a:uFill>
+                <a:solidFill>
+                  <a:srgbClr val="ffffff"/>
+                </a:solidFill>
+              </a:uFill>
               <a:latin typeface="Arial"/>
             </a:endParaRPr>
           </a:p>
@@ -13178,7 +16122,7 @@
         <p:spPr>
           <a:xfrm>
             <a:off x="4572000" y="752040"/>
-            <a:ext cx="4101840" cy="220320"/>
+            <a:ext cx="4101480" cy="219960"/>
           </a:xfrm>
           <a:prstGeom prst="rect">
             <a:avLst/>
@@ -13207,12 +16151,25 @@
                 <a:solidFill>
                   <a:srgbClr val="8db7a9"/>
                 </a:solidFill>
+                <a:uFill>
+                  <a:solidFill>
+                    <a:srgbClr val="ffffff"/>
+                  </a:solidFill>
+                </a:uFill>
                 <a:latin typeface="Raleway Black"/>
                 <a:ea typeface="Raleway Black"/>
               </a:rPr>
               <a:t>- drawing</a:t>
             </a:r>
             <a:endParaRPr b="0" lang="en-US" sz="900" spc="-1" strike="noStrike">
+              <a:solidFill>
+                <a:srgbClr val="ffffff"/>
+              </a:solidFill>
+              <a:uFill>
+                <a:solidFill>
+                  <a:srgbClr val="ffffff"/>
+                </a:solidFill>
+              </a:uFill>
               <a:latin typeface="Arial"/>
             </a:endParaRPr>
           </a:p>
@@ -13231,7 +16188,7 @@
         <p:spPr>
           <a:xfrm>
             <a:off x="539640" y="860400"/>
-            <a:ext cx="7048800" cy="4308120"/>
+            <a:ext cx="7048440" cy="4307760"/>
           </a:xfrm>
           <a:prstGeom prst="rect">
             <a:avLst/>
@@ -13299,7 +16256,7 @@
         <p:spPr>
           <a:xfrm>
             <a:off x="2638800" y="1764720"/>
-            <a:ext cx="610200" cy="609840"/>
+            <a:ext cx="609840" cy="609480"/>
           </a:xfrm>
           <a:prstGeom prst="roundRect">
             <a:avLst>
@@ -13337,7 +16294,7 @@
         <p:spPr>
           <a:xfrm>
             <a:off x="2650320" y="2579400"/>
-            <a:ext cx="610200" cy="609840"/>
+            <a:ext cx="609840" cy="609480"/>
           </a:xfrm>
           <a:prstGeom prst="roundRect">
             <a:avLst>
@@ -13377,7 +16334,7 @@
         <p:spPr>
           <a:xfrm>
             <a:off x="2638800" y="3397680"/>
-            <a:ext cx="610200" cy="609840"/>
+            <a:ext cx="609840" cy="609480"/>
           </a:xfrm>
           <a:prstGeom prst="roundRect">
             <a:avLst>
@@ -13415,7 +16372,7 @@
         <p:spPr>
           <a:xfrm>
             <a:off x="2496960" y="372960"/>
-            <a:ext cx="4161600" cy="575640"/>
+            <a:ext cx="4161240" cy="575280"/>
           </a:xfrm>
           <a:prstGeom prst="rect">
             <a:avLst/>
@@ -13447,12 +16404,25 @@
                 <a:solidFill>
                   <a:srgbClr val="c5c5c5"/>
                 </a:solidFill>
+                <a:uFill>
+                  <a:solidFill>
+                    <a:srgbClr val="ffffff"/>
+                  </a:solidFill>
+                </a:uFill>
                 <a:latin typeface="Raleway Light"/>
                 <a:ea typeface="Raleway Light"/>
               </a:rPr>
               <a:t>Introduction</a:t>
             </a:r>
             <a:endParaRPr b="0" lang="en-US" sz="4000" spc="-1" strike="noStrike">
+              <a:solidFill>
+                <a:srgbClr val="ffffff"/>
+              </a:solidFill>
+              <a:uFill>
+                <a:solidFill>
+                  <a:srgbClr val="ffffff"/>
+                </a:solidFill>
+              </a:uFill>
               <a:latin typeface="Arial"/>
             </a:endParaRPr>
           </a:p>
@@ -13467,7 +16437,7 @@
         <p:spPr>
           <a:xfrm>
             <a:off x="2496960" y="995040"/>
-            <a:ext cx="4161600" cy="220320"/>
+            <a:ext cx="4161240" cy="219960"/>
           </a:xfrm>
           <a:prstGeom prst="rect">
             <a:avLst/>
@@ -13499,12 +16469,25 @@
                 <a:solidFill>
                   <a:srgbClr val="8db7a9"/>
                 </a:solidFill>
+                <a:uFill>
+                  <a:solidFill>
+                    <a:srgbClr val="ffffff"/>
+                  </a:solidFill>
+                </a:uFill>
                 <a:latin typeface="Raleway Black"/>
                 <a:ea typeface="Raleway Black"/>
               </a:rPr>
               <a:t>VISUALIZATION</a:t>
             </a:r>
             <a:endParaRPr b="0" lang="en-US" sz="1000" spc="-1" strike="noStrike">
+              <a:solidFill>
+                <a:srgbClr val="ffffff"/>
+              </a:solidFill>
+              <a:uFill>
+                <a:solidFill>
+                  <a:srgbClr val="ffffff"/>
+                </a:solidFill>
+              </a:uFill>
               <a:latin typeface="Arial"/>
             </a:endParaRPr>
           </a:p>
@@ -13519,7 +16502,7 @@
         <p:spPr>
           <a:xfrm>
             <a:off x="3384720" y="1712880"/>
-            <a:ext cx="2954520" cy="302400"/>
+            <a:ext cx="2954160" cy="302040"/>
           </a:xfrm>
           <a:prstGeom prst="rect">
             <a:avLst/>
@@ -13551,12 +16534,25 @@
                 <a:solidFill>
                   <a:srgbClr val="808080"/>
                 </a:solidFill>
+                <a:uFill>
+                  <a:solidFill>
+                    <a:srgbClr val="ffffff"/>
+                  </a:solidFill>
+                </a:uFill>
                 <a:latin typeface="Raleway Black"/>
                 <a:ea typeface="Raleway Black"/>
               </a:rPr>
               <a:t>WHAT IS VISUALIZATION DATA?</a:t>
             </a:r>
             <a:endParaRPr b="0" lang="en-US" sz="1000" spc="-1" strike="noStrike">
+              <a:solidFill>
+                <a:srgbClr val="ffffff"/>
+              </a:solidFill>
+              <a:uFill>
+                <a:solidFill>
+                  <a:srgbClr val="ffffff"/>
+                </a:solidFill>
+              </a:uFill>
               <a:latin typeface="Arial"/>
             </a:endParaRPr>
           </a:p>
@@ -13571,7 +16567,7 @@
         <p:spPr>
           <a:xfrm>
             <a:off x="3384720" y="1965600"/>
-            <a:ext cx="2954520" cy="352440"/>
+            <a:ext cx="2954160" cy="352080"/>
           </a:xfrm>
           <a:prstGeom prst="rect">
             <a:avLst/>
@@ -13592,7 +16588,7 @@
           <a:p>
             <a:pPr>
               <a:lnSpc>
-                <a:spcPts val="8"/>
+                <a:spcPts val="3"/>
               </a:lnSpc>
               <a:spcBef>
                 <a:spcPts val="751"/>
@@ -13603,12 +16599,25 @@
                 <a:solidFill>
                   <a:srgbClr val="808080"/>
                 </a:solidFill>
+                <a:uFill>
+                  <a:solidFill>
+                    <a:srgbClr val="ffffff"/>
+                  </a:solidFill>
+                </a:uFill>
                 <a:latin typeface="Lato"/>
                 <a:ea typeface="Lato"/>
               </a:rPr>
               <a:t>Visualization = Numberic → Picture (like graph)</a:t>
             </a:r>
             <a:endParaRPr b="0" lang="en-US" sz="900" spc="-1" strike="noStrike">
+              <a:solidFill>
+                <a:srgbClr val="ffffff"/>
+              </a:solidFill>
+              <a:uFill>
+                <a:solidFill>
+                  <a:srgbClr val="ffffff"/>
+                </a:solidFill>
+              </a:uFill>
               <a:latin typeface="Arial"/>
             </a:endParaRPr>
           </a:p>
@@ -13623,7 +16632,7 @@
         <p:spPr>
           <a:xfrm>
             <a:off x="3384720" y="2583000"/>
-            <a:ext cx="2954520" cy="302400"/>
+            <a:ext cx="2954160" cy="302040"/>
           </a:xfrm>
           <a:prstGeom prst="rect">
             <a:avLst/>
@@ -13655,12 +16664,25 @@
                 <a:solidFill>
                   <a:srgbClr val="808080"/>
                 </a:solidFill>
+                <a:uFill>
+                  <a:solidFill>
+                    <a:srgbClr val="ffffff"/>
+                  </a:solidFill>
+                </a:uFill>
                 <a:latin typeface="Raleway Black"/>
                 <a:ea typeface="Raleway Black"/>
               </a:rPr>
               <a:t>IS IT IMPORTANT?</a:t>
             </a:r>
             <a:endParaRPr b="0" lang="en-US" sz="1000" spc="-1" strike="noStrike">
+              <a:solidFill>
+                <a:srgbClr val="ffffff"/>
+              </a:solidFill>
+              <a:uFill>
+                <a:solidFill>
+                  <a:srgbClr val="ffffff"/>
+                </a:solidFill>
+              </a:uFill>
               <a:latin typeface="Arial"/>
             </a:endParaRPr>
           </a:p>
@@ -13675,7 +16697,7 @@
         <p:spPr>
           <a:xfrm>
             <a:off x="3384720" y="2835360"/>
-            <a:ext cx="2954520" cy="352440"/>
+            <a:ext cx="2954160" cy="352080"/>
           </a:xfrm>
           <a:prstGeom prst="rect">
             <a:avLst/>
@@ -13696,7 +16718,7 @@
           <a:p>
             <a:pPr>
               <a:lnSpc>
-                <a:spcPts val="8"/>
+                <a:spcPts val="3"/>
               </a:lnSpc>
               <a:spcBef>
                 <a:spcPts val="751"/>
@@ -13707,12 +16729,25 @@
                 <a:solidFill>
                   <a:srgbClr val="808080"/>
                 </a:solidFill>
+                <a:uFill>
+                  <a:solidFill>
+                    <a:srgbClr val="ffffff"/>
+                  </a:solidFill>
+                </a:uFill>
                 <a:latin typeface="Lato"/>
                 <a:ea typeface="Lato"/>
               </a:rPr>
               <a:t>Yes! Visualization data is common request in many application.</a:t>
             </a:r>
             <a:endParaRPr b="0" lang="en-US" sz="900" spc="-1" strike="noStrike">
+              <a:solidFill>
+                <a:srgbClr val="ffffff"/>
+              </a:solidFill>
+              <a:uFill>
+                <a:solidFill>
+                  <a:srgbClr val="ffffff"/>
+                </a:solidFill>
+              </a:uFill>
               <a:latin typeface="Arial"/>
             </a:endParaRPr>
           </a:p>
@@ -13727,7 +16762,7 @@
         <p:spPr>
           <a:xfrm>
             <a:off x="3384720" y="3387240"/>
-            <a:ext cx="2954520" cy="302400"/>
+            <a:ext cx="2954160" cy="302040"/>
           </a:xfrm>
           <a:prstGeom prst="rect">
             <a:avLst/>
@@ -13759,12 +16794,25 @@
                 <a:solidFill>
                   <a:srgbClr val="808080"/>
                 </a:solidFill>
+                <a:uFill>
+                  <a:solidFill>
+                    <a:srgbClr val="ffffff"/>
+                  </a:solidFill>
+                </a:uFill>
                 <a:latin typeface="Raleway Black"/>
                 <a:ea typeface="Raleway Black"/>
               </a:rPr>
               <a:t>WHY?</a:t>
             </a:r>
             <a:endParaRPr b="0" lang="en-US" sz="1000" spc="-1" strike="noStrike">
+              <a:solidFill>
+                <a:srgbClr val="ffffff"/>
+              </a:solidFill>
+              <a:uFill>
+                <a:solidFill>
+                  <a:srgbClr val="ffffff"/>
+                </a:solidFill>
+              </a:uFill>
               <a:latin typeface="Arial"/>
             </a:endParaRPr>
           </a:p>
@@ -13779,7 +16827,7 @@
         <p:spPr>
           <a:xfrm>
             <a:off x="3384720" y="3640320"/>
-            <a:ext cx="2954520" cy="352440"/>
+            <a:ext cx="2954160" cy="352080"/>
           </a:xfrm>
           <a:prstGeom prst="rect">
             <a:avLst/>
@@ -13800,7 +16848,7 @@
           <a:p>
             <a:pPr>
               <a:lnSpc>
-                <a:spcPts val="8"/>
+                <a:spcPts val="3"/>
               </a:lnSpc>
               <a:spcBef>
                 <a:spcPts val="751"/>
@@ -13811,12 +16859,25 @@
                 <a:solidFill>
                   <a:srgbClr val="808080"/>
                 </a:solidFill>
+                <a:uFill>
+                  <a:solidFill>
+                    <a:srgbClr val="ffffff"/>
+                  </a:solidFill>
+                </a:uFill>
                 <a:latin typeface="Lato"/>
                 <a:ea typeface="Lato"/>
               </a:rPr>
               <a:t>Because graphical data is easier to understand than text,</a:t>
             </a:r>
             <a:endParaRPr b="0" lang="en-US" sz="900" spc="-1" strike="noStrike">
+              <a:solidFill>
+                <a:srgbClr val="ffffff"/>
+              </a:solidFill>
+              <a:uFill>
+                <a:solidFill>
+                  <a:srgbClr val="ffffff"/>
+                </a:solidFill>
+              </a:uFill>
               <a:latin typeface="Arial"/>
             </a:endParaRPr>
           </a:p>
@@ -13880,7 +16941,7 @@
         <p:spPr>
           <a:xfrm>
             <a:off x="731520" y="130320"/>
-            <a:ext cx="7942320" cy="575640"/>
+            <a:ext cx="7941960" cy="575280"/>
           </a:xfrm>
           <a:prstGeom prst="rect">
             <a:avLst/>
@@ -13912,12 +16973,25 @@
                 <a:solidFill>
                   <a:srgbClr val="c5c5c5"/>
                 </a:solidFill>
+                <a:uFill>
+                  <a:solidFill>
+                    <a:srgbClr val="ffffff"/>
+                  </a:solidFill>
+                </a:uFill>
                 <a:latin typeface="Raleway Light"/>
                 <a:ea typeface="Raleway Light"/>
               </a:rPr>
               <a:t>LineChartPanel.java</a:t>
             </a:r>
             <a:endParaRPr b="0" lang="en-US" sz="2800" spc="-1" strike="noStrike">
+              <a:solidFill>
+                <a:srgbClr val="ffffff"/>
+              </a:solidFill>
+              <a:uFill>
+                <a:solidFill>
+                  <a:srgbClr val="ffffff"/>
+                </a:solidFill>
+              </a:uFill>
               <a:latin typeface="Arial"/>
             </a:endParaRPr>
           </a:p>
@@ -13932,7 +17006,7 @@
         <p:spPr>
           <a:xfrm>
             <a:off x="4572000" y="752040"/>
-            <a:ext cx="4101840" cy="220320"/>
+            <a:ext cx="4101480" cy="219960"/>
           </a:xfrm>
           <a:prstGeom prst="rect">
             <a:avLst/>
@@ -13961,12 +17035,25 @@
                 <a:solidFill>
                   <a:srgbClr val="8db7a9"/>
                 </a:solidFill>
+                <a:uFill>
+                  <a:solidFill>
+                    <a:srgbClr val="ffffff"/>
+                  </a:solidFill>
+                </a:uFill>
                 <a:latin typeface="Raleway Black"/>
                 <a:ea typeface="Raleway Black"/>
               </a:rPr>
               <a:t>- drawing</a:t>
             </a:r>
             <a:endParaRPr b="0" lang="en-US" sz="900" spc="-1" strike="noStrike">
+              <a:solidFill>
+                <a:srgbClr val="ffffff"/>
+              </a:solidFill>
+              <a:uFill>
+                <a:solidFill>
+                  <a:srgbClr val="ffffff"/>
+                </a:solidFill>
+              </a:uFill>
               <a:latin typeface="Arial"/>
             </a:endParaRPr>
           </a:p>
@@ -13985,7 +17072,7 @@
         <p:spPr>
           <a:xfrm>
             <a:off x="453600" y="715320"/>
-            <a:ext cx="7353720" cy="4479480"/>
+            <a:ext cx="7353360" cy="4479120"/>
           </a:xfrm>
           <a:prstGeom prst="rect">
             <a:avLst/>
@@ -14053,7 +17140,7 @@
         <p:spPr>
           <a:xfrm>
             <a:off x="731520" y="130320"/>
-            <a:ext cx="7942320" cy="575640"/>
+            <a:ext cx="7941960" cy="575280"/>
           </a:xfrm>
           <a:prstGeom prst="rect">
             <a:avLst/>
@@ -14085,12 +17172,25 @@
                 <a:solidFill>
                   <a:srgbClr val="c5c5c5"/>
                 </a:solidFill>
+                <a:uFill>
+                  <a:solidFill>
+                    <a:srgbClr val="ffffff"/>
+                  </a:solidFill>
+                </a:uFill>
                 <a:latin typeface="Raleway Light"/>
                 <a:ea typeface="Raleway Light"/>
               </a:rPr>
               <a:t>LineChartPanel.java</a:t>
             </a:r>
             <a:endParaRPr b="0" lang="en-US" sz="2800" spc="-1" strike="noStrike">
+              <a:solidFill>
+                <a:srgbClr val="ffffff"/>
+              </a:solidFill>
+              <a:uFill>
+                <a:solidFill>
+                  <a:srgbClr val="ffffff"/>
+                </a:solidFill>
+              </a:uFill>
               <a:latin typeface="Arial"/>
             </a:endParaRPr>
           </a:p>
@@ -14105,7 +17205,7 @@
         <p:spPr>
           <a:xfrm>
             <a:off x="4572000" y="752040"/>
-            <a:ext cx="4101840" cy="220320"/>
+            <a:ext cx="4101480" cy="219960"/>
           </a:xfrm>
           <a:prstGeom prst="rect">
             <a:avLst/>
@@ -14134,12 +17234,25 @@
                 <a:solidFill>
                   <a:srgbClr val="8db7a9"/>
                 </a:solidFill>
+                <a:uFill>
+                  <a:solidFill>
+                    <a:srgbClr val="ffffff"/>
+                  </a:solidFill>
+                </a:uFill>
                 <a:latin typeface="Raleway Black"/>
                 <a:ea typeface="Raleway Black"/>
               </a:rPr>
               <a:t>- drawing</a:t>
             </a:r>
             <a:endParaRPr b="0" lang="en-US" sz="900" spc="-1" strike="noStrike">
+              <a:solidFill>
+                <a:srgbClr val="ffffff"/>
+              </a:solidFill>
+              <a:uFill>
+                <a:solidFill>
+                  <a:srgbClr val="ffffff"/>
+                </a:solidFill>
+              </a:uFill>
               <a:latin typeface="Arial"/>
             </a:endParaRPr>
           </a:p>
@@ -14158,7 +17271,7 @@
         <p:spPr>
           <a:xfrm>
             <a:off x="365760" y="716400"/>
-            <a:ext cx="7425360" cy="4148280"/>
+            <a:ext cx="7425000" cy="4147920"/>
           </a:xfrm>
           <a:prstGeom prst="rect">
             <a:avLst/>
@@ -14226,7 +17339,7 @@
         <p:spPr>
           <a:xfrm>
             <a:off x="731520" y="130320"/>
-            <a:ext cx="7942320" cy="575640"/>
+            <a:ext cx="7941960" cy="575280"/>
           </a:xfrm>
           <a:prstGeom prst="rect">
             <a:avLst/>
@@ -14258,12 +17371,25 @@
                 <a:solidFill>
                   <a:srgbClr val="c5c5c5"/>
                 </a:solidFill>
+                <a:uFill>
+                  <a:solidFill>
+                    <a:srgbClr val="ffffff"/>
+                  </a:solidFill>
+                </a:uFill>
                 <a:latin typeface="Raleway Light"/>
                 <a:ea typeface="Raleway Light"/>
               </a:rPr>
               <a:t>LineChartPanel.java</a:t>
             </a:r>
             <a:endParaRPr b="0" lang="en-US" sz="2800" spc="-1" strike="noStrike">
+              <a:solidFill>
+                <a:srgbClr val="ffffff"/>
+              </a:solidFill>
+              <a:uFill>
+                <a:solidFill>
+                  <a:srgbClr val="ffffff"/>
+                </a:solidFill>
+              </a:uFill>
               <a:latin typeface="Arial"/>
             </a:endParaRPr>
           </a:p>
@@ -14278,7 +17404,7 @@
         <p:spPr>
           <a:xfrm>
             <a:off x="4572000" y="752040"/>
-            <a:ext cx="4101840" cy="220320"/>
+            <a:ext cx="4101480" cy="219960"/>
           </a:xfrm>
           <a:prstGeom prst="rect">
             <a:avLst/>
@@ -14307,12 +17433,25 @@
                 <a:solidFill>
                   <a:srgbClr val="8db7a9"/>
                 </a:solidFill>
+                <a:uFill>
+                  <a:solidFill>
+                    <a:srgbClr val="ffffff"/>
+                  </a:solidFill>
+                </a:uFill>
                 <a:latin typeface="Raleway Black"/>
                 <a:ea typeface="Raleway Black"/>
               </a:rPr>
               <a:t>- drawing</a:t>
             </a:r>
             <a:endParaRPr b="0" lang="en-US" sz="900" spc="-1" strike="noStrike">
+              <a:solidFill>
+                <a:srgbClr val="ffffff"/>
+              </a:solidFill>
+              <a:uFill>
+                <a:solidFill>
+                  <a:srgbClr val="ffffff"/>
+                </a:solidFill>
+              </a:uFill>
               <a:latin typeface="Arial"/>
             </a:endParaRPr>
           </a:p>
@@ -14331,7 +17470,7 @@
         <p:spPr>
           <a:xfrm>
             <a:off x="385200" y="734760"/>
-            <a:ext cx="7497000" cy="4234320"/>
+            <a:ext cx="7496640" cy="4233960"/>
           </a:xfrm>
           <a:prstGeom prst="rect">
             <a:avLst/>
@@ -14399,7 +17538,7 @@
         <p:spPr>
           <a:xfrm>
             <a:off x="731520" y="130320"/>
-            <a:ext cx="7942320" cy="575640"/>
+            <a:ext cx="7941960" cy="575280"/>
           </a:xfrm>
           <a:prstGeom prst="rect">
             <a:avLst/>
@@ -14431,12 +17570,25 @@
                 <a:solidFill>
                   <a:srgbClr val="c5c5c5"/>
                 </a:solidFill>
+                <a:uFill>
+                  <a:solidFill>
+                    <a:srgbClr val="ffffff"/>
+                  </a:solidFill>
+                </a:uFill>
                 <a:latin typeface="Raleway Light"/>
                 <a:ea typeface="Raleway Light"/>
               </a:rPr>
               <a:t>LineChartPanel.java</a:t>
             </a:r>
             <a:endParaRPr b="0" lang="en-US" sz="2800" spc="-1" strike="noStrike">
+              <a:solidFill>
+                <a:srgbClr val="ffffff"/>
+              </a:solidFill>
+              <a:uFill>
+                <a:solidFill>
+                  <a:srgbClr val="ffffff"/>
+                </a:solidFill>
+              </a:uFill>
               <a:latin typeface="Arial"/>
             </a:endParaRPr>
           </a:p>
@@ -14451,7 +17603,7 @@
         <p:spPr>
           <a:xfrm>
             <a:off x="4572000" y="752040"/>
-            <a:ext cx="4101840" cy="220320"/>
+            <a:ext cx="4101480" cy="219960"/>
           </a:xfrm>
           <a:prstGeom prst="rect">
             <a:avLst/>
@@ -14480,12 +17632,25 @@
                 <a:solidFill>
                   <a:srgbClr val="8db7a9"/>
                 </a:solidFill>
+                <a:uFill>
+                  <a:solidFill>
+                    <a:srgbClr val="ffffff"/>
+                  </a:solidFill>
+                </a:uFill>
                 <a:latin typeface="Raleway Black"/>
                 <a:ea typeface="Raleway Black"/>
               </a:rPr>
               <a:t>- drawing</a:t>
             </a:r>
             <a:endParaRPr b="0" lang="en-US" sz="900" spc="-1" strike="noStrike">
+              <a:solidFill>
+                <a:srgbClr val="ffffff"/>
+              </a:solidFill>
+              <a:uFill>
+                <a:solidFill>
+                  <a:srgbClr val="ffffff"/>
+                </a:solidFill>
+              </a:uFill>
               <a:latin typeface="Arial"/>
             </a:endParaRPr>
           </a:p>
@@ -14504,7 +17669,7 @@
         <p:spPr>
           <a:xfrm>
             <a:off x="311400" y="2562120"/>
-            <a:ext cx="5173920" cy="2652840"/>
+            <a:ext cx="5173560" cy="2652480"/>
           </a:xfrm>
           <a:prstGeom prst="rect">
             <a:avLst/>
@@ -14527,7 +17692,7 @@
         <p:spPr>
           <a:xfrm>
             <a:off x="3840480" y="1098000"/>
-            <a:ext cx="4936680" cy="2881440"/>
+            <a:ext cx="4936320" cy="2881080"/>
           </a:xfrm>
           <a:prstGeom prst="rect">
             <a:avLst/>
@@ -14595,7 +17760,7 @@
         <p:spPr>
           <a:xfrm>
             <a:off x="731520" y="130320"/>
-            <a:ext cx="7942320" cy="575640"/>
+            <a:ext cx="7941960" cy="575280"/>
           </a:xfrm>
           <a:prstGeom prst="rect">
             <a:avLst/>
@@ -14627,12 +17792,25 @@
                 <a:solidFill>
                   <a:srgbClr val="c5c5c5"/>
                 </a:solidFill>
+                <a:uFill>
+                  <a:solidFill>
+                    <a:srgbClr val="ffffff"/>
+                  </a:solidFill>
+                </a:uFill>
                 <a:latin typeface="Raleway Light"/>
                 <a:ea typeface="Raleway Light"/>
               </a:rPr>
               <a:t>LineChartPanel.java</a:t>
             </a:r>
             <a:endParaRPr b="0" lang="en-US" sz="2800" spc="-1" strike="noStrike">
+              <a:solidFill>
+                <a:srgbClr val="ffffff"/>
+              </a:solidFill>
+              <a:uFill>
+                <a:solidFill>
+                  <a:srgbClr val="ffffff"/>
+                </a:solidFill>
+              </a:uFill>
               <a:latin typeface="Arial"/>
             </a:endParaRPr>
           </a:p>
@@ -14647,7 +17825,7 @@
         <p:spPr>
           <a:xfrm>
             <a:off x="4572000" y="752040"/>
-            <a:ext cx="4101840" cy="220320"/>
+            <a:ext cx="4101480" cy="219960"/>
           </a:xfrm>
           <a:prstGeom prst="rect">
             <a:avLst/>
@@ -14676,12 +17854,25 @@
                 <a:solidFill>
                   <a:srgbClr val="8db7a9"/>
                 </a:solidFill>
+                <a:uFill>
+                  <a:solidFill>
+                    <a:srgbClr val="ffffff"/>
+                  </a:solidFill>
+                </a:uFill>
                 <a:latin typeface="Raleway Black"/>
                 <a:ea typeface="Raleway Black"/>
               </a:rPr>
               <a:t>- drawing</a:t>
             </a:r>
             <a:endParaRPr b="0" lang="en-US" sz="900" spc="-1" strike="noStrike">
+              <a:solidFill>
+                <a:srgbClr val="ffffff"/>
+              </a:solidFill>
+              <a:uFill>
+                <a:solidFill>
+                  <a:srgbClr val="ffffff"/>
+                </a:solidFill>
+              </a:uFill>
               <a:latin typeface="Arial"/>
             </a:endParaRPr>
           </a:p>
@@ -14700,7 +17891,7 @@
         <p:spPr>
           <a:xfrm>
             <a:off x="379440" y="1103400"/>
-            <a:ext cx="7519680" cy="4050360"/>
+            <a:ext cx="7519320" cy="4050000"/>
           </a:xfrm>
           <a:prstGeom prst="rect">
             <a:avLst/>
@@ -14768,7 +17959,7 @@
         <p:spPr>
           <a:xfrm>
             <a:off x="4572000" y="742680"/>
-            <a:ext cx="4101840" cy="575640"/>
+            <a:ext cx="4101480" cy="575280"/>
           </a:xfrm>
           <a:prstGeom prst="rect">
             <a:avLst/>
@@ -14800,12 +17991,25 @@
                 <a:solidFill>
                   <a:srgbClr val="c5c5c5"/>
                 </a:solidFill>
+                <a:uFill>
+                  <a:solidFill>
+                    <a:srgbClr val="ffffff"/>
+                  </a:solidFill>
+                </a:uFill>
                 <a:latin typeface="Raleway Light"/>
                 <a:ea typeface="Raleway Light"/>
               </a:rPr>
               <a:t>View</a:t>
             </a:r>
             <a:endParaRPr b="0" lang="en-US" sz="4000" spc="-1" strike="noStrike">
+              <a:solidFill>
+                <a:srgbClr val="ffffff"/>
+              </a:solidFill>
+              <a:uFill>
+                <a:solidFill>
+                  <a:srgbClr val="ffffff"/>
+                </a:solidFill>
+              </a:uFill>
               <a:latin typeface="Arial"/>
             </a:endParaRPr>
           </a:p>
@@ -14820,7 +18024,7 @@
         <p:spPr>
           <a:xfrm>
             <a:off x="4572000" y="1364760"/>
-            <a:ext cx="4101840" cy="220320"/>
+            <a:ext cx="4101480" cy="219960"/>
           </a:xfrm>
           <a:prstGeom prst="rect">
             <a:avLst/>
@@ -14852,12 +18056,25 @@
                 <a:solidFill>
                   <a:srgbClr val="8db7a9"/>
                 </a:solidFill>
+                <a:uFill>
+                  <a:solidFill>
+                    <a:srgbClr val="ffffff"/>
+                  </a:solidFill>
+                </a:uFill>
                 <a:latin typeface="Raleway Black"/>
                 <a:ea typeface="Raleway Black"/>
               </a:rPr>
               <a:t>- BY PHAT</a:t>
             </a:r>
             <a:endParaRPr b="0" lang="en-US" sz="1000" spc="-1" strike="noStrike">
+              <a:solidFill>
+                <a:srgbClr val="ffffff"/>
+              </a:solidFill>
+              <a:uFill>
+                <a:solidFill>
+                  <a:srgbClr val="ffffff"/>
+                </a:solidFill>
+              </a:uFill>
               <a:latin typeface="Arial"/>
             </a:endParaRPr>
           </a:p>
@@ -14872,7 +18089,7 @@
         <p:spPr>
           <a:xfrm>
             <a:off x="360" y="0"/>
-            <a:ext cx="4206240" cy="5146200"/>
+            <a:ext cx="4205880" cy="5145840"/>
           </a:xfrm>
           <a:custGeom>
             <a:avLst/>
@@ -15010,7 +18227,7 @@
         <p:spPr>
           <a:xfrm>
             <a:off x="4938120" y="2563200"/>
-            <a:ext cx="9142560" cy="1370520"/>
+            <a:ext cx="9142200" cy="1370160"/>
           </a:xfrm>
           <a:prstGeom prst="rect">
             <a:avLst/>
@@ -15029,7 +18246,7 @@
         <p:spPr>
           <a:xfrm>
             <a:off x="1097280" y="783000"/>
-            <a:ext cx="2062440" cy="3240000"/>
+            <a:ext cx="2062080" cy="3239640"/>
           </a:xfrm>
           <a:prstGeom prst="rect">
             <a:avLst/>
@@ -15050,11 +18267,28 @@
           <a:p>
             <a:r>
               <a:rPr b="1" lang="en-US" sz="22210" spc="-1" strike="noStrike">
+                <a:solidFill>
+                  <a:srgbClr val="ffffff"/>
+                </a:solidFill>
+                <a:uFill>
+                  <a:solidFill>
+                    <a:srgbClr val="ffffff"/>
+                  </a:solidFill>
+                </a:uFill>
                 <a:latin typeface="Arial"/>
+                <a:ea typeface="DejaVu Sans"/>
               </a:rPr>
               <a:t>V</a:t>
             </a:r>
             <a:endParaRPr b="0" lang="en-US" sz="22210" spc="-1" strike="noStrike">
+              <a:solidFill>
+                <a:srgbClr val="ffffff"/>
+              </a:solidFill>
+              <a:uFill>
+                <a:solidFill>
+                  <a:srgbClr val="ffffff"/>
+                </a:solidFill>
+              </a:uFill>
               <a:latin typeface="Arial"/>
             </a:endParaRPr>
           </a:p>
@@ -15069,7 +18303,7 @@
         <p:spPr>
           <a:xfrm>
             <a:off x="2183400" y="-1064520"/>
-            <a:ext cx="1281600" cy="2979000"/>
+            <a:ext cx="1281240" cy="2978640"/>
           </a:xfrm>
           <a:custGeom>
             <a:avLst/>
@@ -15354,7 +18588,7 @@
         <p:spPr>
           <a:xfrm>
             <a:off x="731520" y="130320"/>
-            <a:ext cx="7942320" cy="575640"/>
+            <a:ext cx="7941960" cy="575280"/>
           </a:xfrm>
           <a:prstGeom prst="rect">
             <a:avLst/>
@@ -15386,12 +18620,25 @@
                 <a:solidFill>
                   <a:srgbClr val="c5c5c5"/>
                 </a:solidFill>
+                <a:uFill>
+                  <a:solidFill>
+                    <a:srgbClr val="ffffff"/>
+                  </a:solidFill>
+                </a:uFill>
                 <a:latin typeface="Raleway Light"/>
                 <a:ea typeface="Raleway Light"/>
               </a:rPr>
               <a:t>TestLineChart.java</a:t>
             </a:r>
             <a:endParaRPr b="0" lang="en-US" sz="2800" spc="-1" strike="noStrike">
+              <a:solidFill>
+                <a:srgbClr val="ffffff"/>
+              </a:solidFill>
+              <a:uFill>
+                <a:solidFill>
+                  <a:srgbClr val="ffffff"/>
+                </a:solidFill>
+              </a:uFill>
               <a:latin typeface="Arial"/>
             </a:endParaRPr>
           </a:p>
@@ -15406,7 +18653,7 @@
         <p:spPr>
           <a:xfrm>
             <a:off x="4572000" y="752040"/>
-            <a:ext cx="4101840" cy="220320"/>
+            <a:ext cx="4101480" cy="219960"/>
           </a:xfrm>
           <a:prstGeom prst="rect">
             <a:avLst/>
@@ -15435,12 +18682,25 @@
                 <a:solidFill>
                   <a:srgbClr val="8db7a9"/>
                 </a:solidFill>
+                <a:uFill>
+                  <a:solidFill>
+                    <a:srgbClr val="ffffff"/>
+                  </a:solidFill>
+                </a:uFill>
                 <a:latin typeface="Raleway Black"/>
                 <a:ea typeface="Raleway Black"/>
               </a:rPr>
               <a:t>- viewing</a:t>
             </a:r>
             <a:endParaRPr b="0" lang="en-US" sz="900" spc="-1" strike="noStrike">
+              <a:solidFill>
+                <a:srgbClr val="ffffff"/>
+              </a:solidFill>
+              <a:uFill>
+                <a:solidFill>
+                  <a:srgbClr val="ffffff"/>
+                </a:solidFill>
+              </a:uFill>
               <a:latin typeface="Arial"/>
             </a:endParaRPr>
           </a:p>
@@ -15459,7 +18719,7 @@
         <p:spPr>
           <a:xfrm>
             <a:off x="182880" y="854280"/>
-            <a:ext cx="3532680" cy="4292280"/>
+            <a:ext cx="3532320" cy="4291920"/>
           </a:xfrm>
           <a:prstGeom prst="rect">
             <a:avLst/>
@@ -15482,7 +18742,7 @@
         <p:spPr>
           <a:xfrm>
             <a:off x="4082400" y="1474920"/>
-            <a:ext cx="7327080" cy="2725920"/>
+            <a:ext cx="7326720" cy="2725560"/>
           </a:xfrm>
           <a:prstGeom prst="rect">
             <a:avLst/>
@@ -15550,7 +18810,7 @@
         <p:spPr>
           <a:xfrm>
             <a:off x="731520" y="130320"/>
-            <a:ext cx="7942320" cy="575640"/>
+            <a:ext cx="7941960" cy="575280"/>
           </a:xfrm>
           <a:prstGeom prst="rect">
             <a:avLst/>
@@ -15582,12 +18842,25 @@
                 <a:solidFill>
                   <a:srgbClr val="c5c5c5"/>
                 </a:solidFill>
+                <a:uFill>
+                  <a:solidFill>
+                    <a:srgbClr val="ffffff"/>
+                  </a:solidFill>
+                </a:uFill>
                 <a:latin typeface="Raleway Light"/>
                 <a:ea typeface="Raleway Light"/>
               </a:rPr>
               <a:t>TestLineChart.java</a:t>
             </a:r>
             <a:endParaRPr b="0" lang="en-US" sz="2800" spc="-1" strike="noStrike">
+              <a:solidFill>
+                <a:srgbClr val="ffffff"/>
+              </a:solidFill>
+              <a:uFill>
+                <a:solidFill>
+                  <a:srgbClr val="ffffff"/>
+                </a:solidFill>
+              </a:uFill>
               <a:latin typeface="Arial"/>
             </a:endParaRPr>
           </a:p>
@@ -15602,7 +18875,7 @@
         <p:spPr>
           <a:xfrm>
             <a:off x="4572000" y="752040"/>
-            <a:ext cx="4101840" cy="220320"/>
+            <a:ext cx="4101480" cy="219960"/>
           </a:xfrm>
           <a:prstGeom prst="rect">
             <a:avLst/>
@@ -15631,12 +18904,25 @@
                 <a:solidFill>
                   <a:srgbClr val="8db7a9"/>
                 </a:solidFill>
+                <a:uFill>
+                  <a:solidFill>
+                    <a:srgbClr val="ffffff"/>
+                  </a:solidFill>
+                </a:uFill>
                 <a:latin typeface="Raleway Black"/>
                 <a:ea typeface="Raleway Black"/>
               </a:rPr>
               <a:t>- viewing</a:t>
             </a:r>
             <a:endParaRPr b="0" lang="en-US" sz="900" spc="-1" strike="noStrike">
+              <a:solidFill>
+                <a:srgbClr val="ffffff"/>
+              </a:solidFill>
+              <a:uFill>
+                <a:solidFill>
+                  <a:srgbClr val="ffffff"/>
+                </a:solidFill>
+              </a:uFill>
               <a:latin typeface="Arial"/>
             </a:endParaRPr>
           </a:p>
@@ -15655,7 +18941,7 @@
         <p:spPr>
           <a:xfrm>
             <a:off x="443520" y="710280"/>
-            <a:ext cx="7211880" cy="4579200"/>
+            <a:ext cx="7211520" cy="4578840"/>
           </a:xfrm>
           <a:prstGeom prst="rect">
             <a:avLst/>
@@ -15729,8 +19015,8 @@
         </p:nvSpPr>
         <p:spPr>
           <a:xfrm rot="5400000">
-            <a:off x="573480" y="1550160"/>
-            <a:ext cx="758160" cy="836280"/>
+            <a:off x="573840" y="1550160"/>
+            <a:ext cx="757800" cy="835920"/>
           </a:xfrm>
           <a:custGeom>
             <a:avLst/>
@@ -15900,7 +19186,7 @@
         <p:spPr>
           <a:xfrm>
             <a:off x="476280" y="2425320"/>
-            <a:ext cx="4161600" cy="575640"/>
+            <a:ext cx="4161240" cy="575280"/>
           </a:xfrm>
           <a:prstGeom prst="rect">
             <a:avLst/>
@@ -15932,12 +19218,25 @@
                 <a:solidFill>
                   <a:srgbClr val="c5c5c5"/>
                 </a:solidFill>
+                <a:uFill>
+                  <a:solidFill>
+                    <a:srgbClr val="ffffff"/>
+                  </a:solidFill>
+                </a:uFill>
                 <a:latin typeface="Raleway Light"/>
                 <a:ea typeface="Raleway Light"/>
               </a:rPr>
               <a:t>Thank you</a:t>
             </a:r>
             <a:endParaRPr b="0" lang="en-US" sz="4000" spc="-1" strike="noStrike">
+              <a:solidFill>
+                <a:srgbClr val="ffffff"/>
+              </a:solidFill>
+              <a:uFill>
+                <a:solidFill>
+                  <a:srgbClr val="ffffff"/>
+                </a:solidFill>
+              </a:uFill>
               <a:latin typeface="Arial"/>
             </a:endParaRPr>
           </a:p>
@@ -15952,7 +19251,7 @@
         <p:spPr>
           <a:xfrm>
             <a:off x="476280" y="3047760"/>
-            <a:ext cx="4161600" cy="220320"/>
+            <a:ext cx="4161240" cy="219960"/>
           </a:xfrm>
           <a:prstGeom prst="rect">
             <a:avLst/>
@@ -15984,12 +19283,25 @@
                 <a:solidFill>
                   <a:srgbClr val="8db7a9"/>
                 </a:solidFill>
+                <a:uFill>
+                  <a:solidFill>
+                    <a:srgbClr val="ffffff"/>
+                  </a:solidFill>
+                </a:uFill>
                 <a:latin typeface="Raleway Black"/>
                 <a:ea typeface="Raleway Black"/>
               </a:rPr>
               <a:t>for speding time demoing with us!</a:t>
             </a:r>
             <a:endParaRPr b="0" lang="en-US" sz="1000" spc="-1" strike="noStrike">
+              <a:solidFill>
+                <a:srgbClr val="ffffff"/>
+              </a:solidFill>
+              <a:uFill>
+                <a:solidFill>
+                  <a:srgbClr val="ffffff"/>
+                </a:solidFill>
+              </a:uFill>
               <a:latin typeface="Arial"/>
             </a:endParaRPr>
           </a:p>
@@ -16004,7 +19316,7 @@
         <p:spPr>
           <a:xfrm>
             <a:off x="532800" y="3314160"/>
-            <a:ext cx="3613320" cy="689400"/>
+            <a:ext cx="3612960" cy="689040"/>
           </a:xfrm>
           <a:prstGeom prst="rect">
             <a:avLst/>
@@ -16025,7 +19337,7 @@
           <a:p>
             <a:pPr>
               <a:lnSpc>
-                <a:spcPts val="8"/>
+                <a:spcPts val="3"/>
               </a:lnSpc>
               <a:spcBef>
                 <a:spcPts val="751"/>
@@ -16036,12 +19348,25 @@
                 <a:solidFill>
                   <a:srgbClr val="808080"/>
                 </a:solidFill>
+                <a:uFill>
+                  <a:solidFill>
+                    <a:srgbClr val="ffffff"/>
+                  </a:solidFill>
+                </a:uFill>
                 <a:latin typeface="Lato"/>
                 <a:ea typeface="Lato"/>
               </a:rPr>
               <a:t>After demoing, hoping you will understand the concept about visualization, how to convert real points to device points, expected shape, mapping it to the program and  drawing area in a component of Java.</a:t>
             </a:r>
             <a:endParaRPr b="0" lang="en-US" sz="900" spc="-1" strike="noStrike">
+              <a:solidFill>
+                <a:srgbClr val="ffffff"/>
+              </a:solidFill>
+              <a:uFill>
+                <a:solidFill>
+                  <a:srgbClr val="ffffff"/>
+                </a:solidFill>
+              </a:uFill>
               <a:latin typeface="Arial"/>
             </a:endParaRPr>
           </a:p>
@@ -16060,7 +19385,7 @@
         <p:spPr>
           <a:xfrm>
             <a:off x="7709760" y="36720"/>
-            <a:ext cx="1341720" cy="1150920"/>
+            <a:ext cx="1341360" cy="1150560"/>
           </a:xfrm>
           <a:prstGeom prst="rect">
             <a:avLst/>
@@ -16128,7 +19453,7 @@
         <p:spPr>
           <a:xfrm>
             <a:off x="3357720" y="1712880"/>
-            <a:ext cx="2954520" cy="302400"/>
+            <a:ext cx="2954160" cy="302040"/>
           </a:xfrm>
           <a:prstGeom prst="rect">
             <a:avLst/>
@@ -16160,12 +19485,25 @@
                 <a:solidFill>
                   <a:srgbClr val="808080"/>
                 </a:solidFill>
+                <a:uFill>
+                  <a:solidFill>
+                    <a:srgbClr val="ffffff"/>
+                  </a:solidFill>
+                </a:uFill>
                 <a:latin typeface="Raleway Black"/>
                 <a:ea typeface="Raleway Black"/>
               </a:rPr>
               <a:t>CORDINATES STUFF</a:t>
             </a:r>
             <a:endParaRPr b="0" lang="en-US" sz="1000" spc="-1" strike="noStrike">
+              <a:solidFill>
+                <a:srgbClr val="ffffff"/>
+              </a:solidFill>
+              <a:uFill>
+                <a:solidFill>
+                  <a:srgbClr val="ffffff"/>
+                </a:solidFill>
+              </a:uFill>
               <a:latin typeface="Arial"/>
             </a:endParaRPr>
           </a:p>
@@ -16180,7 +19518,7 @@
         <p:spPr>
           <a:xfrm>
             <a:off x="3357720" y="1965600"/>
-            <a:ext cx="2954520" cy="352440"/>
+            <a:ext cx="2954160" cy="352080"/>
           </a:xfrm>
           <a:prstGeom prst="rect">
             <a:avLst/>
@@ -16201,7 +19539,7 @@
           <a:p>
             <a:pPr>
               <a:lnSpc>
-                <a:spcPts val="8"/>
+                <a:spcPts val="3"/>
               </a:lnSpc>
               <a:spcBef>
                 <a:spcPts val="751"/>
@@ -16212,12 +19550,25 @@
                 <a:solidFill>
                   <a:srgbClr val="808080"/>
                 </a:solidFill>
+                <a:uFill>
+                  <a:solidFill>
+                    <a:srgbClr val="ffffff"/>
+                  </a:solidFill>
+                </a:uFill>
                 <a:latin typeface="Lato"/>
                 <a:ea typeface="Lato"/>
               </a:rPr>
               <a:t>How to present cordinates, normal cordinate vs device cordinates.</a:t>
             </a:r>
             <a:endParaRPr b="0" lang="en-US" sz="900" spc="-1" strike="noStrike">
+              <a:solidFill>
+                <a:srgbClr val="ffffff"/>
+              </a:solidFill>
+              <a:uFill>
+                <a:solidFill>
+                  <a:srgbClr val="ffffff"/>
+                </a:solidFill>
+              </a:uFill>
               <a:latin typeface="Arial"/>
             </a:endParaRPr>
           </a:p>
@@ -16232,7 +19583,7 @@
         <p:spPr>
           <a:xfrm>
             <a:off x="2552760" y="1767960"/>
-            <a:ext cx="610200" cy="609840"/>
+            <a:ext cx="609840" cy="609480"/>
           </a:xfrm>
           <a:prstGeom prst="roundRect">
             <a:avLst>
@@ -16270,7 +19621,7 @@
         <p:spPr>
           <a:xfrm>
             <a:off x="3357720" y="2583000"/>
-            <a:ext cx="2954520" cy="302400"/>
+            <a:ext cx="2954160" cy="302040"/>
           </a:xfrm>
           <a:prstGeom prst="rect">
             <a:avLst/>
@@ -16302,12 +19653,25 @@
                 <a:solidFill>
                   <a:srgbClr val="808080"/>
                 </a:solidFill>
+                <a:uFill>
+                  <a:solidFill>
+                    <a:srgbClr val="ffffff"/>
+                  </a:solidFill>
+                </a:uFill>
                 <a:latin typeface="Raleway Black"/>
                 <a:ea typeface="Raleway Black"/>
               </a:rPr>
               <a:t>EXPECTED SHAPE</a:t>
             </a:r>
             <a:endParaRPr b="0" lang="en-US" sz="1000" spc="-1" strike="noStrike">
+              <a:solidFill>
+                <a:srgbClr val="ffffff"/>
+              </a:solidFill>
+              <a:uFill>
+                <a:solidFill>
+                  <a:srgbClr val="ffffff"/>
+                </a:solidFill>
+              </a:uFill>
               <a:latin typeface="Arial"/>
             </a:endParaRPr>
           </a:p>
@@ -16322,7 +19686,7 @@
         <p:spPr>
           <a:xfrm>
             <a:off x="3357720" y="2835360"/>
-            <a:ext cx="2954520" cy="352440"/>
+            <a:ext cx="2954160" cy="352080"/>
           </a:xfrm>
           <a:prstGeom prst="rect">
             <a:avLst/>
@@ -16343,7 +19707,7 @@
           <a:p>
             <a:pPr>
               <a:lnSpc>
-                <a:spcPts val="8"/>
+                <a:spcPts val="3"/>
               </a:lnSpc>
               <a:spcBef>
                 <a:spcPts val="751"/>
@@ -16354,12 +19718,25 @@
                 <a:solidFill>
                   <a:srgbClr val="808080"/>
                 </a:solidFill>
+                <a:uFill>
+                  <a:solidFill>
+                    <a:srgbClr val="ffffff"/>
+                  </a:solidFill>
+                </a:uFill>
                 <a:latin typeface="Lato"/>
                 <a:ea typeface="Lato"/>
               </a:rPr>
               <a:t>Line, Column, Circle, Area,...</a:t>
             </a:r>
             <a:endParaRPr b="0" lang="en-US" sz="900" spc="-1" strike="noStrike">
+              <a:solidFill>
+                <a:srgbClr val="ffffff"/>
+              </a:solidFill>
+              <a:uFill>
+                <a:solidFill>
+                  <a:srgbClr val="ffffff"/>
+                </a:solidFill>
+              </a:uFill>
               <a:latin typeface="Arial"/>
             </a:endParaRPr>
           </a:p>
@@ -16374,7 +19751,7 @@
         <p:spPr>
           <a:xfrm>
             <a:off x="2552760" y="2579400"/>
-            <a:ext cx="610200" cy="609840"/>
+            <a:ext cx="609840" cy="609480"/>
           </a:xfrm>
           <a:prstGeom prst="roundRect">
             <a:avLst>
@@ -16414,7 +19791,7 @@
         <p:spPr>
           <a:xfrm>
             <a:off x="3357720" y="3387240"/>
-            <a:ext cx="2954520" cy="302400"/>
+            <a:ext cx="2954160" cy="302040"/>
           </a:xfrm>
           <a:prstGeom prst="rect">
             <a:avLst/>
@@ -16446,12 +19823,25 @@
                 <a:solidFill>
                   <a:srgbClr val="808080"/>
                 </a:solidFill>
+                <a:uFill>
+                  <a:solidFill>
+                    <a:srgbClr val="ffffff"/>
+                  </a:solidFill>
+                </a:uFill>
                 <a:latin typeface="Raleway Black"/>
                 <a:ea typeface="Raleway Black"/>
               </a:rPr>
               <a:t>MAPPING</a:t>
             </a:r>
             <a:endParaRPr b="0" lang="en-US" sz="1000" spc="-1" strike="noStrike">
+              <a:solidFill>
+                <a:srgbClr val="ffffff"/>
+              </a:solidFill>
+              <a:uFill>
+                <a:solidFill>
+                  <a:srgbClr val="ffffff"/>
+                </a:solidFill>
+              </a:uFill>
               <a:latin typeface="Arial"/>
             </a:endParaRPr>
           </a:p>
@@ -16466,7 +19856,7 @@
         <p:spPr>
           <a:xfrm>
             <a:off x="3357720" y="3640320"/>
-            <a:ext cx="2954520" cy="352440"/>
+            <a:ext cx="2954160" cy="352080"/>
           </a:xfrm>
           <a:prstGeom prst="rect">
             <a:avLst/>
@@ -16487,7 +19877,7 @@
           <a:p>
             <a:pPr>
               <a:lnSpc>
-                <a:spcPts val="8"/>
+                <a:spcPts val="3"/>
               </a:lnSpc>
               <a:spcBef>
                 <a:spcPts val="751"/>
@@ -16498,12 +19888,25 @@
                 <a:solidFill>
                   <a:srgbClr val="808080"/>
                 </a:solidFill>
+                <a:uFill>
+                  <a:solidFill>
+                    <a:srgbClr val="ffffff"/>
+                  </a:solidFill>
+                </a:uFill>
                 <a:latin typeface="Lato"/>
                 <a:ea typeface="Lato"/>
               </a:rPr>
               <a:t>Mapping real points to devices point and drawing in component.</a:t>
             </a:r>
             <a:endParaRPr b="0" lang="en-US" sz="900" spc="-1" strike="noStrike">
+              <a:solidFill>
+                <a:srgbClr val="ffffff"/>
+              </a:solidFill>
+              <a:uFill>
+                <a:solidFill>
+                  <a:srgbClr val="ffffff"/>
+                </a:solidFill>
+              </a:uFill>
               <a:latin typeface="Arial"/>
             </a:endParaRPr>
           </a:p>
@@ -16518,7 +19921,7 @@
         <p:spPr>
           <a:xfrm>
             <a:off x="2552760" y="3397680"/>
-            <a:ext cx="610200" cy="609840"/>
+            <a:ext cx="609840" cy="609480"/>
           </a:xfrm>
           <a:prstGeom prst="roundRect">
             <a:avLst>
@@ -16558,7 +19961,7 @@
         <p:spPr>
           <a:xfrm>
             <a:off x="2496960" y="372960"/>
-            <a:ext cx="4161600" cy="575640"/>
+            <a:ext cx="4161240" cy="575280"/>
           </a:xfrm>
           <a:prstGeom prst="rect">
             <a:avLst/>
@@ -16590,12 +19993,25 @@
                 <a:solidFill>
                   <a:srgbClr val="c5c5c5"/>
                 </a:solidFill>
+                <a:uFill>
+                  <a:solidFill>
+                    <a:srgbClr val="ffffff"/>
+                  </a:solidFill>
+                </a:uFill>
                 <a:latin typeface="Raleway Light"/>
                 <a:ea typeface="Raleway Light"/>
               </a:rPr>
               <a:t>Contents</a:t>
             </a:r>
             <a:endParaRPr b="0" lang="en-US" sz="4000" spc="-1" strike="noStrike">
+              <a:solidFill>
+                <a:srgbClr val="ffffff"/>
+              </a:solidFill>
+              <a:uFill>
+                <a:solidFill>
+                  <a:srgbClr val="ffffff"/>
+                </a:solidFill>
+              </a:uFill>
               <a:latin typeface="Arial"/>
             </a:endParaRPr>
           </a:p>
@@ -16610,7 +20026,7 @@
         <p:spPr>
           <a:xfrm>
             <a:off x="2496960" y="995040"/>
-            <a:ext cx="4161600" cy="220320"/>
+            <a:ext cx="4161240" cy="219960"/>
           </a:xfrm>
           <a:prstGeom prst="rect">
             <a:avLst/>
@@ -16642,12 +20058,25 @@
                 <a:solidFill>
                   <a:srgbClr val="8db7a9"/>
                 </a:solidFill>
+                <a:uFill>
+                  <a:solidFill>
+                    <a:srgbClr val="ffffff"/>
+                  </a:solidFill>
+                </a:uFill>
                 <a:latin typeface="Raleway Black"/>
                 <a:ea typeface="Raleway Black"/>
               </a:rPr>
               <a:t>VISUALIZATION</a:t>
             </a:r>
             <a:endParaRPr b="0" lang="en-US" sz="1000" spc="-1" strike="noStrike">
+              <a:solidFill>
+                <a:srgbClr val="ffffff"/>
+              </a:solidFill>
+              <a:uFill>
+                <a:solidFill>
+                  <a:srgbClr val="ffffff"/>
+                </a:solidFill>
+              </a:uFill>
               <a:latin typeface="Arial"/>
             </a:endParaRPr>
           </a:p>
@@ -16711,7 +20140,7 @@
         <p:spPr>
           <a:xfrm>
             <a:off x="2438280" y="259200"/>
-            <a:ext cx="4265280" cy="616320"/>
+            <a:ext cx="4264920" cy="615960"/>
           </a:xfrm>
           <a:prstGeom prst="rect">
             <a:avLst/>
@@ -16743,12 +20172,25 @@
                 <a:solidFill>
                   <a:srgbClr val="808080"/>
                 </a:solidFill>
+                <a:uFill>
+                  <a:solidFill>
+                    <a:srgbClr val="ffffff"/>
+                  </a:solidFill>
+                </a:uFill>
                 <a:latin typeface="Raleway Light"/>
                 <a:ea typeface="Raleway Light"/>
               </a:rPr>
               <a:t>Cordinates</a:t>
             </a:r>
             <a:endParaRPr b="0" lang="en-US" sz="5000" spc="-1" strike="noStrike">
+              <a:solidFill>
+                <a:srgbClr val="ffffff"/>
+              </a:solidFill>
+              <a:uFill>
+                <a:solidFill>
+                  <a:srgbClr val="ffffff"/>
+                </a:solidFill>
+              </a:uFill>
               <a:latin typeface="Arial"/>
             </a:endParaRPr>
           </a:p>
@@ -16763,7 +20205,7 @@
         <p:spPr>
           <a:xfrm>
             <a:off x="3204720" y="877680"/>
-            <a:ext cx="2732400" cy="302400"/>
+            <a:ext cx="2732040" cy="302040"/>
           </a:xfrm>
           <a:prstGeom prst="rect">
             <a:avLst/>
@@ -16795,12 +20237,25 @@
                 <a:solidFill>
                   <a:srgbClr val="22957b"/>
                 </a:solidFill>
+                <a:uFill>
+                  <a:solidFill>
+                    <a:srgbClr val="ffffff"/>
+                  </a:solidFill>
+                </a:uFill>
                 <a:latin typeface="Raleway Black"/>
                 <a:ea typeface="Raleway Black"/>
               </a:rPr>
               <a:t>Difference betwwen normal and device cordinates</a:t>
             </a:r>
             <a:endParaRPr b="0" lang="en-US" sz="1000" spc="-1" strike="noStrike">
+              <a:solidFill>
+                <a:srgbClr val="ffffff"/>
+              </a:solidFill>
+              <a:uFill>
+                <a:solidFill>
+                  <a:srgbClr val="ffffff"/>
+                </a:solidFill>
+              </a:uFill>
               <a:latin typeface="Arial"/>
             </a:endParaRPr>
           </a:p>
@@ -16815,7 +20270,7 @@
         <p:spPr>
           <a:xfrm>
             <a:off x="2818080" y="4135320"/>
-            <a:ext cx="1560600" cy="302400"/>
+            <a:ext cx="1560240" cy="302040"/>
           </a:xfrm>
           <a:prstGeom prst="rect">
             <a:avLst/>
@@ -16847,12 +20302,25 @@
                 <a:solidFill>
                   <a:srgbClr val="808080"/>
                 </a:solidFill>
+                <a:uFill>
+                  <a:solidFill>
+                    <a:srgbClr val="ffffff"/>
+                  </a:solidFill>
+                </a:uFill>
                 <a:latin typeface="Raleway Black"/>
                 <a:ea typeface="Raleway Black"/>
               </a:rPr>
               <a:t>NORMAL</a:t>
             </a:r>
             <a:endParaRPr b="0" lang="en-US" sz="1000" spc="-1" strike="noStrike">
+              <a:solidFill>
+                <a:srgbClr val="ffffff"/>
+              </a:solidFill>
+              <a:uFill>
+                <a:solidFill>
+                  <a:srgbClr val="ffffff"/>
+                </a:solidFill>
+              </a:uFill>
               <a:latin typeface="Arial"/>
             </a:endParaRPr>
           </a:p>
@@ -16867,7 +20335,7 @@
         <p:spPr>
           <a:xfrm>
             <a:off x="2818080" y="4388040"/>
-            <a:ext cx="1560600" cy="352440"/>
+            <a:ext cx="1560240" cy="352080"/>
           </a:xfrm>
           <a:prstGeom prst="rect">
             <a:avLst/>
@@ -16893,7 +20361,7 @@
         <p:spPr>
           <a:xfrm>
             <a:off x="4787640" y="4135320"/>
-            <a:ext cx="1560600" cy="302400"/>
+            <a:ext cx="1560240" cy="302040"/>
           </a:xfrm>
           <a:prstGeom prst="rect">
             <a:avLst/>
@@ -16925,12 +20393,25 @@
                 <a:solidFill>
                   <a:srgbClr val="808080"/>
                 </a:solidFill>
+                <a:uFill>
+                  <a:solidFill>
+                    <a:srgbClr val="ffffff"/>
+                  </a:solidFill>
+                </a:uFill>
                 <a:latin typeface="Raleway Black"/>
                 <a:ea typeface="Raleway Black"/>
               </a:rPr>
               <a:t>DEVICE</a:t>
             </a:r>
             <a:endParaRPr b="0" lang="en-US" sz="1000" spc="-1" strike="noStrike">
+              <a:solidFill>
+                <a:srgbClr val="ffffff"/>
+              </a:solidFill>
+              <a:uFill>
+                <a:solidFill>
+                  <a:srgbClr val="ffffff"/>
+                </a:solidFill>
+              </a:uFill>
               <a:latin typeface="Arial"/>
             </a:endParaRPr>
           </a:p>
@@ -16945,7 +20426,7 @@
         <p:spPr>
           <a:xfrm>
             <a:off x="4787640" y="4388040"/>
-            <a:ext cx="1560600" cy="352440"/>
+            <a:ext cx="1560240" cy="352080"/>
           </a:xfrm>
           <a:prstGeom prst="rect">
             <a:avLst/>
@@ -16975,7 +20456,7 @@
         <p:spPr>
           <a:xfrm>
             <a:off x="2315520" y="1738800"/>
-            <a:ext cx="4427640" cy="1752480"/>
+            <a:ext cx="4427280" cy="1752120"/>
           </a:xfrm>
           <a:prstGeom prst="rect">
             <a:avLst/>
@@ -17043,7 +20524,7 @@
         <p:spPr>
           <a:xfrm flipV="1">
             <a:off x="3421800" y="-1017720"/>
-            <a:ext cx="5562000" cy="5553000"/>
+            <a:ext cx="5561640" cy="5552640"/>
           </a:xfrm>
           <a:custGeom>
             <a:avLst/>
@@ -18034,7 +21515,7 @@
         <p:spPr>
           <a:xfrm>
             <a:off x="5362200" y="4697280"/>
-            <a:ext cx="129600" cy="255600"/>
+            <a:ext cx="129240" cy="255240"/>
           </a:xfrm>
           <a:custGeom>
             <a:avLst/>
@@ -18111,8 +21592,8 @@
         </p:nvSpPr>
         <p:spPr>
           <a:xfrm flipH="1">
-            <a:off x="5492520" y="4697280"/>
-            <a:ext cx="129600" cy="255600"/>
+            <a:off x="5491800" y="4697280"/>
+            <a:ext cx="129240" cy="255240"/>
           </a:xfrm>
           <a:custGeom>
             <a:avLst/>
@@ -18190,7 +21671,7 @@
         <p:spPr>
           <a:xfrm>
             <a:off x="8979120" y="3483000"/>
-            <a:ext cx="256320" cy="254160"/>
+            <a:ext cx="255960" cy="253800"/>
           </a:xfrm>
           <a:prstGeom prst="roundRect">
             <a:avLst>
@@ -18231,7 +21712,7 @@
         <p:spPr>
           <a:xfrm>
             <a:off x="3673800" y="2642400"/>
-            <a:ext cx="256320" cy="254160"/>
+            <a:ext cx="255960" cy="253800"/>
           </a:xfrm>
           <a:custGeom>
             <a:avLst/>
@@ -18334,7 +21815,7 @@
         <p:spPr>
           <a:xfrm>
             <a:off x="506160" y="1860840"/>
-            <a:ext cx="2954520" cy="575640"/>
+            <a:ext cx="2954160" cy="575280"/>
           </a:xfrm>
           <a:prstGeom prst="rect">
             <a:avLst/>
@@ -18366,12 +21847,25 @@
                 <a:solidFill>
                   <a:srgbClr val="c5c5c5"/>
                 </a:solidFill>
+                <a:uFill>
+                  <a:solidFill>
+                    <a:srgbClr val="ffffff"/>
+                  </a:solidFill>
+                </a:uFill>
                 <a:latin typeface="Raleway Light"/>
                 <a:ea typeface="Raleway Light"/>
               </a:rPr>
               <a:t>Mapping</a:t>
             </a:r>
             <a:endParaRPr b="0" lang="en-US" sz="4000" spc="-1" strike="noStrike">
+              <a:solidFill>
+                <a:srgbClr val="ffffff"/>
+              </a:solidFill>
+              <a:uFill>
+                <a:solidFill>
+                  <a:srgbClr val="ffffff"/>
+                </a:solidFill>
+              </a:uFill>
               <a:latin typeface="Arial"/>
             </a:endParaRPr>
           </a:p>
@@ -18386,7 +21880,7 @@
         <p:spPr>
           <a:xfrm>
             <a:off x="506160" y="2482560"/>
-            <a:ext cx="2954520" cy="220320"/>
+            <a:ext cx="2954160" cy="219960"/>
           </a:xfrm>
           <a:prstGeom prst="rect">
             <a:avLst/>
@@ -18418,12 +21912,25 @@
                 <a:solidFill>
                   <a:srgbClr val="8db7a9"/>
                 </a:solidFill>
+                <a:uFill>
+                  <a:solidFill>
+                    <a:srgbClr val="ffffff"/>
+                  </a:solidFill>
+                </a:uFill>
                 <a:latin typeface="Raleway Black"/>
                 <a:ea typeface="Raleway Black"/>
               </a:rPr>
               <a:t>Calculate the device point from the given real point.</a:t>
             </a:r>
             <a:endParaRPr b="0" lang="en-US" sz="1000" spc="-1" strike="noStrike">
+              <a:solidFill>
+                <a:srgbClr val="ffffff"/>
+              </a:solidFill>
+              <a:uFill>
+                <a:solidFill>
+                  <a:srgbClr val="ffffff"/>
+                </a:solidFill>
+              </a:uFill>
               <a:latin typeface="Arial"/>
             </a:endParaRPr>
           </a:p>
@@ -18438,7 +21945,7 @@
         <p:spPr>
           <a:xfrm>
             <a:off x="506160" y="2812320"/>
-            <a:ext cx="2954520" cy="689400"/>
+            <a:ext cx="2954160" cy="689040"/>
           </a:xfrm>
           <a:prstGeom prst="rect">
             <a:avLst/>
@@ -18467,13 +21974,25 @@
                 <a:solidFill>
                   <a:srgbClr val="ffffff"/>
                 </a:solidFill>
-                <a:uFillTx/>
+                <a:uFill>
+                  <a:solidFill>
+                    <a:srgbClr val="ffffff"/>
+                  </a:solidFill>
+                </a:uFill>
                 <a:latin typeface="Perpetua"/>
                 <a:ea typeface="DejaVu Sans"/>
               </a:rPr>
               <a:t>X2</a:t>
             </a:r>
             <a:endParaRPr b="0" lang="en-US" sz="1200" spc="-1" strike="noStrike">
+              <a:solidFill>
+                <a:srgbClr val="ffffff"/>
+              </a:solidFill>
+              <a:uFill>
+                <a:solidFill>
+                  <a:srgbClr val="ffffff"/>
+                </a:solidFill>
+              </a:uFill>
               <a:latin typeface="Arial"/>
             </a:endParaRPr>
           </a:p>
@@ -18488,6 +22007,11 @@
                 <a:solidFill>
                   <a:srgbClr val="ffffff"/>
                 </a:solidFill>
+                <a:uFill>
+                  <a:solidFill>
+                    <a:srgbClr val="ffffff"/>
+                  </a:solidFill>
+                </a:uFill>
                 <a:latin typeface="Perpetua"/>
                 <a:ea typeface="DejaVu Sans"/>
               </a:rPr>
@@ -18498,6 +22022,11 @@
                 <a:solidFill>
                   <a:srgbClr val="ffffff"/>
                 </a:solidFill>
+                <a:uFill>
+                  <a:solidFill>
+                    <a:srgbClr val="ffffff"/>
+                  </a:solidFill>
+                </a:uFill>
                 <a:latin typeface="Wingdings"/>
                 <a:ea typeface="DejaVu Sans"/>
               </a:rPr>
@@ -18508,12 +22037,25 @@
                 <a:solidFill>
                   <a:srgbClr val="ffffff"/>
                 </a:solidFill>
+                <a:uFill>
+                  <a:solidFill>
+                    <a:srgbClr val="ffffff"/>
+                  </a:solidFill>
+                </a:uFill>
                 <a:latin typeface="Perpetua"/>
                 <a:ea typeface="DejaVu Sans"/>
               </a:rPr>
               <a:t> x2 = left + (x1-minX)*w/W</a:t>
             </a:r>
             <a:endParaRPr b="0" lang="en-US" sz="1200" spc="-1" strike="noStrike">
+              <a:solidFill>
+                <a:srgbClr val="ffffff"/>
+              </a:solidFill>
+              <a:uFill>
+                <a:solidFill>
+                  <a:srgbClr val="ffffff"/>
+                </a:solidFill>
+              </a:uFill>
               <a:latin typeface="Arial"/>
             </a:endParaRPr>
           </a:p>
@@ -18528,6 +22070,11 @@
                 <a:solidFill>
                   <a:srgbClr val="ffffff"/>
                 </a:solidFill>
+                <a:uFill>
+                  <a:solidFill>
+                    <a:srgbClr val="ffffff"/>
+                  </a:solidFill>
+                </a:uFill>
                 <a:latin typeface="Perpetua"/>
                 <a:ea typeface="DejaVu Sans"/>
               </a:rPr>
@@ -18538,6 +22085,11 @@
                 <a:solidFill>
                   <a:srgbClr val="ffffff"/>
                 </a:solidFill>
+                <a:uFill>
+                  <a:solidFill>
+                    <a:srgbClr val="ffffff"/>
+                  </a:solidFill>
+                </a:uFill>
                 <a:latin typeface="Perpetua"/>
                 <a:ea typeface="DejaVu Sans"/>
               </a:rPr>
@@ -18548,12 +22100,25 @@
                 <a:solidFill>
                   <a:srgbClr val="ffffff"/>
                 </a:solidFill>
+                <a:uFill>
+                  <a:solidFill>
+                    <a:srgbClr val="ffffff"/>
+                  </a:solidFill>
+                </a:uFill>
                 <a:latin typeface="Perpetua"/>
                 <a:ea typeface="DejaVu Sans"/>
               </a:rPr>
               <a:t> = w/W </a:t>
             </a:r>
             <a:endParaRPr b="0" lang="en-US" sz="1200" spc="-1" strike="noStrike">
+              <a:solidFill>
+                <a:srgbClr val="ffffff"/>
+              </a:solidFill>
+              <a:uFill>
+                <a:solidFill>
+                  <a:srgbClr val="ffffff"/>
+                </a:solidFill>
+              </a:uFill>
               <a:latin typeface="Arial"/>
             </a:endParaRPr>
           </a:p>
@@ -18568,6 +22133,11 @@
                 <a:solidFill>
                   <a:srgbClr val="ffffff"/>
                 </a:solidFill>
+                <a:uFill>
+                  <a:solidFill>
+                    <a:srgbClr val="ffffff"/>
+                  </a:solidFill>
+                </a:uFill>
                 <a:latin typeface="Perpetua"/>
                 <a:ea typeface="DejaVu Sans"/>
               </a:rPr>
@@ -18578,6 +22148,11 @@
                 <a:solidFill>
                   <a:srgbClr val="ffffff"/>
                 </a:solidFill>
+                <a:uFill>
+                  <a:solidFill>
+                    <a:srgbClr val="ffffff"/>
+                  </a:solidFill>
+                </a:uFill>
                 <a:latin typeface="Perpetua"/>
                 <a:ea typeface="DejaVu Sans"/>
               </a:rPr>
@@ -18588,12 +22163,25 @@
                 <a:solidFill>
                   <a:srgbClr val="ffffff"/>
                 </a:solidFill>
+                <a:uFill>
+                  <a:solidFill>
+                    <a:srgbClr val="ffffff"/>
+                  </a:solidFill>
+                </a:uFill>
                 <a:latin typeface="Perpetua"/>
                 <a:ea typeface="DejaVu Sans"/>
               </a:rPr>
               <a:t>(x1-minX)</a:t>
             </a:r>
             <a:endParaRPr b="0" lang="en-US" sz="1200" spc="-1" strike="noStrike">
+              <a:solidFill>
+                <a:srgbClr val="ffffff"/>
+              </a:solidFill>
+              <a:uFill>
+                <a:solidFill>
+                  <a:srgbClr val="ffffff"/>
+                </a:solidFill>
+              </a:uFill>
               <a:latin typeface="Arial"/>
             </a:endParaRPr>
           </a:p>
@@ -18608,6 +22196,11 @@
                 <a:solidFill>
                   <a:srgbClr val="ffffff"/>
                 </a:solidFill>
+                <a:uFill>
+                  <a:solidFill>
+                    <a:srgbClr val="ffffff"/>
+                  </a:solidFill>
+                </a:uFill>
                 <a:latin typeface="Perpetua"/>
                 <a:ea typeface="DejaVu Sans"/>
               </a:rPr>
@@ -18618,6 +22211,11 @@
                 <a:solidFill>
                   <a:srgbClr val="ffffff"/>
                 </a:solidFill>
+                <a:uFill>
+                  <a:solidFill>
+                    <a:srgbClr val="ffffff"/>
+                  </a:solidFill>
+                </a:uFill>
                 <a:latin typeface="Perpetua"/>
                 <a:ea typeface="DejaVu Sans"/>
               </a:rPr>
@@ -18628,6 +22226,11 @@
                 <a:solidFill>
                   <a:srgbClr val="ffffff"/>
                 </a:solidFill>
+                <a:uFill>
+                  <a:solidFill>
+                    <a:srgbClr val="ffffff"/>
+                  </a:solidFill>
+                </a:uFill>
                 <a:latin typeface="Perpetua"/>
                 <a:ea typeface="DejaVu Sans"/>
               </a:rPr>
@@ -18638,6 +22241,11 @@
                 <a:solidFill>
                   <a:srgbClr val="ffffff"/>
                 </a:solidFill>
+                <a:uFill>
+                  <a:solidFill>
+                    <a:srgbClr val="ffffff"/>
+                  </a:solidFill>
+                </a:uFill>
                 <a:latin typeface="Perpetua"/>
                 <a:ea typeface="DejaVu Sans"/>
               </a:rPr>
@@ -18648,12 +22256,25 @@
                 <a:solidFill>
                   <a:srgbClr val="ffffff"/>
                 </a:solidFill>
+                <a:uFill>
+                  <a:solidFill>
+                    <a:srgbClr val="ffffff"/>
+                  </a:solidFill>
+                </a:uFill>
                 <a:latin typeface="Perpetua"/>
                 <a:ea typeface="DejaVu Sans"/>
               </a:rPr>
               <a:t>minX </a:t>
             </a:r>
             <a:endParaRPr b="0" lang="en-US" sz="1200" spc="-1" strike="noStrike">
+              <a:solidFill>
+                <a:srgbClr val="ffffff"/>
+              </a:solidFill>
+              <a:uFill>
+                <a:solidFill>
+                  <a:srgbClr val="ffffff"/>
+                </a:solidFill>
+              </a:uFill>
               <a:latin typeface="Arial"/>
             </a:endParaRPr>
           </a:p>
@@ -18664,6 +22285,14 @@
               </a:lnSpc>
             </a:pPr>
             <a:endParaRPr b="0" lang="en-US" sz="1200" spc="-1" strike="noStrike">
+              <a:solidFill>
+                <a:srgbClr val="ffffff"/>
+              </a:solidFill>
+              <a:uFill>
+                <a:solidFill>
+                  <a:srgbClr val="ffffff"/>
+                </a:solidFill>
+              </a:uFill>
               <a:latin typeface="Arial"/>
             </a:endParaRPr>
           </a:p>
@@ -18682,7 +22311,7 @@
         <p:spPr>
           <a:xfrm>
             <a:off x="3663360" y="1922760"/>
-            <a:ext cx="5901480" cy="1808640"/>
+            <a:ext cx="5901120" cy="1808280"/>
           </a:xfrm>
           <a:prstGeom prst="rect">
             <a:avLst/>
@@ -18750,7 +22379,7 @@
         <p:spPr>
           <a:xfrm flipV="1">
             <a:off x="3421800" y="-1017720"/>
-            <a:ext cx="5562000" cy="5553000"/>
+            <a:ext cx="5561640" cy="5552640"/>
           </a:xfrm>
           <a:custGeom>
             <a:avLst/>
@@ -19741,7 +23370,7 @@
         <p:spPr>
           <a:xfrm>
             <a:off x="5362200" y="4697280"/>
-            <a:ext cx="129600" cy="255600"/>
+            <a:ext cx="129240" cy="255240"/>
           </a:xfrm>
           <a:custGeom>
             <a:avLst/>
@@ -19818,8 +23447,8 @@
         </p:nvSpPr>
         <p:spPr>
           <a:xfrm flipH="1">
-            <a:off x="5492520" y="4697280"/>
-            <a:ext cx="129600" cy="255600"/>
+            <a:off x="5491800" y="4697280"/>
+            <a:ext cx="129240" cy="255240"/>
           </a:xfrm>
           <a:custGeom>
             <a:avLst/>
@@ -19897,7 +23526,7 @@
         <p:spPr>
           <a:xfrm>
             <a:off x="8979120" y="3483000"/>
-            <a:ext cx="256320" cy="254160"/>
+            <a:ext cx="255960" cy="253800"/>
           </a:xfrm>
           <a:prstGeom prst="roundRect">
             <a:avLst>
@@ -19938,7 +23567,7 @@
         <p:spPr>
           <a:xfrm>
             <a:off x="3673800" y="2642400"/>
-            <a:ext cx="256320" cy="254160"/>
+            <a:ext cx="255960" cy="253800"/>
           </a:xfrm>
           <a:custGeom>
             <a:avLst/>
@@ -20041,7 +23670,7 @@
         <p:spPr>
           <a:xfrm>
             <a:off x="506160" y="1860840"/>
-            <a:ext cx="2954520" cy="575640"/>
+            <a:ext cx="2954160" cy="575280"/>
           </a:xfrm>
           <a:prstGeom prst="rect">
             <a:avLst/>
@@ -20073,12 +23702,25 @@
                 <a:solidFill>
                   <a:srgbClr val="c5c5c5"/>
                 </a:solidFill>
+                <a:uFill>
+                  <a:solidFill>
+                    <a:srgbClr val="ffffff"/>
+                  </a:solidFill>
+                </a:uFill>
                 <a:latin typeface="Raleway Light"/>
                 <a:ea typeface="Raleway Light"/>
               </a:rPr>
               <a:t>Mapping</a:t>
             </a:r>
             <a:endParaRPr b="0" lang="en-US" sz="4000" spc="-1" strike="noStrike">
+              <a:solidFill>
+                <a:srgbClr val="ffffff"/>
+              </a:solidFill>
+              <a:uFill>
+                <a:solidFill>
+                  <a:srgbClr val="ffffff"/>
+                </a:solidFill>
+              </a:uFill>
               <a:latin typeface="Arial"/>
             </a:endParaRPr>
           </a:p>
@@ -20093,7 +23735,7 @@
         <p:spPr>
           <a:xfrm>
             <a:off x="506160" y="2482560"/>
-            <a:ext cx="2954520" cy="220320"/>
+            <a:ext cx="2954160" cy="219960"/>
           </a:xfrm>
           <a:prstGeom prst="rect">
             <a:avLst/>
@@ -20125,12 +23767,25 @@
                 <a:solidFill>
                   <a:srgbClr val="8db7a9"/>
                 </a:solidFill>
+                <a:uFill>
+                  <a:solidFill>
+                    <a:srgbClr val="ffffff"/>
+                  </a:solidFill>
+                </a:uFill>
                 <a:latin typeface="Raleway Black"/>
                 <a:ea typeface="Raleway Black"/>
               </a:rPr>
               <a:t>Calculate the device point from the given real point.</a:t>
             </a:r>
             <a:endParaRPr b="0" lang="en-US" sz="1000" spc="-1" strike="noStrike">
+              <a:solidFill>
+                <a:srgbClr val="ffffff"/>
+              </a:solidFill>
+              <a:uFill>
+                <a:solidFill>
+                  <a:srgbClr val="ffffff"/>
+                </a:solidFill>
+              </a:uFill>
               <a:latin typeface="Arial"/>
             </a:endParaRPr>
           </a:p>
@@ -20145,7 +23800,7 @@
         <p:spPr>
           <a:xfrm>
             <a:off x="506160" y="2812320"/>
-            <a:ext cx="2954520" cy="689400"/>
+            <a:ext cx="2954160" cy="689040"/>
           </a:xfrm>
           <a:prstGeom prst="rect">
             <a:avLst/>
@@ -20174,13 +23829,25 @@
                 <a:solidFill>
                   <a:srgbClr val="ffffff"/>
                 </a:solidFill>
-                <a:uFillTx/>
+                <a:uFill>
+                  <a:solidFill>
+                    <a:srgbClr val="ffffff"/>
+                  </a:solidFill>
+                </a:uFill>
                 <a:latin typeface="Perpetua"/>
                 <a:ea typeface="DejaVu Sans"/>
               </a:rPr>
               <a:t>Y2</a:t>
             </a:r>
             <a:endParaRPr b="0" lang="en-US" sz="1200" spc="-1" strike="noStrike">
+              <a:solidFill>
+                <a:srgbClr val="ffffff"/>
+              </a:solidFill>
+              <a:uFill>
+                <a:solidFill>
+                  <a:srgbClr val="ffffff"/>
+                </a:solidFill>
+              </a:uFill>
               <a:latin typeface="Arial"/>
             </a:endParaRPr>
           </a:p>
@@ -20195,12 +23862,25 @@
                 <a:solidFill>
                   <a:srgbClr val="ffffff"/>
                 </a:solidFill>
+                <a:uFill>
+                  <a:solidFill>
+                    <a:srgbClr val="ffffff"/>
+                  </a:solidFill>
+                </a:uFill>
                 <a:latin typeface="Perpetua"/>
                 <a:ea typeface="DejaVu Sans"/>
               </a:rPr>
               <a:t>(y1-minY)/H = (top+h-y2)/h </a:t>
             </a:r>
             <a:endParaRPr b="0" lang="en-US" sz="1200" spc="-1" strike="noStrike">
+              <a:solidFill>
+                <a:srgbClr val="ffffff"/>
+              </a:solidFill>
+              <a:uFill>
+                <a:solidFill>
+                  <a:srgbClr val="ffffff"/>
+                </a:solidFill>
+              </a:uFill>
               <a:latin typeface="Arial"/>
             </a:endParaRPr>
           </a:p>
@@ -20215,12 +23895,25 @@
                 <a:solidFill>
                   <a:srgbClr val="ffffff"/>
                 </a:solidFill>
+                <a:uFill>
+                  <a:solidFill>
+                    <a:srgbClr val="ffffff"/>
+                  </a:solidFill>
+                </a:uFill>
                 <a:latin typeface="Perpetua"/>
                 <a:ea typeface="DejaVu Sans"/>
               </a:rPr>
               <a:t>(y1-minY)*h/H = top +h –y2</a:t>
             </a:r>
             <a:endParaRPr b="0" lang="en-US" sz="1200" spc="-1" strike="noStrike">
+              <a:solidFill>
+                <a:srgbClr val="ffffff"/>
+              </a:solidFill>
+              <a:uFill>
+                <a:solidFill>
+                  <a:srgbClr val="ffffff"/>
+                </a:solidFill>
+              </a:uFill>
               <a:latin typeface="Arial"/>
             </a:endParaRPr>
           </a:p>
@@ -20235,6 +23928,11 @@
                 <a:solidFill>
                   <a:srgbClr val="ffffff"/>
                 </a:solidFill>
+                <a:uFill>
+                  <a:solidFill>
+                    <a:srgbClr val="ffffff"/>
+                  </a:solidFill>
+                </a:uFill>
                 <a:latin typeface="Perpetua"/>
                 <a:ea typeface="DejaVu Sans"/>
               </a:rPr>
@@ -20245,6 +23943,11 @@
                 <a:solidFill>
                   <a:srgbClr val="ffffff"/>
                 </a:solidFill>
+                <a:uFill>
+                  <a:solidFill>
+                    <a:srgbClr val="ffffff"/>
+                  </a:solidFill>
+                </a:uFill>
                 <a:latin typeface="Perpetua"/>
                 <a:ea typeface="DejaVu Sans"/>
               </a:rPr>
@@ -20255,12 +23958,25 @@
                 <a:solidFill>
                   <a:srgbClr val="ffffff"/>
                 </a:solidFill>
+                <a:uFill>
+                  <a:solidFill>
+                    <a:srgbClr val="ffffff"/>
+                  </a:solidFill>
+                </a:uFill>
                 <a:latin typeface="Perpetua"/>
                 <a:ea typeface="DejaVu Sans"/>
               </a:rPr>
               <a:t> = h/H </a:t>
             </a:r>
             <a:endParaRPr b="0" lang="en-US" sz="1200" spc="-1" strike="noStrike">
+              <a:solidFill>
+                <a:srgbClr val="ffffff"/>
+              </a:solidFill>
+              <a:uFill>
+                <a:solidFill>
+                  <a:srgbClr val="ffffff"/>
+                </a:solidFill>
+              </a:uFill>
               <a:latin typeface="Arial"/>
             </a:endParaRPr>
           </a:p>
@@ -20275,6 +23991,11 @@
                 <a:solidFill>
                   <a:srgbClr val="ffffff"/>
                 </a:solidFill>
+                <a:uFill>
+                  <a:solidFill>
+                    <a:srgbClr val="ffffff"/>
+                  </a:solidFill>
+                </a:uFill>
                 <a:latin typeface="Perpetua"/>
                 <a:ea typeface="DejaVu Sans"/>
               </a:rPr>
@@ -20285,6 +24006,11 @@
                 <a:solidFill>
                   <a:srgbClr val="ffffff"/>
                 </a:solidFill>
+                <a:uFill>
+                  <a:solidFill>
+                    <a:srgbClr val="ffffff"/>
+                  </a:solidFill>
+                </a:uFill>
                 <a:latin typeface="Perpetua"/>
                 <a:ea typeface="DejaVu Sans"/>
               </a:rPr>
@@ -20295,12 +24021,25 @@
                 <a:solidFill>
                   <a:srgbClr val="ffffff"/>
                 </a:solidFill>
+                <a:uFill>
+                  <a:solidFill>
+                    <a:srgbClr val="ffffff"/>
+                  </a:solidFill>
+                </a:uFill>
                 <a:latin typeface="Perpetua"/>
                 <a:ea typeface="DejaVu Sans"/>
               </a:rPr>
               <a:t>(y1-minY)</a:t>
             </a:r>
             <a:endParaRPr b="0" lang="en-US" sz="1200" spc="-1" strike="noStrike">
+              <a:solidFill>
+                <a:srgbClr val="ffffff"/>
+              </a:solidFill>
+              <a:uFill>
+                <a:solidFill>
+                  <a:srgbClr val="ffffff"/>
+                </a:solidFill>
+              </a:uFill>
               <a:latin typeface="Arial"/>
             </a:endParaRPr>
           </a:p>
@@ -20315,6 +24054,11 @@
                 <a:solidFill>
                   <a:srgbClr val="ffffff"/>
                 </a:solidFill>
+                <a:uFill>
+                  <a:solidFill>
+                    <a:srgbClr val="ffffff"/>
+                  </a:solidFill>
+                </a:uFill>
                 <a:latin typeface="Perpetua"/>
                 <a:ea typeface="DejaVu Sans"/>
               </a:rPr>
@@ -20325,6 +24069,11 @@
                 <a:solidFill>
                   <a:srgbClr val="ffffff"/>
                 </a:solidFill>
+                <a:uFill>
+                  <a:solidFill>
+                    <a:srgbClr val="ffffff"/>
+                  </a:solidFill>
+                </a:uFill>
                 <a:latin typeface="Perpetua"/>
                 <a:ea typeface="DejaVu Sans"/>
               </a:rPr>
@@ -20335,6 +24084,11 @@
                 <a:solidFill>
                   <a:srgbClr val="ffffff"/>
                 </a:solidFill>
+                <a:uFill>
+                  <a:solidFill>
+                    <a:srgbClr val="ffffff"/>
+                  </a:solidFill>
+                </a:uFill>
                 <a:latin typeface="Perpetua"/>
                 <a:ea typeface="DejaVu Sans"/>
               </a:rPr>
@@ -20345,6 +24099,11 @@
                 <a:solidFill>
                   <a:srgbClr val="ffffff"/>
                 </a:solidFill>
+                <a:uFill>
+                  <a:solidFill>
+                    <a:srgbClr val="ffffff"/>
+                  </a:solidFill>
+                </a:uFill>
                 <a:latin typeface="Perpetua"/>
                 <a:ea typeface="DejaVu Sans"/>
               </a:rPr>
@@ -20355,12 +24114,25 @@
                 <a:solidFill>
                   <a:srgbClr val="ffffff"/>
                 </a:solidFill>
+                <a:uFill>
+                  <a:solidFill>
+                    <a:srgbClr val="ffffff"/>
+                  </a:solidFill>
+                </a:uFill>
                 <a:latin typeface="Perpetua"/>
                 <a:ea typeface="DejaVu Sans"/>
               </a:rPr>
               <a:t>minY + top + h</a:t>
             </a:r>
             <a:endParaRPr b="0" lang="en-US" sz="1200" spc="-1" strike="noStrike">
+              <a:solidFill>
+                <a:srgbClr val="ffffff"/>
+              </a:solidFill>
+              <a:uFill>
+                <a:solidFill>
+                  <a:srgbClr val="ffffff"/>
+                </a:solidFill>
+              </a:uFill>
               <a:latin typeface="Arial"/>
             </a:endParaRPr>
           </a:p>
@@ -20379,7 +24151,7 @@
         <p:spPr>
           <a:xfrm>
             <a:off x="3663360" y="1922760"/>
-            <a:ext cx="5901480" cy="1808640"/>
+            <a:ext cx="5901120" cy="1808280"/>
           </a:xfrm>
           <a:prstGeom prst="rect">
             <a:avLst/>
@@ -20447,7 +24219,7 @@
         <p:spPr>
           <a:xfrm>
             <a:off x="5409720" y="2397600"/>
-            <a:ext cx="2954520" cy="302400"/>
+            <a:ext cx="2954160" cy="302040"/>
           </a:xfrm>
           <a:prstGeom prst="rect">
             <a:avLst/>
@@ -20479,12 +24251,25 @@
                 <a:solidFill>
                   <a:srgbClr val="808080"/>
                 </a:solidFill>
+                <a:uFill>
+                  <a:solidFill>
+                    <a:srgbClr val="ffffff"/>
+                  </a:solidFill>
+                </a:uFill>
                 <a:latin typeface="Raleway Black"/>
                 <a:ea typeface="Raleway Black"/>
               </a:rPr>
               <a:t>GAPS SHOULD BE RESERVED</a:t>
             </a:r>
             <a:endParaRPr b="0" lang="en-US" sz="1000" spc="-1" strike="noStrike">
+              <a:solidFill>
+                <a:srgbClr val="ffffff"/>
+              </a:solidFill>
+              <a:uFill>
+                <a:solidFill>
+                  <a:srgbClr val="ffffff"/>
+                </a:solidFill>
+              </a:uFill>
               <a:latin typeface="Arial"/>
             </a:endParaRPr>
           </a:p>
@@ -20499,7 +24284,7 @@
         <p:spPr>
           <a:xfrm>
             <a:off x="5409720" y="2660760"/>
-            <a:ext cx="2954520" cy="352440"/>
+            <a:ext cx="2954160" cy="352080"/>
           </a:xfrm>
           <a:prstGeom prst="rect">
             <a:avLst/>
@@ -20528,6 +24313,11 @@
                 <a:solidFill>
                   <a:srgbClr val="666666"/>
                 </a:solidFill>
+                <a:uFill>
+                  <a:solidFill>
+                    <a:srgbClr val="ffffff"/>
+                  </a:solidFill>
+                </a:uFill>
                 <a:latin typeface="Perpetua"/>
                 <a:ea typeface="DejaVu Sans"/>
               </a:rPr>
@@ -20538,12 +24328,25 @@
                 <a:solidFill>
                   <a:srgbClr val="666666"/>
                 </a:solidFill>
+                <a:uFill>
+                  <a:solidFill>
+                    <a:srgbClr val="ffffff"/>
+                  </a:solidFill>
+                </a:uFill>
                 <a:latin typeface="Perpetua"/>
                 <a:ea typeface="DejaVu Sans"/>
               </a:rPr>
               <a:t>Gaps between component’s boundaries and            coordinates' boundaries </a:t>
             </a:r>
             <a:endParaRPr b="0" lang="en-US" sz="900" spc="-1" strike="noStrike">
+              <a:solidFill>
+                <a:srgbClr val="ffffff"/>
+              </a:solidFill>
+              <a:uFill>
+                <a:solidFill>
+                  <a:srgbClr val="ffffff"/>
+                </a:solidFill>
+              </a:uFill>
               <a:latin typeface="Arial"/>
             </a:endParaRPr>
           </a:p>
@@ -20558,6 +24361,11 @@
                 <a:solidFill>
                   <a:srgbClr val="666666"/>
                 </a:solidFill>
+                <a:uFill>
+                  <a:solidFill>
+                    <a:srgbClr val="ffffff"/>
+                  </a:solidFill>
+                </a:uFill>
                 <a:latin typeface="Perpetua"/>
                 <a:ea typeface="DejaVu Sans"/>
               </a:rPr>
@@ -20568,12 +24376,25 @@
                 <a:solidFill>
                   <a:srgbClr val="666666"/>
                 </a:solidFill>
+                <a:uFill>
+                  <a:solidFill>
+                    <a:srgbClr val="ffffff"/>
+                  </a:solidFill>
+                </a:uFill>
                 <a:latin typeface="Perpetua"/>
                 <a:ea typeface="DejaVu Sans"/>
               </a:rPr>
               <a:t>Gaps between coordinates' boundaries and             drawing boundaries</a:t>
             </a:r>
             <a:endParaRPr b="0" lang="en-US" sz="900" spc="-1" strike="noStrike">
+              <a:solidFill>
+                <a:srgbClr val="ffffff"/>
+              </a:solidFill>
+              <a:uFill>
+                <a:solidFill>
+                  <a:srgbClr val="ffffff"/>
+                </a:solidFill>
+              </a:uFill>
               <a:latin typeface="Arial"/>
             </a:endParaRPr>
           </a:p>
@@ -20588,7 +24409,7 @@
         <p:spPr>
           <a:xfrm>
             <a:off x="2496960" y="372960"/>
-            <a:ext cx="4161600" cy="575640"/>
+            <a:ext cx="4161240" cy="575280"/>
           </a:xfrm>
           <a:prstGeom prst="rect">
             <a:avLst/>
@@ -20620,12 +24441,25 @@
                 <a:solidFill>
                   <a:srgbClr val="c5c5c5"/>
                 </a:solidFill>
+                <a:uFill>
+                  <a:solidFill>
+                    <a:srgbClr val="ffffff"/>
+                  </a:solidFill>
+                </a:uFill>
                 <a:latin typeface="Raleway Light"/>
                 <a:ea typeface="Raleway Light"/>
               </a:rPr>
               <a:t>Services</a:t>
             </a:r>
             <a:endParaRPr b="0" lang="en-US" sz="4000" spc="-1" strike="noStrike">
+              <a:solidFill>
+                <a:srgbClr val="ffffff"/>
+              </a:solidFill>
+              <a:uFill>
+                <a:solidFill>
+                  <a:srgbClr val="ffffff"/>
+                </a:solidFill>
+              </a:uFill>
               <a:latin typeface="Arial"/>
             </a:endParaRPr>
           </a:p>
@@ -20640,7 +24474,7 @@
         <p:spPr>
           <a:xfrm>
             <a:off x="2496960" y="995040"/>
-            <a:ext cx="4161600" cy="220320"/>
+            <a:ext cx="4161240" cy="219960"/>
           </a:xfrm>
           <a:prstGeom prst="rect">
             <a:avLst/>
@@ -20672,12 +24506,25 @@
                 <a:solidFill>
                   <a:srgbClr val="8db7a9"/>
                 </a:solidFill>
+                <a:uFill>
+                  <a:solidFill>
+                    <a:srgbClr val="ffffff"/>
+                  </a:solidFill>
+                </a:uFill>
                 <a:latin typeface="Raleway Black"/>
                 <a:ea typeface="Raleway Black"/>
               </a:rPr>
               <a:t>MORE QUALITY LESS QUANTITY</a:t>
             </a:r>
             <a:endParaRPr b="0" lang="en-US" sz="1000" spc="-1" strike="noStrike">
+              <a:solidFill>
+                <a:srgbClr val="ffffff"/>
+              </a:solidFill>
+              <a:uFill>
+                <a:solidFill>
+                  <a:srgbClr val="ffffff"/>
+                </a:solidFill>
+              </a:uFill>
               <a:latin typeface="Arial"/>
             </a:endParaRPr>
           </a:p>
@@ -20696,7 +24543,7 @@
         <p:spPr>
           <a:xfrm>
             <a:off x="182880" y="1738800"/>
-            <a:ext cx="4926600" cy="2038680"/>
+            <a:ext cx="4926240" cy="2038320"/>
           </a:xfrm>
           <a:prstGeom prst="rect">
             <a:avLst/>
@@ -20714,8 +24561,8 @@
         </p:nvSpPr>
         <p:spPr>
           <a:xfrm rot="10800000">
-            <a:off x="6372000" y="3503160"/>
-            <a:ext cx="322560" cy="252000"/>
+            <a:off x="6694560" y="3755160"/>
+            <a:ext cx="322200" cy="251640"/>
           </a:xfrm>
           <a:custGeom>
             <a:avLst/>
@@ -20860,7 +24707,7 @@
         <p:spPr>
           <a:xfrm>
             <a:off x="2242080" y="963360"/>
-            <a:ext cx="4658040" cy="616320"/>
+            <a:ext cx="4657680" cy="615960"/>
           </a:xfrm>
           <a:prstGeom prst="rect">
             <a:avLst/>
@@ -20892,12 +24739,25 @@
                 <a:solidFill>
                   <a:srgbClr val="808080"/>
                 </a:solidFill>
+                <a:uFill>
+                  <a:solidFill>
+                    <a:srgbClr val="ffffff"/>
+                  </a:solidFill>
+                </a:uFill>
                 <a:latin typeface="Raleway Light"/>
                 <a:ea typeface="Raleway Light"/>
               </a:rPr>
               <a:t>Demo</a:t>
             </a:r>
             <a:endParaRPr b="0" lang="en-US" sz="5000" spc="-1" strike="noStrike">
+              <a:solidFill>
+                <a:srgbClr val="ffffff"/>
+              </a:solidFill>
+              <a:uFill>
+                <a:solidFill>
+                  <a:srgbClr val="ffffff"/>
+                </a:solidFill>
+              </a:uFill>
               <a:latin typeface="Arial"/>
             </a:endParaRPr>
           </a:p>
@@ -20912,7 +24772,7 @@
         <p:spPr>
           <a:xfrm>
             <a:off x="2664720" y="1581480"/>
-            <a:ext cx="3926520" cy="302400"/>
+            <a:ext cx="3926160" cy="302040"/>
           </a:xfrm>
           <a:prstGeom prst="rect">
             <a:avLst/>
@@ -20944,12 +24804,25 @@
                 <a:solidFill>
                   <a:srgbClr val="22957b"/>
                 </a:solidFill>
+                <a:uFill>
+                  <a:solidFill>
+                    <a:srgbClr val="ffffff"/>
+                  </a:solidFill>
+                </a:uFill>
                 <a:latin typeface="Raleway Black"/>
                 <a:ea typeface="Raleway Black"/>
               </a:rPr>
               <a:t>A TIME SERIES APPLICATION WITH JAVA</a:t>
             </a:r>
             <a:endParaRPr b="0" lang="en-US" sz="1000" spc="-1" strike="noStrike">
+              <a:solidFill>
+                <a:srgbClr val="ffffff"/>
+              </a:solidFill>
+              <a:uFill>
+                <a:solidFill>
+                  <a:srgbClr val="ffffff"/>
+                </a:solidFill>
+              </a:uFill>
               <a:latin typeface="Arial"/>
             </a:endParaRPr>
           </a:p>
@@ -20964,7 +24837,7 @@
         <p:spPr>
           <a:xfrm>
             <a:off x="2466000" y="2058120"/>
-            <a:ext cx="4388040" cy="2275560"/>
+            <a:ext cx="4387680" cy="2275200"/>
           </a:xfrm>
           <a:prstGeom prst="rect">
             <a:avLst/>
@@ -20993,6 +24866,11 @@
                 <a:solidFill>
                   <a:srgbClr val="999999"/>
                 </a:solidFill>
+                <a:uFill>
+                  <a:solidFill>
+                    <a:srgbClr val="ffffff"/>
+                  </a:solidFill>
+                </a:uFill>
                 <a:latin typeface="Arial"/>
                 <a:ea typeface="Lato"/>
               </a:rPr>
@@ -21003,6 +24881,11 @@
                 <a:solidFill>
                   <a:srgbClr val="999999"/>
                 </a:solidFill>
+                <a:uFill>
+                  <a:solidFill>
+                    <a:srgbClr val="ffffff"/>
+                  </a:solidFill>
+                </a:uFill>
                 <a:latin typeface="Arial"/>
                 <a:ea typeface="Lato"/>
               </a:rPr>
@@ -21013,12 +24896,25 @@
                 <a:solidFill>
                   <a:srgbClr val="999999"/>
                 </a:solidFill>
+                <a:uFill>
+                  <a:solidFill>
+                    <a:srgbClr val="ffffff"/>
+                  </a:solidFill>
+                </a:uFill>
                 <a:latin typeface="Arial"/>
                 <a:ea typeface="Lato"/>
               </a:rPr>
               <a:t> is a sequence of data points, typically consisting of successive measurements made over a time interval. Examples of time series are electrocardiograms (ECG), ocean tides, counts of sunspots, and the daily closing value of the Dow Jones Industrial Average. Time series are very frequently plotted via line charts. (Wikipedia)</a:t>
             </a:r>
             <a:endParaRPr b="0" lang="en-US" sz="1050" spc="-1" strike="noStrike">
+              <a:solidFill>
+                <a:srgbClr val="ffffff"/>
+              </a:solidFill>
+              <a:uFill>
+                <a:solidFill>
+                  <a:srgbClr val="ffffff"/>
+                </a:solidFill>
+              </a:uFill>
               <a:latin typeface="Arial"/>
             </a:endParaRPr>
           </a:p>
@@ -21082,7 +24978,7 @@
         <p:spPr>
           <a:xfrm>
             <a:off x="4572000" y="526680"/>
-            <a:ext cx="4101840" cy="575640"/>
+            <a:ext cx="4101480" cy="575280"/>
           </a:xfrm>
           <a:prstGeom prst="rect">
             <a:avLst/>
@@ -21114,12 +25010,25 @@
                 <a:solidFill>
                   <a:srgbClr val="c5c5c5"/>
                 </a:solidFill>
+                <a:uFill>
+                  <a:solidFill>
+                    <a:srgbClr val="ffffff"/>
+                  </a:solidFill>
+                </a:uFill>
                 <a:latin typeface="Raleway Light"/>
                 <a:ea typeface="Raleway Light"/>
               </a:rPr>
               <a:t>What will you get?</a:t>
             </a:r>
             <a:endParaRPr b="0" lang="en-US" sz="2800" spc="-1" strike="noStrike">
+              <a:solidFill>
+                <a:srgbClr val="ffffff"/>
+              </a:solidFill>
+              <a:uFill>
+                <a:solidFill>
+                  <a:srgbClr val="ffffff"/>
+                </a:solidFill>
+              </a:uFill>
               <a:latin typeface="Arial"/>
             </a:endParaRPr>
           </a:p>
@@ -21134,7 +25043,7 @@
         <p:spPr>
           <a:xfrm>
             <a:off x="4572000" y="1364760"/>
-            <a:ext cx="4101840" cy="220320"/>
+            <a:ext cx="4101480" cy="219960"/>
           </a:xfrm>
           <a:prstGeom prst="rect">
             <a:avLst/>
@@ -21163,12 +25072,25 @@
                 <a:solidFill>
                   <a:srgbClr val="8db7a9"/>
                 </a:solidFill>
+                <a:uFill>
+                  <a:solidFill>
+                    <a:srgbClr val="ffffff"/>
+                  </a:solidFill>
+                </a:uFill>
                 <a:latin typeface="Raleway Black"/>
                 <a:ea typeface="Raleway Black"/>
               </a:rPr>
               <a:t>&lt;= a product like the picture,</a:t>
             </a:r>
             <a:endParaRPr b="0" lang="en-US" sz="900" spc="-1" strike="noStrike">
+              <a:solidFill>
+                <a:srgbClr val="ffffff"/>
+              </a:solidFill>
+              <a:uFill>
+                <a:solidFill>
+                  <a:srgbClr val="ffffff"/>
+                </a:solidFill>
+              </a:uFill>
               <a:latin typeface="Arial"/>
             </a:endParaRPr>
           </a:p>
@@ -21183,12 +25105,25 @@
                 <a:solidFill>
                   <a:srgbClr val="8db7a9"/>
                 </a:solidFill>
+                <a:uFill>
+                  <a:solidFill>
+                    <a:srgbClr val="ffffff"/>
+                  </a:solidFill>
+                </a:uFill>
                 <a:latin typeface="Raleway Black"/>
                 <a:ea typeface="Raleway Black"/>
               </a:rPr>
               <a:t>with below features</a:t>
             </a:r>
             <a:endParaRPr b="0" lang="en-US" sz="900" spc="-1" strike="noStrike">
+              <a:solidFill>
+                <a:srgbClr val="ffffff"/>
+              </a:solidFill>
+              <a:uFill>
+                <a:solidFill>
+                  <a:srgbClr val="ffffff"/>
+                </a:solidFill>
+              </a:uFill>
               <a:latin typeface="Arial"/>
             </a:endParaRPr>
           </a:p>
@@ -21203,7 +25138,7 @@
         <p:spPr>
           <a:xfrm>
             <a:off x="6429240" y="1915560"/>
-            <a:ext cx="2954520" cy="302400"/>
+            <a:ext cx="2954160" cy="302040"/>
           </a:xfrm>
           <a:prstGeom prst="rect">
             <a:avLst/>
@@ -21235,12 +25170,25 @@
                 <a:solidFill>
                   <a:srgbClr val="808080"/>
                 </a:solidFill>
+                <a:uFill>
+                  <a:solidFill>
+                    <a:srgbClr val="ffffff"/>
+                  </a:solidFill>
+                </a:uFill>
                 <a:latin typeface="Raleway Black"/>
                 <a:ea typeface="Raleway Black"/>
               </a:rPr>
               <a:t>Enter data series</a:t>
             </a:r>
             <a:endParaRPr b="0" lang="en-US" sz="1000" spc="-1" strike="noStrike">
+              <a:solidFill>
+                <a:srgbClr val="ffffff"/>
+              </a:solidFill>
+              <a:uFill>
+                <a:solidFill>
+                  <a:srgbClr val="ffffff"/>
+                </a:solidFill>
+              </a:uFill>
               <a:latin typeface="Arial"/>
             </a:endParaRPr>
           </a:p>
@@ -21255,7 +25203,7 @@
         <p:spPr>
           <a:xfrm>
             <a:off x="6429240" y="2219760"/>
-            <a:ext cx="2954520" cy="352440"/>
+            <a:ext cx="2954160" cy="352080"/>
           </a:xfrm>
           <a:prstGeom prst="rect">
             <a:avLst/>
@@ -21276,7 +25224,7 @@
           <a:p>
             <a:pPr>
               <a:lnSpc>
-                <a:spcPts val="8"/>
+                <a:spcPts val="3"/>
               </a:lnSpc>
               <a:spcBef>
                 <a:spcPts val="751"/>
@@ -21287,12 +25235,25 @@
                 <a:solidFill>
                   <a:srgbClr val="808080"/>
                 </a:solidFill>
+                <a:uFill>
+                  <a:solidFill>
+                    <a:srgbClr val="ffffff"/>
+                  </a:solidFill>
+                </a:uFill>
                 <a:latin typeface="Lato"/>
                 <a:ea typeface="Lato"/>
               </a:rPr>
               <a:t>Datas are sent via the text area.</a:t>
             </a:r>
             <a:endParaRPr b="0" lang="en-US" sz="900" spc="-1" strike="noStrike">
+              <a:solidFill>
+                <a:srgbClr val="ffffff"/>
+              </a:solidFill>
+              <a:uFill>
+                <a:solidFill>
+                  <a:srgbClr val="ffffff"/>
+                </a:solidFill>
+              </a:uFill>
               <a:latin typeface="Arial"/>
             </a:endParaRPr>
           </a:p>
@@ -21307,7 +25268,7 @@
         <p:spPr>
           <a:xfrm>
             <a:off x="6192000" y="1961640"/>
-            <a:ext cx="98280" cy="609840"/>
+            <a:ext cx="97920" cy="609480"/>
           </a:xfrm>
           <a:prstGeom prst="roundRect">
             <a:avLst>
@@ -21348,7 +25309,7 @@
         <p:spPr>
           <a:xfrm>
             <a:off x="6429240" y="2674080"/>
-            <a:ext cx="2954520" cy="302400"/>
+            <a:ext cx="2954160" cy="302040"/>
           </a:xfrm>
           <a:prstGeom prst="rect">
             <a:avLst/>
@@ -21380,12 +25341,25 @@
                 <a:solidFill>
                   <a:srgbClr val="808080"/>
                 </a:solidFill>
+                <a:uFill>
+                  <a:solidFill>
+                    <a:srgbClr val="ffffff"/>
+                  </a:solidFill>
+                </a:uFill>
                 <a:latin typeface="Raleway Black"/>
                 <a:ea typeface="Raleway Black"/>
               </a:rPr>
               <a:t>Automatic setting interval</a:t>
             </a:r>
             <a:endParaRPr b="0" lang="en-US" sz="1000" spc="-1" strike="noStrike">
+              <a:solidFill>
+                <a:srgbClr val="ffffff"/>
+              </a:solidFill>
+              <a:uFill>
+                <a:solidFill>
+                  <a:srgbClr val="ffffff"/>
+                </a:solidFill>
+              </a:uFill>
               <a:latin typeface="Arial"/>
             </a:endParaRPr>
           </a:p>
@@ -21400,7 +25374,7 @@
         <p:spPr>
           <a:xfrm>
             <a:off x="6429240" y="2977920"/>
-            <a:ext cx="2954520" cy="352440"/>
+            <a:ext cx="2954160" cy="352080"/>
           </a:xfrm>
           <a:prstGeom prst="rect">
             <a:avLst/>
@@ -21421,7 +25395,7 @@
           <a:p>
             <a:pPr>
               <a:lnSpc>
-                <a:spcPts val="8"/>
+                <a:spcPts val="3"/>
               </a:lnSpc>
               <a:spcBef>
                 <a:spcPts val="751"/>
@@ -21432,12 +25406,25 @@
                 <a:solidFill>
                   <a:srgbClr val="808080"/>
                 </a:solidFill>
+                <a:uFill>
+                  <a:solidFill>
+                    <a:srgbClr val="ffffff"/>
+                  </a:solidFill>
+                </a:uFill>
                 <a:latin typeface="Lato"/>
                 <a:ea typeface="Lato"/>
               </a:rPr>
               <a:t>Our graph is smart enough to know where it should stadding.</a:t>
             </a:r>
             <a:endParaRPr b="0" lang="en-US" sz="900" spc="-1" strike="noStrike">
+              <a:solidFill>
+                <a:srgbClr val="ffffff"/>
+              </a:solidFill>
+              <a:uFill>
+                <a:solidFill>
+                  <a:srgbClr val="ffffff"/>
+                </a:solidFill>
+              </a:uFill>
               <a:latin typeface="Arial"/>
             </a:endParaRPr>
           </a:p>
@@ -21452,7 +25439,7 @@
         <p:spPr>
           <a:xfrm>
             <a:off x="6192000" y="2720160"/>
-            <a:ext cx="98280" cy="609840"/>
+            <a:ext cx="97920" cy="609480"/>
           </a:xfrm>
           <a:prstGeom prst="roundRect">
             <a:avLst>
@@ -21493,7 +25480,7 @@
         <p:spPr>
           <a:xfrm>
             <a:off x="6429240" y="3478680"/>
-            <a:ext cx="2954520" cy="302400"/>
+            <a:ext cx="2954160" cy="302040"/>
           </a:xfrm>
           <a:prstGeom prst="rect">
             <a:avLst/>
@@ -21525,12 +25512,25 @@
                 <a:solidFill>
                   <a:srgbClr val="808080"/>
                 </a:solidFill>
+                <a:uFill>
+                  <a:solidFill>
+                    <a:srgbClr val="ffffff"/>
+                  </a:solidFill>
+                </a:uFill>
                 <a:latin typeface="Raleway Black"/>
                 <a:ea typeface="Raleway Black"/>
               </a:rPr>
               <a:t>Emtremelly value</a:t>
             </a:r>
             <a:endParaRPr b="0" lang="en-US" sz="1000" spc="-1" strike="noStrike">
+              <a:solidFill>
+                <a:srgbClr val="ffffff"/>
+              </a:solidFill>
+              <a:uFill>
+                <a:solidFill>
+                  <a:srgbClr val="ffffff"/>
+                </a:solidFill>
+              </a:uFill>
               <a:latin typeface="Arial"/>
             </a:endParaRPr>
           </a:p>
@@ -21545,7 +25545,7 @@
         <p:spPr>
           <a:xfrm>
             <a:off x="6429240" y="3782520"/>
-            <a:ext cx="2372400" cy="352440"/>
+            <a:ext cx="2372040" cy="352080"/>
           </a:xfrm>
           <a:prstGeom prst="rect">
             <a:avLst/>
@@ -21566,7 +25566,7 @@
           <a:p>
             <a:pPr>
               <a:lnSpc>
-                <a:spcPts val="8"/>
+                <a:spcPts val="3"/>
               </a:lnSpc>
               <a:spcBef>
                 <a:spcPts val="751"/>
@@ -21577,12 +25577,25 @@
                 <a:solidFill>
                   <a:srgbClr val="808080"/>
                 </a:solidFill>
+                <a:uFill>
+                  <a:solidFill>
+                    <a:srgbClr val="ffffff"/>
+                  </a:solidFill>
+                </a:uFill>
                 <a:latin typeface="Lato"/>
                 <a:ea typeface="Lato"/>
               </a:rPr>
               <a:t>Calculating max and min value of the time series.</a:t>
             </a:r>
             <a:endParaRPr b="0" lang="en-US" sz="900" spc="-1" strike="noStrike">
+              <a:solidFill>
+                <a:srgbClr val="ffffff"/>
+              </a:solidFill>
+              <a:uFill>
+                <a:solidFill>
+                  <a:srgbClr val="ffffff"/>
+                </a:solidFill>
+              </a:uFill>
               <a:latin typeface="Arial"/>
             </a:endParaRPr>
           </a:p>
@@ -21597,7 +25610,7 @@
         <p:spPr>
           <a:xfrm>
             <a:off x="6192000" y="3525120"/>
-            <a:ext cx="98280" cy="609840"/>
+            <a:ext cx="97920" cy="609480"/>
           </a:xfrm>
           <a:prstGeom prst="roundRect">
             <a:avLst>
@@ -21639,7 +25652,7 @@
         <p:spPr>
           <a:xfrm>
             <a:off x="202320" y="1105920"/>
-            <a:ext cx="5776560" cy="3247200"/>
+            <a:ext cx="5776200" cy="3246840"/>
           </a:xfrm>
           <a:prstGeom prst="rect">
             <a:avLst/>
